--- a/Docs/Presentations/Slides/froyo_edits.pptx
+++ b/Docs/Presentations/Slides/froyo_edits.pptx
@@ -5,17 +5,19 @@
     <p:sldMasterId id="2147483660" r:id="rId1"/>
   </p:sldMasterIdLst>
   <p:notesMasterIdLst>
-    <p:notesMasterId r:id="rId7"/>
+    <p:notesMasterId r:id="rId9"/>
   </p:notesMasterIdLst>
   <p:handoutMasterIdLst>
-    <p:handoutMasterId r:id="rId8"/>
+    <p:handoutMasterId r:id="rId10"/>
   </p:handoutMasterIdLst>
   <p:sldIdLst>
     <p:sldId id="257" r:id="rId2"/>
     <p:sldId id="259" r:id="rId3"/>
     <p:sldId id="260" r:id="rId4"/>
     <p:sldId id="258" r:id="rId5"/>
-    <p:sldId id="256" r:id="rId6"/>
+    <p:sldId id="261" r:id="rId6"/>
+    <p:sldId id="256" r:id="rId7"/>
+    <p:sldId id="262" r:id="rId8"/>
   </p:sldIdLst>
   <p:sldSz cx="12192000" cy="6858000"/>
   <p:notesSz cx="6858000" cy="9144000"/>
@@ -1108,7 +1110,7 @@
           <a:p>
             <a:fld id="{41270EAE-2722-4055-9DC6-0148D79BD176}" type="slidenum">
               <a:rPr lang="en-US" smtClean="0"/>
-              <a:t>5</a:t>
+              <a:t>6</a:t>
             </a:fld>
             <a:endParaRPr lang="en-US"/>
           </a:p>
@@ -4167,8 +4169,8 @@
         </p:blipFill>
         <p:spPr>
           <a:xfrm>
-            <a:off x="609600" y="2581756"/>
-            <a:ext cx="3484384" cy="3163353"/>
+            <a:off x="1197559" y="2770603"/>
+            <a:ext cx="3033284" cy="2753815"/>
           </a:xfrm>
           <a:prstGeom prst="rect">
             <a:avLst/>
@@ -4191,8 +4193,8 @@
         </p:blipFill>
         <p:spPr>
           <a:xfrm>
-            <a:off x="4459284" y="2562948"/>
-            <a:ext cx="3273425" cy="3163353"/>
+            <a:off x="4605879" y="2745284"/>
+            <a:ext cx="2849637" cy="2753815"/>
           </a:xfrm>
           <a:prstGeom prst="rect">
             <a:avLst/>
@@ -4208,7 +4210,7 @@
           <p:nvPr/>
         </p:nvPicPr>
         <p:blipFill>
-          <a:blip r:embed="rId4">
+          <a:blip r:embed="rId4" cstate="print">
             <a:extLst>
               <a:ext uri="{28A0092B-C50C-407E-A947-70E740481C1C}">
                 <a14:useLocalDpi xmlns:a14="http://schemas.microsoft.com/office/drawing/2010/main" val="0"/>
@@ -4222,8 +4224,8 @@
         </p:blipFill>
         <p:spPr bwMode="auto">
           <a:xfrm>
-            <a:off x="8098013" y="2510733"/>
-            <a:ext cx="3209494" cy="3234376"/>
+            <a:off x="8042306" y="2693068"/>
+            <a:ext cx="2784444" cy="2806030"/>
           </a:xfrm>
           <a:prstGeom prst="rect">
             <a:avLst/>
@@ -5244,23 +5246,8 @@
                 </a:solidFill>
                 <a:latin typeface="Garamond" panose="02020404030301010803" pitchFamily="18" charset="0"/>
               </a:rPr>
-              <a:t>Scientific </a:t>
-            </a:r>
-            <a:r>
-              <a:rPr lang="en-US" sz="2400" b="1" dirty="0" smtClean="0">
-                <a:solidFill>
-                  <a:srgbClr val="C00000"/>
-                </a:solidFill>
-                <a:latin typeface="Garamond" panose="02020404030301010803" pitchFamily="18" charset="0"/>
-              </a:rPr>
-              <a:t>computing</a:t>
-            </a:r>
-            <a:endParaRPr lang="en-US" sz="2400" b="1" dirty="0" smtClean="0">
-              <a:solidFill>
-                <a:srgbClr val="C00000"/>
-              </a:solidFill>
-              <a:latin typeface="Garamond" panose="02020404030301010803" pitchFamily="18" charset="0"/>
-            </a:endParaRPr>
+              <a:t>Scientific computing</a:t>
+            </a:r>
           </a:p>
         </p:txBody>
       </p:sp>
@@ -5913,9 +5900,6 @@
               </a:rPr>
               <a:t>(3D-Printed Stainless Steel)</a:t>
             </a:r>
-            <a:endParaRPr lang="en-US" sz="1400" b="1" dirty="0" smtClean="0">
-              <a:latin typeface="Garamond" panose="02020404030301010803" pitchFamily="18" charset="0"/>
-            </a:endParaRPr>
           </a:p>
         </p:txBody>
       </p:sp>
@@ -5958,6 +5942,87 @@
       </p:grpSpPr>
       <p:sp>
         <p:nvSpPr>
+          <p:cNvPr id="2" name="Title 1"/>
+          <p:cNvSpPr>
+            <a:spLocks noGrp="1"/>
+          </p:cNvSpPr>
+          <p:nvPr>
+            <p:ph type="title"/>
+          </p:nvPr>
+        </p:nvSpPr>
+        <p:spPr/>
+        <p:txBody>
+          <a:bodyPr/>
+          <a:lstStyle/>
+          <a:p>
+            <a:pPr algn="ctr"/>
+            <a:r>
+              <a:rPr lang="en-US" dirty="0" smtClean="0">
+                <a:latin typeface="Garamond" panose="02020404030301010803" pitchFamily="18" charset="0"/>
+              </a:rPr>
+              <a:t>Performance Testing</a:t>
+            </a:r>
+            <a:endParaRPr lang="en-US" dirty="0">
+              <a:latin typeface="Garamond" panose="02020404030301010803" pitchFamily="18" charset="0"/>
+            </a:endParaRPr>
+          </a:p>
+        </p:txBody>
+      </p:sp>
+      <p:sp>
+        <p:nvSpPr>
+          <p:cNvPr id="4" name="Slide Number Placeholder 3"/>
+          <p:cNvSpPr>
+            <a:spLocks noGrp="1"/>
+          </p:cNvSpPr>
+          <p:nvPr>
+            <p:ph type="sldNum" sz="quarter" idx="12"/>
+          </p:nvPr>
+        </p:nvSpPr>
+        <p:spPr/>
+        <p:txBody>
+          <a:bodyPr/>
+          <a:lstStyle/>
+          <a:p>
+            <a:fld id="{27225834-A5F4-4780-A9FC-586FB30F9BB0}" type="slidenum">
+              <a:rPr lang="en-US" smtClean="0"/>
+              <a:t>5</a:t>
+            </a:fld>
+            <a:endParaRPr lang="en-US"/>
+          </a:p>
+        </p:txBody>
+      </p:sp>
+    </p:spTree>
+    <p:extLst>
+      <p:ext uri="{BB962C8B-B14F-4D97-AF65-F5344CB8AC3E}">
+        <p14:creationId xmlns:p14="http://schemas.microsoft.com/office/powerpoint/2010/main" val="798034103"/>
+      </p:ext>
+    </p:extLst>
+  </p:cSld>
+  <p:clrMapOvr>
+    <a:masterClrMapping/>
+  </p:clrMapOvr>
+</p:sld>
+</file>
+
+<file path=ppt/slides/slide6.xml><?xml version="1.0" encoding="utf-8"?>
+<p:sld xmlns:a="http://schemas.openxmlformats.org/drawingml/2006/main" xmlns:r="http://schemas.openxmlformats.org/officeDocument/2006/relationships" xmlns:p="http://schemas.openxmlformats.org/presentationml/2006/main">
+  <p:cSld>
+    <p:spTree>
+      <p:nvGrpSpPr>
+        <p:cNvPr id="1" name=""/>
+        <p:cNvGrpSpPr/>
+        <p:nvPr/>
+      </p:nvGrpSpPr>
+      <p:grpSpPr>
+        <a:xfrm>
+          <a:off x="0" y="0"/>
+          <a:ext cx="0" cy="0"/>
+          <a:chOff x="0" y="0"/>
+          <a:chExt cx="0" cy="0"/>
+        </a:xfrm>
+      </p:grpSpPr>
+      <p:sp>
+        <p:nvSpPr>
           <p:cNvPr id="4" name="Slide Number Placeholder 3"/>
           <p:cNvSpPr>
             <a:spLocks noGrp="1"/>
@@ -5980,7 +6045,7 @@
               <a:rPr lang="en-US" smtClean="0">
                 <a:latin typeface="Garamond" panose="02020404030301010803" pitchFamily="18" charset="0"/>
               </a:rPr>
-              <a:t>5</a:t>
+              <a:t>6</a:t>
             </a:fld>
             <a:endParaRPr lang="en-US" dirty="0">
               <a:latin typeface="Garamond" panose="02020404030301010803" pitchFamily="18" charset="0"/>
@@ -6029,6 +6094,59 @@
       </p:par>
     </p:tnLst>
   </p:timing>
+</p:sld>
+</file>
+
+<file path=ppt/slides/slide7.xml><?xml version="1.0" encoding="utf-8"?>
+<p:sld xmlns:a="http://schemas.openxmlformats.org/drawingml/2006/main" xmlns:r="http://schemas.openxmlformats.org/officeDocument/2006/relationships" xmlns:p="http://schemas.openxmlformats.org/presentationml/2006/main">
+  <p:cSld>
+    <p:spTree>
+      <p:nvGrpSpPr>
+        <p:cNvPr id="1" name=""/>
+        <p:cNvGrpSpPr/>
+        <p:nvPr/>
+      </p:nvGrpSpPr>
+      <p:grpSpPr>
+        <a:xfrm>
+          <a:off x="0" y="0"/>
+          <a:ext cx="0" cy="0"/>
+          <a:chOff x="0" y="0"/>
+          <a:chExt cx="0" cy="0"/>
+        </a:xfrm>
+      </p:grpSpPr>
+      <p:sp>
+        <p:nvSpPr>
+          <p:cNvPr id="4" name="Slide Number Placeholder 3"/>
+          <p:cNvSpPr>
+            <a:spLocks noGrp="1"/>
+          </p:cNvSpPr>
+          <p:nvPr>
+            <p:ph type="sldNum" sz="quarter" idx="12"/>
+          </p:nvPr>
+        </p:nvSpPr>
+        <p:spPr/>
+        <p:txBody>
+          <a:bodyPr/>
+          <a:lstStyle/>
+          <a:p>
+            <a:fld id="{27225834-A5F4-4780-A9FC-586FB30F9BB0}" type="slidenum">
+              <a:rPr lang="en-US" smtClean="0"/>
+              <a:t>7</a:t>
+            </a:fld>
+            <a:endParaRPr lang="en-US"/>
+          </a:p>
+        </p:txBody>
+      </p:sp>
+    </p:spTree>
+    <p:extLst>
+      <p:ext uri="{BB962C8B-B14F-4D97-AF65-F5344CB8AC3E}">
+        <p14:creationId xmlns:p14="http://schemas.microsoft.com/office/powerpoint/2010/main" val="1415982198"/>
+      </p:ext>
+    </p:extLst>
+  </p:cSld>
+  <p:clrMapOvr>
+    <a:masterClrMapping/>
+  </p:clrMapOvr>
 </p:sld>
 </file>
 

--- a/Docs/Presentations/Slides/froyo_edits.pptx
+++ b/Docs/Presentations/Slides/froyo_edits.pptx
@@ -5,19 +5,23 @@
     <p:sldMasterId id="2147483660" r:id="rId1"/>
   </p:sldMasterIdLst>
   <p:notesMasterIdLst>
-    <p:notesMasterId r:id="rId9"/>
+    <p:notesMasterId r:id="rId13"/>
   </p:notesMasterIdLst>
   <p:handoutMasterIdLst>
-    <p:handoutMasterId r:id="rId10"/>
+    <p:handoutMasterId r:id="rId14"/>
   </p:handoutMasterIdLst>
   <p:sldIdLst>
     <p:sldId id="257" r:id="rId2"/>
     <p:sldId id="259" r:id="rId3"/>
     <p:sldId id="260" r:id="rId4"/>
     <p:sldId id="258" r:id="rId5"/>
-    <p:sldId id="261" r:id="rId6"/>
-    <p:sldId id="256" r:id="rId7"/>
-    <p:sldId id="262" r:id="rId8"/>
+    <p:sldId id="265" r:id="rId6"/>
+    <p:sldId id="261" r:id="rId7"/>
+    <p:sldId id="256" r:id="rId8"/>
+    <p:sldId id="266" r:id="rId9"/>
+    <p:sldId id="262" r:id="rId10"/>
+    <p:sldId id="263" r:id="rId11"/>
+    <p:sldId id="264" r:id="rId12"/>
   </p:sldIdLst>
   <p:sldSz cx="12192000" cy="6858000"/>
   <p:notesSz cx="6858000" cy="9144000"/>
@@ -695,7 +699,38 @@
           <a:bodyPr/>
           <a:lstStyle/>
           <a:p>
-            <a:endParaRPr lang="en-US"/>
+            <a:pPr marL="0" marR="0" lvl="0" indent="0" algn="l" defTabSz="914400" rtl="0" eaLnBrk="1" fontAlgn="auto" latinLnBrk="0" hangingPunct="1">
+              <a:lnSpc>
+                <a:spcPct val="100000"/>
+              </a:lnSpc>
+              <a:spcBef>
+                <a:spcPts val="0"/>
+              </a:spcBef>
+              <a:spcAft>
+                <a:spcPts val="0"/>
+              </a:spcAft>
+              <a:buClrTx/>
+              <a:buSzTx/>
+              <a:buFontTx/>
+              <a:buNone/>
+              <a:tabLst/>
+              <a:defRPr/>
+            </a:pPr>
+            <a:r>
+              <a:rPr lang="en-US" sz="1200" b="0" i="0" kern="1200" dirty="0" smtClean="0">
+                <a:solidFill>
+                  <a:schemeClr val="tx1"/>
+                </a:solidFill>
+                <a:effectLst/>
+                <a:latin typeface="+mn-lt"/>
+                <a:ea typeface="+mn-ea"/>
+                <a:cs typeface="+mn-cs"/>
+              </a:rPr>
+              <a:t>allowable test tolerances</a:t>
+            </a:r>
+          </a:p>
+          <a:p>
+            <a:endParaRPr lang="en-US" dirty="0"/>
           </a:p>
         </p:txBody>
       </p:sp>
@@ -726,6 +761,175 @@
     <p:extLst>
       <p:ext uri="{BB962C8B-B14F-4D97-AF65-F5344CB8AC3E}">
         <p14:creationId xmlns:p14="http://schemas.microsoft.com/office/powerpoint/2010/main" val="300738307"/>
+      </p:ext>
+    </p:extLst>
+  </p:cSld>
+  <p:clrMapOvr>
+    <a:masterClrMapping/>
+  </p:clrMapOvr>
+</p:notes>
+</file>
+
+<file path=ppt/notesSlides/notesSlide10.xml><?xml version="1.0" encoding="utf-8"?>
+<p:notes xmlns:a="http://schemas.openxmlformats.org/drawingml/2006/main" xmlns:r="http://schemas.openxmlformats.org/officeDocument/2006/relationships" xmlns:p="http://schemas.openxmlformats.org/presentationml/2006/main">
+  <p:cSld>
+    <p:spTree>
+      <p:nvGrpSpPr>
+        <p:cNvPr id="1" name=""/>
+        <p:cNvGrpSpPr/>
+        <p:nvPr/>
+      </p:nvGrpSpPr>
+      <p:grpSpPr>
+        <a:xfrm>
+          <a:off x="0" y="0"/>
+          <a:ext cx="0" cy="0"/>
+          <a:chOff x="0" y="0"/>
+          <a:chExt cx="0" cy="0"/>
+        </a:xfrm>
+      </p:grpSpPr>
+      <p:sp>
+        <p:nvSpPr>
+          <p:cNvPr id="2" name="Slide Image Placeholder 1"/>
+          <p:cNvSpPr>
+            <a:spLocks noGrp="1" noRot="1" noChangeAspect="1"/>
+          </p:cNvSpPr>
+          <p:nvPr>
+            <p:ph type="sldImg"/>
+          </p:nvPr>
+        </p:nvSpPr>
+        <p:spPr/>
+      </p:sp>
+      <p:sp>
+        <p:nvSpPr>
+          <p:cNvPr id="3" name="Notes Placeholder 2"/>
+          <p:cNvSpPr>
+            <a:spLocks noGrp="1"/>
+          </p:cNvSpPr>
+          <p:nvPr>
+            <p:ph type="body" idx="1"/>
+          </p:nvPr>
+        </p:nvSpPr>
+        <p:spPr/>
+        <p:txBody>
+          <a:bodyPr/>
+          <a:lstStyle/>
+          <a:p>
+            <a:r>
+              <a:rPr lang="en-US" sz="1200" b="0" i="0" kern="1200" dirty="0" smtClean="0">
+                <a:solidFill>
+                  <a:schemeClr val="tx1"/>
+                </a:solidFill>
+                <a:effectLst/>
+                <a:latin typeface="+mn-lt"/>
+                <a:ea typeface="+mn-ea"/>
+                <a:cs typeface="+mn-cs"/>
+              </a:rPr>
+              <a:t>operating the pump against close valve for a long time causes considerable damage on the pump since almost all the motor power is transformed into thermal energy which is absorbed by the pumped liquid.</a:t>
+            </a:r>
+          </a:p>
+          <a:p>
+            <a:endParaRPr lang="en-US" sz="1200" b="0" i="0" kern="1200" dirty="0" smtClean="0">
+              <a:solidFill>
+                <a:schemeClr val="tx1"/>
+              </a:solidFill>
+              <a:effectLst/>
+              <a:latin typeface="+mn-lt"/>
+              <a:ea typeface="+mn-ea"/>
+              <a:cs typeface="+mn-cs"/>
+            </a:endParaRPr>
+          </a:p>
+          <a:p>
+            <a:endParaRPr lang="en-US" sz="1200" b="0" i="0" kern="1200" dirty="0" smtClean="0">
+              <a:solidFill>
+                <a:schemeClr val="tx1"/>
+              </a:solidFill>
+              <a:effectLst/>
+              <a:latin typeface="+mn-lt"/>
+              <a:ea typeface="+mn-ea"/>
+              <a:cs typeface="+mn-cs"/>
+            </a:endParaRPr>
+          </a:p>
+          <a:p>
+            <a:r>
+              <a:rPr lang="en-US" sz="1200" b="0" i="0" kern="1200" dirty="0" smtClean="0">
+                <a:solidFill>
+                  <a:schemeClr val="tx1"/>
+                </a:solidFill>
+                <a:effectLst/>
+                <a:latin typeface="+mn-lt"/>
+                <a:ea typeface="+mn-ea"/>
+                <a:cs typeface="+mn-cs"/>
+              </a:rPr>
+              <a:t>Straight radial vane impeller in a single emission point</a:t>
+            </a:r>
+          </a:p>
+          <a:p>
+            <a:endParaRPr lang="en-US" dirty="0" smtClean="0"/>
+          </a:p>
+          <a:p>
+            <a:pPr marL="0" marR="0" lvl="0" indent="0" algn="l" defTabSz="914400" rtl="0" eaLnBrk="1" fontAlgn="auto" latinLnBrk="0" hangingPunct="1">
+              <a:lnSpc>
+                <a:spcPct val="100000"/>
+              </a:lnSpc>
+              <a:spcBef>
+                <a:spcPts val="0"/>
+              </a:spcBef>
+              <a:spcAft>
+                <a:spcPts val="0"/>
+              </a:spcAft>
+              <a:buClrTx/>
+              <a:buSzTx/>
+              <a:buFontTx/>
+              <a:buNone/>
+              <a:tabLst/>
+              <a:defRPr/>
+            </a:pPr>
+            <a:r>
+              <a:rPr lang="en-US" sz="1200" b="1" i="0" kern="1200" dirty="0" smtClean="0">
+                <a:solidFill>
+                  <a:schemeClr val="tx1"/>
+                </a:solidFill>
+                <a:effectLst/>
+                <a:latin typeface="+mn-lt"/>
+                <a:ea typeface="+mn-ea"/>
+                <a:cs typeface="+mn-cs"/>
+              </a:rPr>
+              <a:t>affinity laws should only be used for impeller trims of about 5 percent</a:t>
+            </a:r>
+            <a:endParaRPr lang="en-US" b="1" dirty="0" smtClean="0"/>
+          </a:p>
+          <a:p>
+            <a:endParaRPr lang="en-US" dirty="0"/>
+          </a:p>
+        </p:txBody>
+      </p:sp>
+      <p:sp>
+        <p:nvSpPr>
+          <p:cNvPr id="4" name="Slide Number Placeholder 3"/>
+          <p:cNvSpPr>
+            <a:spLocks noGrp="1"/>
+          </p:cNvSpPr>
+          <p:nvPr>
+            <p:ph type="sldNum" sz="quarter" idx="10"/>
+          </p:nvPr>
+        </p:nvSpPr>
+        <p:spPr/>
+        <p:txBody>
+          <a:bodyPr/>
+          <a:lstStyle/>
+          <a:p>
+            <a:fld id="{41270EAE-2722-4055-9DC6-0148D79BD176}" type="slidenum">
+              <a:rPr lang="en-US" smtClean="0"/>
+              <a:t>11</a:t>
+            </a:fld>
+            <a:endParaRPr lang="en-US"/>
+          </a:p>
+        </p:txBody>
+      </p:sp>
+    </p:spTree>
+    <p:extLst>
+      <p:ext uri="{BB962C8B-B14F-4D97-AF65-F5344CB8AC3E}">
+        <p14:creationId xmlns:p14="http://schemas.microsoft.com/office/powerpoint/2010/main" val="2824371513"/>
       </p:ext>
     </p:extLst>
   </p:cSld>
@@ -785,7 +989,11 @@
             </a:pPr>
             <a:r>
               <a:rPr lang="en-US" sz="1400" dirty="0" smtClean="0"/>
-              <a:t>Heavy initial literature review to narrow the region of interest. (Don’t solve problems we don’t have to)</a:t>
+              <a:t>literature </a:t>
+            </a:r>
+            <a:r>
+              <a:rPr lang="en-US" sz="1400" dirty="0" smtClean="0"/>
+              <a:t>review to narrow the region of interest. (Don’t solve problems we don’t have to)</a:t>
             </a:r>
           </a:p>
           <a:p>
@@ -793,25 +1001,38 @@
               <a:buFontTx/>
               <a:buNone/>
             </a:pPr>
-            <a:endParaRPr lang="en-US" sz="1400" dirty="0" smtClean="0"/>
-          </a:p>
-          <a:p>
-            <a:pPr marL="171450" indent="-171450">
+            <a:endParaRPr lang="en-US" sz="1400" b="0" baseline="0" dirty="0" smtClean="0"/>
+          </a:p>
+          <a:p>
+            <a:pPr marL="0" indent="0">
               <a:buFontTx/>
-              <a:buChar char="-"/>
+              <a:buNone/>
             </a:pPr>
             <a:r>
-              <a:rPr lang="en-US" sz="1400" b="1" dirty="0" smtClean="0"/>
-              <a:t>Puzzle</a:t>
-            </a:r>
-            <a:r>
               <a:rPr lang="en-US" sz="1400" b="1" baseline="0" dirty="0" smtClean="0"/>
-              <a:t> Break </a:t>
+              <a:t>Scientific </a:t>
+            </a:r>
+            <a:r>
+              <a:rPr lang="en-US" sz="1400" b="1" baseline="0" dirty="0" smtClean="0"/>
+              <a:t>computing </a:t>
             </a:r>
             <a:r>
               <a:rPr lang="en-US" sz="1400" baseline="0" dirty="0" smtClean="0"/>
-              <a:t>comes in. We make sure to make time for fun and games.</a:t>
-            </a:r>
+              <a:t>as an example of using tools to implement </a:t>
+            </a:r>
+            <a:r>
+              <a:rPr lang="en-US" sz="1400" baseline="0" dirty="0" smtClean="0"/>
+              <a:t>theory OR IDEAS. </a:t>
+            </a:r>
+            <a:r>
+              <a:rPr lang="en-US" sz="1400" baseline="0" dirty="0" err="1" smtClean="0"/>
+              <a:t>Matercam</a:t>
+            </a:r>
+            <a:r>
+              <a:rPr lang="en-US" sz="1400" baseline="0" dirty="0" smtClean="0"/>
+              <a:t>, SW, Python, Arduino</a:t>
+            </a:r>
+            <a:endParaRPr lang="en-US" sz="1400" baseline="0" dirty="0" smtClean="0"/>
           </a:p>
           <a:p>
             <a:pPr marL="0" indent="0">
@@ -821,34 +1042,31 @@
             <a:endParaRPr lang="en-US" sz="1400" baseline="0" dirty="0" smtClean="0"/>
           </a:p>
           <a:p>
-            <a:pPr marL="171450" indent="-171450">
-              <a:buFontTx/>
-              <a:buChar char="-"/>
-            </a:pPr>
-            <a:r>
-              <a:rPr lang="en-US" sz="1400" b="1" baseline="0" dirty="0" smtClean="0"/>
-              <a:t>Scientific computing </a:t>
-            </a:r>
-            <a:r>
-              <a:rPr lang="en-US" sz="1400" baseline="0" dirty="0" smtClean="0"/>
-              <a:t>as an example of using tools to implement theory.</a:t>
-            </a:r>
-          </a:p>
-          <a:p>
-            <a:pPr marL="0" indent="0">
-              <a:buFontTx/>
-              <a:buNone/>
-            </a:pPr>
-            <a:endParaRPr lang="en-US" sz="1400" baseline="0" dirty="0" smtClean="0"/>
-          </a:p>
-          <a:p>
             <a:pPr marL="628650" lvl="1" indent="-171450">
               <a:buFontTx/>
               <a:buChar char="-"/>
             </a:pPr>
             <a:r>
               <a:rPr lang="en-US" sz="1400" baseline="0" dirty="0" smtClean="0"/>
-              <a:t>- We can solve equations over a wide range of values and iteratively develop bounds</a:t>
+              <a:t>Allows us to make calculations (OR DESIGNS) over </a:t>
+            </a:r>
+            <a:r>
+              <a:rPr lang="en-US" sz="1400" baseline="0" dirty="0" smtClean="0"/>
+              <a:t>a wide range of </a:t>
+            </a:r>
+            <a:r>
+              <a:rPr lang="en-US" sz="1400" baseline="0" dirty="0" smtClean="0"/>
+              <a:t>values and explore a little. </a:t>
+            </a:r>
+          </a:p>
+          <a:p>
+            <a:pPr marL="628650" lvl="1" indent="-171450">
+              <a:buFontTx/>
+              <a:buChar char="-"/>
+            </a:pPr>
+            <a:r>
+              <a:rPr lang="en-US" sz="1400" baseline="0" dirty="0" smtClean="0"/>
+              <a:t>We can iteratively develop</a:t>
             </a:r>
           </a:p>
           <a:p>
@@ -859,13 +1077,51 @@
             <a:endParaRPr lang="en-US" sz="1400" baseline="0" dirty="0" smtClean="0"/>
           </a:p>
           <a:p>
-            <a:pPr marL="628650" lvl="1" indent="-171450">
+            <a:pPr marL="457200" lvl="1" indent="0">
               <a:buFontTx/>
-              <a:buChar char="-"/>
+              <a:buNone/>
             </a:pPr>
             <a:r>
               <a:rPr lang="en-US" sz="1400" baseline="0" dirty="0" smtClean="0"/>
-              <a:t>Some things are guesses. If best head coeff is between 0.5 and 1 we use 0.75  </a:t>
+              <a:t>note:</a:t>
+            </a:r>
+          </a:p>
+          <a:p>
+            <a:pPr marL="457200" lvl="1" indent="0">
+              <a:buFontTx/>
+              <a:buNone/>
+            </a:pPr>
+            <a:endParaRPr lang="en-US" sz="1400" baseline="0" dirty="0" smtClean="0"/>
+          </a:p>
+          <a:p>
+            <a:pPr marL="457200" lvl="1" indent="0">
+              <a:buFontTx/>
+              <a:buNone/>
+            </a:pPr>
+            <a:r>
+              <a:rPr lang="en-US" sz="1400" baseline="0" dirty="0" smtClean="0"/>
+              <a:t>Guessing is cheaper</a:t>
+            </a:r>
+          </a:p>
+          <a:p>
+            <a:pPr marL="457200" lvl="1" indent="0">
+              <a:buFontTx/>
+              <a:buNone/>
+            </a:pPr>
+            <a:endParaRPr lang="en-US" sz="1400" baseline="0" dirty="0" smtClean="0"/>
+          </a:p>
+          <a:p>
+            <a:pPr marL="457200" lvl="1" indent="0">
+              <a:buFontTx/>
+              <a:buNone/>
+            </a:pPr>
+            <a:r>
+              <a:rPr lang="en-US" sz="1400" baseline="0" dirty="0" smtClean="0"/>
+              <a:t>If </a:t>
+            </a:r>
+            <a:r>
+              <a:rPr lang="en-US" sz="1400" baseline="0" dirty="0" smtClean="0"/>
+              <a:t>best head coeff is between 0.5 and 1 we use 0.75  </a:t>
             </a:r>
             <a:r>
               <a:rPr lang="en-US" sz="1400" baseline="0" dirty="0" smtClean="0">
@@ -956,18 +1212,25 @@
           <a:bodyPr/>
           <a:lstStyle/>
           <a:p>
+            <a:pPr marL="0" indent="0">
+              <a:buFontTx/>
+              <a:buNone/>
+            </a:pPr>
+            <a:r>
+              <a:rPr lang="en-US" b="1" dirty="0" smtClean="0">
+                <a:latin typeface="Garamond" panose="02020404030301010803" pitchFamily="18" charset="0"/>
+              </a:rPr>
+              <a:t>FIRST</a:t>
+            </a:r>
+          </a:p>
+          <a:p>
             <a:pPr marL="171450" indent="-171450">
               <a:buFontTx/>
               <a:buChar char="-"/>
             </a:pPr>
-            <a:r>
-              <a:rPr lang="en-US" dirty="0" smtClean="0"/>
-              <a:t>We visualize</a:t>
-            </a:r>
-            <a:r>
-              <a:rPr lang="en-US" baseline="0" dirty="0" smtClean="0"/>
-              <a:t> the results of the detailed design in many different ways</a:t>
-            </a:r>
+            <a:endParaRPr lang="en-US" b="1" dirty="0" smtClean="0">
+              <a:latin typeface="Garamond" panose="02020404030301010803" pitchFamily="18" charset="0"/>
+            </a:endParaRPr>
           </a:p>
           <a:p>
             <a:pPr marL="171450" indent="-171450">
@@ -975,8 +1238,28 @@
               <a:buChar char="-"/>
             </a:pPr>
             <a:r>
-              <a:rPr lang="en-US" baseline="0" dirty="0" smtClean="0"/>
-              <a:t>If you can plot it, plot it. </a:t>
+              <a:rPr lang="en-US" b="1" dirty="0" smtClean="0">
+                <a:latin typeface="Garamond" panose="02020404030301010803" pitchFamily="18" charset="0"/>
+              </a:rPr>
+              <a:t>We </a:t>
+            </a:r>
+            <a:r>
+              <a:rPr lang="en-US" b="1" dirty="0" smtClean="0">
+                <a:latin typeface="Garamond" panose="02020404030301010803" pitchFamily="18" charset="0"/>
+              </a:rPr>
+              <a:t>visualize</a:t>
+            </a:r>
+            <a:r>
+              <a:rPr lang="en-US" b="1" baseline="0" dirty="0" smtClean="0">
+                <a:latin typeface="Garamond" panose="02020404030301010803" pitchFamily="18" charset="0"/>
+              </a:rPr>
+              <a:t> the results of the detailed design in many different </a:t>
+            </a:r>
+            <a:r>
+              <a:rPr lang="en-US" b="1" baseline="0" dirty="0" smtClean="0">
+                <a:latin typeface="Garamond" panose="02020404030301010803" pitchFamily="18" charset="0"/>
+              </a:rPr>
+              <a:t>ways. Road map</a:t>
             </a:r>
           </a:p>
           <a:p>
@@ -984,28 +1267,156 @@
               <a:buFontTx/>
               <a:buChar char="-"/>
             </a:pPr>
-            <a:r>
-              <a:rPr lang="en-US" baseline="0" dirty="0" smtClean="0"/>
-              <a:t>Now that the design is narrow enough we begin breathing life into it.</a:t>
-            </a:r>
+            <a:endParaRPr lang="en-US" b="1" baseline="0" dirty="0" smtClean="0">
+              <a:latin typeface="Garamond" panose="02020404030301010803" pitchFamily="18" charset="0"/>
+            </a:endParaRPr>
           </a:p>
           <a:p>
             <a:pPr marL="171450" indent="-171450">
               <a:buFontTx/>
               <a:buChar char="-"/>
             </a:pPr>
-            <a:endParaRPr lang="en-US" baseline="0" dirty="0" smtClean="0"/>
+            <a:r>
+              <a:rPr lang="en-US" b="1" baseline="0" dirty="0" smtClean="0">
+                <a:latin typeface="Garamond" panose="02020404030301010803" pitchFamily="18" charset="0"/>
+              </a:rPr>
+              <a:t>Now </a:t>
+            </a:r>
+            <a:r>
+              <a:rPr lang="en-US" b="1" baseline="0" dirty="0" smtClean="0">
+                <a:latin typeface="Garamond" panose="02020404030301010803" pitchFamily="18" charset="0"/>
+              </a:rPr>
+              <a:t>that the design is narrow enough we begin breathing life into it</a:t>
+            </a:r>
+            <a:r>
+              <a:rPr lang="en-US" b="1" baseline="0" dirty="0" smtClean="0">
+                <a:latin typeface="Garamond" panose="02020404030301010803" pitchFamily="18" charset="0"/>
+              </a:rPr>
+              <a:t>.</a:t>
+            </a:r>
           </a:p>
           <a:p>
             <a:pPr marL="171450" indent="-171450">
               <a:buFontTx/>
               <a:buChar char="-"/>
             </a:pPr>
-            <a:r>
-              <a:rPr lang="en-US" baseline="0" dirty="0" smtClean="0"/>
-              <a:t>We can play with the design without leaving the theoretical and conceptual bounds by mistake</a:t>
-            </a:r>
-            <a:endParaRPr lang="en-US" dirty="0"/>
+            <a:endParaRPr lang="en-US" b="1" baseline="0" dirty="0" smtClean="0">
+              <a:latin typeface="Garamond" panose="02020404030301010803" pitchFamily="18" charset="0"/>
+            </a:endParaRPr>
+          </a:p>
+          <a:p>
+            <a:pPr marL="0" indent="0">
+              <a:buFontTx/>
+              <a:buNone/>
+            </a:pPr>
+            <a:r>
+              <a:rPr lang="en-US" b="1" baseline="0" dirty="0" smtClean="0">
+                <a:latin typeface="Garamond" panose="02020404030301010803" pitchFamily="18" charset="0"/>
+              </a:rPr>
+              <a:t>SECOND</a:t>
+            </a:r>
+          </a:p>
+          <a:p>
+            <a:pPr marL="0" indent="0">
+              <a:buFontTx/>
+              <a:buNone/>
+            </a:pPr>
+            <a:endParaRPr lang="en-US" b="1" baseline="0" dirty="0" smtClean="0">
+              <a:latin typeface="Garamond" panose="02020404030301010803" pitchFamily="18" charset="0"/>
+            </a:endParaRPr>
+          </a:p>
+          <a:p>
+            <a:pPr marL="171450" marR="0" lvl="0" indent="-171450" algn="l" defTabSz="914400" rtl="0" eaLnBrk="1" fontAlgn="auto" latinLnBrk="0" hangingPunct="1">
+              <a:lnSpc>
+                <a:spcPct val="100000"/>
+              </a:lnSpc>
+              <a:spcBef>
+                <a:spcPts val="0"/>
+              </a:spcBef>
+              <a:spcAft>
+                <a:spcPts val="0"/>
+              </a:spcAft>
+              <a:buClrTx/>
+              <a:buSzTx/>
+              <a:buFontTx/>
+              <a:buChar char="-"/>
+              <a:tabLst/>
+              <a:defRPr/>
+            </a:pPr>
+            <a:r>
+              <a:rPr lang="en-US" b="1" baseline="0" dirty="0" smtClean="0">
+                <a:latin typeface="Garamond" panose="02020404030301010803" pitchFamily="18" charset="0"/>
+              </a:rPr>
+              <a:t>We can play with the design and not leave theoretical and conceptual bounds.        Entire geometry changes, casing changes, speed, power changes…</a:t>
+            </a:r>
+          </a:p>
+          <a:p>
+            <a:pPr marL="171450" marR="0" lvl="0" indent="-171450" algn="l" defTabSz="914400" rtl="0" eaLnBrk="1" fontAlgn="auto" latinLnBrk="0" hangingPunct="1">
+              <a:lnSpc>
+                <a:spcPct val="100000"/>
+              </a:lnSpc>
+              <a:spcBef>
+                <a:spcPts val="0"/>
+              </a:spcBef>
+              <a:spcAft>
+                <a:spcPts val="0"/>
+              </a:spcAft>
+              <a:buClrTx/>
+              <a:buSzTx/>
+              <a:buFontTx/>
+              <a:buChar char="-"/>
+              <a:tabLst/>
+              <a:defRPr/>
+            </a:pPr>
+            <a:endParaRPr lang="en-US" b="1" baseline="0" dirty="0" smtClean="0">
+              <a:latin typeface="Garamond" panose="02020404030301010803" pitchFamily="18" charset="0"/>
+            </a:endParaRPr>
+          </a:p>
+          <a:p>
+            <a:pPr marL="0" marR="0" lvl="0" indent="0" algn="l" defTabSz="914400" rtl="0" eaLnBrk="1" fontAlgn="auto" latinLnBrk="0" hangingPunct="1">
+              <a:lnSpc>
+                <a:spcPct val="100000"/>
+              </a:lnSpc>
+              <a:spcBef>
+                <a:spcPts val="0"/>
+              </a:spcBef>
+              <a:spcAft>
+                <a:spcPts val="0"/>
+              </a:spcAft>
+              <a:buClrTx/>
+              <a:buSzTx/>
+              <a:buFontTx/>
+              <a:buNone/>
+              <a:tabLst/>
+              <a:defRPr/>
+            </a:pPr>
+            <a:endParaRPr lang="en-US" b="1" baseline="0" dirty="0" smtClean="0">
+              <a:latin typeface="Garamond" panose="02020404030301010803" pitchFamily="18" charset="0"/>
+            </a:endParaRPr>
+          </a:p>
+          <a:p>
+            <a:pPr marL="0" indent="0">
+              <a:buFontTx/>
+              <a:buNone/>
+            </a:pPr>
+            <a:r>
+              <a:rPr lang="en-US" b="1" baseline="0" dirty="0" smtClean="0">
+                <a:latin typeface="Garamond" panose="02020404030301010803" pitchFamily="18" charset="0"/>
+              </a:rPr>
+              <a:t>-   Give example of Av rule to illustrate the impact of parametrization on success of project</a:t>
+            </a:r>
+            <a:endParaRPr lang="en-US" b="1" baseline="0" dirty="0" smtClean="0">
+              <a:latin typeface="Garamond" panose="02020404030301010803" pitchFamily="18" charset="0"/>
+            </a:endParaRPr>
+          </a:p>
+          <a:p>
+            <a:pPr marL="0" indent="0">
+              <a:buFontTx/>
+              <a:buNone/>
+            </a:pPr>
+            <a:endParaRPr lang="en-US" b="1" baseline="0" dirty="0" smtClean="0">
+              <a:latin typeface="Garamond" panose="02020404030301010803" pitchFamily="18" charset="0"/>
+            </a:endParaRPr>
           </a:p>
         </p:txBody>
       </p:sp>
@@ -1089,6 +1500,649 @@
           <a:bodyPr/>
           <a:lstStyle/>
           <a:p>
+            <a:pPr marL="0" marR="0" lvl="0" indent="0" algn="l" defTabSz="914400" rtl="0" eaLnBrk="1" fontAlgn="auto" latinLnBrk="0" hangingPunct="1">
+              <a:lnSpc>
+                <a:spcPct val="100000"/>
+              </a:lnSpc>
+              <a:spcBef>
+                <a:spcPts val="0"/>
+              </a:spcBef>
+              <a:spcAft>
+                <a:spcPts val="0"/>
+              </a:spcAft>
+              <a:buClrTx/>
+              <a:buSzTx/>
+              <a:buFontTx/>
+              <a:buNone/>
+              <a:tabLst/>
+              <a:defRPr/>
+            </a:pPr>
+            <a:r>
+              <a:rPr lang="en-US" b="1" dirty="0" smtClean="0"/>
+              <a:t>Centrifugal pump is</a:t>
+            </a:r>
+            <a:r>
+              <a:rPr lang="en-US" b="1" baseline="0" dirty="0" smtClean="0"/>
+              <a:t> a </a:t>
+            </a:r>
+            <a:r>
+              <a:rPr lang="en-US" b="1" dirty="0" smtClean="0"/>
+              <a:t>complex turbomachine</a:t>
+            </a:r>
+          </a:p>
+          <a:p>
+            <a:pPr marL="0" marR="0" lvl="0" indent="0" algn="l" defTabSz="914400" rtl="0" eaLnBrk="1" fontAlgn="auto" latinLnBrk="0" hangingPunct="1">
+              <a:lnSpc>
+                <a:spcPct val="100000"/>
+              </a:lnSpc>
+              <a:spcBef>
+                <a:spcPts val="0"/>
+              </a:spcBef>
+              <a:spcAft>
+                <a:spcPts val="0"/>
+              </a:spcAft>
+              <a:buClrTx/>
+              <a:buSzTx/>
+              <a:buFontTx/>
+              <a:buNone/>
+              <a:tabLst/>
+              <a:defRPr/>
+            </a:pPr>
+            <a:endParaRPr lang="en-US" b="1" dirty="0" smtClean="0"/>
+          </a:p>
+          <a:p>
+            <a:pPr marL="0" marR="0" lvl="0" indent="0" algn="l" defTabSz="914400" rtl="0" eaLnBrk="1" fontAlgn="auto" latinLnBrk="0" hangingPunct="1">
+              <a:lnSpc>
+                <a:spcPct val="100000"/>
+              </a:lnSpc>
+              <a:spcBef>
+                <a:spcPts val="0"/>
+              </a:spcBef>
+              <a:spcAft>
+                <a:spcPts val="0"/>
+              </a:spcAft>
+              <a:buClrTx/>
+              <a:buSzTx/>
+              <a:buFontTx/>
+              <a:buNone/>
+              <a:tabLst/>
+              <a:defRPr/>
+            </a:pPr>
+            <a:r>
+              <a:rPr lang="en-US" b="1" dirty="0" smtClean="0"/>
+              <a:t>Purely analytical prediction not possible</a:t>
+            </a:r>
+          </a:p>
+          <a:p>
+            <a:pPr marL="0" marR="0" lvl="0" indent="0" algn="l" defTabSz="914400" rtl="0" eaLnBrk="1" fontAlgn="auto" latinLnBrk="0" hangingPunct="1">
+              <a:lnSpc>
+                <a:spcPct val="100000"/>
+              </a:lnSpc>
+              <a:spcBef>
+                <a:spcPts val="0"/>
+              </a:spcBef>
+              <a:spcAft>
+                <a:spcPts val="0"/>
+              </a:spcAft>
+              <a:buClrTx/>
+              <a:buSzTx/>
+              <a:buFontTx/>
+              <a:buNone/>
+              <a:tabLst/>
+              <a:defRPr/>
+            </a:pPr>
+            <a:endParaRPr lang="en-US" b="1" dirty="0" smtClean="0"/>
+          </a:p>
+          <a:p>
+            <a:pPr marL="0" marR="0" lvl="0" indent="0" algn="l" defTabSz="914400" rtl="0" eaLnBrk="1" fontAlgn="auto" latinLnBrk="0" hangingPunct="1">
+              <a:lnSpc>
+                <a:spcPct val="100000"/>
+              </a:lnSpc>
+              <a:spcBef>
+                <a:spcPts val="0"/>
+              </a:spcBef>
+              <a:spcAft>
+                <a:spcPts val="0"/>
+              </a:spcAft>
+              <a:buClrTx/>
+              <a:buSzTx/>
+              <a:buFontTx/>
+              <a:buNone/>
+              <a:tabLst/>
+              <a:defRPr/>
+            </a:pPr>
+            <a:r>
+              <a:rPr lang="en-US" b="1" dirty="0" smtClean="0"/>
+              <a:t>Hence, performance is obtained empirically</a:t>
+            </a:r>
+            <a:endParaRPr lang="en-US" sz="1200" b="1" i="0" kern="1200" dirty="0" smtClean="0">
+              <a:solidFill>
+                <a:schemeClr val="tx1"/>
+              </a:solidFill>
+              <a:effectLst/>
+              <a:latin typeface="+mn-lt"/>
+              <a:ea typeface="+mn-ea"/>
+              <a:cs typeface="+mn-cs"/>
+            </a:endParaRPr>
+          </a:p>
+        </p:txBody>
+      </p:sp>
+      <p:sp>
+        <p:nvSpPr>
+          <p:cNvPr id="4" name="Slide Number Placeholder 3"/>
+          <p:cNvSpPr>
+            <a:spLocks noGrp="1"/>
+          </p:cNvSpPr>
+          <p:nvPr>
+            <p:ph type="sldNum" sz="quarter" idx="10"/>
+          </p:nvPr>
+        </p:nvSpPr>
+        <p:spPr/>
+        <p:txBody>
+          <a:bodyPr/>
+          <a:lstStyle/>
+          <a:p>
+            <a:fld id="{41270EAE-2722-4055-9DC6-0148D79BD176}" type="slidenum">
+              <a:rPr lang="en-US" smtClean="0"/>
+              <a:t>5</a:t>
+            </a:fld>
+            <a:endParaRPr lang="en-US"/>
+          </a:p>
+        </p:txBody>
+      </p:sp>
+    </p:spTree>
+    <p:extLst>
+      <p:ext uri="{BB962C8B-B14F-4D97-AF65-F5344CB8AC3E}">
+        <p14:creationId xmlns:p14="http://schemas.microsoft.com/office/powerpoint/2010/main" val="2273003188"/>
+      </p:ext>
+    </p:extLst>
+  </p:cSld>
+  <p:clrMapOvr>
+    <a:masterClrMapping/>
+  </p:clrMapOvr>
+</p:notes>
+</file>
+
+<file path=ppt/notesSlides/notesSlide5.xml><?xml version="1.0" encoding="utf-8"?>
+<p:notes xmlns:a="http://schemas.openxmlformats.org/drawingml/2006/main" xmlns:r="http://schemas.openxmlformats.org/officeDocument/2006/relationships" xmlns:p="http://schemas.openxmlformats.org/presentationml/2006/main">
+  <p:cSld>
+    <p:spTree>
+      <p:nvGrpSpPr>
+        <p:cNvPr id="1" name=""/>
+        <p:cNvGrpSpPr/>
+        <p:nvPr/>
+      </p:nvGrpSpPr>
+      <p:grpSpPr>
+        <a:xfrm>
+          <a:off x="0" y="0"/>
+          <a:ext cx="0" cy="0"/>
+          <a:chOff x="0" y="0"/>
+          <a:chExt cx="0" cy="0"/>
+        </a:xfrm>
+      </p:grpSpPr>
+      <p:sp>
+        <p:nvSpPr>
+          <p:cNvPr id="2" name="Slide Image Placeholder 1"/>
+          <p:cNvSpPr>
+            <a:spLocks noGrp="1" noRot="1" noChangeAspect="1"/>
+          </p:cNvSpPr>
+          <p:nvPr>
+            <p:ph type="sldImg"/>
+          </p:nvPr>
+        </p:nvSpPr>
+        <p:spPr/>
+      </p:sp>
+      <p:sp>
+        <p:nvSpPr>
+          <p:cNvPr id="3" name="Notes Placeholder 2"/>
+          <p:cNvSpPr>
+            <a:spLocks noGrp="1"/>
+          </p:cNvSpPr>
+          <p:nvPr>
+            <p:ph type="body" idx="1"/>
+          </p:nvPr>
+        </p:nvSpPr>
+        <p:spPr/>
+        <p:txBody>
+          <a:bodyPr/>
+          <a:lstStyle/>
+          <a:p>
+            <a:r>
+              <a:rPr lang="en-US" sz="1200" b="0" i="0" kern="1200" dirty="0" smtClean="0">
+                <a:solidFill>
+                  <a:schemeClr val="tx1"/>
+                </a:solidFill>
+                <a:effectLst/>
+                <a:latin typeface="+mn-lt"/>
+                <a:ea typeface="+mn-ea"/>
+                <a:cs typeface="+mn-cs"/>
+              </a:rPr>
+              <a:t>We followed hydraulic standards intended to demonstrate hydraulic performance</a:t>
+            </a:r>
+            <a:r>
+              <a:rPr lang="en-US" sz="1200" b="0" i="0" kern="1200" baseline="0" dirty="0" smtClean="0">
+                <a:solidFill>
+                  <a:schemeClr val="tx1"/>
+                </a:solidFill>
+                <a:effectLst/>
+                <a:latin typeface="+mn-lt"/>
+                <a:ea typeface="+mn-ea"/>
+                <a:cs typeface="+mn-cs"/>
+              </a:rPr>
+              <a:t> </a:t>
+            </a:r>
+            <a:r>
+              <a:rPr lang="en-US" sz="1200" b="0" i="0" kern="1200" dirty="0" smtClean="0">
+                <a:solidFill>
+                  <a:schemeClr val="tx1"/>
+                </a:solidFill>
+                <a:effectLst/>
+                <a:latin typeface="+mn-lt"/>
+                <a:ea typeface="+mn-ea"/>
+                <a:cs typeface="+mn-cs"/>
+              </a:rPr>
+              <a:t>and mechanical integrity </a:t>
+            </a:r>
+          </a:p>
+          <a:p>
+            <a:pPr marL="0" marR="0" lvl="0" indent="0" algn="l" defTabSz="914400" rtl="0" eaLnBrk="1" fontAlgn="auto" latinLnBrk="0" hangingPunct="1">
+              <a:lnSpc>
+                <a:spcPct val="100000"/>
+              </a:lnSpc>
+              <a:spcBef>
+                <a:spcPts val="0"/>
+              </a:spcBef>
+              <a:spcAft>
+                <a:spcPts val="0"/>
+              </a:spcAft>
+              <a:buClrTx/>
+              <a:buSzTx/>
+              <a:buFontTx/>
+              <a:buNone/>
+              <a:tabLst/>
+              <a:defRPr/>
+            </a:pPr>
+            <a:endParaRPr lang="en-US" sz="1200" b="1" dirty="0" smtClean="0"/>
+          </a:p>
+          <a:p>
+            <a:pPr marL="0" marR="0" lvl="0" indent="0" algn="l" defTabSz="914400" rtl="0" eaLnBrk="1" fontAlgn="auto" latinLnBrk="0" hangingPunct="1">
+              <a:lnSpc>
+                <a:spcPct val="100000"/>
+              </a:lnSpc>
+              <a:spcBef>
+                <a:spcPts val="0"/>
+              </a:spcBef>
+              <a:spcAft>
+                <a:spcPts val="0"/>
+              </a:spcAft>
+              <a:buClrTx/>
+              <a:buSzTx/>
+              <a:buFontTx/>
+              <a:buNone/>
+              <a:tabLst/>
+              <a:defRPr/>
+            </a:pPr>
+            <a:r>
+              <a:rPr lang="en-US" sz="1200" b="1" dirty="0" smtClean="0"/>
+              <a:t>• Head versus capacity </a:t>
+            </a:r>
+          </a:p>
+          <a:p>
+            <a:endParaRPr lang="en-US" sz="1200" b="0" i="0" kern="1200" dirty="0" smtClean="0">
+              <a:solidFill>
+                <a:schemeClr val="tx1"/>
+              </a:solidFill>
+              <a:effectLst/>
+              <a:latin typeface="+mn-lt"/>
+              <a:ea typeface="+mn-ea"/>
+              <a:cs typeface="+mn-cs"/>
+            </a:endParaRPr>
+          </a:p>
+          <a:p>
+            <a:r>
+              <a:rPr lang="en-US" sz="1200" b="0" i="0" kern="1200" dirty="0" smtClean="0">
+                <a:solidFill>
+                  <a:srgbClr val="FF0000"/>
+                </a:solidFill>
+                <a:effectLst/>
+                <a:latin typeface="+mn-lt"/>
+                <a:ea typeface="+mn-ea"/>
+                <a:cs typeface="+mn-cs"/>
+              </a:rPr>
+              <a:t>Using</a:t>
+            </a:r>
+            <a:r>
+              <a:rPr lang="en-US" sz="1200" b="0" i="0" kern="1200" baseline="0" dirty="0" smtClean="0">
+                <a:solidFill>
+                  <a:srgbClr val="FF0000"/>
+                </a:solidFill>
+                <a:effectLst/>
+                <a:latin typeface="+mn-lt"/>
+                <a:ea typeface="+mn-ea"/>
+                <a:cs typeface="+mn-cs"/>
+              </a:rPr>
+              <a:t> </a:t>
+            </a:r>
+            <a:r>
+              <a:rPr lang="en-US" sz="1200" b="0" i="0" kern="1200" dirty="0" smtClean="0">
+                <a:solidFill>
+                  <a:srgbClr val="FF0000"/>
+                </a:solidFill>
+                <a:effectLst/>
+                <a:latin typeface="+mn-lt"/>
+                <a:ea typeface="+mn-ea"/>
+                <a:cs typeface="+mn-cs"/>
+              </a:rPr>
+              <a:t>head </a:t>
+            </a:r>
+            <a:r>
+              <a:rPr lang="en-US" sz="1200" b="0" i="0" kern="1200" dirty="0" smtClean="0">
+                <a:solidFill>
+                  <a:srgbClr val="FF0000"/>
+                </a:solidFill>
+                <a:effectLst/>
+                <a:latin typeface="+mn-lt"/>
+                <a:ea typeface="+mn-ea"/>
+                <a:cs typeface="+mn-cs"/>
+              </a:rPr>
+              <a:t>and not </a:t>
+            </a:r>
+            <a:r>
+              <a:rPr lang="en-US" sz="1200" b="0" i="0" kern="1200" dirty="0" smtClean="0">
+                <a:solidFill>
+                  <a:srgbClr val="FF0000"/>
+                </a:solidFill>
+                <a:effectLst/>
+                <a:latin typeface="+mn-lt"/>
+                <a:ea typeface="+mn-ea"/>
+                <a:cs typeface="+mn-cs"/>
+              </a:rPr>
+              <a:t>pressure</a:t>
+            </a:r>
+            <a:r>
+              <a:rPr lang="en-US" sz="1200" b="0" i="0" kern="1200" baseline="0" dirty="0" smtClean="0">
+                <a:solidFill>
+                  <a:srgbClr val="FF0000"/>
+                </a:solidFill>
+                <a:effectLst/>
+                <a:latin typeface="+mn-lt"/>
+                <a:ea typeface="+mn-ea"/>
+                <a:cs typeface="+mn-cs"/>
+              </a:rPr>
+              <a:t> = </a:t>
+            </a:r>
+            <a:r>
+              <a:rPr lang="en-US" sz="1200" b="0" i="0" kern="1200" dirty="0" smtClean="0">
+                <a:solidFill>
+                  <a:srgbClr val="FF0000"/>
+                </a:solidFill>
+                <a:effectLst/>
+                <a:latin typeface="+mn-lt"/>
+                <a:ea typeface="+mn-ea"/>
+                <a:cs typeface="+mn-cs"/>
+              </a:rPr>
+              <a:t>head-capacity </a:t>
+            </a:r>
+            <a:r>
+              <a:rPr lang="en-US" sz="1200" b="0" i="0" kern="1200" dirty="0" smtClean="0">
+                <a:solidFill>
+                  <a:srgbClr val="FF0000"/>
+                </a:solidFill>
+                <a:effectLst/>
+                <a:latin typeface="+mn-lt"/>
+                <a:ea typeface="+mn-ea"/>
+                <a:cs typeface="+mn-cs"/>
+              </a:rPr>
+              <a:t>performance </a:t>
+            </a:r>
+            <a:r>
+              <a:rPr lang="en-US" sz="1200" b="0" i="0" kern="1200" dirty="0" smtClean="0">
+                <a:solidFill>
+                  <a:srgbClr val="FF0000"/>
+                </a:solidFill>
+                <a:effectLst/>
+                <a:latin typeface="+mn-lt"/>
+                <a:ea typeface="+mn-ea"/>
+                <a:cs typeface="+mn-cs"/>
+              </a:rPr>
+              <a:t>independent </a:t>
+            </a:r>
+            <a:r>
+              <a:rPr lang="en-US" sz="1200" b="0" i="0" kern="1200" dirty="0" smtClean="0">
+                <a:solidFill>
+                  <a:srgbClr val="FF0000"/>
+                </a:solidFill>
+                <a:effectLst/>
+                <a:latin typeface="+mn-lt"/>
+                <a:ea typeface="+mn-ea"/>
+                <a:cs typeface="+mn-cs"/>
+              </a:rPr>
+              <a:t>of the specific gravity of the liquid.</a:t>
+            </a:r>
+          </a:p>
+          <a:p>
+            <a:endParaRPr lang="en-US" sz="1200" b="0" i="0" kern="1200" dirty="0" smtClean="0">
+              <a:solidFill>
+                <a:schemeClr val="tx1"/>
+              </a:solidFill>
+              <a:effectLst/>
+              <a:latin typeface="+mn-lt"/>
+              <a:ea typeface="+mn-ea"/>
+              <a:cs typeface="+mn-cs"/>
+            </a:endParaRPr>
+          </a:p>
+          <a:p>
+            <a:pPr marL="0" marR="0" lvl="0" indent="0" algn="l" defTabSz="914400" rtl="0" eaLnBrk="1" fontAlgn="auto" latinLnBrk="0" hangingPunct="1">
+              <a:lnSpc>
+                <a:spcPct val="100000"/>
+              </a:lnSpc>
+              <a:spcBef>
+                <a:spcPts val="0"/>
+              </a:spcBef>
+              <a:spcAft>
+                <a:spcPts val="0"/>
+              </a:spcAft>
+              <a:buClrTx/>
+              <a:buSzTx/>
+              <a:buFontTx/>
+              <a:buNone/>
+              <a:tabLst/>
+              <a:defRPr/>
+            </a:pPr>
+            <a:r>
+              <a:rPr lang="en-US" sz="1200" b="1" dirty="0" smtClean="0"/>
+              <a:t>• Power versus capacity </a:t>
+            </a:r>
+          </a:p>
+          <a:p>
+            <a:pPr marL="0" marR="0" lvl="0" indent="0" algn="l" defTabSz="914400" rtl="0" eaLnBrk="1" fontAlgn="auto" latinLnBrk="0" hangingPunct="1">
+              <a:lnSpc>
+                <a:spcPct val="100000"/>
+              </a:lnSpc>
+              <a:spcBef>
+                <a:spcPts val="0"/>
+              </a:spcBef>
+              <a:spcAft>
+                <a:spcPts val="0"/>
+              </a:spcAft>
+              <a:buClrTx/>
+              <a:buSzTx/>
+              <a:buFontTx/>
+              <a:buNone/>
+              <a:tabLst/>
+              <a:defRPr/>
+            </a:pPr>
+            <a:endParaRPr lang="en-US" sz="1200" b="1" dirty="0" smtClean="0"/>
+          </a:p>
+          <a:p>
+            <a:pPr marL="171450" marR="0" lvl="0" indent="-171450" algn="l" defTabSz="914400" rtl="0" eaLnBrk="1" fontAlgn="auto" latinLnBrk="0" hangingPunct="1">
+              <a:lnSpc>
+                <a:spcPct val="100000"/>
+              </a:lnSpc>
+              <a:spcBef>
+                <a:spcPts val="0"/>
+              </a:spcBef>
+              <a:spcAft>
+                <a:spcPts val="0"/>
+              </a:spcAft>
+              <a:buClrTx/>
+              <a:buSzTx/>
+              <a:buFontTx/>
+              <a:buChar char="-"/>
+              <a:tabLst/>
+              <a:defRPr/>
+            </a:pPr>
+            <a:r>
+              <a:rPr lang="en-US" sz="1200" b="0" dirty="0" smtClean="0"/>
+              <a:t>BHP and WHP</a:t>
+            </a:r>
+          </a:p>
+          <a:p>
+            <a:pPr marL="0" marR="0" lvl="0" indent="0" algn="l" defTabSz="914400" rtl="0" eaLnBrk="1" fontAlgn="auto" latinLnBrk="0" hangingPunct="1">
+              <a:lnSpc>
+                <a:spcPct val="100000"/>
+              </a:lnSpc>
+              <a:spcBef>
+                <a:spcPts val="0"/>
+              </a:spcBef>
+              <a:spcAft>
+                <a:spcPts val="0"/>
+              </a:spcAft>
+              <a:buClrTx/>
+              <a:buSzTx/>
+              <a:buFontTx/>
+              <a:buNone/>
+              <a:tabLst/>
+              <a:defRPr/>
+            </a:pPr>
+            <a:endParaRPr lang="en-US" sz="1200" b="0" dirty="0" smtClean="0"/>
+          </a:p>
+          <a:p>
+            <a:pPr marL="0" marR="0" lvl="0" indent="0" algn="l" defTabSz="914400" rtl="0" eaLnBrk="1" fontAlgn="auto" latinLnBrk="0" hangingPunct="1">
+              <a:lnSpc>
+                <a:spcPct val="100000"/>
+              </a:lnSpc>
+              <a:spcBef>
+                <a:spcPts val="0"/>
+              </a:spcBef>
+              <a:spcAft>
+                <a:spcPts val="0"/>
+              </a:spcAft>
+              <a:buClrTx/>
+              <a:buSzTx/>
+              <a:buFontTx/>
+              <a:buNone/>
+              <a:tabLst/>
+              <a:defRPr/>
+            </a:pPr>
+            <a:r>
+              <a:rPr lang="en-US" sz="1200" b="1" dirty="0" smtClean="0"/>
+              <a:t>• NPSH versus capacity </a:t>
+            </a:r>
+          </a:p>
+          <a:p>
+            <a:pPr marL="0" marR="0" lvl="0" indent="0" algn="l" defTabSz="914400" rtl="0" eaLnBrk="1" fontAlgn="auto" latinLnBrk="0" hangingPunct="1">
+              <a:lnSpc>
+                <a:spcPct val="100000"/>
+              </a:lnSpc>
+              <a:spcBef>
+                <a:spcPts val="0"/>
+              </a:spcBef>
+              <a:spcAft>
+                <a:spcPts val="0"/>
+              </a:spcAft>
+              <a:buClrTx/>
+              <a:buSzTx/>
+              <a:buFontTx/>
+              <a:buNone/>
+              <a:tabLst/>
+              <a:defRPr/>
+            </a:pPr>
+            <a:endParaRPr lang="en-US" sz="1200" b="1" dirty="0" smtClean="0"/>
+          </a:p>
+          <a:p>
+            <a:pPr marL="0" marR="0" lvl="0" indent="0" algn="l" defTabSz="914400" rtl="0" eaLnBrk="1" fontAlgn="auto" latinLnBrk="0" hangingPunct="1">
+              <a:lnSpc>
+                <a:spcPct val="100000"/>
+              </a:lnSpc>
+              <a:spcBef>
+                <a:spcPts val="0"/>
+              </a:spcBef>
+              <a:spcAft>
+                <a:spcPts val="0"/>
+              </a:spcAft>
+              <a:buClrTx/>
+              <a:buSzTx/>
+              <a:buFontTx/>
+              <a:buNone/>
+              <a:tabLst/>
+              <a:defRPr/>
+            </a:pPr>
+            <a:r>
+              <a:rPr lang="en-US" sz="1200" b="0" dirty="0" smtClean="0"/>
+              <a:t>Lengthy</a:t>
+            </a:r>
+            <a:r>
+              <a:rPr lang="en-US" sz="1200" b="0" baseline="0" dirty="0" smtClean="0"/>
+              <a:t> description of value is unavoidable. Love to explain at the showcase</a:t>
+            </a:r>
+            <a:endParaRPr lang="en-US" sz="1200" b="0" dirty="0" smtClean="0"/>
+          </a:p>
+          <a:p>
+            <a:endParaRPr lang="en-US" sz="1200" b="0" i="0" kern="1200" dirty="0" smtClean="0">
+              <a:solidFill>
+                <a:schemeClr val="tx1"/>
+              </a:solidFill>
+              <a:effectLst/>
+              <a:latin typeface="+mn-lt"/>
+              <a:ea typeface="+mn-ea"/>
+              <a:cs typeface="+mn-cs"/>
+            </a:endParaRPr>
+          </a:p>
+          <a:p>
+            <a:endParaRPr lang="en-US" sz="1200" b="0" i="0" kern="1200" dirty="0" smtClean="0">
+              <a:solidFill>
+                <a:schemeClr val="tx1"/>
+              </a:solidFill>
+              <a:effectLst/>
+              <a:latin typeface="+mn-lt"/>
+              <a:ea typeface="+mn-ea"/>
+              <a:cs typeface="+mn-cs"/>
+            </a:endParaRPr>
+          </a:p>
+          <a:p>
+            <a:endParaRPr lang="en-US" sz="1200" b="0" i="0" kern="1200" dirty="0" smtClean="0">
+              <a:solidFill>
+                <a:schemeClr val="tx1"/>
+              </a:solidFill>
+              <a:effectLst/>
+              <a:latin typeface="+mn-lt"/>
+              <a:ea typeface="+mn-ea"/>
+              <a:cs typeface="+mn-cs"/>
+            </a:endParaRPr>
+          </a:p>
+          <a:p>
+            <a:r>
+              <a:rPr lang="en-US" dirty="0" smtClean="0"/>
+              <a:t>– Maximum head is at zero capacity </a:t>
+            </a:r>
+          </a:p>
+          <a:p>
+            <a:r>
+              <a:rPr lang="en-US" dirty="0" smtClean="0"/>
+              <a:t>– The maximum capacity of the pump </a:t>
+            </a:r>
+            <a:endParaRPr lang="en-US" sz="1200" b="0" i="0" kern="1200" dirty="0" smtClean="0">
+              <a:solidFill>
+                <a:schemeClr val="tx1"/>
+              </a:solidFill>
+              <a:effectLst/>
+              <a:latin typeface="+mn-lt"/>
+              <a:ea typeface="+mn-ea"/>
+              <a:cs typeface="+mn-cs"/>
+            </a:endParaRPr>
+          </a:p>
+          <a:p>
             <a:endParaRPr lang="en-US" dirty="0"/>
           </a:p>
         </p:txBody>
@@ -1111,6 +2165,90 @@
             <a:fld id="{41270EAE-2722-4055-9DC6-0148D79BD176}" type="slidenum">
               <a:rPr lang="en-US" smtClean="0"/>
               <a:t>6</a:t>
+            </a:fld>
+            <a:endParaRPr lang="en-US"/>
+          </a:p>
+        </p:txBody>
+      </p:sp>
+    </p:spTree>
+    <p:extLst>
+      <p:ext uri="{BB962C8B-B14F-4D97-AF65-F5344CB8AC3E}">
+        <p14:creationId xmlns:p14="http://schemas.microsoft.com/office/powerpoint/2010/main" val="2482106657"/>
+      </p:ext>
+    </p:extLst>
+  </p:cSld>
+  <p:clrMapOvr>
+    <a:masterClrMapping/>
+  </p:clrMapOvr>
+</p:notes>
+</file>
+
+<file path=ppt/notesSlides/notesSlide6.xml><?xml version="1.0" encoding="utf-8"?>
+<p:notes xmlns:a="http://schemas.openxmlformats.org/drawingml/2006/main" xmlns:r="http://schemas.openxmlformats.org/officeDocument/2006/relationships" xmlns:p="http://schemas.openxmlformats.org/presentationml/2006/main">
+  <p:cSld>
+    <p:spTree>
+      <p:nvGrpSpPr>
+        <p:cNvPr id="1" name=""/>
+        <p:cNvGrpSpPr/>
+        <p:nvPr/>
+      </p:nvGrpSpPr>
+      <p:grpSpPr>
+        <a:xfrm>
+          <a:off x="0" y="0"/>
+          <a:ext cx="0" cy="0"/>
+          <a:chOff x="0" y="0"/>
+          <a:chExt cx="0" cy="0"/>
+        </a:xfrm>
+      </p:grpSpPr>
+      <p:sp>
+        <p:nvSpPr>
+          <p:cNvPr id="2" name="Slide Image Placeholder 1"/>
+          <p:cNvSpPr>
+            <a:spLocks noGrp="1" noRot="1" noChangeAspect="1"/>
+          </p:cNvSpPr>
+          <p:nvPr>
+            <p:ph type="sldImg"/>
+          </p:nvPr>
+        </p:nvSpPr>
+        <p:spPr/>
+      </p:sp>
+      <p:sp>
+        <p:nvSpPr>
+          <p:cNvPr id="3" name="Notes Placeholder 2"/>
+          <p:cNvSpPr>
+            <a:spLocks noGrp="1"/>
+          </p:cNvSpPr>
+          <p:nvPr>
+            <p:ph type="body" idx="1"/>
+          </p:nvPr>
+        </p:nvSpPr>
+        <p:spPr/>
+        <p:txBody>
+          <a:bodyPr/>
+          <a:lstStyle/>
+          <a:p>
+            <a:endParaRPr lang="en-US" dirty="0"/>
+          </a:p>
+        </p:txBody>
+      </p:sp>
+      <p:sp>
+        <p:nvSpPr>
+          <p:cNvPr id="4" name="Slide Number Placeholder 3"/>
+          <p:cNvSpPr>
+            <a:spLocks noGrp="1"/>
+          </p:cNvSpPr>
+          <p:nvPr>
+            <p:ph type="sldNum" sz="quarter" idx="10"/>
+          </p:nvPr>
+        </p:nvSpPr>
+        <p:spPr/>
+        <p:txBody>
+          <a:bodyPr/>
+          <a:lstStyle/>
+          <a:p>
+            <a:fld id="{41270EAE-2722-4055-9DC6-0148D79BD176}" type="slidenum">
+              <a:rPr lang="en-US" smtClean="0"/>
+              <a:t>7</a:t>
             </a:fld>
             <a:endParaRPr lang="en-US"/>
           </a:p>
@@ -1120,6 +2258,639 @@
     <p:extLst>
       <p:ext uri="{BB962C8B-B14F-4D97-AF65-F5344CB8AC3E}">
         <p14:creationId xmlns:p14="http://schemas.microsoft.com/office/powerpoint/2010/main" val="474839590"/>
+      </p:ext>
+    </p:extLst>
+  </p:cSld>
+  <p:clrMapOvr>
+    <a:masterClrMapping/>
+  </p:clrMapOvr>
+</p:notes>
+</file>
+
+<file path=ppt/notesSlides/notesSlide7.xml><?xml version="1.0" encoding="utf-8"?>
+<p:notes xmlns:a="http://schemas.openxmlformats.org/drawingml/2006/main" xmlns:r="http://schemas.openxmlformats.org/officeDocument/2006/relationships" xmlns:p="http://schemas.openxmlformats.org/presentationml/2006/main">
+  <p:cSld>
+    <p:spTree>
+      <p:nvGrpSpPr>
+        <p:cNvPr id="1" name=""/>
+        <p:cNvGrpSpPr/>
+        <p:nvPr/>
+      </p:nvGrpSpPr>
+      <p:grpSpPr>
+        <a:xfrm>
+          <a:off x="0" y="0"/>
+          <a:ext cx="0" cy="0"/>
+          <a:chOff x="0" y="0"/>
+          <a:chExt cx="0" cy="0"/>
+        </a:xfrm>
+      </p:grpSpPr>
+      <p:sp>
+        <p:nvSpPr>
+          <p:cNvPr id="2" name="Slide Image Placeholder 1"/>
+          <p:cNvSpPr>
+            <a:spLocks noGrp="1" noRot="1" noChangeAspect="1"/>
+          </p:cNvSpPr>
+          <p:nvPr>
+            <p:ph type="sldImg"/>
+          </p:nvPr>
+        </p:nvSpPr>
+        <p:spPr/>
+      </p:sp>
+      <p:sp>
+        <p:nvSpPr>
+          <p:cNvPr id="3" name="Notes Placeholder 2"/>
+          <p:cNvSpPr>
+            <a:spLocks noGrp="1"/>
+          </p:cNvSpPr>
+          <p:nvPr>
+            <p:ph type="body" idx="1"/>
+          </p:nvPr>
+        </p:nvSpPr>
+        <p:spPr/>
+        <p:txBody>
+          <a:bodyPr/>
+          <a:lstStyle/>
+          <a:p>
+            <a:r>
+              <a:rPr lang="en-US" sz="1200" b="0" i="0" kern="1200" dirty="0" smtClean="0">
+                <a:solidFill>
+                  <a:schemeClr val="tx1"/>
+                </a:solidFill>
+                <a:effectLst/>
+                <a:latin typeface="+mn-lt"/>
+                <a:ea typeface="+mn-ea"/>
+                <a:cs typeface="+mn-cs"/>
+              </a:rPr>
+              <a:t>System curve</a:t>
+            </a:r>
+          </a:p>
+          <a:p>
+            <a:endParaRPr lang="en-US" sz="1200" b="0" i="0" kern="1200" dirty="0" smtClean="0">
+              <a:solidFill>
+                <a:schemeClr val="tx1"/>
+              </a:solidFill>
+              <a:effectLst/>
+              <a:latin typeface="+mn-lt"/>
+              <a:ea typeface="+mn-ea"/>
+              <a:cs typeface="+mn-cs"/>
+            </a:endParaRPr>
+          </a:p>
+          <a:p>
+            <a:r>
+              <a:rPr lang="en-US" sz="1200" b="0" i="0" kern="1200" dirty="0" smtClean="0">
+                <a:solidFill>
+                  <a:schemeClr val="tx1"/>
+                </a:solidFill>
+                <a:effectLst/>
+                <a:latin typeface="+mn-lt"/>
+                <a:ea typeface="+mn-ea"/>
+                <a:cs typeface="+mn-cs"/>
+              </a:rPr>
+              <a:t>We followed hydraulic standards intended to demonstrate hydraulic performance</a:t>
+            </a:r>
+            <a:r>
+              <a:rPr lang="en-US" sz="1200" b="0" i="0" kern="1200" baseline="0" dirty="0" smtClean="0">
+                <a:solidFill>
+                  <a:schemeClr val="tx1"/>
+                </a:solidFill>
+                <a:effectLst/>
+                <a:latin typeface="+mn-lt"/>
+                <a:ea typeface="+mn-ea"/>
+                <a:cs typeface="+mn-cs"/>
+              </a:rPr>
+              <a:t> </a:t>
+            </a:r>
+            <a:r>
+              <a:rPr lang="en-US" sz="1200" b="0" i="0" kern="1200" dirty="0" smtClean="0">
+                <a:solidFill>
+                  <a:schemeClr val="tx1"/>
+                </a:solidFill>
+                <a:effectLst/>
+                <a:latin typeface="+mn-lt"/>
+                <a:ea typeface="+mn-ea"/>
+                <a:cs typeface="+mn-cs"/>
+              </a:rPr>
+              <a:t>and mechanical integrity </a:t>
+            </a:r>
+          </a:p>
+          <a:p>
+            <a:endParaRPr lang="en-US" sz="1200" b="0" i="0" kern="1200" dirty="0" smtClean="0">
+              <a:solidFill>
+                <a:schemeClr val="tx1"/>
+              </a:solidFill>
+              <a:effectLst/>
+              <a:latin typeface="+mn-lt"/>
+              <a:ea typeface="+mn-ea"/>
+              <a:cs typeface="+mn-cs"/>
+            </a:endParaRPr>
+          </a:p>
+          <a:p>
+            <a:r>
+              <a:rPr lang="en-US" sz="1200" b="0" i="0" kern="1200" dirty="0" smtClean="0">
+                <a:solidFill>
+                  <a:schemeClr val="tx1"/>
+                </a:solidFill>
+                <a:effectLst/>
+                <a:latin typeface="+mn-lt"/>
+                <a:ea typeface="+mn-ea"/>
+                <a:cs typeface="+mn-cs"/>
+              </a:rPr>
+              <a:t>Total head </a:t>
+            </a:r>
+            <a:r>
+              <a:rPr lang="en-US" sz="1200" b="0" i="0" kern="1200" baseline="0" dirty="0" smtClean="0">
+                <a:solidFill>
+                  <a:schemeClr val="tx1"/>
+                </a:solidFill>
+                <a:effectLst/>
+                <a:latin typeface="+mn-lt"/>
+                <a:ea typeface="+mn-ea"/>
+                <a:cs typeface="+mn-cs"/>
+              </a:rPr>
+              <a:t> = </a:t>
+            </a:r>
+            <a:r>
+              <a:rPr lang="en-US" sz="1200" b="0" i="0" kern="1200" dirty="0" smtClean="0">
+                <a:solidFill>
+                  <a:schemeClr val="tx1"/>
+                </a:solidFill>
+                <a:effectLst/>
+                <a:latin typeface="+mn-lt"/>
+                <a:ea typeface="+mn-ea"/>
+                <a:cs typeface="+mn-cs"/>
+              </a:rPr>
+              <a:t>algebraic difference between the total discharge head and the total suction head, </a:t>
+            </a:r>
+          </a:p>
+          <a:p>
+            <a:endParaRPr lang="en-US" sz="1200" b="0" i="0" kern="1200" dirty="0" smtClean="0">
+              <a:solidFill>
+                <a:schemeClr val="tx1"/>
+              </a:solidFill>
+              <a:effectLst/>
+              <a:latin typeface="+mn-lt"/>
+              <a:ea typeface="+mn-ea"/>
+              <a:cs typeface="+mn-cs"/>
+            </a:endParaRPr>
+          </a:p>
+          <a:p>
+            <a:r>
+              <a:rPr lang="en-US" sz="1200" b="1" i="0" kern="1200" dirty="0" smtClean="0">
+                <a:solidFill>
+                  <a:schemeClr val="tx1"/>
+                </a:solidFill>
+                <a:effectLst/>
+                <a:latin typeface="+mn-lt"/>
+                <a:ea typeface="+mn-ea"/>
+                <a:cs typeface="+mn-cs"/>
+              </a:rPr>
+              <a:t>Energy equation</a:t>
+            </a:r>
+          </a:p>
+          <a:p>
+            <a:endParaRPr lang="en-US" sz="1200" b="0" i="0" kern="1200" dirty="0" smtClean="0">
+              <a:solidFill>
+                <a:schemeClr val="tx1"/>
+              </a:solidFill>
+              <a:effectLst/>
+              <a:latin typeface="+mn-lt"/>
+              <a:ea typeface="+mn-ea"/>
+              <a:cs typeface="+mn-cs"/>
+            </a:endParaRPr>
+          </a:p>
+          <a:p>
+            <a:r>
+              <a:rPr lang="en-US" sz="1200" b="0" i="0" kern="1200" dirty="0" smtClean="0">
+                <a:solidFill>
+                  <a:schemeClr val="tx1"/>
+                </a:solidFill>
+                <a:effectLst/>
+                <a:latin typeface="+mn-lt"/>
+                <a:ea typeface="+mn-ea"/>
+                <a:cs typeface="+mn-cs"/>
+              </a:rPr>
+              <a:t>Each</a:t>
+            </a:r>
+            <a:r>
+              <a:rPr lang="en-US" sz="1200" b="0" i="0" kern="1200" baseline="0" dirty="0" smtClean="0">
+                <a:solidFill>
+                  <a:schemeClr val="tx1"/>
+                </a:solidFill>
+                <a:effectLst/>
+                <a:latin typeface="+mn-lt"/>
+                <a:ea typeface="+mn-ea"/>
+                <a:cs typeface="+mn-cs"/>
+              </a:rPr>
+              <a:t> </a:t>
+            </a:r>
+            <a:r>
+              <a:rPr lang="en-US" sz="1200" b="0" i="0" kern="1200" dirty="0" smtClean="0">
+                <a:solidFill>
+                  <a:schemeClr val="tx1"/>
+                </a:solidFill>
+                <a:effectLst/>
+                <a:latin typeface="+mn-lt"/>
+                <a:ea typeface="+mn-ea"/>
+                <a:cs typeface="+mn-cs"/>
+              </a:rPr>
+              <a:t>of these individual total heads </a:t>
+            </a:r>
+            <a:r>
+              <a:rPr lang="en-US" sz="1200" b="0" i="0" kern="1200" baseline="0" dirty="0" smtClean="0">
+                <a:solidFill>
+                  <a:schemeClr val="tx1"/>
+                </a:solidFill>
+                <a:effectLst/>
+                <a:latin typeface="+mn-lt"/>
+                <a:ea typeface="+mn-ea"/>
+                <a:cs typeface="+mn-cs"/>
+              </a:rPr>
+              <a:t>= </a:t>
+            </a:r>
+            <a:r>
+              <a:rPr lang="en-US" sz="1200" b="0" i="0" kern="1200" dirty="0" smtClean="0">
+                <a:solidFill>
+                  <a:schemeClr val="tx1"/>
+                </a:solidFill>
+                <a:effectLst/>
+                <a:latin typeface="+mn-lt"/>
+                <a:ea typeface="+mn-ea"/>
+                <a:cs typeface="+mn-cs"/>
+              </a:rPr>
+              <a:t>sum of the static pressure head, velocity head and elevation head. </a:t>
+            </a:r>
+          </a:p>
+          <a:p>
+            <a:endParaRPr lang="en-US" sz="1200" b="0" i="0" kern="1200" dirty="0" smtClean="0">
+              <a:solidFill>
+                <a:schemeClr val="tx1"/>
+              </a:solidFill>
+              <a:effectLst/>
+              <a:latin typeface="+mn-lt"/>
+              <a:ea typeface="+mn-ea"/>
+              <a:cs typeface="+mn-cs"/>
+            </a:endParaRPr>
+          </a:p>
+          <a:p>
+            <a:endParaRPr lang="en-US" dirty="0"/>
+          </a:p>
+        </p:txBody>
+      </p:sp>
+      <p:sp>
+        <p:nvSpPr>
+          <p:cNvPr id="4" name="Slide Number Placeholder 3"/>
+          <p:cNvSpPr>
+            <a:spLocks noGrp="1"/>
+          </p:cNvSpPr>
+          <p:nvPr>
+            <p:ph type="sldNum" sz="quarter" idx="10"/>
+          </p:nvPr>
+        </p:nvSpPr>
+        <p:spPr/>
+        <p:txBody>
+          <a:bodyPr/>
+          <a:lstStyle/>
+          <a:p>
+            <a:fld id="{41270EAE-2722-4055-9DC6-0148D79BD176}" type="slidenum">
+              <a:rPr lang="en-US" smtClean="0"/>
+              <a:t>8</a:t>
+            </a:fld>
+            <a:endParaRPr lang="en-US"/>
+          </a:p>
+        </p:txBody>
+      </p:sp>
+    </p:spTree>
+    <p:extLst>
+      <p:ext uri="{BB962C8B-B14F-4D97-AF65-F5344CB8AC3E}">
+        <p14:creationId xmlns:p14="http://schemas.microsoft.com/office/powerpoint/2010/main" val="400058924"/>
+      </p:ext>
+    </p:extLst>
+  </p:cSld>
+  <p:clrMapOvr>
+    <a:masterClrMapping/>
+  </p:clrMapOvr>
+</p:notes>
+</file>
+
+<file path=ppt/notesSlides/notesSlide8.xml><?xml version="1.0" encoding="utf-8"?>
+<p:notes xmlns:a="http://schemas.openxmlformats.org/drawingml/2006/main" xmlns:r="http://schemas.openxmlformats.org/officeDocument/2006/relationships" xmlns:p="http://schemas.openxmlformats.org/presentationml/2006/main">
+  <p:cSld>
+    <p:spTree>
+      <p:nvGrpSpPr>
+        <p:cNvPr id="1" name=""/>
+        <p:cNvGrpSpPr/>
+        <p:nvPr/>
+      </p:nvGrpSpPr>
+      <p:grpSpPr>
+        <a:xfrm>
+          <a:off x="0" y="0"/>
+          <a:ext cx="0" cy="0"/>
+          <a:chOff x="0" y="0"/>
+          <a:chExt cx="0" cy="0"/>
+        </a:xfrm>
+      </p:grpSpPr>
+      <p:sp>
+        <p:nvSpPr>
+          <p:cNvPr id="2" name="Slide Image Placeholder 1"/>
+          <p:cNvSpPr>
+            <a:spLocks noGrp="1" noRot="1" noChangeAspect="1"/>
+          </p:cNvSpPr>
+          <p:nvPr>
+            <p:ph type="sldImg"/>
+          </p:nvPr>
+        </p:nvSpPr>
+        <p:spPr/>
+      </p:sp>
+      <p:sp>
+        <p:nvSpPr>
+          <p:cNvPr id="3" name="Notes Placeholder 2"/>
+          <p:cNvSpPr>
+            <a:spLocks noGrp="1"/>
+          </p:cNvSpPr>
+          <p:nvPr>
+            <p:ph type="body" idx="1"/>
+          </p:nvPr>
+        </p:nvSpPr>
+        <p:spPr/>
+        <p:txBody>
+          <a:bodyPr/>
+          <a:lstStyle/>
+          <a:p>
+            <a:endParaRPr lang="en-US" dirty="0" smtClean="0"/>
+          </a:p>
+          <a:p>
+            <a:r>
+              <a:rPr lang="en-US" dirty="0" smtClean="0"/>
+              <a:t>That is, analyze the system to determine the pump head required as a function of flow rate through the pump … This will form the system line. </a:t>
+            </a:r>
+            <a:endParaRPr lang="en-US" dirty="0" smtClean="0"/>
+          </a:p>
+          <a:p>
+            <a:endParaRPr lang="en-US" dirty="0" smtClean="0"/>
+          </a:p>
+          <a:p>
+            <a:r>
+              <a:rPr lang="en-US" sz="1200" b="0" i="0" kern="1200" dirty="0" smtClean="0">
+                <a:solidFill>
+                  <a:schemeClr val="tx1"/>
+                </a:solidFill>
+                <a:effectLst/>
+                <a:latin typeface="+mn-lt"/>
+                <a:ea typeface="+mn-ea"/>
+                <a:cs typeface="+mn-cs"/>
+              </a:rPr>
+              <a:t>The NPSH</a:t>
+            </a:r>
+            <a:r>
+              <a:rPr lang="en-US" sz="1200" b="0" i="0" kern="1200" baseline="0" dirty="0" smtClean="0">
+                <a:solidFill>
+                  <a:schemeClr val="tx1"/>
+                </a:solidFill>
+                <a:effectLst/>
+                <a:latin typeface="+mn-lt"/>
+                <a:ea typeface="+mn-ea"/>
+                <a:cs typeface="+mn-cs"/>
+              </a:rPr>
+              <a:t> </a:t>
+            </a:r>
+            <a:r>
+              <a:rPr lang="en-US" sz="1200" b="0" i="0" kern="1200" dirty="0" smtClean="0">
+                <a:solidFill>
+                  <a:schemeClr val="tx1"/>
+                </a:solidFill>
+                <a:effectLst/>
+                <a:latin typeface="+mn-lt"/>
+                <a:ea typeface="+mn-ea"/>
+                <a:cs typeface="+mn-cs"/>
+              </a:rPr>
+              <a:t>always rises as the centrifugal pump capacity approaches shut‑off (zero flow rate).</a:t>
+            </a:r>
+            <a:endParaRPr lang="en-US" dirty="0" smtClean="0"/>
+          </a:p>
+          <a:p>
+            <a:endParaRPr lang="en-US" dirty="0" smtClean="0"/>
+          </a:p>
+          <a:p>
+            <a:r>
+              <a:rPr lang="en-US" sz="1200" b="0" i="0" kern="1200" dirty="0" smtClean="0">
+                <a:solidFill>
+                  <a:schemeClr val="tx1"/>
+                </a:solidFill>
+                <a:effectLst/>
+                <a:latin typeface="+mn-lt"/>
+                <a:ea typeface="+mn-ea"/>
+                <a:cs typeface="+mn-cs"/>
+              </a:rPr>
+              <a:t>minimum value at a capacity Q about 40 percent of the best‑efficiency capacity</a:t>
+            </a:r>
+            <a:endParaRPr lang="en-US" dirty="0"/>
+          </a:p>
+        </p:txBody>
+      </p:sp>
+      <p:sp>
+        <p:nvSpPr>
+          <p:cNvPr id="4" name="Slide Number Placeholder 3"/>
+          <p:cNvSpPr>
+            <a:spLocks noGrp="1"/>
+          </p:cNvSpPr>
+          <p:nvPr>
+            <p:ph type="sldNum" sz="quarter" idx="10"/>
+          </p:nvPr>
+        </p:nvSpPr>
+        <p:spPr/>
+        <p:txBody>
+          <a:bodyPr/>
+          <a:lstStyle/>
+          <a:p>
+            <a:fld id="{41270EAE-2722-4055-9DC6-0148D79BD176}" type="slidenum">
+              <a:rPr lang="en-US" smtClean="0"/>
+              <a:t>9</a:t>
+            </a:fld>
+            <a:endParaRPr lang="en-US"/>
+          </a:p>
+        </p:txBody>
+      </p:sp>
+    </p:spTree>
+    <p:extLst>
+      <p:ext uri="{BB962C8B-B14F-4D97-AF65-F5344CB8AC3E}">
+        <p14:creationId xmlns:p14="http://schemas.microsoft.com/office/powerpoint/2010/main" val="3901741345"/>
+      </p:ext>
+    </p:extLst>
+  </p:cSld>
+  <p:clrMapOvr>
+    <a:masterClrMapping/>
+  </p:clrMapOvr>
+</p:notes>
+</file>
+
+<file path=ppt/notesSlides/notesSlide9.xml><?xml version="1.0" encoding="utf-8"?>
+<p:notes xmlns:a="http://schemas.openxmlformats.org/drawingml/2006/main" xmlns:r="http://schemas.openxmlformats.org/officeDocument/2006/relationships" xmlns:p="http://schemas.openxmlformats.org/presentationml/2006/main">
+  <p:cSld>
+    <p:spTree>
+      <p:nvGrpSpPr>
+        <p:cNvPr id="1" name=""/>
+        <p:cNvGrpSpPr/>
+        <p:nvPr/>
+      </p:nvGrpSpPr>
+      <p:grpSpPr>
+        <a:xfrm>
+          <a:off x="0" y="0"/>
+          <a:ext cx="0" cy="0"/>
+          <a:chOff x="0" y="0"/>
+          <a:chExt cx="0" cy="0"/>
+        </a:xfrm>
+      </p:grpSpPr>
+      <p:sp>
+        <p:nvSpPr>
+          <p:cNvPr id="2" name="Slide Image Placeholder 1"/>
+          <p:cNvSpPr>
+            <a:spLocks noGrp="1" noRot="1" noChangeAspect="1"/>
+          </p:cNvSpPr>
+          <p:nvPr>
+            <p:ph type="sldImg"/>
+          </p:nvPr>
+        </p:nvSpPr>
+        <p:spPr/>
+      </p:sp>
+      <p:sp>
+        <p:nvSpPr>
+          <p:cNvPr id="3" name="Notes Placeholder 2"/>
+          <p:cNvSpPr>
+            <a:spLocks noGrp="1"/>
+          </p:cNvSpPr>
+          <p:nvPr>
+            <p:ph type="body" idx="1"/>
+          </p:nvPr>
+        </p:nvSpPr>
+        <p:spPr/>
+        <p:txBody>
+          <a:bodyPr/>
+          <a:lstStyle/>
+          <a:p>
+            <a:r>
+              <a:rPr lang="en-US" dirty="0" smtClean="0"/>
+              <a:t>A centrifugal pump is a very complex turbomachine, and purely analytical prediction of its performance is not possible. Hence, performance is obtained empirically.</a:t>
+            </a:r>
+          </a:p>
+          <a:p>
+            <a:endParaRPr lang="en-US" dirty="0" smtClean="0"/>
+          </a:p>
+          <a:p>
+            <a:r>
+              <a:rPr lang="en-US" sz="1200" b="0" i="0" kern="1200" dirty="0" smtClean="0">
+                <a:solidFill>
+                  <a:schemeClr val="tx1"/>
+                </a:solidFill>
+                <a:effectLst/>
+                <a:latin typeface="+mn-lt"/>
+                <a:ea typeface="+mn-ea"/>
+                <a:cs typeface="+mn-cs"/>
+              </a:rPr>
+              <a:t>Despite the low efficiency, </a:t>
+            </a:r>
+            <a:r>
+              <a:rPr lang="en-US" sz="1200" b="1" i="0" kern="1200" dirty="0" smtClean="0">
+                <a:solidFill>
+                  <a:schemeClr val="tx1"/>
+                </a:solidFill>
+                <a:effectLst/>
+                <a:latin typeface="+mn-lt"/>
+                <a:ea typeface="+mn-ea"/>
+                <a:cs typeface="+mn-cs"/>
+              </a:rPr>
+              <a:t>regenerative</a:t>
+            </a:r>
+            <a:r>
+              <a:rPr lang="en-US" sz="1200" b="1" i="0" kern="1200" baseline="0" dirty="0" smtClean="0">
+                <a:solidFill>
+                  <a:schemeClr val="tx1"/>
+                </a:solidFill>
+                <a:effectLst/>
+                <a:latin typeface="+mn-lt"/>
+                <a:ea typeface="+mn-ea"/>
+                <a:cs typeface="+mn-cs"/>
+              </a:rPr>
+              <a:t> ring </a:t>
+            </a:r>
+            <a:r>
+              <a:rPr lang="en-US" sz="1200" b="1" i="0" kern="1200" dirty="0" smtClean="0">
+                <a:solidFill>
+                  <a:schemeClr val="tx1"/>
+                </a:solidFill>
+                <a:effectLst/>
+                <a:latin typeface="+mn-lt"/>
+                <a:ea typeface="+mn-ea"/>
+                <a:cs typeface="+mn-cs"/>
+              </a:rPr>
+              <a:t>pumps </a:t>
+            </a:r>
+            <a:r>
+              <a:rPr lang="en-US" sz="1200" b="0" i="0" kern="1200" dirty="0" smtClean="0">
+                <a:solidFill>
+                  <a:schemeClr val="tx1"/>
+                </a:solidFill>
+                <a:effectLst/>
+                <a:latin typeface="+mn-lt"/>
+                <a:ea typeface="+mn-ea"/>
+                <a:cs typeface="+mn-cs"/>
+              </a:rPr>
+              <a:t>have several advantages over other turbomachines with similar tip speed due to relatively low manufacturing costs, simplicity, high reliability, enhanced priming </a:t>
+            </a:r>
+            <a:r>
+              <a:rPr lang="en-US" sz="1200" b="0" i="0" kern="1200" dirty="0" smtClean="0">
+                <a:solidFill>
+                  <a:schemeClr val="tx1"/>
+                </a:solidFill>
+                <a:effectLst/>
+                <a:latin typeface="+mn-lt"/>
+                <a:ea typeface="+mn-ea"/>
+                <a:cs typeface="+mn-cs"/>
+              </a:rPr>
+              <a:t>behavior </a:t>
+            </a:r>
+            <a:r>
+              <a:rPr lang="en-US" sz="1200" b="0" i="0" kern="1200" dirty="0" smtClean="0">
+                <a:solidFill>
+                  <a:schemeClr val="tx1"/>
+                </a:solidFill>
+                <a:effectLst/>
+                <a:latin typeface="+mn-lt"/>
+                <a:ea typeface="+mn-ea"/>
+                <a:cs typeface="+mn-cs"/>
+              </a:rPr>
+              <a:t>and can in many applications offer a more efficient alternative.</a:t>
+            </a:r>
+            <a:endParaRPr lang="en-US" dirty="0"/>
+          </a:p>
+        </p:txBody>
+      </p:sp>
+      <p:sp>
+        <p:nvSpPr>
+          <p:cNvPr id="4" name="Slide Number Placeholder 3"/>
+          <p:cNvSpPr>
+            <a:spLocks noGrp="1"/>
+          </p:cNvSpPr>
+          <p:nvPr>
+            <p:ph type="sldNum" sz="quarter" idx="10"/>
+          </p:nvPr>
+        </p:nvSpPr>
+        <p:spPr/>
+        <p:txBody>
+          <a:bodyPr/>
+          <a:lstStyle/>
+          <a:p>
+            <a:fld id="{41270EAE-2722-4055-9DC6-0148D79BD176}" type="slidenum">
+              <a:rPr lang="en-US" smtClean="0"/>
+              <a:t>10</a:t>
+            </a:fld>
+            <a:endParaRPr lang="en-US"/>
+          </a:p>
+        </p:txBody>
+      </p:sp>
+    </p:spTree>
+    <p:extLst>
+      <p:ext uri="{BB962C8B-B14F-4D97-AF65-F5344CB8AC3E}">
+        <p14:creationId xmlns:p14="http://schemas.microsoft.com/office/powerpoint/2010/main" val="3671381850"/>
       </p:ext>
     </p:extLst>
   </p:cSld>
@@ -4311,6 +6082,411 @@
 </p:sld>
 </file>
 
+<file path=ppt/slides/slide10.xml><?xml version="1.0" encoding="utf-8"?>
+<p:sld xmlns:a="http://schemas.openxmlformats.org/drawingml/2006/main" xmlns:r="http://schemas.openxmlformats.org/officeDocument/2006/relationships" xmlns:p="http://schemas.openxmlformats.org/presentationml/2006/main">
+  <p:cSld>
+    <p:spTree>
+      <p:nvGrpSpPr>
+        <p:cNvPr id="1" name=""/>
+        <p:cNvGrpSpPr/>
+        <p:nvPr/>
+      </p:nvGrpSpPr>
+      <p:grpSpPr>
+        <a:xfrm>
+          <a:off x="0" y="0"/>
+          <a:ext cx="0" cy="0"/>
+          <a:chOff x="0" y="0"/>
+          <a:chExt cx="0" cy="0"/>
+        </a:xfrm>
+      </p:grpSpPr>
+      <p:sp>
+        <p:nvSpPr>
+          <p:cNvPr id="4" name="Slide Number Placeholder 3"/>
+          <p:cNvSpPr>
+            <a:spLocks noGrp="1"/>
+          </p:cNvSpPr>
+          <p:nvPr>
+            <p:ph type="sldNum" sz="quarter" idx="12"/>
+          </p:nvPr>
+        </p:nvSpPr>
+        <p:spPr/>
+        <p:txBody>
+          <a:bodyPr/>
+          <a:lstStyle/>
+          <a:p>
+            <a:fld id="{27225834-A5F4-4780-A9FC-586FB30F9BB0}" type="slidenum">
+              <a:rPr lang="en-US" smtClean="0"/>
+              <a:t>10</a:t>
+            </a:fld>
+            <a:endParaRPr lang="en-US"/>
+          </a:p>
+        </p:txBody>
+      </p:sp>
+      <p:pic>
+        <p:nvPicPr>
+          <p:cNvPr id="5" name="Picture 4"/>
+          <p:cNvPicPr>
+            <a:picLocks noChangeAspect="1"/>
+          </p:cNvPicPr>
+          <p:nvPr/>
+        </p:nvPicPr>
+        <p:blipFill>
+          <a:blip r:embed="rId3"/>
+          <a:stretch>
+            <a:fillRect/>
+          </a:stretch>
+        </p:blipFill>
+        <p:spPr>
+          <a:xfrm>
+            <a:off x="760534" y="3429000"/>
+            <a:ext cx="2628900" cy="1704975"/>
+          </a:xfrm>
+          <a:prstGeom prst="rect">
+            <a:avLst/>
+          </a:prstGeom>
+        </p:spPr>
+      </p:pic>
+      <p:pic>
+        <p:nvPicPr>
+          <p:cNvPr id="6" name="Picture 5"/>
+          <p:cNvPicPr>
+            <a:picLocks noChangeAspect="1"/>
+          </p:cNvPicPr>
+          <p:nvPr/>
+        </p:nvPicPr>
+        <p:blipFill>
+          <a:blip r:embed="rId4"/>
+          <a:stretch>
+            <a:fillRect/>
+          </a:stretch>
+        </p:blipFill>
+        <p:spPr>
+          <a:xfrm>
+            <a:off x="3805237" y="2962275"/>
+            <a:ext cx="4581525" cy="933450"/>
+          </a:xfrm>
+          <a:prstGeom prst="rect">
+            <a:avLst/>
+          </a:prstGeom>
+        </p:spPr>
+      </p:pic>
+      <p:pic>
+        <p:nvPicPr>
+          <p:cNvPr id="7" name="Picture 6"/>
+          <p:cNvPicPr>
+            <a:picLocks noChangeAspect="1"/>
+          </p:cNvPicPr>
+          <p:nvPr/>
+        </p:nvPicPr>
+        <p:blipFill>
+          <a:blip r:embed="rId5"/>
+          <a:stretch>
+            <a:fillRect/>
+          </a:stretch>
+        </p:blipFill>
+        <p:spPr>
+          <a:xfrm>
+            <a:off x="3805237" y="4192099"/>
+            <a:ext cx="4657725" cy="771525"/>
+          </a:xfrm>
+          <a:prstGeom prst="rect">
+            <a:avLst/>
+          </a:prstGeom>
+        </p:spPr>
+      </p:pic>
+    </p:spTree>
+    <p:extLst>
+      <p:ext uri="{BB962C8B-B14F-4D97-AF65-F5344CB8AC3E}">
+        <p14:creationId xmlns:p14="http://schemas.microsoft.com/office/powerpoint/2010/main" val="2317393512"/>
+      </p:ext>
+    </p:extLst>
+  </p:cSld>
+  <p:clrMapOvr>
+    <a:masterClrMapping/>
+  </p:clrMapOvr>
+  <p:timing>
+    <p:tnLst>
+      <p:par>
+        <p:cTn id="1" dur="indefinite" restart="never" nodeType="tmRoot"/>
+      </p:par>
+    </p:tnLst>
+  </p:timing>
+</p:sld>
+</file>
+
+<file path=ppt/slides/slide11.xml><?xml version="1.0" encoding="utf-8"?>
+<p:sld xmlns:a="http://schemas.openxmlformats.org/drawingml/2006/main" xmlns:r="http://schemas.openxmlformats.org/officeDocument/2006/relationships" xmlns:p="http://schemas.openxmlformats.org/presentationml/2006/main">
+  <p:cSld>
+    <p:spTree>
+      <p:nvGrpSpPr>
+        <p:cNvPr id="1" name=""/>
+        <p:cNvGrpSpPr/>
+        <p:nvPr/>
+      </p:nvGrpSpPr>
+      <p:grpSpPr>
+        <a:xfrm>
+          <a:off x="0" y="0"/>
+          <a:ext cx="0" cy="0"/>
+          <a:chOff x="0" y="0"/>
+          <a:chExt cx="0" cy="0"/>
+        </a:xfrm>
+      </p:grpSpPr>
+      <p:sp>
+        <p:nvSpPr>
+          <p:cNvPr id="4" name="Slide Number Placeholder 3"/>
+          <p:cNvSpPr>
+            <a:spLocks noGrp="1"/>
+          </p:cNvSpPr>
+          <p:nvPr>
+            <p:ph type="sldNum" sz="quarter" idx="12"/>
+          </p:nvPr>
+        </p:nvSpPr>
+        <p:spPr/>
+        <p:txBody>
+          <a:bodyPr/>
+          <a:lstStyle/>
+          <a:p>
+            <a:fld id="{27225834-A5F4-4780-A9FC-586FB30F9BB0}" type="slidenum">
+              <a:rPr lang="en-US" smtClean="0"/>
+              <a:t>11</a:t>
+            </a:fld>
+            <a:endParaRPr lang="en-US"/>
+          </a:p>
+        </p:txBody>
+      </p:sp>
+      <p:pic>
+        <p:nvPicPr>
+          <p:cNvPr id="5" name="Picture 4"/>
+          <p:cNvPicPr>
+            <a:picLocks noChangeAspect="1"/>
+          </p:cNvPicPr>
+          <p:nvPr/>
+        </p:nvPicPr>
+        <p:blipFill>
+          <a:blip r:embed="rId3"/>
+          <a:stretch>
+            <a:fillRect/>
+          </a:stretch>
+        </p:blipFill>
+        <p:spPr>
+          <a:xfrm>
+            <a:off x="220174" y="182440"/>
+            <a:ext cx="3184831" cy="2338021"/>
+          </a:xfrm>
+          <a:prstGeom prst="rect">
+            <a:avLst/>
+          </a:prstGeom>
+        </p:spPr>
+      </p:pic>
+      <p:sp>
+        <p:nvSpPr>
+          <p:cNvPr id="6" name="Rectangle 5"/>
+          <p:cNvSpPr/>
+          <p:nvPr/>
+        </p:nvSpPr>
+        <p:spPr>
+          <a:xfrm>
+            <a:off x="4630615" y="2636912"/>
+            <a:ext cx="6096000" cy="646331"/>
+          </a:xfrm>
+          <a:prstGeom prst="rect">
+            <a:avLst/>
+          </a:prstGeom>
+        </p:spPr>
+        <p:txBody>
+          <a:bodyPr>
+            <a:spAutoFit/>
+          </a:bodyPr>
+          <a:lstStyle/>
+          <a:p>
+            <a:r>
+              <a:rPr lang="en-US" dirty="0"/>
+              <a:t>Blade number affects efficiency and introduces circulatory losses (too few blades) and passage losses (too many blades)</a:t>
+            </a:r>
+          </a:p>
+        </p:txBody>
+      </p:sp>
+      <p:pic>
+        <p:nvPicPr>
+          <p:cNvPr id="7" name="Picture 6"/>
+          <p:cNvPicPr>
+            <a:picLocks noChangeAspect="1"/>
+          </p:cNvPicPr>
+          <p:nvPr/>
+        </p:nvPicPr>
+        <p:blipFill>
+          <a:blip r:embed="rId4"/>
+          <a:stretch>
+            <a:fillRect/>
+          </a:stretch>
+        </p:blipFill>
+        <p:spPr>
+          <a:xfrm>
+            <a:off x="5099904" y="598199"/>
+            <a:ext cx="4126157" cy="1922262"/>
+          </a:xfrm>
+          <a:prstGeom prst="rect">
+            <a:avLst/>
+          </a:prstGeom>
+        </p:spPr>
+      </p:pic>
+      <p:pic>
+        <p:nvPicPr>
+          <p:cNvPr id="8" name="Picture 7"/>
+          <p:cNvPicPr>
+            <a:picLocks noChangeAspect="1"/>
+          </p:cNvPicPr>
+          <p:nvPr/>
+        </p:nvPicPr>
+        <p:blipFill>
+          <a:blip r:embed="rId5"/>
+          <a:stretch>
+            <a:fillRect/>
+          </a:stretch>
+        </p:blipFill>
+        <p:spPr>
+          <a:xfrm>
+            <a:off x="323483" y="3414713"/>
+            <a:ext cx="3311267" cy="1848950"/>
+          </a:xfrm>
+          <a:prstGeom prst="rect">
+            <a:avLst/>
+          </a:prstGeom>
+        </p:spPr>
+      </p:pic>
+      <p:pic>
+        <p:nvPicPr>
+          <p:cNvPr id="9" name="Picture 8"/>
+          <p:cNvPicPr>
+            <a:picLocks noChangeAspect="1"/>
+          </p:cNvPicPr>
+          <p:nvPr/>
+        </p:nvPicPr>
+        <p:blipFill>
+          <a:blip r:embed="rId6"/>
+          <a:stretch>
+            <a:fillRect/>
+          </a:stretch>
+        </p:blipFill>
+        <p:spPr>
+          <a:xfrm>
+            <a:off x="3634750" y="3604450"/>
+            <a:ext cx="2149719" cy="1469476"/>
+          </a:xfrm>
+          <a:prstGeom prst="rect">
+            <a:avLst/>
+          </a:prstGeom>
+        </p:spPr>
+      </p:pic>
+      <p:pic>
+        <p:nvPicPr>
+          <p:cNvPr id="10" name="Picture 9"/>
+          <p:cNvPicPr>
+            <a:picLocks noChangeAspect="1"/>
+          </p:cNvPicPr>
+          <p:nvPr/>
+        </p:nvPicPr>
+        <p:blipFill>
+          <a:blip r:embed="rId7"/>
+          <a:stretch>
+            <a:fillRect/>
+          </a:stretch>
+        </p:blipFill>
+        <p:spPr>
+          <a:xfrm>
+            <a:off x="5950684" y="3903217"/>
+            <a:ext cx="1809993" cy="1066469"/>
+          </a:xfrm>
+          <a:prstGeom prst="rect">
+            <a:avLst/>
+          </a:prstGeom>
+        </p:spPr>
+      </p:pic>
+      <p:pic>
+        <p:nvPicPr>
+          <p:cNvPr id="12" name="Picture 11"/>
+          <p:cNvPicPr>
+            <a:picLocks noChangeAspect="1"/>
+          </p:cNvPicPr>
+          <p:nvPr/>
+        </p:nvPicPr>
+        <p:blipFill>
+          <a:blip r:embed="rId8"/>
+          <a:stretch>
+            <a:fillRect/>
+          </a:stretch>
+        </p:blipFill>
+        <p:spPr>
+          <a:xfrm>
+            <a:off x="876299" y="6148158"/>
+            <a:ext cx="4543425" cy="342900"/>
+          </a:xfrm>
+          <a:prstGeom prst="rect">
+            <a:avLst/>
+          </a:prstGeom>
+        </p:spPr>
+      </p:pic>
+      <p:pic>
+        <p:nvPicPr>
+          <p:cNvPr id="11" name="Picture 2" descr="fig. 1"/>
+          <p:cNvPicPr>
+            <a:picLocks noChangeAspect="1" noChangeArrowheads="1"/>
+          </p:cNvPicPr>
+          <p:nvPr/>
+        </p:nvPicPr>
+        <p:blipFill>
+          <a:blip r:embed="rId9">
+            <a:extLst>
+              <a:ext uri="{28A0092B-C50C-407E-A947-70E740481C1C}">
+                <a14:useLocalDpi xmlns:a14="http://schemas.microsoft.com/office/drawing/2010/main" val="0"/>
+              </a:ext>
+            </a:extLst>
+          </a:blip>
+          <a:srcRect/>
+          <a:stretch>
+            <a:fillRect/>
+          </a:stretch>
+        </p:blipFill>
+        <p:spPr bwMode="auto">
+          <a:xfrm>
+            <a:off x="7926892" y="3990242"/>
+            <a:ext cx="1992922" cy="1659108"/>
+          </a:xfrm>
+          <a:prstGeom prst="rect">
+            <a:avLst/>
+          </a:prstGeom>
+          <a:noFill/>
+          <a:extLst>
+            <a:ext uri="{909E8E84-426E-40DD-AFC4-6F175D3DCCD1}">
+              <a14:hiddenFill xmlns:a14="http://schemas.microsoft.com/office/drawing/2010/main">
+                <a:solidFill>
+                  <a:srgbClr val="FFFFFF"/>
+                </a:solidFill>
+              </a14:hiddenFill>
+            </a:ext>
+          </a:extLst>
+        </p:spPr>
+      </p:pic>
+    </p:spTree>
+    <p:extLst>
+      <p:ext uri="{BB962C8B-B14F-4D97-AF65-F5344CB8AC3E}">
+        <p14:creationId xmlns:p14="http://schemas.microsoft.com/office/powerpoint/2010/main" val="2728273174"/>
+      </p:ext>
+    </p:extLst>
+  </p:cSld>
+  <p:clrMapOvr>
+    <a:masterClrMapping/>
+  </p:clrMapOvr>
+  <p:timing>
+    <p:tnLst>
+      <p:par>
+        <p:cTn id="1" dur="indefinite" restart="never" nodeType="tmRoot"/>
+      </p:par>
+    </p:tnLst>
+  </p:timing>
+</p:sld>
+</file>
+
 <file path=ppt/slides/slide2.xml><?xml version="1.0" encoding="utf-8"?>
 <p:sld xmlns:a="http://schemas.openxmlformats.org/drawingml/2006/main" xmlns:r="http://schemas.openxmlformats.org/officeDocument/2006/relationships" xmlns:p="http://schemas.openxmlformats.org/presentationml/2006/main">
   <p:cSld>
@@ -5185,7 +7361,7 @@
         </p:nvSpPr>
         <p:spPr>
           <a:xfrm>
-            <a:off x="4873648" y="409345"/>
+            <a:off x="4660497" y="381877"/>
             <a:ext cx="3094685" cy="461665"/>
           </a:xfrm>
           <a:prstGeom prst="rect">
@@ -5206,7 +7382,7 @@
                 </a:solidFill>
                 <a:latin typeface="Garamond" panose="02020404030301010803" pitchFamily="18" charset="0"/>
               </a:rPr>
-              <a:t>Puzzle break</a:t>
+              <a:t>Math is involved</a:t>
             </a:r>
             <a:endParaRPr lang="en-US" sz="2400" b="1" dirty="0">
               <a:solidFill>
@@ -5942,7 +8118,30 @@
       </p:grpSpPr>
       <p:sp>
         <p:nvSpPr>
-          <p:cNvPr id="2" name="Title 1"/>
+          <p:cNvPr id="4" name="Slide Number Placeholder 3"/>
+          <p:cNvSpPr>
+            <a:spLocks noGrp="1"/>
+          </p:cNvSpPr>
+          <p:nvPr>
+            <p:ph type="sldNum" sz="quarter" idx="12"/>
+          </p:nvPr>
+        </p:nvSpPr>
+        <p:spPr/>
+        <p:txBody>
+          <a:bodyPr/>
+          <a:lstStyle/>
+          <a:p>
+            <a:fld id="{27225834-A5F4-4780-A9FC-586FB30F9BB0}" type="slidenum">
+              <a:rPr lang="en-US" smtClean="0"/>
+              <a:t>5</a:t>
+            </a:fld>
+            <a:endParaRPr lang="en-US"/>
+          </a:p>
+        </p:txBody>
+      </p:sp>
+      <p:sp>
+        <p:nvSpPr>
+          <p:cNvPr id="5" name="Title 1"/>
           <p:cNvSpPr>
             <a:spLocks noGrp="1"/>
           </p:cNvSpPr>
@@ -5950,9 +8149,16 @@
             <p:ph type="title"/>
           </p:nvPr>
         </p:nvSpPr>
-        <p:spPr/>
-        <p:txBody>
-          <a:bodyPr/>
+        <p:spPr>
+          <a:xfrm>
+            <a:off x="609600" y="368300"/>
+            <a:ext cx="10515600" cy="654783"/>
+          </a:xfrm>
+        </p:spPr>
+        <p:txBody>
+          <a:bodyPr>
+            <a:normAutofit fontScale="90000"/>
+          </a:bodyPr>
           <a:lstStyle/>
           <a:p>
             <a:pPr algn="ctr"/>
@@ -5968,39 +8174,23 @@
           </a:p>
         </p:txBody>
       </p:sp>
-      <p:sp>
-        <p:nvSpPr>
-          <p:cNvPr id="4" name="Slide Number Placeholder 3"/>
-          <p:cNvSpPr>
-            <a:spLocks noGrp="1"/>
-          </p:cNvSpPr>
-          <p:nvPr>
-            <p:ph type="sldNum" sz="quarter" idx="12"/>
-          </p:nvPr>
-        </p:nvSpPr>
-        <p:spPr/>
-        <p:txBody>
-          <a:bodyPr/>
-          <a:lstStyle/>
-          <a:p>
-            <a:fld id="{27225834-A5F4-4780-A9FC-586FB30F9BB0}" type="slidenum">
-              <a:rPr lang="en-US" smtClean="0"/>
-              <a:t>5</a:t>
-            </a:fld>
-            <a:endParaRPr lang="en-US"/>
-          </a:p>
-        </p:txBody>
-      </p:sp>
     </p:spTree>
     <p:extLst>
       <p:ext uri="{BB962C8B-B14F-4D97-AF65-F5344CB8AC3E}">
-        <p14:creationId xmlns:p14="http://schemas.microsoft.com/office/powerpoint/2010/main" val="798034103"/>
+        <p14:creationId xmlns:p14="http://schemas.microsoft.com/office/powerpoint/2010/main" val="4151829928"/>
       </p:ext>
     </p:extLst>
   </p:cSld>
   <p:clrMapOvr>
     <a:masterClrMapping/>
   </p:clrMapOvr>
+  <p:timing>
+    <p:tnLst>
+      <p:par>
+        <p:cTn id="1" dur="indefinite" restart="never" nodeType="tmRoot"/>
+      </p:par>
+    </p:tnLst>
+  </p:timing>
 </p:sld>
 </file>
 
@@ -6031,25 +8221,57 @@
             <p:ph type="sldNum" sz="quarter" idx="12"/>
           </p:nvPr>
         </p:nvSpPr>
-        <p:spPr>
-          <a:xfrm>
-            <a:off x="9306059" y="6438513"/>
-            <a:ext cx="2743200" cy="365125"/>
-          </a:xfrm>
-        </p:spPr>
+        <p:spPr/>
         <p:txBody>
           <a:bodyPr/>
           <a:lstStyle/>
           <a:p>
             <a:fld id="{27225834-A5F4-4780-A9FC-586FB30F9BB0}" type="slidenum">
-              <a:rPr lang="en-US" smtClean="0">
-                <a:latin typeface="Garamond" panose="02020404030301010803" pitchFamily="18" charset="0"/>
-              </a:rPr>
+              <a:rPr lang="en-US" smtClean="0"/>
               <a:t>6</a:t>
             </a:fld>
-            <a:endParaRPr lang="en-US" dirty="0">
-              <a:latin typeface="Garamond" panose="02020404030301010803" pitchFamily="18" charset="0"/>
-            </a:endParaRPr>
+            <a:endParaRPr lang="en-US"/>
+          </a:p>
+        </p:txBody>
+      </p:sp>
+      <p:sp>
+        <p:nvSpPr>
+          <p:cNvPr id="3" name="TextBox 2"/>
+          <p:cNvSpPr txBox="1"/>
+          <p:nvPr/>
+        </p:nvSpPr>
+        <p:spPr>
+          <a:xfrm>
+            <a:off x="5516684" y="6179914"/>
+            <a:ext cx="11394831" cy="246221"/>
+          </a:xfrm>
+          <a:prstGeom prst="rect">
+            <a:avLst/>
+          </a:prstGeom>
+          <a:noFill/>
+        </p:spPr>
+        <p:txBody>
+          <a:bodyPr wrap="square" rtlCol="0">
+            <a:spAutoFit/>
+          </a:bodyPr>
+          <a:lstStyle/>
+          <a:p>
+            <a:r>
+              <a:rPr lang="en-US" sz="1000" b="1" dirty="0"/>
+              <a:t>Hydraulic Institute Test Standard (ANSI/HI 14.6 "</a:t>
+            </a:r>
+            <a:r>
+              <a:rPr lang="en-US" sz="1000" b="1" dirty="0" err="1"/>
+              <a:t>Rotodynamic</a:t>
+            </a:r>
+            <a:r>
+              <a:rPr lang="en-US" sz="1000" b="1" dirty="0"/>
+              <a:t> Pumps for Performance Acceptance Tests," </a:t>
+            </a:r>
+            <a:r>
+              <a:rPr lang="en-US" sz="1000" b="1" dirty="0" smtClean="0"/>
+              <a:t>2011)</a:t>
+            </a:r>
           </a:p>
         </p:txBody>
       </p:sp>
@@ -6069,18 +8291,175 @@
         </p:blipFill>
         <p:spPr>
           <a:xfrm>
-            <a:off x="1479176" y="142073"/>
-            <a:ext cx="9654708" cy="6715927"/>
+            <a:off x="5516684" y="1854920"/>
+            <a:ext cx="5837116" cy="4324994"/>
           </a:xfrm>
           <a:prstGeom prst="rect">
             <a:avLst/>
           </a:prstGeom>
         </p:spPr>
       </p:pic>
+      <p:sp>
+        <p:nvSpPr>
+          <p:cNvPr id="8" name="TextBox 7"/>
+          <p:cNvSpPr txBox="1"/>
+          <p:nvPr/>
+        </p:nvSpPr>
+        <p:spPr>
+          <a:xfrm>
+            <a:off x="508976" y="1854920"/>
+            <a:ext cx="5007708" cy="3726661"/>
+          </a:xfrm>
+          <a:prstGeom prst="rect">
+            <a:avLst/>
+          </a:prstGeom>
+          <a:noFill/>
+        </p:spPr>
+        <p:txBody>
+          <a:bodyPr wrap="square" rtlCol="0">
+            <a:spAutoFit/>
+          </a:bodyPr>
+          <a:lstStyle/>
+          <a:p>
+            <a:endParaRPr lang="en-US" sz="2000" b="1" dirty="0" smtClean="0">
+              <a:latin typeface="Garamond" panose="02020404030301010803" pitchFamily="18" charset="0"/>
+            </a:endParaRPr>
+          </a:p>
+          <a:p>
+            <a:r>
+              <a:rPr lang="en-US" sz="2400" dirty="0" smtClean="0">
+                <a:latin typeface="Garamond" panose="02020404030301010803" pitchFamily="18" charset="0"/>
+              </a:rPr>
+              <a:t>Typically </a:t>
+            </a:r>
+            <a:r>
+              <a:rPr lang="en-US" sz="2400" dirty="0">
+                <a:latin typeface="Garamond" panose="02020404030301010803" pitchFamily="18" charset="0"/>
+              </a:rPr>
+              <a:t>performance is given by curves of: </a:t>
+            </a:r>
+            <a:endParaRPr lang="en-US" sz="2400" dirty="0" smtClean="0">
+              <a:latin typeface="Garamond" panose="02020404030301010803" pitchFamily="18" charset="0"/>
+            </a:endParaRPr>
+          </a:p>
+          <a:p>
+            <a:endParaRPr lang="en-US" sz="2400" dirty="0">
+              <a:latin typeface="Garamond" panose="02020404030301010803" pitchFamily="18" charset="0"/>
+            </a:endParaRPr>
+          </a:p>
+          <a:p>
+            <a:pPr>
+              <a:spcBef>
+                <a:spcPts val="115"/>
+              </a:spcBef>
+            </a:pPr>
+            <a:r>
+              <a:rPr lang="en-US" sz="2400" dirty="0" smtClean="0">
+                <a:latin typeface="Garamond" panose="02020404030301010803" pitchFamily="18" charset="0"/>
+              </a:rPr>
+              <a:t>• Head versus capacity </a:t>
+            </a:r>
+          </a:p>
+          <a:p>
+            <a:pPr>
+              <a:spcBef>
+                <a:spcPts val="115"/>
+              </a:spcBef>
+            </a:pPr>
+            <a:endParaRPr lang="en-US" sz="2400" dirty="0" smtClean="0">
+              <a:latin typeface="Garamond" panose="02020404030301010803" pitchFamily="18" charset="0"/>
+            </a:endParaRPr>
+          </a:p>
+          <a:p>
+            <a:pPr>
+              <a:spcBef>
+                <a:spcPts val="115"/>
+              </a:spcBef>
+            </a:pPr>
+            <a:r>
+              <a:rPr lang="en-US" sz="2400" dirty="0" smtClean="0">
+                <a:latin typeface="Garamond" panose="02020404030301010803" pitchFamily="18" charset="0"/>
+              </a:rPr>
+              <a:t>• </a:t>
+            </a:r>
+            <a:r>
+              <a:rPr lang="en-US" sz="2400" dirty="0">
+                <a:latin typeface="Garamond" panose="02020404030301010803" pitchFamily="18" charset="0"/>
+              </a:rPr>
+              <a:t>Power versus capacity </a:t>
+            </a:r>
+            <a:endParaRPr lang="en-US" sz="2400" dirty="0" smtClean="0">
+              <a:latin typeface="Garamond" panose="02020404030301010803" pitchFamily="18" charset="0"/>
+            </a:endParaRPr>
+          </a:p>
+          <a:p>
+            <a:pPr>
+              <a:spcBef>
+                <a:spcPts val="115"/>
+              </a:spcBef>
+            </a:pPr>
+            <a:endParaRPr lang="en-US" sz="2400" dirty="0">
+              <a:latin typeface="Garamond" panose="02020404030301010803" pitchFamily="18" charset="0"/>
+            </a:endParaRPr>
+          </a:p>
+          <a:p>
+            <a:pPr>
+              <a:spcBef>
+                <a:spcPts val="115"/>
+              </a:spcBef>
+            </a:pPr>
+            <a:r>
+              <a:rPr lang="en-US" sz="2400" dirty="0">
+                <a:latin typeface="Garamond" panose="02020404030301010803" pitchFamily="18" charset="0"/>
+              </a:rPr>
+              <a:t>• NPSH versus capacity </a:t>
+            </a:r>
+          </a:p>
+          <a:p>
+            <a:endParaRPr lang="en-US" sz="2000" dirty="0" smtClean="0">
+              <a:latin typeface="Garamond" panose="02020404030301010803" pitchFamily="18" charset="0"/>
+            </a:endParaRPr>
+          </a:p>
+        </p:txBody>
+      </p:sp>
+      <p:sp>
+        <p:nvSpPr>
+          <p:cNvPr id="11" name="TextBox 10"/>
+          <p:cNvSpPr txBox="1"/>
+          <p:nvPr/>
+        </p:nvSpPr>
+        <p:spPr>
+          <a:xfrm>
+            <a:off x="1478084" y="254303"/>
+            <a:ext cx="9875716" cy="707886"/>
+          </a:xfrm>
+          <a:prstGeom prst="rect">
+            <a:avLst/>
+          </a:prstGeom>
+          <a:noFill/>
+        </p:spPr>
+        <p:txBody>
+          <a:bodyPr wrap="square" rtlCol="0">
+            <a:spAutoFit/>
+          </a:bodyPr>
+          <a:lstStyle/>
+          <a:p>
+            <a:r>
+              <a:rPr lang="en-US" sz="4000" b="1" dirty="0" smtClean="0">
+                <a:latin typeface="Garamond" panose="02020404030301010803" pitchFamily="18" charset="0"/>
+              </a:rPr>
+              <a:t>Characterizing the performance of Piglet</a:t>
+            </a:r>
+            <a:endParaRPr lang="en-US" sz="4000" b="1" dirty="0">
+              <a:latin typeface="Garamond" panose="02020404030301010803" pitchFamily="18" charset="0"/>
+            </a:endParaRPr>
+          </a:p>
+        </p:txBody>
+      </p:sp>
     </p:spTree>
     <p:extLst>
       <p:ext uri="{BB962C8B-B14F-4D97-AF65-F5344CB8AC3E}">
-        <p14:creationId xmlns:p14="http://schemas.microsoft.com/office/powerpoint/2010/main" val="1843846498"/>
+        <p14:creationId xmlns:p14="http://schemas.microsoft.com/office/powerpoint/2010/main" val="798034103"/>
       </p:ext>
     </p:extLst>
   </p:cSld>
@@ -6124,6 +8503,99 @@
             <p:ph type="sldNum" sz="quarter" idx="12"/>
           </p:nvPr>
         </p:nvSpPr>
+        <p:spPr>
+          <a:xfrm>
+            <a:off x="9306059" y="6438513"/>
+            <a:ext cx="2743200" cy="365125"/>
+          </a:xfrm>
+        </p:spPr>
+        <p:txBody>
+          <a:bodyPr/>
+          <a:lstStyle/>
+          <a:p>
+            <a:fld id="{27225834-A5F4-4780-A9FC-586FB30F9BB0}" type="slidenum">
+              <a:rPr lang="en-US" smtClean="0">
+                <a:latin typeface="Garamond" panose="02020404030301010803" pitchFamily="18" charset="0"/>
+              </a:rPr>
+              <a:t>7</a:t>
+            </a:fld>
+            <a:endParaRPr lang="en-US" dirty="0">
+              <a:latin typeface="Garamond" panose="02020404030301010803" pitchFamily="18" charset="0"/>
+            </a:endParaRPr>
+          </a:p>
+        </p:txBody>
+      </p:sp>
+      <p:pic>
+        <p:nvPicPr>
+          <p:cNvPr id="7" name="Picture 6"/>
+          <p:cNvPicPr>
+            <a:picLocks noChangeAspect="1"/>
+          </p:cNvPicPr>
+          <p:nvPr/>
+        </p:nvPicPr>
+        <p:blipFill>
+          <a:blip r:embed="rId3"/>
+          <a:stretch>
+            <a:fillRect/>
+          </a:stretch>
+        </p:blipFill>
+        <p:spPr>
+          <a:xfrm>
+            <a:off x="1479176" y="142073"/>
+            <a:ext cx="9654708" cy="6715927"/>
+          </a:xfrm>
+          <a:prstGeom prst="rect">
+            <a:avLst/>
+          </a:prstGeom>
+        </p:spPr>
+      </p:pic>
+    </p:spTree>
+    <p:extLst>
+      <p:ext uri="{BB962C8B-B14F-4D97-AF65-F5344CB8AC3E}">
+        <p14:creationId xmlns:p14="http://schemas.microsoft.com/office/powerpoint/2010/main" val="1843846498"/>
+      </p:ext>
+    </p:extLst>
+  </p:cSld>
+  <p:clrMapOvr>
+    <a:masterClrMapping/>
+  </p:clrMapOvr>
+  <p:timing>
+    <p:tnLst>
+      <p:par>
+        <p:cTn id="1" dur="indefinite" restart="never" nodeType="tmRoot"/>
+      </p:par>
+    </p:tnLst>
+  </p:timing>
+</p:sld>
+</file>
+
+<file path=ppt/slides/slide8.xml><?xml version="1.0" encoding="utf-8"?>
+<p:sld xmlns:a="http://schemas.openxmlformats.org/drawingml/2006/main" xmlns:r="http://schemas.openxmlformats.org/officeDocument/2006/relationships" xmlns:p="http://schemas.openxmlformats.org/presentationml/2006/main">
+  <p:cSld>
+    <p:spTree>
+      <p:nvGrpSpPr>
+        <p:cNvPr id="1" name=""/>
+        <p:cNvGrpSpPr/>
+        <p:nvPr/>
+      </p:nvGrpSpPr>
+      <p:grpSpPr>
+        <a:xfrm>
+          <a:off x="0" y="0"/>
+          <a:ext cx="0" cy="0"/>
+          <a:chOff x="0" y="0"/>
+          <a:chExt cx="0" cy="0"/>
+        </a:xfrm>
+      </p:grpSpPr>
+      <p:sp>
+        <p:nvSpPr>
+          <p:cNvPr id="4" name="Slide Number Placeholder 3"/>
+          <p:cNvSpPr>
+            <a:spLocks noGrp="1"/>
+          </p:cNvSpPr>
+          <p:nvPr>
+            <p:ph type="sldNum" sz="quarter" idx="12"/>
+          </p:nvPr>
+        </p:nvSpPr>
         <p:spPr/>
         <p:txBody>
           <a:bodyPr/>
@@ -6131,7 +8603,67 @@
           <a:p>
             <a:fld id="{27225834-A5F4-4780-A9FC-586FB30F9BB0}" type="slidenum">
               <a:rPr lang="en-US" smtClean="0"/>
-              <a:t>7</a:t>
+              <a:t>8</a:t>
+            </a:fld>
+            <a:endParaRPr lang="en-US"/>
+          </a:p>
+        </p:txBody>
+      </p:sp>
+    </p:spTree>
+    <p:extLst>
+      <p:ext uri="{BB962C8B-B14F-4D97-AF65-F5344CB8AC3E}">
+        <p14:creationId xmlns:p14="http://schemas.microsoft.com/office/powerpoint/2010/main" val="4267820247"/>
+      </p:ext>
+    </p:extLst>
+  </p:cSld>
+  <p:clrMapOvr>
+    <a:masterClrMapping/>
+  </p:clrMapOvr>
+  <p:timing>
+    <p:tnLst>
+      <p:par>
+        <p:cTn id="1" dur="indefinite" restart="never" nodeType="tmRoot"/>
+      </p:par>
+    </p:tnLst>
+  </p:timing>
+</p:sld>
+</file>
+
+<file path=ppt/slides/slide9.xml><?xml version="1.0" encoding="utf-8"?>
+<p:sld xmlns:a="http://schemas.openxmlformats.org/drawingml/2006/main" xmlns:r="http://schemas.openxmlformats.org/officeDocument/2006/relationships" xmlns:p="http://schemas.openxmlformats.org/presentationml/2006/main">
+  <p:cSld>
+    <p:spTree>
+      <p:nvGrpSpPr>
+        <p:cNvPr id="1" name=""/>
+        <p:cNvGrpSpPr/>
+        <p:nvPr/>
+      </p:nvGrpSpPr>
+      <p:grpSpPr>
+        <a:xfrm>
+          <a:off x="0" y="0"/>
+          <a:ext cx="0" cy="0"/>
+          <a:chOff x="0" y="0"/>
+          <a:chExt cx="0" cy="0"/>
+        </a:xfrm>
+      </p:grpSpPr>
+      <p:sp>
+        <p:nvSpPr>
+          <p:cNvPr id="4" name="Slide Number Placeholder 3"/>
+          <p:cNvSpPr>
+            <a:spLocks noGrp="1"/>
+          </p:cNvSpPr>
+          <p:nvPr>
+            <p:ph type="sldNum" sz="quarter" idx="12"/>
+          </p:nvPr>
+        </p:nvSpPr>
+        <p:spPr/>
+        <p:txBody>
+          <a:bodyPr/>
+          <a:lstStyle/>
+          <a:p>
+            <a:fld id="{27225834-A5F4-4780-A9FC-586FB30F9BB0}" type="slidenum">
+              <a:rPr lang="en-US" smtClean="0"/>
+              <a:t>9</a:t>
             </a:fld>
             <a:endParaRPr lang="en-US"/>
           </a:p>
@@ -6147,6 +8679,13 @@
   <p:clrMapOvr>
     <a:masterClrMapping/>
   </p:clrMapOvr>
+  <p:timing>
+    <p:tnLst>
+      <p:par>
+        <p:cTn id="1" dur="indefinite" restart="never" nodeType="tmRoot"/>
+      </p:par>
+    </p:tnLst>
+  </p:timing>
 </p:sld>
 </file>
 

--- a/Docs/Presentations/Slides/froyo_edits.pptx
+++ b/Docs/Presentations/Slides/froyo_edits.pptx
@@ -5,23 +5,22 @@
     <p:sldMasterId id="2147483660" r:id="rId1"/>
   </p:sldMasterIdLst>
   <p:notesMasterIdLst>
-    <p:notesMasterId r:id="rId13"/>
+    <p:notesMasterId r:id="rId12"/>
   </p:notesMasterIdLst>
   <p:handoutMasterIdLst>
-    <p:handoutMasterId r:id="rId14"/>
+    <p:handoutMasterId r:id="rId13"/>
   </p:handoutMasterIdLst>
   <p:sldIdLst>
-    <p:sldId id="257" r:id="rId2"/>
-    <p:sldId id="259" r:id="rId3"/>
-    <p:sldId id="260" r:id="rId4"/>
-    <p:sldId id="258" r:id="rId5"/>
-    <p:sldId id="265" r:id="rId6"/>
-    <p:sldId id="261" r:id="rId7"/>
-    <p:sldId id="256" r:id="rId8"/>
-    <p:sldId id="266" r:id="rId9"/>
-    <p:sldId id="262" r:id="rId10"/>
-    <p:sldId id="263" r:id="rId11"/>
-    <p:sldId id="264" r:id="rId12"/>
+    <p:sldId id="259" r:id="rId2"/>
+    <p:sldId id="260" r:id="rId3"/>
+    <p:sldId id="258" r:id="rId4"/>
+    <p:sldId id="265" r:id="rId5"/>
+    <p:sldId id="261" r:id="rId6"/>
+    <p:sldId id="256" r:id="rId7"/>
+    <p:sldId id="266" r:id="rId8"/>
+    <p:sldId id="262" r:id="rId9"/>
+    <p:sldId id="263" r:id="rId10"/>
+    <p:sldId id="264" r:id="rId11"/>
   </p:sldIdLst>
   <p:sldSz cx="12192000" cy="6858000"/>
   <p:notesSz cx="6858000" cy="9144000"/>
@@ -222,7 +221,7 @@
           <a:p>
             <a:fld id="{44E562D0-84FD-411E-8C3F-A36A948BC859}" type="datetimeFigureOut">
               <a:rPr lang="en-US" smtClean="0"/>
-              <a:t>6/6/2017</a:t>
+              <a:t>6/7/2017</a:t>
             </a:fld>
             <a:endParaRPr lang="en-US"/>
           </a:p>
@@ -387,7 +386,7 @@
           <a:p>
             <a:fld id="{66175D2C-1B39-43F9-A837-A8832EDEE424}" type="datetimeFigureOut">
               <a:rPr lang="en-US" smtClean="0"/>
-              <a:t>6/6/2017</a:t>
+              <a:t>6/7/2017</a:t>
             </a:fld>
             <a:endParaRPr lang="en-US"/>
           </a:p>
@@ -751,7 +750,7 @@
           <a:p>
             <a:fld id="{41270EAE-2722-4055-9DC6-0148D79BD176}" type="slidenum">
               <a:rPr lang="en-US" smtClean="0"/>
-              <a:t>2</a:t>
+              <a:t>1</a:t>
             </a:fld>
             <a:endParaRPr lang="en-US"/>
           </a:p>
@@ -920,7 +919,7 @@
           <a:p>
             <a:fld id="{41270EAE-2722-4055-9DC6-0148D79BD176}" type="slidenum">
               <a:rPr lang="en-US" smtClean="0"/>
-              <a:t>11</a:t>
+              <a:t>10</a:t>
             </a:fld>
             <a:endParaRPr lang="en-US"/>
           </a:p>
@@ -989,11 +988,7 @@
             </a:pPr>
             <a:r>
               <a:rPr lang="en-US" sz="1400" dirty="0" smtClean="0"/>
-              <a:t>literature </a:t>
-            </a:r>
-            <a:r>
-              <a:rPr lang="en-US" sz="1400" dirty="0" smtClean="0"/>
-              <a:t>review to narrow the region of interest. (Don’t solve problems we don’t have to)</a:t>
+              <a:t>literature review to narrow the region of interest. (Don’t solve problems we don’t have to)</a:t>
             </a:r>
           </a:p>
           <a:p>
@@ -1010,19 +1005,11 @@
             </a:pPr>
             <a:r>
               <a:rPr lang="en-US" sz="1400" b="1" baseline="0" dirty="0" smtClean="0"/>
-              <a:t>Scientific </a:t>
-            </a:r>
-            <a:r>
-              <a:rPr lang="en-US" sz="1400" b="1" baseline="0" dirty="0" smtClean="0"/>
-              <a:t>computing </a:t>
+              <a:t>Scientific computing </a:t>
             </a:r>
             <a:r>
               <a:rPr lang="en-US" sz="1400" baseline="0" dirty="0" smtClean="0"/>
-              <a:t>as an example of using tools to implement </a:t>
-            </a:r>
-            <a:r>
-              <a:rPr lang="en-US" sz="1400" baseline="0" dirty="0" smtClean="0"/>
-              <a:t>theory OR IDEAS. </a:t>
+              <a:t>as an example of using tools to implement theory OR IDEAS. </a:t>
             </a:r>
             <a:r>
               <a:rPr lang="en-US" sz="1400" baseline="0" dirty="0" err="1" smtClean="0"/>
@@ -1032,7 +1019,6 @@
               <a:rPr lang="en-US" sz="1400" baseline="0" dirty="0" smtClean="0"/>
               <a:t>, SW, Python, Arduino</a:t>
             </a:r>
-            <a:endParaRPr lang="en-US" sz="1400" baseline="0" dirty="0" smtClean="0"/>
           </a:p>
           <a:p>
             <a:pPr marL="0" indent="0">
@@ -1048,15 +1034,7 @@
             </a:pPr>
             <a:r>
               <a:rPr lang="en-US" sz="1400" baseline="0" dirty="0" smtClean="0"/>
-              <a:t>Allows us to make calculations (OR DESIGNS) over </a:t>
-            </a:r>
-            <a:r>
-              <a:rPr lang="en-US" sz="1400" baseline="0" dirty="0" smtClean="0"/>
-              <a:t>a wide range of </a:t>
-            </a:r>
-            <a:r>
-              <a:rPr lang="en-US" sz="1400" baseline="0" dirty="0" smtClean="0"/>
-              <a:t>values and explore a little. </a:t>
+              <a:t>Allows us to make calculations (OR DESIGNS) over a wide range of values and explore a little. </a:t>
             </a:r>
           </a:p>
           <a:p>
@@ -1117,11 +1095,7 @@
             </a:pPr>
             <a:r>
               <a:rPr lang="en-US" sz="1400" baseline="0" dirty="0" smtClean="0"/>
-              <a:t>If </a:t>
-            </a:r>
-            <a:r>
-              <a:rPr lang="en-US" sz="1400" baseline="0" dirty="0" smtClean="0"/>
-              <a:t>best head coeff is between 0.5 and 1 we use 0.75  </a:t>
+              <a:t>If best head coeff is between 0.5 and 1 we use 0.75  </a:t>
             </a:r>
             <a:r>
               <a:rPr lang="en-US" sz="1400" baseline="0" dirty="0" smtClean="0">
@@ -1149,7 +1123,7 @@
           <a:p>
             <a:fld id="{41270EAE-2722-4055-9DC6-0148D79BD176}" type="slidenum">
               <a:rPr lang="en-US" smtClean="0"/>
-              <a:t>3</a:t>
+              <a:t>2</a:t>
             </a:fld>
             <a:endParaRPr lang="en-US"/>
           </a:p>
@@ -1241,25 +1215,13 @@
               <a:rPr lang="en-US" b="1" dirty="0" smtClean="0">
                 <a:latin typeface="Garamond" panose="02020404030301010803" pitchFamily="18" charset="0"/>
               </a:rPr>
-              <a:t>We </a:t>
-            </a:r>
-            <a:r>
-              <a:rPr lang="en-US" b="1" dirty="0" smtClean="0">
-                <a:latin typeface="Garamond" panose="02020404030301010803" pitchFamily="18" charset="0"/>
-              </a:rPr>
-              <a:t>visualize</a:t>
+              <a:t>We visualize</a:t>
             </a:r>
             <a:r>
               <a:rPr lang="en-US" b="1" baseline="0" dirty="0" smtClean="0">
                 <a:latin typeface="Garamond" panose="02020404030301010803" pitchFamily="18" charset="0"/>
               </a:rPr>
-              <a:t> the results of the detailed design in many different </a:t>
-            </a:r>
-            <a:r>
-              <a:rPr lang="en-US" b="1" baseline="0" dirty="0" smtClean="0">
-                <a:latin typeface="Garamond" panose="02020404030301010803" pitchFamily="18" charset="0"/>
-              </a:rPr>
-              <a:t>ways. Road map</a:t>
+              <a:t> the results of the detailed design in many different ways. Road map</a:t>
             </a:r>
           </a:p>
           <a:p>
@@ -1280,19 +1242,7 @@
               <a:rPr lang="en-US" b="1" baseline="0" dirty="0" smtClean="0">
                 <a:latin typeface="Garamond" panose="02020404030301010803" pitchFamily="18" charset="0"/>
               </a:rPr>
-              <a:t>Now </a:t>
-            </a:r>
-            <a:r>
-              <a:rPr lang="en-US" b="1" baseline="0" dirty="0" smtClean="0">
-                <a:latin typeface="Garamond" panose="02020404030301010803" pitchFamily="18" charset="0"/>
-              </a:rPr>
-              <a:t>that the design is narrow enough we begin breathing life into it</a:t>
-            </a:r>
-            <a:r>
-              <a:rPr lang="en-US" b="1" baseline="0" dirty="0" smtClean="0">
-                <a:latin typeface="Garamond" panose="02020404030301010803" pitchFamily="18" charset="0"/>
-              </a:rPr>
-              <a:t>.</a:t>
+              <a:t>Now that the design is narrow enough we begin breathing life into it.</a:t>
             </a:r>
           </a:p>
           <a:p>
@@ -1405,9 +1355,6 @@
               </a:rPr>
               <a:t>-   Give example of Av rule to illustrate the impact of parametrization on success of project</a:t>
             </a:r>
-            <a:endParaRPr lang="en-US" b="1" baseline="0" dirty="0" smtClean="0">
-              <a:latin typeface="Garamond" panose="02020404030301010803" pitchFamily="18" charset="0"/>
-            </a:endParaRPr>
           </a:p>
           <a:p>
             <a:pPr marL="0" indent="0">
@@ -1437,7 +1384,7 @@
           <a:p>
             <a:fld id="{41270EAE-2722-4055-9DC6-0148D79BD176}" type="slidenum">
               <a:rPr lang="en-US" smtClean="0"/>
-              <a:t>4</a:t>
+              <a:t>3</a:t>
             </a:fld>
             <a:endParaRPr lang="en-US"/>
           </a:p>
@@ -1644,7 +1591,7 @@
           <a:p>
             <a:fld id="{41270EAE-2722-4055-9DC6-0148D79BD176}" type="slidenum">
               <a:rPr lang="en-US" smtClean="0"/>
-              <a:t>5</a:t>
+              <a:t>4</a:t>
             </a:fld>
             <a:endParaRPr lang="en-US"/>
           </a:p>
@@ -1833,31 +1780,7 @@
                 <a:ea typeface="+mn-ea"/>
                 <a:cs typeface="+mn-cs"/>
               </a:rPr>
-              <a:t>head </a:t>
-            </a:r>
-            <a:r>
-              <a:rPr lang="en-US" sz="1200" b="0" i="0" kern="1200" dirty="0" smtClean="0">
-                <a:solidFill>
-                  <a:srgbClr val="FF0000"/>
-                </a:solidFill>
-                <a:effectLst/>
-                <a:latin typeface="+mn-lt"/>
-                <a:ea typeface="+mn-ea"/>
-                <a:cs typeface="+mn-cs"/>
-              </a:rPr>
-              <a:t>and not </a:t>
-            </a:r>
-            <a:r>
-              <a:rPr lang="en-US" sz="1200" b="0" i="0" kern="1200" dirty="0" smtClean="0">
-                <a:solidFill>
-                  <a:srgbClr val="FF0000"/>
-                </a:solidFill>
-                <a:effectLst/>
-                <a:latin typeface="+mn-lt"/>
-                <a:ea typeface="+mn-ea"/>
-                <a:cs typeface="+mn-cs"/>
-              </a:rPr>
-              <a:t>pressure</a:t>
+              <a:t>head and not pressure</a:t>
             </a:r>
             <a:r>
               <a:rPr lang="en-US" sz="1200" b="0" i="0" kern="1200" baseline="0" dirty="0" smtClean="0">
@@ -1881,43 +1804,7 @@
                 <a:ea typeface="+mn-ea"/>
                 <a:cs typeface="+mn-cs"/>
               </a:rPr>
-              <a:t>head-capacity </a:t>
-            </a:r>
-            <a:r>
-              <a:rPr lang="en-US" sz="1200" b="0" i="0" kern="1200" dirty="0" smtClean="0">
-                <a:solidFill>
-                  <a:srgbClr val="FF0000"/>
-                </a:solidFill>
-                <a:effectLst/>
-                <a:latin typeface="+mn-lt"/>
-                <a:ea typeface="+mn-ea"/>
-                <a:cs typeface="+mn-cs"/>
-              </a:rPr>
-              <a:t>performance </a:t>
-            </a:r>
-            <a:r>
-              <a:rPr lang="en-US" sz="1200" b="0" i="0" kern="1200" dirty="0" smtClean="0">
-                <a:solidFill>
-                  <a:srgbClr val="FF0000"/>
-                </a:solidFill>
-                <a:effectLst/>
-                <a:latin typeface="+mn-lt"/>
-                <a:ea typeface="+mn-ea"/>
-                <a:cs typeface="+mn-cs"/>
-              </a:rPr>
-              <a:t>independent </a:t>
-            </a:r>
-            <a:r>
-              <a:rPr lang="en-US" sz="1200" b="0" i="0" kern="1200" dirty="0" smtClean="0">
-                <a:solidFill>
-                  <a:srgbClr val="FF0000"/>
-                </a:solidFill>
-                <a:effectLst/>
-                <a:latin typeface="+mn-lt"/>
-                <a:ea typeface="+mn-ea"/>
-                <a:cs typeface="+mn-cs"/>
-              </a:rPr>
-              <a:t>of the specific gravity of the liquid.</a:t>
+              <a:t>head-capacity performance independent of the specific gravity of the liquid.</a:t>
             </a:r>
           </a:p>
           <a:p>
@@ -2164,7 +2051,7 @@
           <a:p>
             <a:fld id="{41270EAE-2722-4055-9DC6-0148D79BD176}" type="slidenum">
               <a:rPr lang="en-US" smtClean="0"/>
-              <a:t>6</a:t>
+              <a:t>5</a:t>
             </a:fld>
             <a:endParaRPr lang="en-US"/>
           </a:p>
@@ -2248,7 +2135,7 @@
           <a:p>
             <a:fld id="{41270EAE-2722-4055-9DC6-0148D79BD176}" type="slidenum">
               <a:rPr lang="en-US" smtClean="0"/>
-              <a:t>7</a:t>
+              <a:t>6</a:t>
             </a:fld>
             <a:endParaRPr lang="en-US"/>
           </a:p>
@@ -2553,7 +2440,7 @@
           <a:p>
             <a:fld id="{41270EAE-2722-4055-9DC6-0148D79BD176}" type="slidenum">
               <a:rPr lang="en-US" smtClean="0"/>
-              <a:t>8</a:t>
+              <a:t>7</a:t>
             </a:fld>
             <a:endParaRPr lang="en-US"/>
           </a:p>
@@ -2623,7 +2510,6 @@
               <a:rPr lang="en-US" dirty="0" smtClean="0"/>
               <a:t>That is, analyze the system to determine the pump head required as a function of flow rate through the pump … This will form the system line. </a:t>
             </a:r>
-            <a:endParaRPr lang="en-US" dirty="0" smtClean="0"/>
           </a:p>
           <a:p>
             <a:endParaRPr lang="en-US" dirty="0" smtClean="0"/>
@@ -2704,7 +2590,7 @@
           <a:p>
             <a:fld id="{41270EAE-2722-4055-9DC6-0148D79BD176}" type="slidenum">
               <a:rPr lang="en-US" smtClean="0"/>
-              <a:t>9</a:t>
+              <a:t>8</a:t>
             </a:fld>
             <a:endParaRPr lang="en-US"/>
           </a:p>
@@ -2834,31 +2720,7 @@
                 <a:ea typeface="+mn-ea"/>
                 <a:cs typeface="+mn-cs"/>
               </a:rPr>
-              <a:t>have several advantages over other turbomachines with similar tip speed due to relatively low manufacturing costs, simplicity, high reliability, enhanced priming </a:t>
-            </a:r>
-            <a:r>
-              <a:rPr lang="en-US" sz="1200" b="0" i="0" kern="1200" dirty="0" smtClean="0">
-                <a:solidFill>
-                  <a:schemeClr val="tx1"/>
-                </a:solidFill>
-                <a:effectLst/>
-                <a:latin typeface="+mn-lt"/>
-                <a:ea typeface="+mn-ea"/>
-                <a:cs typeface="+mn-cs"/>
-              </a:rPr>
-              <a:t>behavior </a:t>
-            </a:r>
-            <a:r>
-              <a:rPr lang="en-US" sz="1200" b="0" i="0" kern="1200" dirty="0" smtClean="0">
-                <a:solidFill>
-                  <a:schemeClr val="tx1"/>
-                </a:solidFill>
-                <a:effectLst/>
-                <a:latin typeface="+mn-lt"/>
-                <a:ea typeface="+mn-ea"/>
-                <a:cs typeface="+mn-cs"/>
-              </a:rPr>
-              <a:t>and can in many applications offer a more efficient alternative.</a:t>
+              <a:t>have several advantages over other turbomachines with similar tip speed due to relatively low manufacturing costs, simplicity, high reliability, enhanced priming behavior and can in many applications offer a more efficient alternative.</a:t>
             </a:r>
             <a:endParaRPr lang="en-US" dirty="0"/>
           </a:p>
@@ -2881,7 +2743,7 @@
           <a:p>
             <a:fld id="{41270EAE-2722-4055-9DC6-0148D79BD176}" type="slidenum">
               <a:rPr lang="en-US" smtClean="0"/>
-              <a:t>10</a:t>
+              <a:t>9</a:t>
             </a:fld>
             <a:endParaRPr lang="en-US"/>
           </a:p>
@@ -3031,7 +2893,7 @@
           <a:p>
             <a:fld id="{A3262095-DDFB-454B-A6DA-90DBA20ABDC0}" type="datetime1">
               <a:rPr lang="en-US" smtClean="0"/>
-              <a:t>6/6/2017</a:t>
+              <a:t>6/7/2017</a:t>
             </a:fld>
             <a:endParaRPr lang="en-US"/>
           </a:p>
@@ -3201,7 +3063,7 @@
           <a:p>
             <a:fld id="{B5E7B701-CC3D-4513-A491-644406E6E0F3}" type="datetime1">
               <a:rPr lang="en-US" smtClean="0"/>
-              <a:t>6/6/2017</a:t>
+              <a:t>6/7/2017</a:t>
             </a:fld>
             <a:endParaRPr lang="en-US"/>
           </a:p>
@@ -3381,7 +3243,7 @@
           <a:p>
             <a:fld id="{06394014-7AF7-469C-99A4-D8404E64CDA7}" type="datetime1">
               <a:rPr lang="en-US" smtClean="0"/>
-              <a:t>6/6/2017</a:t>
+              <a:t>6/7/2017</a:t>
             </a:fld>
             <a:endParaRPr lang="en-US"/>
           </a:p>
@@ -3551,7 +3413,7 @@
           <a:p>
             <a:fld id="{F0E725F3-5DDC-43C9-9B04-B0DA72289B5F}" type="datetime1">
               <a:rPr lang="en-US" smtClean="0"/>
-              <a:t>6/6/2017</a:t>
+              <a:t>6/7/2017</a:t>
             </a:fld>
             <a:endParaRPr lang="en-US"/>
           </a:p>
@@ -3797,7 +3659,7 @@
           <a:p>
             <a:fld id="{EC13F56B-DA0B-4D08-9588-D2C5E58A8A05}" type="datetime1">
               <a:rPr lang="en-US" smtClean="0"/>
-              <a:t>6/6/2017</a:t>
+              <a:t>6/7/2017</a:t>
             </a:fld>
             <a:endParaRPr lang="en-US"/>
           </a:p>
@@ -4029,7 +3891,7 @@
           <a:p>
             <a:fld id="{299C329F-D0C2-462C-B78C-73BED02F6B3A}" type="datetime1">
               <a:rPr lang="en-US" smtClean="0"/>
-              <a:t>6/6/2017</a:t>
+              <a:t>6/7/2017</a:t>
             </a:fld>
             <a:endParaRPr lang="en-US"/>
           </a:p>
@@ -4396,7 +4258,7 @@
           <a:p>
             <a:fld id="{D9794D81-9A86-4611-8F90-73F29CC9E4B5}" type="datetime1">
               <a:rPr lang="en-US" smtClean="0"/>
-              <a:t>6/6/2017</a:t>
+              <a:t>6/7/2017</a:t>
             </a:fld>
             <a:endParaRPr lang="en-US"/>
           </a:p>
@@ -4514,7 +4376,7 @@
           <a:p>
             <a:fld id="{D68F34C9-1C3C-47F7-B45B-284099DAC214}" type="datetime1">
               <a:rPr lang="en-US" smtClean="0"/>
-              <a:t>6/6/2017</a:t>
+              <a:t>6/7/2017</a:t>
             </a:fld>
             <a:endParaRPr lang="en-US"/>
           </a:p>
@@ -4609,7 +4471,7 @@
           <a:p>
             <a:fld id="{1967B72D-8EFB-4381-8B1D-B7106AB7E466}" type="datetime1">
               <a:rPr lang="en-US" smtClean="0"/>
-              <a:t>6/6/2017</a:t>
+              <a:t>6/7/2017</a:t>
             </a:fld>
             <a:endParaRPr lang="en-US"/>
           </a:p>
@@ -4886,7 +4748,7 @@
           <a:p>
             <a:fld id="{5EDFAFED-D5AA-4784-B428-C75142A947D6}" type="datetime1">
               <a:rPr lang="en-US" smtClean="0"/>
-              <a:t>6/6/2017</a:t>
+              <a:t>6/7/2017</a:t>
             </a:fld>
             <a:endParaRPr lang="en-US"/>
           </a:p>
@@ -5139,7 +5001,7 @@
           <a:p>
             <a:fld id="{43BCD765-5746-4CF0-A4A3-8D605663D487}" type="datetime1">
               <a:rPr lang="en-US" smtClean="0"/>
-              <a:t>6/6/2017</a:t>
+              <a:t>6/7/2017</a:t>
             </a:fld>
             <a:endParaRPr lang="en-US"/>
           </a:p>
@@ -5352,7 +5214,7 @@
           <a:p>
             <a:fld id="{9CCE6136-CE43-4DBF-98E4-9D97BE59DE46}" type="datetime1">
               <a:rPr lang="en-US" smtClean="0"/>
-              <a:t>6/6/2017</a:t>
+              <a:t>6/7/2017</a:t>
             </a:fld>
             <a:endParaRPr lang="en-US"/>
           </a:p>
@@ -5760,106 +5622,6 @@
       </p:grpSpPr>
       <p:sp>
         <p:nvSpPr>
-          <p:cNvPr id="2" name="Title 1"/>
-          <p:cNvSpPr>
-            <a:spLocks noGrp="1"/>
-          </p:cNvSpPr>
-          <p:nvPr>
-            <p:ph type="ctrTitle"/>
-          </p:nvPr>
-        </p:nvSpPr>
-        <p:spPr>
-          <a:xfrm>
-            <a:off x="1524000" y="0"/>
-            <a:ext cx="9144000" cy="1798638"/>
-          </a:xfrm>
-        </p:spPr>
-        <p:txBody>
-          <a:bodyPr>
-            <a:normAutofit fontScale="90000"/>
-          </a:bodyPr>
-          <a:lstStyle/>
-          <a:p>
-            <a:r>
-              <a:rPr lang="en-US" sz="6600" b="1" dirty="0" smtClean="0">
-                <a:latin typeface="Times New Roman" panose="02020603050405020304" pitchFamily="18" charset="0"/>
-                <a:cs typeface="Times New Roman" panose="02020603050405020304" pitchFamily="18" charset="0"/>
-              </a:rPr>
-              <a:t>Electric Propellant Feed System </a:t>
-            </a:r>
-            <a:endParaRPr lang="en-US" sz="6600" b="1" dirty="0">
-              <a:latin typeface="Times New Roman" panose="02020603050405020304" pitchFamily="18" charset="0"/>
-              <a:cs typeface="Times New Roman" panose="02020603050405020304" pitchFamily="18" charset="0"/>
-            </a:endParaRPr>
-          </a:p>
-        </p:txBody>
-      </p:sp>
-      <p:sp>
-        <p:nvSpPr>
-          <p:cNvPr id="3" name="Subtitle 2"/>
-          <p:cNvSpPr>
-            <a:spLocks noGrp="1"/>
-          </p:cNvSpPr>
-          <p:nvPr>
-            <p:ph type="subTitle" idx="1"/>
-          </p:nvPr>
-        </p:nvSpPr>
-        <p:spPr>
-          <a:xfrm>
-            <a:off x="146104" y="6062265"/>
-            <a:ext cx="11899788" cy="953294"/>
-          </a:xfrm>
-        </p:spPr>
-        <p:txBody>
-          <a:bodyPr>
-            <a:normAutofit/>
-          </a:bodyPr>
-          <a:lstStyle/>
-          <a:p>
-            <a:r>
-              <a:rPr lang="en-US" altLang="en-US" sz="1600" i="1" dirty="0">
-                <a:latin typeface="Times New Roman" panose="02020603050405020304" pitchFamily="18" charset="0"/>
-                <a:cs typeface="Times New Roman" panose="02020603050405020304" pitchFamily="18" charset="0"/>
-              </a:rPr>
-              <a:t>Affiliations: </a:t>
-            </a:r>
-            <a:r>
-              <a:rPr lang="en-US" altLang="en-US" sz="1600" i="1" baseline="30000" dirty="0" smtClean="0">
-                <a:latin typeface="Times New Roman" panose="02020603050405020304" pitchFamily="18" charset="0"/>
-                <a:cs typeface="Times New Roman" panose="02020603050405020304" pitchFamily="18" charset="0"/>
-              </a:rPr>
-              <a:t>1</a:t>
-            </a:r>
-            <a:r>
-              <a:rPr lang="en-US" altLang="en-US" sz="1600" i="1" dirty="0" smtClean="0">
-                <a:latin typeface="Times New Roman" panose="02020603050405020304" pitchFamily="18" charset="0"/>
-                <a:cs typeface="Times New Roman" panose="02020603050405020304" pitchFamily="18" charset="0"/>
-              </a:rPr>
-              <a:t>Portland State Aerospace Society, </a:t>
-            </a:r>
-            <a:r>
-              <a:rPr lang="en-US" altLang="en-US" sz="1600" i="1" baseline="30000" dirty="0">
-                <a:latin typeface="Times New Roman" panose="02020603050405020304" pitchFamily="18" charset="0"/>
-                <a:cs typeface="Times New Roman" panose="02020603050405020304" pitchFamily="18" charset="0"/>
-              </a:rPr>
-              <a:t>2</a:t>
-            </a:r>
-            <a:r>
-              <a:rPr lang="en-US" altLang="en-US" sz="1600" i="1" dirty="0">
-                <a:latin typeface="Times New Roman" panose="02020603050405020304" pitchFamily="18" charset="0"/>
-                <a:cs typeface="Times New Roman" panose="02020603050405020304" pitchFamily="18" charset="0"/>
-              </a:rPr>
-              <a:t>Maseeh College of Engineering and Computer Science Portland, OR, 97201, United States</a:t>
-            </a:r>
-            <a:endParaRPr lang="en-US" sz="1600" i="1" dirty="0">
-              <a:latin typeface="Times New Roman" panose="02020603050405020304" pitchFamily="18" charset="0"/>
-              <a:cs typeface="Times New Roman" panose="02020603050405020304" pitchFamily="18" charset="0"/>
-            </a:endParaRPr>
-          </a:p>
-        </p:txBody>
-      </p:sp>
-      <p:sp>
-        <p:nvSpPr>
           <p:cNvPr id="4" name="Slide Number Placeholder 3"/>
           <p:cNvSpPr>
             <a:spLocks noGrp="1"/>
@@ -5868,35 +5630,38 @@
             <p:ph type="sldNum" sz="quarter" idx="12"/>
           </p:nvPr>
         </p:nvSpPr>
-        <p:spPr/>
+        <p:spPr>
+          <a:xfrm>
+            <a:off x="9306059" y="6438513"/>
+            <a:ext cx="2743200" cy="365125"/>
+          </a:xfrm>
+        </p:spPr>
         <p:txBody>
           <a:bodyPr/>
           <a:lstStyle/>
           <a:p>
             <a:fld id="{27225834-A5F4-4780-A9FC-586FB30F9BB0}" type="slidenum">
               <a:rPr lang="en-US" smtClean="0">
-                <a:latin typeface="Times New Roman" panose="02020603050405020304" pitchFamily="18" charset="0"/>
-                <a:cs typeface="Times New Roman" panose="02020603050405020304" pitchFamily="18" charset="0"/>
+                <a:latin typeface="Garamond" panose="02020404030301010803" pitchFamily="18" charset="0"/>
               </a:rPr>
               <a:t>1</a:t>
             </a:fld>
-            <a:endParaRPr lang="en-US">
-              <a:latin typeface="Times New Roman" panose="02020603050405020304" pitchFamily="18" charset="0"/>
-              <a:cs typeface="Times New Roman" panose="02020603050405020304" pitchFamily="18" charset="0"/>
+            <a:endParaRPr lang="en-US" dirty="0">
+              <a:latin typeface="Garamond" panose="02020404030301010803" pitchFamily="18" charset="0"/>
             </a:endParaRPr>
           </a:p>
         </p:txBody>
       </p:sp>
       <p:sp>
         <p:nvSpPr>
-          <p:cNvPr id="5" name="TextBox 4"/>
+          <p:cNvPr id="19" name="TextBox 18"/>
           <p:cNvSpPr txBox="1"/>
           <p:nvPr/>
         </p:nvSpPr>
         <p:spPr>
           <a:xfrm>
-            <a:off x="1300047" y="1836254"/>
-            <a:ext cx="9591901" cy="707886"/>
+            <a:off x="128788" y="6482577"/>
+            <a:ext cx="4201920" cy="276999"/>
           </a:xfrm>
           <a:prstGeom prst="rect">
             <a:avLst/>
@@ -5904,21 +5669,20 @@
           <a:noFill/>
         </p:spPr>
         <p:txBody>
-          <a:bodyPr wrap="square" rtlCol="0">
+          <a:bodyPr wrap="none" rtlCol="0">
             <a:spAutoFit/>
           </a:bodyPr>
           <a:lstStyle/>
           <a:p>
-            <a:pPr algn="ctr"/>
-            <a:r>
-              <a:rPr lang="en-US" sz="2000" dirty="0" smtClean="0">
-                <a:latin typeface="Times New Roman" panose="02020603050405020304" pitchFamily="18" charset="0"/>
+            <a:r>
+              <a:rPr lang="en-US" sz="1200" dirty="0" smtClean="0">
+                <a:latin typeface="Garamond" panose="02020404030301010803" pitchFamily="18" charset="0"/>
                 <a:cs typeface="Times New Roman" panose="02020603050405020304" pitchFamily="18" charset="0"/>
               </a:rPr>
-              <a:t>Johnny Froehlich, Jonathan Talik, James Luce, Rawand Rasheed, Mimi Shang, Jordan Roland</a:t>
-            </a:r>
-            <a:endParaRPr lang="en-US" sz="2000" dirty="0">
-              <a:latin typeface="Times New Roman" panose="02020603050405020304" pitchFamily="18" charset="0"/>
+              <a:t>Portland State Aerospace Society | Electric Propellant Feed System</a:t>
+            </a:r>
+            <a:endParaRPr lang="en-US" sz="1200" dirty="0">
+              <a:latin typeface="Garamond" panose="02020404030301010803" pitchFamily="18" charset="0"/>
               <a:cs typeface="Times New Roman" panose="02020603050405020304" pitchFamily="18" charset="0"/>
             </a:endParaRPr>
           </a:p>
@@ -5926,31 +5690,7 @@
       </p:sp>
       <p:pic>
         <p:nvPicPr>
-          <p:cNvPr id="8" name="Picture 7"/>
-          <p:cNvPicPr>
-            <a:picLocks noChangeAspect="1"/>
-          </p:cNvPicPr>
-          <p:nvPr/>
-        </p:nvPicPr>
-        <p:blipFill>
-          <a:blip r:embed="rId2"/>
-          <a:stretch>
-            <a:fillRect/>
-          </a:stretch>
-        </p:blipFill>
-        <p:spPr>
-          <a:xfrm>
-            <a:off x="1197559" y="2770603"/>
-            <a:ext cx="3033284" cy="2753815"/>
-          </a:xfrm>
-          <a:prstGeom prst="rect">
-            <a:avLst/>
-          </a:prstGeom>
-        </p:spPr>
-      </p:pic>
-      <p:pic>
-        <p:nvPicPr>
-          <p:cNvPr id="9" name="Picture 8"/>
+          <p:cNvPr id="3" name="Picture 2"/>
           <p:cNvPicPr>
             <a:picLocks noChangeAspect="1"/>
           </p:cNvPicPr>
@@ -5964,108 +5704,18 @@
         </p:blipFill>
         <p:spPr>
           <a:xfrm>
-            <a:off x="4605879" y="2745284"/>
-            <a:ext cx="2849637" cy="2753815"/>
+            <a:off x="1442435" y="146198"/>
+            <a:ext cx="8899300" cy="6292315"/>
           </a:xfrm>
           <a:prstGeom prst="rect">
             <a:avLst/>
           </a:prstGeom>
         </p:spPr>
       </p:pic>
-      <p:pic>
-        <p:nvPicPr>
-          <p:cNvPr id="1028" name="Picture 4" descr="http://www.freelogovectors.net/wp-content/uploads/2014/06/PSU-seal-Portland-State-University.jpg"/>
-          <p:cNvPicPr>
-            <a:picLocks noChangeAspect="1" noChangeArrowheads="1"/>
-          </p:cNvPicPr>
-          <p:nvPr/>
-        </p:nvPicPr>
-        <p:blipFill>
-          <a:blip r:embed="rId4" cstate="print">
-            <a:extLst>
-              <a:ext uri="{28A0092B-C50C-407E-A947-70E740481C1C}">
-                <a14:useLocalDpi xmlns:a14="http://schemas.microsoft.com/office/drawing/2010/main" val="0"/>
-              </a:ext>
-            </a:extLst>
-          </a:blip>
-          <a:srcRect/>
-          <a:stretch>
-            <a:fillRect/>
-          </a:stretch>
-        </p:blipFill>
-        <p:spPr bwMode="auto">
-          <a:xfrm>
-            <a:off x="8042306" y="2693068"/>
-            <a:ext cx="2784444" cy="2806030"/>
-          </a:xfrm>
-          <a:prstGeom prst="rect">
-            <a:avLst/>
-          </a:prstGeom>
-          <a:noFill/>
-          <a:extLst>
-            <a:ext uri="{909E8E84-426E-40DD-AFC4-6F175D3DCCD1}">
-              <a14:hiddenFill xmlns:a14="http://schemas.microsoft.com/office/drawing/2010/main">
-                <a:solidFill>
-                  <a:srgbClr val="FFFFFF"/>
-                </a:solidFill>
-              </a14:hiddenFill>
-            </a:ext>
-          </a:extLst>
-        </p:spPr>
-      </p:pic>
-      <p:sp>
-        <p:nvSpPr>
-          <p:cNvPr id="10" name="Rectangle 9"/>
-          <p:cNvSpPr/>
-          <p:nvPr/>
-        </p:nvSpPr>
-        <p:spPr>
-          <a:xfrm>
-            <a:off x="10668000" y="5397500"/>
-            <a:ext cx="317500" cy="203200"/>
-          </a:xfrm>
-          <a:prstGeom prst="rect">
-            <a:avLst/>
-          </a:prstGeom>
-          <a:solidFill>
-            <a:schemeClr val="bg1"/>
-          </a:solidFill>
-          <a:ln>
-            <a:noFill/>
-          </a:ln>
-        </p:spPr>
-        <p:style>
-          <a:lnRef idx="2">
-            <a:schemeClr val="accent1">
-              <a:shade val="50000"/>
-            </a:schemeClr>
-          </a:lnRef>
-          <a:fillRef idx="1">
-            <a:schemeClr val="accent1"/>
-          </a:fillRef>
-          <a:effectRef idx="0">
-            <a:schemeClr val="accent1"/>
-          </a:effectRef>
-          <a:fontRef idx="minor">
-            <a:schemeClr val="lt1"/>
-          </a:fontRef>
-        </p:style>
-        <p:txBody>
-          <a:bodyPr rtlCol="0" anchor="ctr"/>
-          <a:lstStyle/>
-          <a:p>
-            <a:pPr algn="ctr"/>
-            <a:endParaRPr lang="en-US">
-              <a:latin typeface="Times New Roman" panose="02020603050405020304" pitchFamily="18" charset="0"/>
-              <a:cs typeface="Times New Roman" panose="02020603050405020304" pitchFamily="18" charset="0"/>
-            </a:endParaRPr>
-          </a:p>
-        </p:txBody>
-      </p:sp>
     </p:spTree>
     <p:extLst>
       <p:ext uri="{BB962C8B-B14F-4D97-AF65-F5344CB8AC3E}">
-        <p14:creationId xmlns:p14="http://schemas.microsoft.com/office/powerpoint/2010/main" val="1836374640"/>
+        <p14:creationId xmlns:p14="http://schemas.microsoft.com/office/powerpoint/2010/main" val="1487017851"/>
       </p:ext>
     </p:extLst>
   </p:cSld>
@@ -6117,138 +5767,6 @@
             <a:fld id="{27225834-A5F4-4780-A9FC-586FB30F9BB0}" type="slidenum">
               <a:rPr lang="en-US" smtClean="0"/>
               <a:t>10</a:t>
-            </a:fld>
-            <a:endParaRPr lang="en-US"/>
-          </a:p>
-        </p:txBody>
-      </p:sp>
-      <p:pic>
-        <p:nvPicPr>
-          <p:cNvPr id="5" name="Picture 4"/>
-          <p:cNvPicPr>
-            <a:picLocks noChangeAspect="1"/>
-          </p:cNvPicPr>
-          <p:nvPr/>
-        </p:nvPicPr>
-        <p:blipFill>
-          <a:blip r:embed="rId3"/>
-          <a:stretch>
-            <a:fillRect/>
-          </a:stretch>
-        </p:blipFill>
-        <p:spPr>
-          <a:xfrm>
-            <a:off x="760534" y="3429000"/>
-            <a:ext cx="2628900" cy="1704975"/>
-          </a:xfrm>
-          <a:prstGeom prst="rect">
-            <a:avLst/>
-          </a:prstGeom>
-        </p:spPr>
-      </p:pic>
-      <p:pic>
-        <p:nvPicPr>
-          <p:cNvPr id="6" name="Picture 5"/>
-          <p:cNvPicPr>
-            <a:picLocks noChangeAspect="1"/>
-          </p:cNvPicPr>
-          <p:nvPr/>
-        </p:nvPicPr>
-        <p:blipFill>
-          <a:blip r:embed="rId4"/>
-          <a:stretch>
-            <a:fillRect/>
-          </a:stretch>
-        </p:blipFill>
-        <p:spPr>
-          <a:xfrm>
-            <a:off x="3805237" y="2962275"/>
-            <a:ext cx="4581525" cy="933450"/>
-          </a:xfrm>
-          <a:prstGeom prst="rect">
-            <a:avLst/>
-          </a:prstGeom>
-        </p:spPr>
-      </p:pic>
-      <p:pic>
-        <p:nvPicPr>
-          <p:cNvPr id="7" name="Picture 6"/>
-          <p:cNvPicPr>
-            <a:picLocks noChangeAspect="1"/>
-          </p:cNvPicPr>
-          <p:nvPr/>
-        </p:nvPicPr>
-        <p:blipFill>
-          <a:blip r:embed="rId5"/>
-          <a:stretch>
-            <a:fillRect/>
-          </a:stretch>
-        </p:blipFill>
-        <p:spPr>
-          <a:xfrm>
-            <a:off x="3805237" y="4192099"/>
-            <a:ext cx="4657725" cy="771525"/>
-          </a:xfrm>
-          <a:prstGeom prst="rect">
-            <a:avLst/>
-          </a:prstGeom>
-        </p:spPr>
-      </p:pic>
-    </p:spTree>
-    <p:extLst>
-      <p:ext uri="{BB962C8B-B14F-4D97-AF65-F5344CB8AC3E}">
-        <p14:creationId xmlns:p14="http://schemas.microsoft.com/office/powerpoint/2010/main" val="2317393512"/>
-      </p:ext>
-    </p:extLst>
-  </p:cSld>
-  <p:clrMapOvr>
-    <a:masterClrMapping/>
-  </p:clrMapOvr>
-  <p:timing>
-    <p:tnLst>
-      <p:par>
-        <p:cTn id="1" dur="indefinite" restart="never" nodeType="tmRoot"/>
-      </p:par>
-    </p:tnLst>
-  </p:timing>
-</p:sld>
-</file>
-
-<file path=ppt/slides/slide11.xml><?xml version="1.0" encoding="utf-8"?>
-<p:sld xmlns:a="http://schemas.openxmlformats.org/drawingml/2006/main" xmlns:r="http://schemas.openxmlformats.org/officeDocument/2006/relationships" xmlns:p="http://schemas.openxmlformats.org/presentationml/2006/main">
-  <p:cSld>
-    <p:spTree>
-      <p:nvGrpSpPr>
-        <p:cNvPr id="1" name=""/>
-        <p:cNvGrpSpPr/>
-        <p:nvPr/>
-      </p:nvGrpSpPr>
-      <p:grpSpPr>
-        <a:xfrm>
-          <a:off x="0" y="0"/>
-          <a:ext cx="0" cy="0"/>
-          <a:chOff x="0" y="0"/>
-          <a:chExt cx="0" cy="0"/>
-        </a:xfrm>
-      </p:grpSpPr>
-      <p:sp>
-        <p:nvSpPr>
-          <p:cNvPr id="4" name="Slide Number Placeholder 3"/>
-          <p:cNvSpPr>
-            <a:spLocks noGrp="1"/>
-          </p:cNvSpPr>
-          <p:nvPr>
-            <p:ph type="sldNum" sz="quarter" idx="12"/>
-          </p:nvPr>
-        </p:nvSpPr>
-        <p:spPr/>
-        <p:txBody>
-          <a:bodyPr/>
-          <a:lstStyle/>
-          <a:p>
-            <a:fld id="{27225834-A5F4-4780-A9FC-586FB30F9BB0}" type="slidenum">
-              <a:rPr lang="en-US" smtClean="0"/>
-              <a:t>11</a:t>
             </a:fld>
             <a:endParaRPr lang="en-US"/>
           </a:p>
@@ -6536,45 +6054,9 @@
           </a:p>
         </p:txBody>
       </p:sp>
-      <p:sp>
-        <p:nvSpPr>
-          <p:cNvPr id="19" name="TextBox 18"/>
-          <p:cNvSpPr txBox="1"/>
-          <p:nvPr/>
-        </p:nvSpPr>
-        <p:spPr>
-          <a:xfrm>
-            <a:off x="128788" y="6482577"/>
-            <a:ext cx="4201920" cy="276999"/>
-          </a:xfrm>
-          <a:prstGeom prst="rect">
-            <a:avLst/>
-          </a:prstGeom>
-          <a:noFill/>
-        </p:spPr>
-        <p:txBody>
-          <a:bodyPr wrap="none" rtlCol="0">
-            <a:spAutoFit/>
-          </a:bodyPr>
-          <a:lstStyle/>
-          <a:p>
-            <a:r>
-              <a:rPr lang="en-US" sz="1200" dirty="0" smtClean="0">
-                <a:latin typeface="Garamond" panose="02020404030301010803" pitchFamily="18" charset="0"/>
-                <a:cs typeface="Times New Roman" panose="02020603050405020304" pitchFamily="18" charset="0"/>
-              </a:rPr>
-              <a:t>Portland State Aerospace Society | Electric Propellant Feed System</a:t>
-            </a:r>
-            <a:endParaRPr lang="en-US" sz="1200" dirty="0">
-              <a:latin typeface="Garamond" panose="02020404030301010803" pitchFamily="18" charset="0"/>
-              <a:cs typeface="Times New Roman" panose="02020603050405020304" pitchFamily="18" charset="0"/>
-            </a:endParaRPr>
-          </a:p>
-        </p:txBody>
-      </p:sp>
       <p:pic>
         <p:nvPicPr>
-          <p:cNvPr id="3" name="Picture 2"/>
+          <p:cNvPr id="6" name="Picture 5"/>
           <p:cNvPicPr>
             <a:picLocks noChangeAspect="1"/>
           </p:cNvPicPr>
@@ -6588,8 +6070,922 @@
         </p:blipFill>
         <p:spPr>
           <a:xfrm>
-            <a:off x="1442435" y="146198"/>
-            <a:ext cx="8899300" cy="6292315"/>
+            <a:off x="4545134" y="2642043"/>
+            <a:ext cx="2874993" cy="391615"/>
+          </a:xfrm>
+          <a:prstGeom prst="rect">
+            <a:avLst/>
+          </a:prstGeom>
+        </p:spPr>
+      </p:pic>
+      <p:pic>
+        <p:nvPicPr>
+          <p:cNvPr id="7" name="Picture 6"/>
+          <p:cNvPicPr>
+            <a:picLocks noChangeAspect="1"/>
+          </p:cNvPicPr>
+          <p:nvPr/>
+        </p:nvPicPr>
+        <p:blipFill>
+          <a:blip r:embed="rId4"/>
+          <a:stretch>
+            <a:fillRect/>
+          </a:stretch>
+        </p:blipFill>
+        <p:spPr>
+          <a:xfrm>
+            <a:off x="4483412" y="1222725"/>
+            <a:ext cx="2955034" cy="554070"/>
+          </a:xfrm>
+          <a:prstGeom prst="rect">
+            <a:avLst/>
+          </a:prstGeom>
+        </p:spPr>
+      </p:pic>
+      <p:pic>
+        <p:nvPicPr>
+          <p:cNvPr id="9" name="Picture 8"/>
+          <p:cNvPicPr>
+            <a:picLocks noChangeAspect="1"/>
+          </p:cNvPicPr>
+          <p:nvPr/>
+        </p:nvPicPr>
+        <p:blipFill>
+          <a:blip r:embed="rId5"/>
+          <a:stretch>
+            <a:fillRect/>
+          </a:stretch>
+        </p:blipFill>
+        <p:spPr>
+          <a:xfrm rot="5400000">
+            <a:off x="5930858" y="3789454"/>
+            <a:ext cx="2090985" cy="450808"/>
+          </a:xfrm>
+          <a:prstGeom prst="rect">
+            <a:avLst/>
+          </a:prstGeom>
+        </p:spPr>
+      </p:pic>
+      <p:pic>
+        <p:nvPicPr>
+          <p:cNvPr id="11" name="Picture 10"/>
+          <p:cNvPicPr>
+            <a:picLocks noChangeAspect="1"/>
+          </p:cNvPicPr>
+          <p:nvPr/>
+        </p:nvPicPr>
+        <p:blipFill>
+          <a:blip r:embed="rId6"/>
+          <a:stretch>
+            <a:fillRect/>
+          </a:stretch>
+        </p:blipFill>
+        <p:spPr>
+          <a:xfrm>
+            <a:off x="4473709" y="3112343"/>
+            <a:ext cx="1762784" cy="536643"/>
+          </a:xfrm>
+          <a:prstGeom prst="rect">
+            <a:avLst/>
+          </a:prstGeom>
+        </p:spPr>
+      </p:pic>
+      <p:pic>
+        <p:nvPicPr>
+          <p:cNvPr id="12" name="Picture 11"/>
+          <p:cNvPicPr>
+            <a:picLocks noChangeAspect="1"/>
+          </p:cNvPicPr>
+          <p:nvPr/>
+        </p:nvPicPr>
+        <p:blipFill>
+          <a:blip r:embed="rId7"/>
+          <a:stretch>
+            <a:fillRect/>
+          </a:stretch>
+        </p:blipFill>
+        <p:spPr>
+          <a:xfrm rot="19765243">
+            <a:off x="6457860" y="1821066"/>
+            <a:ext cx="784407" cy="545527"/>
+          </a:xfrm>
+          <a:prstGeom prst="rect">
+            <a:avLst/>
+          </a:prstGeom>
+        </p:spPr>
+      </p:pic>
+      <p:pic>
+        <p:nvPicPr>
+          <p:cNvPr id="15" name="Picture 14"/>
+          <p:cNvPicPr>
+            <a:picLocks noChangeAspect="1"/>
+          </p:cNvPicPr>
+          <p:nvPr/>
+        </p:nvPicPr>
+        <p:blipFill>
+          <a:blip r:embed="rId8"/>
+          <a:stretch>
+            <a:fillRect/>
+          </a:stretch>
+        </p:blipFill>
+        <p:spPr>
+          <a:xfrm>
+            <a:off x="4426640" y="1697729"/>
+            <a:ext cx="1545403" cy="388664"/>
+          </a:xfrm>
+          <a:prstGeom prst="rect">
+            <a:avLst/>
+          </a:prstGeom>
+        </p:spPr>
+      </p:pic>
+      <p:pic>
+        <p:nvPicPr>
+          <p:cNvPr id="16" name="Picture 15"/>
+          <p:cNvPicPr>
+            <a:picLocks noChangeAspect="1"/>
+          </p:cNvPicPr>
+          <p:nvPr/>
+        </p:nvPicPr>
+        <p:blipFill>
+          <a:blip r:embed="rId9"/>
+          <a:stretch>
+            <a:fillRect/>
+          </a:stretch>
+        </p:blipFill>
+        <p:spPr>
+          <a:xfrm>
+            <a:off x="4588700" y="2074224"/>
+            <a:ext cx="1225102" cy="385590"/>
+          </a:xfrm>
+          <a:prstGeom prst="rect">
+            <a:avLst/>
+          </a:prstGeom>
+        </p:spPr>
+      </p:pic>
+      <p:pic>
+        <p:nvPicPr>
+          <p:cNvPr id="14" name="Picture 13"/>
+          <p:cNvPicPr>
+            <a:picLocks noChangeAspect="1"/>
+          </p:cNvPicPr>
+          <p:nvPr/>
+        </p:nvPicPr>
+        <p:blipFill>
+          <a:blip r:embed="rId10"/>
+          <a:stretch>
+            <a:fillRect/>
+          </a:stretch>
+        </p:blipFill>
+        <p:spPr>
+          <a:xfrm>
+            <a:off x="6017353" y="4039783"/>
+            <a:ext cx="1309131" cy="456879"/>
+          </a:xfrm>
+          <a:prstGeom prst="rect">
+            <a:avLst/>
+          </a:prstGeom>
+        </p:spPr>
+      </p:pic>
+      <p:pic>
+        <p:nvPicPr>
+          <p:cNvPr id="17" name="Picture 16"/>
+          <p:cNvPicPr>
+            <a:picLocks noChangeAspect="1"/>
+          </p:cNvPicPr>
+          <p:nvPr/>
+        </p:nvPicPr>
+        <p:blipFill>
+          <a:blip r:embed="rId11"/>
+          <a:stretch>
+            <a:fillRect/>
+          </a:stretch>
+        </p:blipFill>
+        <p:spPr>
+          <a:xfrm>
+            <a:off x="5413244" y="4945681"/>
+            <a:ext cx="1551234" cy="593683"/>
+          </a:xfrm>
+          <a:prstGeom prst="rect">
+            <a:avLst/>
+          </a:prstGeom>
+        </p:spPr>
+      </p:pic>
+      <p:pic>
+        <p:nvPicPr>
+          <p:cNvPr id="20" name="Picture 19"/>
+          <p:cNvPicPr>
+            <a:picLocks noChangeAspect="1"/>
+          </p:cNvPicPr>
+          <p:nvPr/>
+        </p:nvPicPr>
+        <p:blipFill>
+          <a:blip r:embed="rId12"/>
+          <a:stretch>
+            <a:fillRect/>
+          </a:stretch>
+        </p:blipFill>
+        <p:spPr>
+          <a:xfrm>
+            <a:off x="6098398" y="3097733"/>
+            <a:ext cx="645187" cy="412203"/>
+          </a:xfrm>
+          <a:prstGeom prst="rect">
+            <a:avLst/>
+          </a:prstGeom>
+        </p:spPr>
+      </p:pic>
+      <p:pic>
+        <p:nvPicPr>
+          <p:cNvPr id="22" name="Picture 21"/>
+          <p:cNvPicPr>
+            <a:picLocks noChangeAspect="1"/>
+          </p:cNvPicPr>
+          <p:nvPr/>
+        </p:nvPicPr>
+        <p:blipFill>
+          <a:blip r:embed="rId12"/>
+          <a:stretch>
+            <a:fillRect/>
+          </a:stretch>
+        </p:blipFill>
+        <p:spPr>
+          <a:xfrm rot="11756183">
+            <a:off x="6139646" y="4426231"/>
+            <a:ext cx="645187" cy="412203"/>
+          </a:xfrm>
+          <a:prstGeom prst="rect">
+            <a:avLst/>
+          </a:prstGeom>
+        </p:spPr>
+      </p:pic>
+      <p:pic>
+        <p:nvPicPr>
+          <p:cNvPr id="23" name="Picture 22"/>
+          <p:cNvPicPr>
+            <a:picLocks noChangeAspect="1"/>
+          </p:cNvPicPr>
+          <p:nvPr/>
+        </p:nvPicPr>
+        <p:blipFill>
+          <a:blip r:embed="rId4"/>
+          <a:stretch>
+            <a:fillRect/>
+          </a:stretch>
+        </p:blipFill>
+        <p:spPr>
+          <a:xfrm>
+            <a:off x="4425961" y="5851602"/>
+            <a:ext cx="3003590" cy="659841"/>
+          </a:xfrm>
+          <a:prstGeom prst="rect">
+            <a:avLst/>
+          </a:prstGeom>
+        </p:spPr>
+      </p:pic>
+      <p:pic>
+        <p:nvPicPr>
+          <p:cNvPr id="24" name="Picture 23"/>
+          <p:cNvPicPr>
+            <a:picLocks noChangeAspect="1"/>
+          </p:cNvPicPr>
+          <p:nvPr/>
+        </p:nvPicPr>
+        <p:blipFill>
+          <a:blip r:embed="rId8"/>
+          <a:stretch>
+            <a:fillRect/>
+          </a:stretch>
+        </p:blipFill>
+        <p:spPr>
+          <a:xfrm>
+            <a:off x="4524530" y="4046233"/>
+            <a:ext cx="1388070" cy="349098"/>
+          </a:xfrm>
+          <a:prstGeom prst="rect">
+            <a:avLst/>
+          </a:prstGeom>
+        </p:spPr>
+      </p:pic>
+      <p:pic>
+        <p:nvPicPr>
+          <p:cNvPr id="25" name="Picture 24"/>
+          <p:cNvPicPr>
+            <a:picLocks noChangeAspect="1"/>
+          </p:cNvPicPr>
+          <p:nvPr/>
+        </p:nvPicPr>
+        <p:blipFill>
+          <a:blip r:embed="rId13"/>
+          <a:stretch>
+            <a:fillRect/>
+          </a:stretch>
+        </p:blipFill>
+        <p:spPr>
+          <a:xfrm>
+            <a:off x="9123679" y="3956089"/>
+            <a:ext cx="2774335" cy="1495892"/>
+          </a:xfrm>
+          <a:prstGeom prst="rect">
+            <a:avLst/>
+          </a:prstGeom>
+        </p:spPr>
+      </p:pic>
+      <p:pic>
+        <p:nvPicPr>
+          <p:cNvPr id="26" name="Picture 25"/>
+          <p:cNvPicPr>
+            <a:picLocks noChangeAspect="1"/>
+          </p:cNvPicPr>
+          <p:nvPr/>
+        </p:nvPicPr>
+        <p:blipFill>
+          <a:blip r:embed="rId14"/>
+          <a:stretch>
+            <a:fillRect/>
+          </a:stretch>
+        </p:blipFill>
+        <p:spPr>
+          <a:xfrm>
+            <a:off x="9123678" y="2779392"/>
+            <a:ext cx="2834087" cy="1090849"/>
+          </a:xfrm>
+          <a:prstGeom prst="rect">
+            <a:avLst/>
+          </a:prstGeom>
+        </p:spPr>
+      </p:pic>
+      <p:pic>
+        <p:nvPicPr>
+          <p:cNvPr id="27" name="Picture 26"/>
+          <p:cNvPicPr>
+            <a:picLocks noChangeAspect="1"/>
+          </p:cNvPicPr>
+          <p:nvPr/>
+        </p:nvPicPr>
+        <p:blipFill>
+          <a:blip r:embed="rId15"/>
+          <a:stretch>
+            <a:fillRect/>
+          </a:stretch>
+        </p:blipFill>
+        <p:spPr>
+          <a:xfrm>
+            <a:off x="9113116" y="1278245"/>
+            <a:ext cx="2784898" cy="1346034"/>
+          </a:xfrm>
+          <a:prstGeom prst="rect">
+            <a:avLst/>
+          </a:prstGeom>
+        </p:spPr>
+      </p:pic>
+      <p:sp>
+        <p:nvSpPr>
+          <p:cNvPr id="37" name="TextBox 36"/>
+          <p:cNvSpPr txBox="1"/>
+          <p:nvPr/>
+        </p:nvSpPr>
+        <p:spPr>
+          <a:xfrm>
+            <a:off x="452980" y="225567"/>
+            <a:ext cx="2923711" cy="830997"/>
+          </a:xfrm>
+          <a:prstGeom prst="rect">
+            <a:avLst/>
+          </a:prstGeom>
+          <a:noFill/>
+        </p:spPr>
+        <p:txBody>
+          <a:bodyPr wrap="square" rtlCol="0">
+            <a:spAutoFit/>
+          </a:bodyPr>
+          <a:lstStyle/>
+          <a:p>
+            <a:r>
+              <a:rPr lang="en-US" sz="2400" b="1" dirty="0" smtClean="0">
+                <a:solidFill>
+                  <a:srgbClr val="C00000"/>
+                </a:solidFill>
+                <a:latin typeface="Garamond" panose="02020404030301010803" pitchFamily="18" charset="0"/>
+              </a:rPr>
+              <a:t>Open-ended literature review</a:t>
+            </a:r>
+            <a:endParaRPr lang="en-US" sz="2400" b="1" dirty="0">
+              <a:solidFill>
+                <a:srgbClr val="C00000"/>
+              </a:solidFill>
+              <a:latin typeface="Garamond" panose="02020404030301010803" pitchFamily="18" charset="0"/>
+            </a:endParaRPr>
+          </a:p>
+        </p:txBody>
+      </p:sp>
+      <p:pic>
+        <p:nvPicPr>
+          <p:cNvPr id="13" name="Picture 12"/>
+          <p:cNvPicPr>
+            <a:picLocks noChangeAspect="1"/>
+          </p:cNvPicPr>
+          <p:nvPr/>
+        </p:nvPicPr>
+        <p:blipFill>
+          <a:blip r:embed="rId16"/>
+          <a:stretch>
+            <a:fillRect/>
+          </a:stretch>
+        </p:blipFill>
+        <p:spPr>
+          <a:xfrm rot="972278">
+            <a:off x="4524372" y="4659442"/>
+            <a:ext cx="2741669" cy="507445"/>
+          </a:xfrm>
+          <a:prstGeom prst="rect">
+            <a:avLst/>
+          </a:prstGeom>
+        </p:spPr>
+      </p:pic>
+      <p:pic>
+        <p:nvPicPr>
+          <p:cNvPr id="5" name="Picture 4"/>
+          <p:cNvPicPr>
+            <a:picLocks noChangeAspect="1"/>
+          </p:cNvPicPr>
+          <p:nvPr/>
+        </p:nvPicPr>
+        <p:blipFill>
+          <a:blip r:embed="rId9"/>
+          <a:stretch>
+            <a:fillRect/>
+          </a:stretch>
+        </p:blipFill>
+        <p:spPr>
+          <a:xfrm>
+            <a:off x="4945152" y="3522306"/>
+            <a:ext cx="1726766" cy="543484"/>
+          </a:xfrm>
+          <a:prstGeom prst="rect">
+            <a:avLst/>
+          </a:prstGeom>
+        </p:spPr>
+      </p:pic>
+      <p:pic>
+        <p:nvPicPr>
+          <p:cNvPr id="2" name="Picture 1"/>
+          <p:cNvPicPr>
+            <a:picLocks noChangeAspect="1"/>
+          </p:cNvPicPr>
+          <p:nvPr/>
+        </p:nvPicPr>
+        <p:blipFill>
+          <a:blip r:embed="rId17"/>
+          <a:stretch>
+            <a:fillRect/>
+          </a:stretch>
+        </p:blipFill>
+        <p:spPr>
+          <a:xfrm rot="19479839">
+            <a:off x="5618048" y="1837584"/>
+            <a:ext cx="1179585" cy="434269"/>
+          </a:xfrm>
+          <a:prstGeom prst="rect">
+            <a:avLst/>
+          </a:prstGeom>
+        </p:spPr>
+      </p:pic>
+      <p:pic>
+        <p:nvPicPr>
+          <p:cNvPr id="8" name="Picture 7"/>
+          <p:cNvPicPr>
+            <a:picLocks noChangeAspect="1"/>
+          </p:cNvPicPr>
+          <p:nvPr/>
+        </p:nvPicPr>
+        <p:blipFill>
+          <a:blip r:embed="rId8"/>
+          <a:stretch>
+            <a:fillRect/>
+          </a:stretch>
+        </p:blipFill>
+        <p:spPr>
+          <a:xfrm>
+            <a:off x="5509871" y="2371109"/>
+            <a:ext cx="1395940" cy="351074"/>
+          </a:xfrm>
+          <a:prstGeom prst="rect">
+            <a:avLst/>
+          </a:prstGeom>
+        </p:spPr>
+      </p:pic>
+      <p:pic>
+        <p:nvPicPr>
+          <p:cNvPr id="40" name="Picture 39"/>
+          <p:cNvPicPr>
+            <a:picLocks noChangeAspect="1"/>
+          </p:cNvPicPr>
+          <p:nvPr/>
+        </p:nvPicPr>
+        <p:blipFill>
+          <a:blip r:embed="rId18"/>
+          <a:stretch>
+            <a:fillRect/>
+          </a:stretch>
+        </p:blipFill>
+        <p:spPr>
+          <a:xfrm>
+            <a:off x="173595" y="1284109"/>
+            <a:ext cx="3047436" cy="1334306"/>
+          </a:xfrm>
+          <a:prstGeom prst="rect">
+            <a:avLst/>
+          </a:prstGeom>
+        </p:spPr>
+      </p:pic>
+      <p:pic>
+        <p:nvPicPr>
+          <p:cNvPr id="41" name="Picture 40"/>
+          <p:cNvPicPr>
+            <a:picLocks noChangeAspect="1"/>
+          </p:cNvPicPr>
+          <p:nvPr/>
+        </p:nvPicPr>
+        <p:blipFill>
+          <a:blip r:embed="rId19"/>
+          <a:stretch>
+            <a:fillRect/>
+          </a:stretch>
+        </p:blipFill>
+        <p:spPr>
+          <a:xfrm>
+            <a:off x="210142" y="3935532"/>
+            <a:ext cx="3058136" cy="1201020"/>
+          </a:xfrm>
+          <a:prstGeom prst="rect">
+            <a:avLst/>
+          </a:prstGeom>
+        </p:spPr>
+      </p:pic>
+      <p:pic>
+        <p:nvPicPr>
+          <p:cNvPr id="42" name="Picture 41"/>
+          <p:cNvPicPr>
+            <a:picLocks noChangeAspect="1"/>
+          </p:cNvPicPr>
+          <p:nvPr/>
+        </p:nvPicPr>
+        <p:blipFill>
+          <a:blip r:embed="rId20"/>
+          <a:stretch>
+            <a:fillRect/>
+          </a:stretch>
+        </p:blipFill>
+        <p:spPr>
+          <a:xfrm>
+            <a:off x="205453" y="2649906"/>
+            <a:ext cx="3015578" cy="419100"/>
+          </a:xfrm>
+          <a:prstGeom prst="rect">
+            <a:avLst/>
+          </a:prstGeom>
+        </p:spPr>
+      </p:pic>
+      <p:pic>
+        <p:nvPicPr>
+          <p:cNvPr id="43" name="Picture 42"/>
+          <p:cNvPicPr>
+            <a:picLocks noChangeAspect="1"/>
+          </p:cNvPicPr>
+          <p:nvPr/>
+        </p:nvPicPr>
+        <p:blipFill>
+          <a:blip r:embed="rId21"/>
+          <a:stretch>
+            <a:fillRect/>
+          </a:stretch>
+        </p:blipFill>
+        <p:spPr>
+          <a:xfrm>
+            <a:off x="137059" y="3125907"/>
+            <a:ext cx="2619375" cy="809625"/>
+          </a:xfrm>
+          <a:prstGeom prst="rect">
+            <a:avLst/>
+          </a:prstGeom>
+        </p:spPr>
+      </p:pic>
+      <p:pic>
+        <p:nvPicPr>
+          <p:cNvPr id="44" name="Picture 43"/>
+          <p:cNvPicPr>
+            <a:picLocks noChangeAspect="1"/>
+          </p:cNvPicPr>
+          <p:nvPr/>
+        </p:nvPicPr>
+        <p:blipFill>
+          <a:blip r:embed="rId22"/>
+          <a:stretch>
+            <a:fillRect/>
+          </a:stretch>
+        </p:blipFill>
+        <p:spPr>
+          <a:xfrm>
+            <a:off x="127371" y="5242523"/>
+            <a:ext cx="3093660" cy="1072566"/>
+          </a:xfrm>
+          <a:prstGeom prst="rect">
+            <a:avLst/>
+          </a:prstGeom>
+        </p:spPr>
+      </p:pic>
+      <p:pic>
+        <p:nvPicPr>
+          <p:cNvPr id="45" name="Picture 44"/>
+          <p:cNvPicPr>
+            <a:picLocks noChangeAspect="1"/>
+          </p:cNvPicPr>
+          <p:nvPr/>
+        </p:nvPicPr>
+        <p:blipFill>
+          <a:blip r:embed="rId23"/>
+          <a:stretch>
+            <a:fillRect/>
+          </a:stretch>
+        </p:blipFill>
+        <p:spPr>
+          <a:xfrm>
+            <a:off x="10553700" y="5520203"/>
+            <a:ext cx="1344314" cy="792650"/>
+          </a:xfrm>
+          <a:prstGeom prst="rect">
+            <a:avLst/>
+          </a:prstGeom>
+        </p:spPr>
+      </p:pic>
+      <p:pic>
+        <p:nvPicPr>
+          <p:cNvPr id="46" name="Picture 45"/>
+          <p:cNvPicPr>
+            <a:picLocks noChangeAspect="1"/>
+          </p:cNvPicPr>
+          <p:nvPr/>
+        </p:nvPicPr>
+        <p:blipFill>
+          <a:blip r:embed="rId24"/>
+          <a:stretch>
+            <a:fillRect/>
+          </a:stretch>
+        </p:blipFill>
+        <p:spPr>
+          <a:xfrm>
+            <a:off x="9146517" y="5520202"/>
+            <a:ext cx="1255633" cy="792651"/>
+          </a:xfrm>
+          <a:prstGeom prst="rect">
+            <a:avLst/>
+          </a:prstGeom>
+        </p:spPr>
+      </p:pic>
+      <p:sp>
+        <p:nvSpPr>
+          <p:cNvPr id="47" name="TextBox 46"/>
+          <p:cNvSpPr txBox="1"/>
+          <p:nvPr/>
+        </p:nvSpPr>
+        <p:spPr>
+          <a:xfrm>
+            <a:off x="4660497" y="381877"/>
+            <a:ext cx="3094685" cy="461665"/>
+          </a:xfrm>
+          <a:prstGeom prst="rect">
+            <a:avLst/>
+          </a:prstGeom>
+          <a:noFill/>
+        </p:spPr>
+        <p:txBody>
+          <a:bodyPr wrap="square" rtlCol="0">
+            <a:spAutoFit/>
+          </a:bodyPr>
+          <a:lstStyle/>
+          <a:p>
+            <a:r>
+              <a:rPr lang="en-US" sz="2400" b="1" dirty="0" smtClean="0">
+                <a:solidFill>
+                  <a:srgbClr val="C00000"/>
+                </a:solidFill>
+                <a:latin typeface="Garamond" panose="02020404030301010803" pitchFamily="18" charset="0"/>
+              </a:rPr>
+              <a:t>Math is involved</a:t>
+            </a:r>
+            <a:endParaRPr lang="en-US" sz="2400" b="1" dirty="0">
+              <a:solidFill>
+                <a:srgbClr val="C00000"/>
+              </a:solidFill>
+              <a:latin typeface="Garamond" panose="02020404030301010803" pitchFamily="18" charset="0"/>
+            </a:endParaRPr>
+          </a:p>
+        </p:txBody>
+      </p:sp>
+      <p:sp>
+        <p:nvSpPr>
+          <p:cNvPr id="48" name="TextBox 47"/>
+          <p:cNvSpPr txBox="1"/>
+          <p:nvPr/>
+        </p:nvSpPr>
+        <p:spPr>
+          <a:xfrm>
+            <a:off x="9078865" y="395540"/>
+            <a:ext cx="2923711" cy="461665"/>
+          </a:xfrm>
+          <a:prstGeom prst="rect">
+            <a:avLst/>
+          </a:prstGeom>
+          <a:noFill/>
+        </p:spPr>
+        <p:txBody>
+          <a:bodyPr wrap="square" rtlCol="0">
+            <a:spAutoFit/>
+          </a:bodyPr>
+          <a:lstStyle/>
+          <a:p>
+            <a:r>
+              <a:rPr lang="en-US" sz="2400" b="1" dirty="0" smtClean="0">
+                <a:solidFill>
+                  <a:srgbClr val="C00000"/>
+                </a:solidFill>
+                <a:latin typeface="Garamond" panose="02020404030301010803" pitchFamily="18" charset="0"/>
+              </a:rPr>
+              <a:t>Scientific computing</a:t>
+            </a:r>
+          </a:p>
+        </p:txBody>
+      </p:sp>
+      <p:sp>
+        <p:nvSpPr>
+          <p:cNvPr id="49" name="Oval 48"/>
+          <p:cNvSpPr/>
+          <p:nvPr/>
+        </p:nvSpPr>
+        <p:spPr>
+          <a:xfrm>
+            <a:off x="8982447" y="3828989"/>
+            <a:ext cx="2915567" cy="1691214"/>
+          </a:xfrm>
+          <a:prstGeom prst="ellipse">
+            <a:avLst/>
+          </a:prstGeom>
+          <a:noFill/>
+          <a:ln w="57150">
+            <a:solidFill>
+              <a:srgbClr val="C00000">
+                <a:alpha val="63000"/>
+              </a:srgbClr>
+            </a:solidFill>
+          </a:ln>
+        </p:spPr>
+        <p:style>
+          <a:lnRef idx="2">
+            <a:schemeClr val="accent1">
+              <a:shade val="50000"/>
+            </a:schemeClr>
+          </a:lnRef>
+          <a:fillRef idx="1">
+            <a:schemeClr val="accent1"/>
+          </a:fillRef>
+          <a:effectRef idx="0">
+            <a:schemeClr val="accent1"/>
+          </a:effectRef>
+          <a:fontRef idx="minor">
+            <a:schemeClr val="lt1"/>
+          </a:fontRef>
+        </p:style>
+        <p:txBody>
+          <a:bodyPr rtlCol="0" anchor="ctr"/>
+          <a:lstStyle/>
+          <a:p>
+            <a:pPr algn="ctr"/>
+            <a:endParaRPr lang="en-US"/>
+          </a:p>
+        </p:txBody>
+      </p:sp>
+      <p:sp>
+        <p:nvSpPr>
+          <p:cNvPr id="53" name="TextBox 52"/>
+          <p:cNvSpPr txBox="1"/>
+          <p:nvPr/>
+        </p:nvSpPr>
+        <p:spPr>
+          <a:xfrm>
+            <a:off x="7343425" y="3159807"/>
+            <a:ext cx="2037254" cy="584775"/>
+          </a:xfrm>
+          <a:prstGeom prst="rect">
+            <a:avLst/>
+          </a:prstGeom>
+          <a:noFill/>
+        </p:spPr>
+        <p:txBody>
+          <a:bodyPr wrap="square" rtlCol="0">
+            <a:spAutoFit/>
+          </a:bodyPr>
+          <a:lstStyle/>
+          <a:p>
+            <a:r>
+              <a:rPr lang="en-US" sz="1600" b="1" dirty="0" smtClean="0">
+                <a:solidFill>
+                  <a:srgbClr val="C00000"/>
+                </a:solidFill>
+                <a:latin typeface="Garamond" panose="02020404030301010803" pitchFamily="18" charset="0"/>
+              </a:rPr>
+              <a:t>We make some guesses too</a:t>
+            </a:r>
+            <a:endParaRPr lang="en-US" sz="1600" b="1" dirty="0">
+              <a:solidFill>
+                <a:srgbClr val="C00000"/>
+              </a:solidFill>
+              <a:latin typeface="Garamond" panose="02020404030301010803" pitchFamily="18" charset="0"/>
+            </a:endParaRPr>
+          </a:p>
+        </p:txBody>
+      </p:sp>
+      <p:cxnSp>
+        <p:nvCxnSpPr>
+          <p:cNvPr id="55" name="Curved Connector 54"/>
+          <p:cNvCxnSpPr>
+            <a:endCxn id="49" idx="2"/>
+          </p:cNvCxnSpPr>
+          <p:nvPr/>
+        </p:nvCxnSpPr>
+        <p:spPr>
+          <a:xfrm rot="16200000" flipH="1">
+            <a:off x="8118758" y="3810907"/>
+            <a:ext cx="894788" cy="832590"/>
+          </a:xfrm>
+          <a:prstGeom prst="curvedConnector2">
+            <a:avLst/>
+          </a:prstGeom>
+          <a:ln w="28575">
+            <a:solidFill>
+              <a:srgbClr val="C00000">
+                <a:alpha val="54000"/>
+              </a:srgbClr>
+            </a:solidFill>
+            <a:tailEnd type="triangle"/>
+          </a:ln>
+        </p:spPr>
+        <p:style>
+          <a:lnRef idx="1">
+            <a:schemeClr val="accent1"/>
+          </a:lnRef>
+          <a:fillRef idx="0">
+            <a:schemeClr val="accent1"/>
+          </a:fillRef>
+          <a:effectRef idx="0">
+            <a:schemeClr val="accent1"/>
+          </a:effectRef>
+          <a:fontRef idx="minor">
+            <a:schemeClr val="tx1"/>
+          </a:fontRef>
+        </p:style>
+      </p:cxnSp>
+      <p:pic>
+        <p:nvPicPr>
+          <p:cNvPr id="18" name="Picture 17"/>
+          <p:cNvPicPr>
+            <a:picLocks noChangeAspect="1"/>
+          </p:cNvPicPr>
+          <p:nvPr/>
+        </p:nvPicPr>
+        <p:blipFill>
+          <a:blip r:embed="rId25"/>
+          <a:stretch>
+            <a:fillRect/>
+          </a:stretch>
+        </p:blipFill>
+        <p:spPr>
+          <a:xfrm rot="19439869">
+            <a:off x="4614747" y="4487873"/>
+            <a:ext cx="1488985" cy="1126164"/>
+          </a:xfrm>
+          <a:prstGeom prst="rect">
+            <a:avLst/>
+          </a:prstGeom>
+        </p:spPr>
+      </p:pic>
+      <p:pic>
+        <p:nvPicPr>
+          <p:cNvPr id="21" name="Picture 20"/>
+          <p:cNvPicPr>
+            <a:picLocks noChangeAspect="1"/>
+          </p:cNvPicPr>
+          <p:nvPr/>
+        </p:nvPicPr>
+        <p:blipFill>
+          <a:blip r:embed="rId16"/>
+          <a:stretch>
+            <a:fillRect/>
+          </a:stretch>
+        </p:blipFill>
+        <p:spPr>
+          <a:xfrm>
+            <a:off x="4553552" y="5452955"/>
+            <a:ext cx="2858156" cy="479064"/>
           </a:xfrm>
           <a:prstGeom prst="rect">
             <a:avLst/>
@@ -6599,7 +6995,7 @@
     </p:spTree>
     <p:extLst>
       <p:ext uri="{BB962C8B-B14F-4D97-AF65-F5344CB8AC3E}">
-        <p14:creationId xmlns:p14="http://schemas.microsoft.com/office/powerpoint/2010/main" val="1487017851"/>
+        <p14:creationId xmlns:p14="http://schemas.microsoft.com/office/powerpoint/2010/main" val="474127542"/>
       </p:ext>
     </p:extLst>
   </p:cSld>
@@ -6633,41 +7029,9 @@
           <a:chExt cx="0" cy="0"/>
         </a:xfrm>
       </p:grpSpPr>
-      <p:sp>
-        <p:nvSpPr>
-          <p:cNvPr id="4" name="Slide Number Placeholder 3"/>
-          <p:cNvSpPr>
-            <a:spLocks noGrp="1"/>
-          </p:cNvSpPr>
-          <p:nvPr>
-            <p:ph type="sldNum" sz="quarter" idx="12"/>
-          </p:nvPr>
-        </p:nvSpPr>
-        <p:spPr>
-          <a:xfrm>
-            <a:off x="9306059" y="6438513"/>
-            <a:ext cx="2743200" cy="365125"/>
-          </a:xfrm>
-        </p:spPr>
-        <p:txBody>
-          <a:bodyPr/>
-          <a:lstStyle/>
-          <a:p>
-            <a:fld id="{27225834-A5F4-4780-A9FC-586FB30F9BB0}" type="slidenum">
-              <a:rPr lang="en-US" smtClean="0">
-                <a:latin typeface="Garamond" panose="02020404030301010803" pitchFamily="18" charset="0"/>
-              </a:rPr>
-              <a:t>3</a:t>
-            </a:fld>
-            <a:endParaRPr lang="en-US" dirty="0">
-              <a:latin typeface="Garamond" panose="02020404030301010803" pitchFamily="18" charset="0"/>
-            </a:endParaRPr>
-          </a:p>
-        </p:txBody>
-      </p:sp>
       <p:pic>
         <p:nvPicPr>
-          <p:cNvPr id="6" name="Picture 5"/>
+          <p:cNvPr id="18" name="Picture 17"/>
           <p:cNvPicPr>
             <a:picLocks noChangeAspect="1"/>
           </p:cNvPicPr>
@@ -6681,17 +7045,49 @@
         </p:blipFill>
         <p:spPr>
           <a:xfrm>
-            <a:off x="4545134" y="2642043"/>
-            <a:ext cx="2874993" cy="391615"/>
+            <a:off x="580075" y="4207049"/>
+            <a:ext cx="4078452" cy="2231464"/>
           </a:xfrm>
           <a:prstGeom prst="rect">
             <a:avLst/>
           </a:prstGeom>
         </p:spPr>
       </p:pic>
+      <p:sp>
+        <p:nvSpPr>
+          <p:cNvPr id="4" name="Slide Number Placeholder 3"/>
+          <p:cNvSpPr>
+            <a:spLocks noGrp="1"/>
+          </p:cNvSpPr>
+          <p:nvPr>
+            <p:ph type="sldNum" sz="quarter" idx="12"/>
+          </p:nvPr>
+        </p:nvSpPr>
+        <p:spPr>
+          <a:xfrm>
+            <a:off x="9306059" y="6438513"/>
+            <a:ext cx="2743200" cy="365125"/>
+          </a:xfrm>
+        </p:spPr>
+        <p:txBody>
+          <a:bodyPr/>
+          <a:lstStyle/>
+          <a:p>
+            <a:fld id="{27225834-A5F4-4780-A9FC-586FB30F9BB0}" type="slidenum">
+              <a:rPr lang="en-US" smtClean="0">
+                <a:latin typeface="Garamond" panose="02020404030301010803" pitchFamily="18" charset="0"/>
+              </a:rPr>
+              <a:t>3</a:t>
+            </a:fld>
+            <a:endParaRPr lang="en-US" dirty="0">
+              <a:latin typeface="Garamond" panose="02020404030301010803" pitchFamily="18" charset="0"/>
+            </a:endParaRPr>
+          </a:p>
+        </p:txBody>
+      </p:sp>
       <p:pic>
         <p:nvPicPr>
-          <p:cNvPr id="7" name="Picture 6"/>
+          <p:cNvPr id="5" name="Picture 4"/>
           <p:cNvPicPr>
             <a:picLocks noChangeAspect="1"/>
           </p:cNvPicPr>
@@ -6705,8 +7101,8 @@
         </p:blipFill>
         <p:spPr>
           <a:xfrm>
-            <a:off x="4483412" y="1222725"/>
-            <a:ext cx="2955034" cy="554070"/>
+            <a:off x="5721081" y="1174339"/>
+            <a:ext cx="2051500" cy="1735086"/>
           </a:xfrm>
           <a:prstGeom prst="rect">
             <a:avLst/>
@@ -6715,7 +7111,7 @@
       </p:pic>
       <p:pic>
         <p:nvPicPr>
-          <p:cNvPr id="9" name="Picture 8"/>
+          <p:cNvPr id="6" name="Picture 5"/>
           <p:cNvPicPr>
             <a:picLocks noChangeAspect="1"/>
           </p:cNvPicPr>
@@ -6728,9 +7124,9 @@
           </a:stretch>
         </p:blipFill>
         <p:spPr>
-          <a:xfrm rot="5400000">
-            <a:off x="5930858" y="3789454"/>
-            <a:ext cx="2090985" cy="450808"/>
+          <a:xfrm>
+            <a:off x="5719683" y="3026705"/>
+            <a:ext cx="2052897" cy="1699442"/>
           </a:xfrm>
           <a:prstGeom prst="rect">
             <a:avLst/>
@@ -6739,7 +7135,7 @@
       </p:pic>
       <p:pic>
         <p:nvPicPr>
-          <p:cNvPr id="11" name="Picture 10"/>
+          <p:cNvPr id="7" name="Picture 6"/>
           <p:cNvPicPr>
             <a:picLocks noChangeAspect="1"/>
           </p:cNvPicPr>
@@ -6753,8 +7149,8 @@
         </p:blipFill>
         <p:spPr>
           <a:xfrm>
-            <a:off x="4473709" y="3112343"/>
-            <a:ext cx="1762784" cy="536643"/>
+            <a:off x="5782751" y="4843427"/>
+            <a:ext cx="1926760" cy="1793877"/>
           </a:xfrm>
           <a:prstGeom prst="rect">
             <a:avLst/>
@@ -6763,374 +7159,27 @@
       </p:pic>
       <p:pic>
         <p:nvPicPr>
-          <p:cNvPr id="12" name="Picture 11"/>
+          <p:cNvPr id="8" name="Picture 7"/>
           <p:cNvPicPr>
             <a:picLocks noChangeAspect="1"/>
           </p:cNvPicPr>
           <p:nvPr/>
         </p:nvPicPr>
-        <p:blipFill>
-          <a:blip r:embed="rId7"/>
-          <a:stretch>
-            <a:fillRect/>
-          </a:stretch>
+        <p:blipFill rotWithShape="1">
+          <a:blip r:embed="rId7" cstate="print">
+            <a:extLst>
+              <a:ext uri="{28A0092B-C50C-407E-A947-70E740481C1C}">
+                <a14:useLocalDpi xmlns:a14="http://schemas.microsoft.com/office/drawing/2010/main" val="0"/>
+              </a:ext>
+            </a:extLst>
+          </a:blip>
+          <a:srcRect l="8617" t="3576" r="10153" b="5191"/>
+          <a:stretch/>
         </p:blipFill>
         <p:spPr>
-          <a:xfrm rot="19765243">
-            <a:off x="6457860" y="1821066"/>
-            <a:ext cx="784407" cy="545527"/>
-          </a:xfrm>
-          <a:prstGeom prst="rect">
-            <a:avLst/>
-          </a:prstGeom>
-        </p:spPr>
-      </p:pic>
-      <p:pic>
-        <p:nvPicPr>
-          <p:cNvPr id="15" name="Picture 14"/>
-          <p:cNvPicPr>
-            <a:picLocks noChangeAspect="1"/>
-          </p:cNvPicPr>
-          <p:nvPr/>
-        </p:nvPicPr>
-        <p:blipFill>
-          <a:blip r:embed="rId8"/>
-          <a:stretch>
-            <a:fillRect/>
-          </a:stretch>
-        </p:blipFill>
-        <p:spPr>
-          <a:xfrm>
-            <a:off x="4426640" y="1697729"/>
-            <a:ext cx="1545403" cy="388664"/>
-          </a:xfrm>
-          <a:prstGeom prst="rect">
-            <a:avLst/>
-          </a:prstGeom>
-        </p:spPr>
-      </p:pic>
-      <p:pic>
-        <p:nvPicPr>
-          <p:cNvPr id="16" name="Picture 15"/>
-          <p:cNvPicPr>
-            <a:picLocks noChangeAspect="1"/>
-          </p:cNvPicPr>
-          <p:nvPr/>
-        </p:nvPicPr>
-        <p:blipFill>
-          <a:blip r:embed="rId9"/>
-          <a:stretch>
-            <a:fillRect/>
-          </a:stretch>
-        </p:blipFill>
-        <p:spPr>
-          <a:xfrm>
-            <a:off x="4588700" y="2074224"/>
-            <a:ext cx="1225102" cy="385590"/>
-          </a:xfrm>
-          <a:prstGeom prst="rect">
-            <a:avLst/>
-          </a:prstGeom>
-        </p:spPr>
-      </p:pic>
-      <p:pic>
-        <p:nvPicPr>
-          <p:cNvPr id="14" name="Picture 13"/>
-          <p:cNvPicPr>
-            <a:picLocks noChangeAspect="1"/>
-          </p:cNvPicPr>
-          <p:nvPr/>
-        </p:nvPicPr>
-        <p:blipFill>
-          <a:blip r:embed="rId10"/>
-          <a:stretch>
-            <a:fillRect/>
-          </a:stretch>
-        </p:blipFill>
-        <p:spPr>
-          <a:xfrm>
-            <a:off x="6017353" y="4039783"/>
-            <a:ext cx="1309131" cy="456879"/>
-          </a:xfrm>
-          <a:prstGeom prst="rect">
-            <a:avLst/>
-          </a:prstGeom>
-        </p:spPr>
-      </p:pic>
-      <p:pic>
-        <p:nvPicPr>
-          <p:cNvPr id="17" name="Picture 16"/>
-          <p:cNvPicPr>
-            <a:picLocks noChangeAspect="1"/>
-          </p:cNvPicPr>
-          <p:nvPr/>
-        </p:nvPicPr>
-        <p:blipFill>
-          <a:blip r:embed="rId11"/>
-          <a:stretch>
-            <a:fillRect/>
-          </a:stretch>
-        </p:blipFill>
-        <p:spPr>
-          <a:xfrm>
-            <a:off x="5413244" y="4945681"/>
-            <a:ext cx="1551234" cy="593683"/>
-          </a:xfrm>
-          <a:prstGeom prst="rect">
-            <a:avLst/>
-          </a:prstGeom>
-        </p:spPr>
-      </p:pic>
-      <p:pic>
-        <p:nvPicPr>
-          <p:cNvPr id="20" name="Picture 19"/>
-          <p:cNvPicPr>
-            <a:picLocks noChangeAspect="1"/>
-          </p:cNvPicPr>
-          <p:nvPr/>
-        </p:nvPicPr>
-        <p:blipFill>
-          <a:blip r:embed="rId12"/>
-          <a:stretch>
-            <a:fillRect/>
-          </a:stretch>
-        </p:blipFill>
-        <p:spPr>
-          <a:xfrm>
-            <a:off x="6098398" y="3097733"/>
-            <a:ext cx="645187" cy="412203"/>
-          </a:xfrm>
-          <a:prstGeom prst="rect">
-            <a:avLst/>
-          </a:prstGeom>
-        </p:spPr>
-      </p:pic>
-      <p:pic>
-        <p:nvPicPr>
-          <p:cNvPr id="22" name="Picture 21"/>
-          <p:cNvPicPr>
-            <a:picLocks noChangeAspect="1"/>
-          </p:cNvPicPr>
-          <p:nvPr/>
-        </p:nvPicPr>
-        <p:blipFill>
-          <a:blip r:embed="rId12"/>
-          <a:stretch>
-            <a:fillRect/>
-          </a:stretch>
-        </p:blipFill>
-        <p:spPr>
-          <a:xfrm rot="11756183">
-            <a:off x="6139646" y="4426231"/>
-            <a:ext cx="645187" cy="412203"/>
-          </a:xfrm>
-          <a:prstGeom prst="rect">
-            <a:avLst/>
-          </a:prstGeom>
-        </p:spPr>
-      </p:pic>
-      <p:pic>
-        <p:nvPicPr>
-          <p:cNvPr id="23" name="Picture 22"/>
-          <p:cNvPicPr>
-            <a:picLocks noChangeAspect="1"/>
-          </p:cNvPicPr>
-          <p:nvPr/>
-        </p:nvPicPr>
-        <p:blipFill>
-          <a:blip r:embed="rId4"/>
-          <a:stretch>
-            <a:fillRect/>
-          </a:stretch>
-        </p:blipFill>
-        <p:spPr>
-          <a:xfrm>
-            <a:off x="4425961" y="5851602"/>
-            <a:ext cx="3003590" cy="659841"/>
-          </a:xfrm>
-          <a:prstGeom prst="rect">
-            <a:avLst/>
-          </a:prstGeom>
-        </p:spPr>
-      </p:pic>
-      <p:pic>
-        <p:nvPicPr>
-          <p:cNvPr id="24" name="Picture 23"/>
-          <p:cNvPicPr>
-            <a:picLocks noChangeAspect="1"/>
-          </p:cNvPicPr>
-          <p:nvPr/>
-        </p:nvPicPr>
-        <p:blipFill>
-          <a:blip r:embed="rId8"/>
-          <a:stretch>
-            <a:fillRect/>
-          </a:stretch>
-        </p:blipFill>
-        <p:spPr>
-          <a:xfrm>
-            <a:off x="4524530" y="4046233"/>
-            <a:ext cx="1388070" cy="349098"/>
-          </a:xfrm>
-          <a:prstGeom prst="rect">
-            <a:avLst/>
-          </a:prstGeom>
-        </p:spPr>
-      </p:pic>
-      <p:pic>
-        <p:nvPicPr>
-          <p:cNvPr id="25" name="Picture 24"/>
-          <p:cNvPicPr>
-            <a:picLocks noChangeAspect="1"/>
-          </p:cNvPicPr>
-          <p:nvPr/>
-        </p:nvPicPr>
-        <p:blipFill>
-          <a:blip r:embed="rId13"/>
-          <a:stretch>
-            <a:fillRect/>
-          </a:stretch>
-        </p:blipFill>
-        <p:spPr>
-          <a:xfrm>
-            <a:off x="9123679" y="3956089"/>
-            <a:ext cx="2774335" cy="1495892"/>
-          </a:xfrm>
-          <a:prstGeom prst="rect">
-            <a:avLst/>
-          </a:prstGeom>
-        </p:spPr>
-      </p:pic>
-      <p:pic>
-        <p:nvPicPr>
-          <p:cNvPr id="26" name="Picture 25"/>
-          <p:cNvPicPr>
-            <a:picLocks noChangeAspect="1"/>
-          </p:cNvPicPr>
-          <p:nvPr/>
-        </p:nvPicPr>
-        <p:blipFill>
-          <a:blip r:embed="rId14"/>
-          <a:stretch>
-            <a:fillRect/>
-          </a:stretch>
-        </p:blipFill>
-        <p:spPr>
-          <a:xfrm>
-            <a:off x="9123678" y="2779392"/>
-            <a:ext cx="2834087" cy="1090849"/>
-          </a:xfrm>
-          <a:prstGeom prst="rect">
-            <a:avLst/>
-          </a:prstGeom>
-        </p:spPr>
-      </p:pic>
-      <p:pic>
-        <p:nvPicPr>
-          <p:cNvPr id="27" name="Picture 26"/>
-          <p:cNvPicPr>
-            <a:picLocks noChangeAspect="1"/>
-          </p:cNvPicPr>
-          <p:nvPr/>
-        </p:nvPicPr>
-        <p:blipFill>
-          <a:blip r:embed="rId15"/>
-          <a:stretch>
-            <a:fillRect/>
-          </a:stretch>
-        </p:blipFill>
-        <p:spPr>
-          <a:xfrm>
-            <a:off x="9113116" y="1278245"/>
-            <a:ext cx="2784898" cy="1346034"/>
-          </a:xfrm>
-          <a:prstGeom prst="rect">
-            <a:avLst/>
-          </a:prstGeom>
-        </p:spPr>
-      </p:pic>
-      <p:sp>
-        <p:nvSpPr>
-          <p:cNvPr id="37" name="TextBox 36"/>
-          <p:cNvSpPr txBox="1"/>
-          <p:nvPr/>
-        </p:nvSpPr>
-        <p:spPr>
-          <a:xfrm>
-            <a:off x="452980" y="225567"/>
-            <a:ext cx="2923711" cy="830997"/>
-          </a:xfrm>
-          <a:prstGeom prst="rect">
-            <a:avLst/>
-          </a:prstGeom>
-          <a:noFill/>
-        </p:spPr>
-        <p:txBody>
-          <a:bodyPr wrap="square" rtlCol="0">
-            <a:spAutoFit/>
-          </a:bodyPr>
-          <a:lstStyle/>
-          <a:p>
-            <a:r>
-              <a:rPr lang="en-US" sz="2400" b="1" dirty="0" smtClean="0">
-                <a:solidFill>
-                  <a:srgbClr val="C00000"/>
-                </a:solidFill>
-                <a:latin typeface="Garamond" panose="02020404030301010803" pitchFamily="18" charset="0"/>
-              </a:rPr>
-              <a:t>Open-ended literature review</a:t>
-            </a:r>
-            <a:endParaRPr lang="en-US" sz="2400" b="1" dirty="0">
-              <a:solidFill>
-                <a:srgbClr val="C00000"/>
-              </a:solidFill>
-              <a:latin typeface="Garamond" panose="02020404030301010803" pitchFamily="18" charset="0"/>
-            </a:endParaRPr>
-          </a:p>
-        </p:txBody>
-      </p:sp>
-      <p:pic>
-        <p:nvPicPr>
-          <p:cNvPr id="13" name="Picture 12"/>
-          <p:cNvPicPr>
-            <a:picLocks noChangeAspect="1"/>
-          </p:cNvPicPr>
-          <p:nvPr/>
-        </p:nvPicPr>
-        <p:blipFill>
-          <a:blip r:embed="rId16"/>
-          <a:stretch>
-            <a:fillRect/>
-          </a:stretch>
-        </p:blipFill>
-        <p:spPr>
-          <a:xfrm rot="972278">
-            <a:off x="4524372" y="4659442"/>
-            <a:ext cx="2741669" cy="507445"/>
-          </a:xfrm>
-          <a:prstGeom prst="rect">
-            <a:avLst/>
-          </a:prstGeom>
-        </p:spPr>
-      </p:pic>
-      <p:pic>
-        <p:nvPicPr>
-          <p:cNvPr id="5" name="Picture 4"/>
-          <p:cNvPicPr>
-            <a:picLocks noChangeAspect="1"/>
-          </p:cNvPicPr>
-          <p:nvPr/>
-        </p:nvPicPr>
-        <p:blipFill>
-          <a:blip r:embed="rId9"/>
-          <a:stretch>
-            <a:fillRect/>
-          </a:stretch>
-        </p:blipFill>
-        <p:spPr>
-          <a:xfrm>
-            <a:off x="4945152" y="3522306"/>
-            <a:ext cx="1726766" cy="543484"/>
+          <a:xfrm>
+            <a:off x="9377740" y="1028668"/>
+            <a:ext cx="1475943" cy="5524532"/>
           </a:xfrm>
           <a:prstGeom prst="rect">
             <a:avLst/>
@@ -7145,308 +7194,39 @@
           </p:cNvPicPr>
           <p:nvPr/>
         </p:nvPicPr>
-        <p:blipFill>
-          <a:blip r:embed="rId17"/>
-          <a:stretch>
-            <a:fillRect/>
-          </a:stretch>
+        <p:blipFill rotWithShape="1">
+          <a:blip r:embed="rId8"/>
+          <a:srcRect t="1" b="1952"/>
+          <a:stretch/>
         </p:blipFill>
         <p:spPr>
-          <a:xfrm rot="19479839">
-            <a:off x="5618048" y="1837584"/>
-            <a:ext cx="1179585" cy="434269"/>
+          <a:xfrm>
+            <a:off x="641308" y="1156866"/>
+            <a:ext cx="3816392" cy="2614815"/>
           </a:xfrm>
           <a:prstGeom prst="rect">
             <a:avLst/>
           </a:prstGeom>
         </p:spPr>
       </p:pic>
-      <p:pic>
-        <p:nvPicPr>
-          <p:cNvPr id="8" name="Picture 7"/>
-          <p:cNvPicPr>
-            <a:picLocks noChangeAspect="1"/>
-          </p:cNvPicPr>
-          <p:nvPr/>
-        </p:nvPicPr>
-        <p:blipFill>
-          <a:blip r:embed="rId8"/>
-          <a:stretch>
-            <a:fillRect/>
-          </a:stretch>
-        </p:blipFill>
-        <p:spPr>
-          <a:xfrm>
-            <a:off x="5509871" y="2371109"/>
-            <a:ext cx="1395940" cy="351074"/>
-          </a:xfrm>
-          <a:prstGeom prst="rect">
-            <a:avLst/>
-          </a:prstGeom>
-        </p:spPr>
-      </p:pic>
-      <p:pic>
-        <p:nvPicPr>
-          <p:cNvPr id="40" name="Picture 39"/>
-          <p:cNvPicPr>
-            <a:picLocks noChangeAspect="1"/>
-          </p:cNvPicPr>
-          <p:nvPr/>
-        </p:nvPicPr>
-        <p:blipFill>
-          <a:blip r:embed="rId18"/>
-          <a:stretch>
-            <a:fillRect/>
-          </a:stretch>
-        </p:blipFill>
-        <p:spPr>
-          <a:xfrm>
-            <a:off x="173595" y="1284109"/>
-            <a:ext cx="3047436" cy="1334306"/>
-          </a:xfrm>
-          <a:prstGeom prst="rect">
-            <a:avLst/>
-          </a:prstGeom>
-        </p:spPr>
-      </p:pic>
-      <p:pic>
-        <p:nvPicPr>
-          <p:cNvPr id="41" name="Picture 40"/>
-          <p:cNvPicPr>
-            <a:picLocks noChangeAspect="1"/>
-          </p:cNvPicPr>
-          <p:nvPr/>
-        </p:nvPicPr>
-        <p:blipFill>
-          <a:blip r:embed="rId19"/>
-          <a:stretch>
-            <a:fillRect/>
-          </a:stretch>
-        </p:blipFill>
-        <p:spPr>
-          <a:xfrm>
-            <a:off x="210142" y="3935532"/>
-            <a:ext cx="3058136" cy="1201020"/>
-          </a:xfrm>
-          <a:prstGeom prst="rect">
-            <a:avLst/>
-          </a:prstGeom>
-        </p:spPr>
-      </p:pic>
-      <p:pic>
-        <p:nvPicPr>
-          <p:cNvPr id="42" name="Picture 41"/>
-          <p:cNvPicPr>
-            <a:picLocks noChangeAspect="1"/>
-          </p:cNvPicPr>
-          <p:nvPr/>
-        </p:nvPicPr>
-        <p:blipFill>
-          <a:blip r:embed="rId20"/>
-          <a:stretch>
-            <a:fillRect/>
-          </a:stretch>
-        </p:blipFill>
-        <p:spPr>
-          <a:xfrm>
-            <a:off x="205453" y="2649906"/>
-            <a:ext cx="3015578" cy="419100"/>
-          </a:xfrm>
-          <a:prstGeom prst="rect">
-            <a:avLst/>
-          </a:prstGeom>
-        </p:spPr>
-      </p:pic>
-      <p:pic>
-        <p:nvPicPr>
-          <p:cNvPr id="43" name="Picture 42"/>
-          <p:cNvPicPr>
-            <a:picLocks noChangeAspect="1"/>
-          </p:cNvPicPr>
-          <p:nvPr/>
-        </p:nvPicPr>
-        <p:blipFill>
-          <a:blip r:embed="rId21"/>
-          <a:stretch>
-            <a:fillRect/>
-          </a:stretch>
-        </p:blipFill>
-        <p:spPr>
-          <a:xfrm>
-            <a:off x="137059" y="3125907"/>
-            <a:ext cx="2619375" cy="809625"/>
-          </a:xfrm>
-          <a:prstGeom prst="rect">
-            <a:avLst/>
-          </a:prstGeom>
-        </p:spPr>
-      </p:pic>
-      <p:pic>
-        <p:nvPicPr>
-          <p:cNvPr id="44" name="Picture 43"/>
-          <p:cNvPicPr>
-            <a:picLocks noChangeAspect="1"/>
-          </p:cNvPicPr>
-          <p:nvPr/>
-        </p:nvPicPr>
-        <p:blipFill>
-          <a:blip r:embed="rId22"/>
-          <a:stretch>
-            <a:fillRect/>
-          </a:stretch>
-        </p:blipFill>
-        <p:spPr>
-          <a:xfrm>
-            <a:off x="127371" y="5242523"/>
-            <a:ext cx="3093660" cy="1072566"/>
-          </a:xfrm>
-          <a:prstGeom prst="rect">
-            <a:avLst/>
-          </a:prstGeom>
-        </p:spPr>
-      </p:pic>
-      <p:pic>
-        <p:nvPicPr>
-          <p:cNvPr id="45" name="Picture 44"/>
-          <p:cNvPicPr>
-            <a:picLocks noChangeAspect="1"/>
-          </p:cNvPicPr>
-          <p:nvPr/>
-        </p:nvPicPr>
-        <p:blipFill>
-          <a:blip r:embed="rId23"/>
-          <a:stretch>
-            <a:fillRect/>
-          </a:stretch>
-        </p:blipFill>
-        <p:spPr>
-          <a:xfrm>
-            <a:off x="10553700" y="5520203"/>
-            <a:ext cx="1344314" cy="792650"/>
-          </a:xfrm>
-          <a:prstGeom prst="rect">
-            <a:avLst/>
-          </a:prstGeom>
-        </p:spPr>
-      </p:pic>
-      <p:pic>
-        <p:nvPicPr>
-          <p:cNvPr id="46" name="Picture 45"/>
-          <p:cNvPicPr>
-            <a:picLocks noChangeAspect="1"/>
-          </p:cNvPicPr>
-          <p:nvPr/>
-        </p:nvPicPr>
-        <p:blipFill>
-          <a:blip r:embed="rId24"/>
-          <a:stretch>
-            <a:fillRect/>
-          </a:stretch>
-        </p:blipFill>
-        <p:spPr>
-          <a:xfrm>
-            <a:off x="9146517" y="5520202"/>
-            <a:ext cx="1255633" cy="792651"/>
-          </a:xfrm>
-          <a:prstGeom prst="rect">
-            <a:avLst/>
-          </a:prstGeom>
-        </p:spPr>
-      </p:pic>
-      <p:sp>
-        <p:nvSpPr>
-          <p:cNvPr id="47" name="TextBox 46"/>
-          <p:cNvSpPr txBox="1"/>
-          <p:nvPr/>
-        </p:nvSpPr>
-        <p:spPr>
-          <a:xfrm>
-            <a:off x="4660497" y="381877"/>
-            <a:ext cx="3094685" cy="461665"/>
-          </a:xfrm>
-          <a:prstGeom prst="rect">
-            <a:avLst/>
-          </a:prstGeom>
-          <a:noFill/>
-        </p:spPr>
-        <p:txBody>
-          <a:bodyPr wrap="square" rtlCol="0">
-            <a:spAutoFit/>
-          </a:bodyPr>
-          <a:lstStyle/>
-          <a:p>
-            <a:r>
-              <a:rPr lang="en-US" sz="2400" b="1" dirty="0" smtClean="0">
-                <a:solidFill>
-                  <a:srgbClr val="C00000"/>
-                </a:solidFill>
-                <a:latin typeface="Garamond" panose="02020404030301010803" pitchFamily="18" charset="0"/>
-              </a:rPr>
-              <a:t>Math is involved</a:t>
-            </a:r>
-            <a:endParaRPr lang="en-US" sz="2400" b="1" dirty="0">
-              <a:solidFill>
-                <a:srgbClr val="C00000"/>
-              </a:solidFill>
-              <a:latin typeface="Garamond" panose="02020404030301010803" pitchFamily="18" charset="0"/>
-            </a:endParaRPr>
-          </a:p>
-        </p:txBody>
-      </p:sp>
-      <p:sp>
-        <p:nvSpPr>
-          <p:cNvPr id="48" name="TextBox 47"/>
-          <p:cNvSpPr txBox="1"/>
-          <p:nvPr/>
-        </p:nvSpPr>
-        <p:spPr>
-          <a:xfrm>
-            <a:off x="9078865" y="395540"/>
-            <a:ext cx="2923711" cy="461665"/>
-          </a:xfrm>
-          <a:prstGeom prst="rect">
-            <a:avLst/>
-          </a:prstGeom>
-          <a:noFill/>
-        </p:spPr>
-        <p:txBody>
-          <a:bodyPr wrap="square" rtlCol="0">
-            <a:spAutoFit/>
-          </a:bodyPr>
-          <a:lstStyle/>
-          <a:p>
-            <a:r>
-              <a:rPr lang="en-US" sz="2400" b="1" dirty="0" smtClean="0">
-                <a:solidFill>
-                  <a:srgbClr val="C00000"/>
-                </a:solidFill>
-                <a:latin typeface="Garamond" panose="02020404030301010803" pitchFamily="18" charset="0"/>
-              </a:rPr>
-              <a:t>Scientific computing</a:t>
-            </a:r>
-          </a:p>
-        </p:txBody>
-      </p:sp>
-      <p:sp>
-        <p:nvSpPr>
-          <p:cNvPr id="49" name="Oval 48"/>
+      <p:sp>
+        <p:nvSpPr>
+          <p:cNvPr id="13" name="Oval 12"/>
           <p:cNvSpPr/>
           <p:nvPr/>
         </p:nvSpPr>
         <p:spPr>
           <a:xfrm>
-            <a:off x="8982447" y="3828989"/>
-            <a:ext cx="2915567" cy="1691214"/>
+            <a:off x="2748002" y="4576390"/>
+            <a:ext cx="871497" cy="533948"/>
           </a:xfrm>
           <a:prstGeom prst="ellipse">
             <a:avLst/>
           </a:prstGeom>
           <a:noFill/>
-          <a:ln w="57150">
+          <a:ln w="38100">
             <a:solidFill>
-              <a:srgbClr val="C00000">
-                <a:alpha val="63000"/>
-              </a:srgbClr>
+              <a:srgbClr val="C00000"/>
             </a:solidFill>
           </a:ln>
         </p:spPr>
@@ -7475,67 +7255,23 @@
           </a:p>
         </p:txBody>
       </p:sp>
-      <p:sp>
-        <p:nvSpPr>
-          <p:cNvPr id="53" name="TextBox 52"/>
-          <p:cNvSpPr txBox="1"/>
+      <p:cxnSp>
+        <p:nvCxnSpPr>
+          <p:cNvPr id="15" name="Curved Connector 14"/>
+          <p:cNvCxnSpPr/>
           <p:nvPr/>
-        </p:nvSpPr>
-        <p:spPr>
-          <a:xfrm>
-            <a:off x="7343425" y="3159807"/>
-            <a:ext cx="2037254" cy="584775"/>
-          </a:xfrm>
-          <a:prstGeom prst="rect">
+        </p:nvCxnSpPr>
+        <p:spPr>
+          <a:xfrm>
+            <a:off x="2425092" y="4293528"/>
+            <a:ext cx="388418" cy="381442"/>
+          </a:xfrm>
+          <a:prstGeom prst="curvedConnector3">
             <a:avLst/>
           </a:prstGeom>
-          <a:noFill/>
-        </p:spPr>
-        <p:txBody>
-          <a:bodyPr wrap="square" rtlCol="0">
-            <a:spAutoFit/>
-          </a:bodyPr>
-          <a:lstStyle/>
-          <a:p>
-            <a:r>
-              <a:rPr lang="en-US" sz="1600" b="1" dirty="0" smtClean="0">
-                <a:solidFill>
-                  <a:srgbClr val="C00000"/>
-                </a:solidFill>
-                <a:latin typeface="Garamond" panose="02020404030301010803" pitchFamily="18" charset="0"/>
-              </a:rPr>
-              <a:t>We make some guesses too</a:t>
-            </a:r>
-            <a:endParaRPr lang="en-US" sz="1600" b="1" dirty="0">
-              <a:solidFill>
-                <a:srgbClr val="C00000"/>
-              </a:solidFill>
-              <a:latin typeface="Garamond" panose="02020404030301010803" pitchFamily="18" charset="0"/>
-            </a:endParaRPr>
-          </a:p>
-        </p:txBody>
-      </p:sp>
-      <p:cxnSp>
-        <p:nvCxnSpPr>
-          <p:cNvPr id="55" name="Curved Connector 54"/>
-          <p:cNvCxnSpPr>
-            <a:endCxn id="49" idx="2"/>
-          </p:cNvCxnSpPr>
-          <p:nvPr/>
-        </p:nvCxnSpPr>
-        <p:spPr>
-          <a:xfrm rot="16200000" flipH="1">
-            <a:off x="8118758" y="3810907"/>
-            <a:ext cx="894788" cy="832590"/>
-          </a:xfrm>
-          <a:prstGeom prst="curvedConnector2">
-            <a:avLst/>
-          </a:prstGeom>
-          <a:ln w="28575">
+          <a:ln>
             <a:solidFill>
-              <a:srgbClr val="C00000">
-                <a:alpha val="54000"/>
-              </a:srgbClr>
+              <a:srgbClr val="C00000"/>
             </a:solidFill>
             <a:tailEnd type="triangle"/>
           </a:ln>
@@ -7555,58 +7291,187 @@
           </a:fontRef>
         </p:style>
       </p:cxnSp>
-      <p:pic>
-        <p:nvPicPr>
-          <p:cNvPr id="18" name="Picture 17"/>
-          <p:cNvPicPr>
-            <a:picLocks noChangeAspect="1"/>
-          </p:cNvPicPr>
+      <p:sp>
+        <p:nvSpPr>
+          <p:cNvPr id="21" name="TextBox 20"/>
+          <p:cNvSpPr txBox="1"/>
           <p:nvPr/>
-        </p:nvPicPr>
-        <p:blipFill>
-          <a:blip r:embed="rId25"/>
-          <a:stretch>
-            <a:fillRect/>
-          </a:stretch>
-        </p:blipFill>
-        <p:spPr>
-          <a:xfrm rot="19439869">
-            <a:off x="4614747" y="4487873"/>
-            <a:ext cx="1488985" cy="1126164"/>
+        </p:nvSpPr>
+        <p:spPr>
+          <a:xfrm>
+            <a:off x="1102846" y="257624"/>
+            <a:ext cx="3032909" cy="1046440"/>
           </a:xfrm>
           <a:prstGeom prst="rect">
             <a:avLst/>
           </a:prstGeom>
-        </p:spPr>
-      </p:pic>
-      <p:pic>
-        <p:nvPicPr>
-          <p:cNvPr id="21" name="Picture 20"/>
-          <p:cNvPicPr>
-            <a:picLocks noChangeAspect="1"/>
-          </p:cNvPicPr>
+          <a:noFill/>
+        </p:spPr>
+        <p:txBody>
+          <a:bodyPr wrap="square" rtlCol="0">
+            <a:spAutoFit/>
+          </a:bodyPr>
+          <a:lstStyle/>
+          <a:p>
+            <a:r>
+              <a:rPr lang="en-US" sz="2400" b="1" dirty="0" smtClean="0">
+                <a:solidFill>
+                  <a:srgbClr val="C00000"/>
+                </a:solidFill>
+                <a:latin typeface="Garamond" panose="02020404030301010803" pitchFamily="18" charset="0"/>
+              </a:rPr>
+              <a:t>Visualize the Results</a:t>
+            </a:r>
+          </a:p>
+          <a:p>
+            <a:pPr algn="ctr"/>
+            <a:r>
+              <a:rPr lang="en-US" sz="1400" b="1" dirty="0" smtClean="0">
+                <a:latin typeface="Garamond" panose="02020404030301010803" pitchFamily="18" charset="0"/>
+              </a:rPr>
+              <a:t>(If you can plot it, plot it!)</a:t>
+            </a:r>
+            <a:endParaRPr lang="en-US" sz="1400" b="1" dirty="0">
+              <a:latin typeface="Garamond" panose="02020404030301010803" pitchFamily="18" charset="0"/>
+            </a:endParaRPr>
+          </a:p>
+          <a:p>
+            <a:endParaRPr lang="en-US" sz="2400" b="1" dirty="0" smtClean="0">
+              <a:solidFill>
+                <a:srgbClr val="C00000"/>
+              </a:solidFill>
+              <a:latin typeface="Garamond" panose="02020404030301010803" pitchFamily="18" charset="0"/>
+            </a:endParaRPr>
+          </a:p>
+        </p:txBody>
+      </p:sp>
+      <p:sp>
+        <p:nvSpPr>
+          <p:cNvPr id="23" name="TextBox 22"/>
+          <p:cNvSpPr txBox="1"/>
           <p:nvPr/>
-        </p:nvPicPr>
-        <p:blipFill>
-          <a:blip r:embed="rId16"/>
-          <a:stretch>
-            <a:fillRect/>
-          </a:stretch>
-        </p:blipFill>
-        <p:spPr>
-          <a:xfrm>
-            <a:off x="4553552" y="5452955"/>
-            <a:ext cx="2858156" cy="479064"/>
+        </p:nvSpPr>
+        <p:spPr>
+          <a:xfrm>
+            <a:off x="1362538" y="4038777"/>
+            <a:ext cx="2923711" cy="307777"/>
           </a:xfrm>
           <a:prstGeom prst="rect">
             <a:avLst/>
           </a:prstGeom>
-        </p:spPr>
-      </p:pic>
+          <a:noFill/>
+        </p:spPr>
+        <p:txBody>
+          <a:bodyPr wrap="square" rtlCol="0">
+            <a:spAutoFit/>
+          </a:bodyPr>
+          <a:lstStyle/>
+          <a:p>
+            <a:r>
+              <a:rPr lang="en-US" sz="1400" b="1" dirty="0" smtClean="0">
+                <a:solidFill>
+                  <a:srgbClr val="C00000"/>
+                </a:solidFill>
+                <a:latin typeface="Garamond" panose="02020404030301010803" pitchFamily="18" charset="0"/>
+              </a:rPr>
+              <a:t>You are here</a:t>
+            </a:r>
+          </a:p>
+        </p:txBody>
+      </p:sp>
+      <p:sp>
+        <p:nvSpPr>
+          <p:cNvPr id="28" name="Rectangle 27"/>
+          <p:cNvSpPr/>
+          <p:nvPr/>
+        </p:nvSpPr>
+        <p:spPr>
+          <a:xfrm>
+            <a:off x="5373094" y="257624"/>
+            <a:ext cx="2615844" cy="677108"/>
+          </a:xfrm>
+          <a:prstGeom prst="rect">
+            <a:avLst/>
+          </a:prstGeom>
+        </p:spPr>
+        <p:txBody>
+          <a:bodyPr wrap="none">
+            <a:spAutoFit/>
+          </a:bodyPr>
+          <a:lstStyle/>
+          <a:p>
+            <a:r>
+              <a:rPr lang="en-US" sz="2400" b="1" dirty="0" smtClean="0">
+                <a:solidFill>
+                  <a:srgbClr val="C00000"/>
+                </a:solidFill>
+                <a:latin typeface="Garamond" panose="02020404030301010803" pitchFamily="18" charset="0"/>
+              </a:rPr>
+              <a:t>Parametric Design</a:t>
+            </a:r>
+          </a:p>
+          <a:p>
+            <a:pPr algn="ctr"/>
+            <a:r>
+              <a:rPr lang="en-US" sz="1400" b="1" dirty="0" smtClean="0">
+                <a:latin typeface="Garamond" panose="02020404030301010803" pitchFamily="18" charset="0"/>
+              </a:rPr>
+              <a:t>(Design freedom)</a:t>
+            </a:r>
+            <a:endParaRPr lang="en-US" sz="1400" b="1" dirty="0">
+              <a:latin typeface="Garamond" panose="02020404030301010803" pitchFamily="18" charset="0"/>
+            </a:endParaRPr>
+          </a:p>
+        </p:txBody>
+      </p:sp>
+      <p:sp>
+        <p:nvSpPr>
+          <p:cNvPr id="14" name="TextBox 13"/>
+          <p:cNvSpPr txBox="1"/>
+          <p:nvPr/>
+        </p:nvSpPr>
+        <p:spPr>
+          <a:xfrm>
+            <a:off x="8625496" y="257624"/>
+            <a:ext cx="2971989" cy="677108"/>
+          </a:xfrm>
+          <a:prstGeom prst="rect">
+            <a:avLst/>
+          </a:prstGeom>
+          <a:noFill/>
+        </p:spPr>
+        <p:txBody>
+          <a:bodyPr wrap="square" rtlCol="0">
+            <a:spAutoFit/>
+          </a:bodyPr>
+          <a:lstStyle/>
+          <a:p>
+            <a:pPr algn="ctr"/>
+            <a:r>
+              <a:rPr lang="en-US" sz="2400" b="1" dirty="0" smtClean="0">
+                <a:solidFill>
+                  <a:srgbClr val="C00000"/>
+                </a:solidFill>
+                <a:latin typeface="Garamond" panose="02020404030301010803" pitchFamily="18" charset="0"/>
+              </a:rPr>
+              <a:t>Viola</a:t>
+            </a:r>
+          </a:p>
+          <a:p>
+            <a:pPr algn="ctr"/>
+            <a:r>
+              <a:rPr lang="en-US" sz="1400" b="1" dirty="0" smtClean="0">
+                <a:latin typeface="Garamond" panose="02020404030301010803" pitchFamily="18" charset="0"/>
+              </a:rPr>
+              <a:t>(3D-Printed Stainless Steel)</a:t>
+            </a:r>
+          </a:p>
+        </p:txBody>
+      </p:sp>
     </p:spTree>
     <p:extLst>
       <p:ext uri="{BB962C8B-B14F-4D97-AF65-F5344CB8AC3E}">
-        <p14:creationId xmlns:p14="http://schemas.microsoft.com/office/powerpoint/2010/main" val="474127542"/>
+        <p14:creationId xmlns:p14="http://schemas.microsoft.com/office/powerpoint/2010/main" val="3271335454"/>
       </p:ext>
     </p:extLst>
   </p:cSld>
@@ -7640,30 +7505,6 @@
           <a:chExt cx="0" cy="0"/>
         </a:xfrm>
       </p:grpSpPr>
-      <p:pic>
-        <p:nvPicPr>
-          <p:cNvPr id="18" name="Picture 17"/>
-          <p:cNvPicPr>
-            <a:picLocks noChangeAspect="1"/>
-          </p:cNvPicPr>
-          <p:nvPr/>
-        </p:nvPicPr>
-        <p:blipFill>
-          <a:blip r:embed="rId3"/>
-          <a:stretch>
-            <a:fillRect/>
-          </a:stretch>
-        </p:blipFill>
-        <p:spPr>
-          <a:xfrm>
-            <a:off x="580075" y="4207049"/>
-            <a:ext cx="4078452" cy="2231464"/>
-          </a:xfrm>
-          <a:prstGeom prst="rect">
-            <a:avLst/>
-          </a:prstGeom>
-        </p:spPr>
-      </p:pic>
       <p:sp>
         <p:nvSpPr>
           <p:cNvPr id="4" name="Slide Number Placeholder 3"/>
@@ -7674,415 +7515,58 @@
             <p:ph type="sldNum" sz="quarter" idx="12"/>
           </p:nvPr>
         </p:nvSpPr>
-        <p:spPr>
-          <a:xfrm>
-            <a:off x="9306059" y="6438513"/>
-            <a:ext cx="2743200" cy="365125"/>
-          </a:xfrm>
-        </p:spPr>
+        <p:spPr/>
         <p:txBody>
           <a:bodyPr/>
           <a:lstStyle/>
           <a:p>
             <a:fld id="{27225834-A5F4-4780-A9FC-586FB30F9BB0}" type="slidenum">
-              <a:rPr lang="en-US" smtClean="0">
+              <a:rPr lang="en-US" smtClean="0"/>
+              <a:t>4</a:t>
+            </a:fld>
+            <a:endParaRPr lang="en-US"/>
+          </a:p>
+        </p:txBody>
+      </p:sp>
+      <p:sp>
+        <p:nvSpPr>
+          <p:cNvPr id="5" name="Title 1"/>
+          <p:cNvSpPr>
+            <a:spLocks noGrp="1"/>
+          </p:cNvSpPr>
+          <p:nvPr>
+            <p:ph type="title"/>
+          </p:nvPr>
+        </p:nvSpPr>
+        <p:spPr>
+          <a:xfrm>
+            <a:off x="609600" y="368300"/>
+            <a:ext cx="10515600" cy="654783"/>
+          </a:xfrm>
+        </p:spPr>
+        <p:txBody>
+          <a:bodyPr>
+            <a:normAutofit fontScale="90000"/>
+          </a:bodyPr>
+          <a:lstStyle/>
+          <a:p>
+            <a:pPr algn="ctr"/>
+            <a:r>
+              <a:rPr lang="en-US" dirty="0" smtClean="0">
                 <a:latin typeface="Garamond" panose="02020404030301010803" pitchFamily="18" charset="0"/>
               </a:rPr>
-              <a:t>4</a:t>
-            </a:fld>
+              <a:t>Performance Testing</a:t>
+            </a:r>
             <a:endParaRPr lang="en-US" dirty="0">
               <a:latin typeface="Garamond" panose="02020404030301010803" pitchFamily="18" charset="0"/>
             </a:endParaRPr>
           </a:p>
         </p:txBody>
       </p:sp>
-      <p:pic>
-        <p:nvPicPr>
-          <p:cNvPr id="5" name="Picture 4"/>
-          <p:cNvPicPr>
-            <a:picLocks noChangeAspect="1"/>
-          </p:cNvPicPr>
-          <p:nvPr/>
-        </p:nvPicPr>
-        <p:blipFill>
-          <a:blip r:embed="rId4"/>
-          <a:stretch>
-            <a:fillRect/>
-          </a:stretch>
-        </p:blipFill>
-        <p:spPr>
-          <a:xfrm>
-            <a:off x="5721081" y="1174339"/>
-            <a:ext cx="2051500" cy="1735086"/>
-          </a:xfrm>
-          <a:prstGeom prst="rect">
-            <a:avLst/>
-          </a:prstGeom>
-        </p:spPr>
-      </p:pic>
-      <p:pic>
-        <p:nvPicPr>
-          <p:cNvPr id="6" name="Picture 5"/>
-          <p:cNvPicPr>
-            <a:picLocks noChangeAspect="1"/>
-          </p:cNvPicPr>
-          <p:nvPr/>
-        </p:nvPicPr>
-        <p:blipFill>
-          <a:blip r:embed="rId5"/>
-          <a:stretch>
-            <a:fillRect/>
-          </a:stretch>
-        </p:blipFill>
-        <p:spPr>
-          <a:xfrm>
-            <a:off x="5719683" y="3026705"/>
-            <a:ext cx="2052897" cy="1699442"/>
-          </a:xfrm>
-          <a:prstGeom prst="rect">
-            <a:avLst/>
-          </a:prstGeom>
-        </p:spPr>
-      </p:pic>
-      <p:pic>
-        <p:nvPicPr>
-          <p:cNvPr id="7" name="Picture 6"/>
-          <p:cNvPicPr>
-            <a:picLocks noChangeAspect="1"/>
-          </p:cNvPicPr>
-          <p:nvPr/>
-        </p:nvPicPr>
-        <p:blipFill>
-          <a:blip r:embed="rId6"/>
-          <a:stretch>
-            <a:fillRect/>
-          </a:stretch>
-        </p:blipFill>
-        <p:spPr>
-          <a:xfrm>
-            <a:off x="5782751" y="4843427"/>
-            <a:ext cx="1926760" cy="1793877"/>
-          </a:xfrm>
-          <a:prstGeom prst="rect">
-            <a:avLst/>
-          </a:prstGeom>
-        </p:spPr>
-      </p:pic>
-      <p:pic>
-        <p:nvPicPr>
-          <p:cNvPr id="8" name="Picture 7"/>
-          <p:cNvPicPr>
-            <a:picLocks noChangeAspect="1"/>
-          </p:cNvPicPr>
-          <p:nvPr/>
-        </p:nvPicPr>
-        <p:blipFill rotWithShape="1">
-          <a:blip r:embed="rId7" cstate="print">
-            <a:extLst>
-              <a:ext uri="{28A0092B-C50C-407E-A947-70E740481C1C}">
-                <a14:useLocalDpi xmlns:a14="http://schemas.microsoft.com/office/drawing/2010/main" val="0"/>
-              </a:ext>
-            </a:extLst>
-          </a:blip>
-          <a:srcRect l="8617" t="3576" r="10153" b="5191"/>
-          <a:stretch/>
-        </p:blipFill>
-        <p:spPr>
-          <a:xfrm>
-            <a:off x="9377740" y="1028668"/>
-            <a:ext cx="1475943" cy="5524532"/>
-          </a:xfrm>
-          <a:prstGeom prst="rect">
-            <a:avLst/>
-          </a:prstGeom>
-        </p:spPr>
-      </p:pic>
-      <p:pic>
-        <p:nvPicPr>
-          <p:cNvPr id="2" name="Picture 1"/>
-          <p:cNvPicPr>
-            <a:picLocks noChangeAspect="1"/>
-          </p:cNvPicPr>
-          <p:nvPr/>
-        </p:nvPicPr>
-        <p:blipFill rotWithShape="1">
-          <a:blip r:embed="rId8"/>
-          <a:srcRect t="1" b="1952"/>
-          <a:stretch/>
-        </p:blipFill>
-        <p:spPr>
-          <a:xfrm>
-            <a:off x="641308" y="1156866"/>
-            <a:ext cx="3816392" cy="2614815"/>
-          </a:xfrm>
-          <a:prstGeom prst="rect">
-            <a:avLst/>
-          </a:prstGeom>
-        </p:spPr>
-      </p:pic>
-      <p:sp>
-        <p:nvSpPr>
-          <p:cNvPr id="13" name="Oval 12"/>
-          <p:cNvSpPr/>
-          <p:nvPr/>
-        </p:nvSpPr>
-        <p:spPr>
-          <a:xfrm>
-            <a:off x="2748002" y="4576390"/>
-            <a:ext cx="871497" cy="533948"/>
-          </a:xfrm>
-          <a:prstGeom prst="ellipse">
-            <a:avLst/>
-          </a:prstGeom>
-          <a:noFill/>
-          <a:ln w="38100">
-            <a:solidFill>
-              <a:srgbClr val="C00000"/>
-            </a:solidFill>
-          </a:ln>
-        </p:spPr>
-        <p:style>
-          <a:lnRef idx="2">
-            <a:schemeClr val="accent1">
-              <a:shade val="50000"/>
-            </a:schemeClr>
-          </a:lnRef>
-          <a:fillRef idx="1">
-            <a:schemeClr val="accent1"/>
-          </a:fillRef>
-          <a:effectRef idx="0">
-            <a:schemeClr val="accent1"/>
-          </a:effectRef>
-          <a:fontRef idx="minor">
-            <a:schemeClr val="lt1"/>
-          </a:fontRef>
-        </p:style>
-        <p:txBody>
-          <a:bodyPr rtlCol="0" anchor="ctr"/>
-          <a:lstStyle/>
-          <a:p>
-            <a:pPr algn="ctr"/>
-            <a:endParaRPr lang="en-US"/>
-          </a:p>
-        </p:txBody>
-      </p:sp>
-      <p:cxnSp>
-        <p:nvCxnSpPr>
-          <p:cNvPr id="15" name="Curved Connector 14"/>
-          <p:cNvCxnSpPr/>
-          <p:nvPr/>
-        </p:nvCxnSpPr>
-        <p:spPr>
-          <a:xfrm>
-            <a:off x="2425092" y="4293528"/>
-            <a:ext cx="388418" cy="381442"/>
-          </a:xfrm>
-          <a:prstGeom prst="curvedConnector3">
-            <a:avLst/>
-          </a:prstGeom>
-          <a:ln>
-            <a:solidFill>
-              <a:srgbClr val="C00000"/>
-            </a:solidFill>
-            <a:tailEnd type="triangle"/>
-          </a:ln>
-        </p:spPr>
-        <p:style>
-          <a:lnRef idx="1">
-            <a:schemeClr val="accent1"/>
-          </a:lnRef>
-          <a:fillRef idx="0">
-            <a:schemeClr val="accent1"/>
-          </a:fillRef>
-          <a:effectRef idx="0">
-            <a:schemeClr val="accent1"/>
-          </a:effectRef>
-          <a:fontRef idx="minor">
-            <a:schemeClr val="tx1"/>
-          </a:fontRef>
-        </p:style>
-      </p:cxnSp>
-      <p:sp>
-        <p:nvSpPr>
-          <p:cNvPr id="21" name="TextBox 20"/>
-          <p:cNvSpPr txBox="1"/>
-          <p:nvPr/>
-        </p:nvSpPr>
-        <p:spPr>
-          <a:xfrm>
-            <a:off x="1102846" y="257624"/>
-            <a:ext cx="3032909" cy="1046440"/>
-          </a:xfrm>
-          <a:prstGeom prst="rect">
-            <a:avLst/>
-          </a:prstGeom>
-          <a:noFill/>
-        </p:spPr>
-        <p:txBody>
-          <a:bodyPr wrap="square" rtlCol="0">
-            <a:spAutoFit/>
-          </a:bodyPr>
-          <a:lstStyle/>
-          <a:p>
-            <a:r>
-              <a:rPr lang="en-US" sz="2400" b="1" dirty="0" smtClean="0">
-                <a:solidFill>
-                  <a:srgbClr val="C00000"/>
-                </a:solidFill>
-                <a:latin typeface="Garamond" panose="02020404030301010803" pitchFamily="18" charset="0"/>
-              </a:rPr>
-              <a:t>Visualize the Results</a:t>
-            </a:r>
-          </a:p>
-          <a:p>
-            <a:pPr algn="ctr"/>
-            <a:r>
-              <a:rPr lang="en-US" sz="1400" b="1" dirty="0" smtClean="0">
-                <a:latin typeface="Garamond" panose="02020404030301010803" pitchFamily="18" charset="0"/>
-              </a:rPr>
-              <a:t>(If you can plot it, plot it!)</a:t>
-            </a:r>
-            <a:endParaRPr lang="en-US" sz="1400" b="1" dirty="0">
-              <a:latin typeface="Garamond" panose="02020404030301010803" pitchFamily="18" charset="0"/>
-            </a:endParaRPr>
-          </a:p>
-          <a:p>
-            <a:endParaRPr lang="en-US" sz="2400" b="1" dirty="0" smtClean="0">
-              <a:solidFill>
-                <a:srgbClr val="C00000"/>
-              </a:solidFill>
-              <a:latin typeface="Garamond" panose="02020404030301010803" pitchFamily="18" charset="0"/>
-            </a:endParaRPr>
-          </a:p>
-        </p:txBody>
-      </p:sp>
-      <p:sp>
-        <p:nvSpPr>
-          <p:cNvPr id="23" name="TextBox 22"/>
-          <p:cNvSpPr txBox="1"/>
-          <p:nvPr/>
-        </p:nvSpPr>
-        <p:spPr>
-          <a:xfrm>
-            <a:off x="1362538" y="4038777"/>
-            <a:ext cx="2923711" cy="307777"/>
-          </a:xfrm>
-          <a:prstGeom prst="rect">
-            <a:avLst/>
-          </a:prstGeom>
-          <a:noFill/>
-        </p:spPr>
-        <p:txBody>
-          <a:bodyPr wrap="square" rtlCol="0">
-            <a:spAutoFit/>
-          </a:bodyPr>
-          <a:lstStyle/>
-          <a:p>
-            <a:r>
-              <a:rPr lang="en-US" sz="1400" b="1" dirty="0" smtClean="0">
-                <a:solidFill>
-                  <a:srgbClr val="C00000"/>
-                </a:solidFill>
-                <a:latin typeface="Garamond" panose="02020404030301010803" pitchFamily="18" charset="0"/>
-              </a:rPr>
-              <a:t>You are here</a:t>
-            </a:r>
-          </a:p>
-        </p:txBody>
-      </p:sp>
-      <p:sp>
-        <p:nvSpPr>
-          <p:cNvPr id="28" name="Rectangle 27"/>
-          <p:cNvSpPr/>
-          <p:nvPr/>
-        </p:nvSpPr>
-        <p:spPr>
-          <a:xfrm>
-            <a:off x="5373094" y="257624"/>
-            <a:ext cx="2615844" cy="677108"/>
-          </a:xfrm>
-          <a:prstGeom prst="rect">
-            <a:avLst/>
-          </a:prstGeom>
-        </p:spPr>
-        <p:txBody>
-          <a:bodyPr wrap="none">
-            <a:spAutoFit/>
-          </a:bodyPr>
-          <a:lstStyle/>
-          <a:p>
-            <a:r>
-              <a:rPr lang="en-US" sz="2400" b="1" dirty="0" smtClean="0">
-                <a:solidFill>
-                  <a:srgbClr val="C00000"/>
-                </a:solidFill>
-                <a:latin typeface="Garamond" panose="02020404030301010803" pitchFamily="18" charset="0"/>
-              </a:rPr>
-              <a:t>Parametric Design</a:t>
-            </a:r>
-          </a:p>
-          <a:p>
-            <a:pPr algn="ctr"/>
-            <a:r>
-              <a:rPr lang="en-US" sz="1400" b="1" dirty="0" smtClean="0">
-                <a:latin typeface="Garamond" panose="02020404030301010803" pitchFamily="18" charset="0"/>
-              </a:rPr>
-              <a:t>(Design freedom)</a:t>
-            </a:r>
-            <a:endParaRPr lang="en-US" sz="1400" b="1" dirty="0">
-              <a:latin typeface="Garamond" panose="02020404030301010803" pitchFamily="18" charset="0"/>
-            </a:endParaRPr>
-          </a:p>
-        </p:txBody>
-      </p:sp>
-      <p:sp>
-        <p:nvSpPr>
-          <p:cNvPr id="14" name="TextBox 13"/>
-          <p:cNvSpPr txBox="1"/>
-          <p:nvPr/>
-        </p:nvSpPr>
-        <p:spPr>
-          <a:xfrm>
-            <a:off x="8625496" y="257624"/>
-            <a:ext cx="2971989" cy="677108"/>
-          </a:xfrm>
-          <a:prstGeom prst="rect">
-            <a:avLst/>
-          </a:prstGeom>
-          <a:noFill/>
-        </p:spPr>
-        <p:txBody>
-          <a:bodyPr wrap="square" rtlCol="0">
-            <a:spAutoFit/>
-          </a:bodyPr>
-          <a:lstStyle/>
-          <a:p>
-            <a:pPr algn="ctr"/>
-            <a:r>
-              <a:rPr lang="en-US" sz="2400" b="1" dirty="0" smtClean="0">
-                <a:solidFill>
-                  <a:srgbClr val="C00000"/>
-                </a:solidFill>
-                <a:latin typeface="Garamond" panose="02020404030301010803" pitchFamily="18" charset="0"/>
-              </a:rPr>
-              <a:t>Viola</a:t>
-            </a:r>
-          </a:p>
-          <a:p>
-            <a:pPr algn="ctr"/>
-            <a:r>
-              <a:rPr lang="en-US" sz="1400" b="1" dirty="0" smtClean="0">
-                <a:latin typeface="Garamond" panose="02020404030301010803" pitchFamily="18" charset="0"/>
-              </a:rPr>
-              <a:t>(3D-Printed Stainless Steel)</a:t>
-            </a:r>
-          </a:p>
-        </p:txBody>
-      </p:sp>
     </p:spTree>
     <p:extLst>
       <p:ext uri="{BB962C8B-B14F-4D97-AF65-F5344CB8AC3E}">
-        <p14:creationId xmlns:p14="http://schemas.microsoft.com/office/powerpoint/2010/main" val="3271335454"/>
+        <p14:creationId xmlns:p14="http://schemas.microsoft.com/office/powerpoint/2010/main" val="4151829928"/>
       </p:ext>
     </p:extLst>
   </p:cSld>
@@ -8141,34 +7625,221 @@
       </p:sp>
       <p:sp>
         <p:nvSpPr>
-          <p:cNvPr id="5" name="Title 1"/>
-          <p:cNvSpPr>
-            <a:spLocks noGrp="1"/>
-          </p:cNvSpPr>
-          <p:nvPr>
-            <p:ph type="title"/>
-          </p:nvPr>
-        </p:nvSpPr>
-        <p:spPr>
-          <a:xfrm>
-            <a:off x="609600" y="368300"/>
-            <a:ext cx="10515600" cy="654783"/>
-          </a:xfrm>
-        </p:spPr>
-        <p:txBody>
-          <a:bodyPr>
-            <a:normAutofit fontScale="90000"/>
+          <p:cNvPr id="3" name="TextBox 2"/>
+          <p:cNvSpPr txBox="1"/>
+          <p:nvPr/>
+        </p:nvSpPr>
+        <p:spPr>
+          <a:xfrm>
+            <a:off x="5462089" y="6179914"/>
+            <a:ext cx="11394831" cy="246221"/>
+          </a:xfrm>
+          <a:prstGeom prst="rect">
+            <a:avLst/>
+          </a:prstGeom>
+          <a:noFill/>
+        </p:spPr>
+        <p:txBody>
+          <a:bodyPr wrap="square" rtlCol="0">
+            <a:spAutoFit/>
           </a:bodyPr>
           <a:lstStyle/>
           <a:p>
-            <a:pPr algn="ctr"/>
-            <a:r>
-              <a:rPr lang="en-US" dirty="0" smtClean="0">
+            <a:r>
+              <a:rPr lang="en-US" sz="1000" b="1" dirty="0"/>
+              <a:t>Hydraulic Institute Test Standard (ANSI/HI 14.6 "</a:t>
+            </a:r>
+            <a:r>
+              <a:rPr lang="en-US" sz="1000" b="1" dirty="0" err="1"/>
+              <a:t>Rotodynamic</a:t>
+            </a:r>
+            <a:r>
+              <a:rPr lang="en-US" sz="1000" b="1" dirty="0"/>
+              <a:t> Pumps for Performance Acceptance Tests," </a:t>
+            </a:r>
+            <a:r>
+              <a:rPr lang="en-US" sz="1000" b="1" dirty="0" smtClean="0"/>
+              <a:t>2011)</a:t>
+            </a:r>
+          </a:p>
+        </p:txBody>
+      </p:sp>
+      <p:pic>
+        <p:nvPicPr>
+          <p:cNvPr id="7" name="Picture 6"/>
+          <p:cNvPicPr>
+            <a:picLocks noChangeAspect="1"/>
+          </p:cNvPicPr>
+          <p:nvPr/>
+        </p:nvPicPr>
+        <p:blipFill>
+          <a:blip r:embed="rId3"/>
+          <a:stretch>
+            <a:fillRect/>
+          </a:stretch>
+        </p:blipFill>
+        <p:spPr>
+          <a:xfrm>
+            <a:off x="5516684" y="1854920"/>
+            <a:ext cx="5837116" cy="4324994"/>
+          </a:xfrm>
+          <a:prstGeom prst="rect">
+            <a:avLst/>
+          </a:prstGeom>
+        </p:spPr>
+      </p:pic>
+      <p:sp>
+        <p:nvSpPr>
+          <p:cNvPr id="8" name="TextBox 7"/>
+          <p:cNvSpPr txBox="1"/>
+          <p:nvPr/>
+        </p:nvSpPr>
+        <p:spPr>
+          <a:xfrm>
+            <a:off x="508976" y="1854920"/>
+            <a:ext cx="5007708" cy="3726661"/>
+          </a:xfrm>
+          <a:prstGeom prst="rect">
+            <a:avLst/>
+          </a:prstGeom>
+          <a:noFill/>
+        </p:spPr>
+        <p:txBody>
+          <a:bodyPr wrap="square" rtlCol="0">
+            <a:spAutoFit/>
+          </a:bodyPr>
+          <a:lstStyle/>
+          <a:p>
+            <a:endParaRPr lang="en-US" sz="2000" b="1" dirty="0" smtClean="0">
+              <a:latin typeface="Garamond" panose="02020404030301010803" pitchFamily="18" charset="0"/>
+            </a:endParaRPr>
+          </a:p>
+          <a:p>
+            <a:r>
+              <a:rPr lang="en-US" sz="2400" dirty="0" smtClean="0">
                 <a:latin typeface="Garamond" panose="02020404030301010803" pitchFamily="18" charset="0"/>
               </a:rPr>
-              <a:t>Performance Testing</a:t>
-            </a:r>
-            <a:endParaRPr lang="en-US" dirty="0">
+              <a:t>Typically </a:t>
+            </a:r>
+            <a:r>
+              <a:rPr lang="en-US" sz="2400" dirty="0">
+                <a:latin typeface="Garamond" panose="02020404030301010803" pitchFamily="18" charset="0"/>
+              </a:rPr>
+              <a:t>performance is given by curves of: </a:t>
+            </a:r>
+            <a:endParaRPr lang="en-US" sz="2400" dirty="0" smtClean="0">
+              <a:latin typeface="Garamond" panose="02020404030301010803" pitchFamily="18" charset="0"/>
+            </a:endParaRPr>
+          </a:p>
+          <a:p>
+            <a:endParaRPr lang="en-US" sz="2400" dirty="0">
+              <a:latin typeface="Garamond" panose="02020404030301010803" pitchFamily="18" charset="0"/>
+            </a:endParaRPr>
+          </a:p>
+          <a:p>
+            <a:pPr>
+              <a:spcBef>
+                <a:spcPts val="115"/>
+              </a:spcBef>
+            </a:pPr>
+            <a:r>
+              <a:rPr lang="en-US" sz="2400" dirty="0" smtClean="0">
+                <a:latin typeface="Garamond" panose="02020404030301010803" pitchFamily="18" charset="0"/>
+              </a:rPr>
+              <a:t>• Head versus capacity </a:t>
+            </a:r>
+          </a:p>
+          <a:p>
+            <a:pPr>
+              <a:spcBef>
+                <a:spcPts val="115"/>
+              </a:spcBef>
+            </a:pPr>
+            <a:endParaRPr lang="en-US" sz="2400" dirty="0" smtClean="0">
+              <a:latin typeface="Garamond" panose="02020404030301010803" pitchFamily="18" charset="0"/>
+            </a:endParaRPr>
+          </a:p>
+          <a:p>
+            <a:pPr>
+              <a:spcBef>
+                <a:spcPts val="115"/>
+              </a:spcBef>
+            </a:pPr>
+            <a:r>
+              <a:rPr lang="en-US" sz="2400" dirty="0" smtClean="0">
+                <a:latin typeface="Garamond" panose="02020404030301010803" pitchFamily="18" charset="0"/>
+              </a:rPr>
+              <a:t>• </a:t>
+            </a:r>
+            <a:r>
+              <a:rPr lang="en-US" sz="2400" dirty="0">
+                <a:latin typeface="Garamond" panose="02020404030301010803" pitchFamily="18" charset="0"/>
+              </a:rPr>
+              <a:t>Power versus capacity </a:t>
+            </a:r>
+            <a:endParaRPr lang="en-US" sz="2400" dirty="0" smtClean="0">
+              <a:latin typeface="Garamond" panose="02020404030301010803" pitchFamily="18" charset="0"/>
+            </a:endParaRPr>
+          </a:p>
+          <a:p>
+            <a:pPr>
+              <a:spcBef>
+                <a:spcPts val="115"/>
+              </a:spcBef>
+            </a:pPr>
+            <a:endParaRPr lang="en-US" sz="2400" dirty="0">
+              <a:latin typeface="Garamond" panose="02020404030301010803" pitchFamily="18" charset="0"/>
+            </a:endParaRPr>
+          </a:p>
+          <a:p>
+            <a:pPr>
+              <a:spcBef>
+                <a:spcPts val="115"/>
+              </a:spcBef>
+            </a:pPr>
+            <a:r>
+              <a:rPr lang="en-US" sz="2400" dirty="0">
+                <a:latin typeface="Garamond" panose="02020404030301010803" pitchFamily="18" charset="0"/>
+              </a:rPr>
+              <a:t>• NPSH versus capacity </a:t>
+            </a:r>
+          </a:p>
+          <a:p>
+            <a:endParaRPr lang="en-US" sz="2000" dirty="0" smtClean="0">
+              <a:latin typeface="Garamond" panose="02020404030301010803" pitchFamily="18" charset="0"/>
+            </a:endParaRPr>
+          </a:p>
+        </p:txBody>
+      </p:sp>
+      <p:sp>
+        <p:nvSpPr>
+          <p:cNvPr id="11" name="TextBox 10"/>
+          <p:cNvSpPr txBox="1"/>
+          <p:nvPr/>
+        </p:nvSpPr>
+        <p:spPr>
+          <a:xfrm>
+            <a:off x="1478084" y="254303"/>
+            <a:ext cx="9875716" cy="707886"/>
+          </a:xfrm>
+          <a:prstGeom prst="rect">
+            <a:avLst/>
+          </a:prstGeom>
+          <a:noFill/>
+        </p:spPr>
+        <p:txBody>
+          <a:bodyPr wrap="square" rtlCol="0">
+            <a:spAutoFit/>
+          </a:bodyPr>
+          <a:lstStyle/>
+          <a:p>
+            <a:r>
+              <a:rPr lang="en-US" sz="4000" b="1" dirty="0" smtClean="0">
+                <a:latin typeface="Garamond" panose="02020404030301010803" pitchFamily="18" charset="0"/>
+              </a:rPr>
+              <a:t>Characterizing the performance of Piglet</a:t>
+            </a:r>
+            <a:endParaRPr lang="en-US" sz="4000" b="1" dirty="0">
               <a:latin typeface="Garamond" panose="02020404030301010803" pitchFamily="18" charset="0"/>
             </a:endParaRPr>
           </a:p>
@@ -8177,7 +7848,7 @@
     </p:spTree>
     <p:extLst>
       <p:ext uri="{BB962C8B-B14F-4D97-AF65-F5344CB8AC3E}">
-        <p14:creationId xmlns:p14="http://schemas.microsoft.com/office/powerpoint/2010/main" val="4151829928"/>
+        <p14:creationId xmlns:p14="http://schemas.microsoft.com/office/powerpoint/2010/main" val="798034103"/>
       </p:ext>
     </p:extLst>
   </p:cSld>
@@ -8221,57 +7892,25 @@
             <p:ph type="sldNum" sz="quarter" idx="12"/>
           </p:nvPr>
         </p:nvSpPr>
-        <p:spPr/>
+        <p:spPr>
+          <a:xfrm>
+            <a:off x="9306059" y="6438513"/>
+            <a:ext cx="2743200" cy="365125"/>
+          </a:xfrm>
+        </p:spPr>
         <p:txBody>
           <a:bodyPr/>
           <a:lstStyle/>
           <a:p>
             <a:fld id="{27225834-A5F4-4780-A9FC-586FB30F9BB0}" type="slidenum">
-              <a:rPr lang="en-US" smtClean="0"/>
+              <a:rPr lang="en-US" smtClean="0">
+                <a:latin typeface="Garamond" panose="02020404030301010803" pitchFamily="18" charset="0"/>
+              </a:rPr>
               <a:t>6</a:t>
             </a:fld>
-            <a:endParaRPr lang="en-US"/>
-          </a:p>
-        </p:txBody>
-      </p:sp>
-      <p:sp>
-        <p:nvSpPr>
-          <p:cNvPr id="3" name="TextBox 2"/>
-          <p:cNvSpPr txBox="1"/>
-          <p:nvPr/>
-        </p:nvSpPr>
-        <p:spPr>
-          <a:xfrm>
-            <a:off x="5516684" y="6179914"/>
-            <a:ext cx="11394831" cy="246221"/>
-          </a:xfrm>
-          <a:prstGeom prst="rect">
-            <a:avLst/>
-          </a:prstGeom>
-          <a:noFill/>
-        </p:spPr>
-        <p:txBody>
-          <a:bodyPr wrap="square" rtlCol="0">
-            <a:spAutoFit/>
-          </a:bodyPr>
-          <a:lstStyle/>
-          <a:p>
-            <a:r>
-              <a:rPr lang="en-US" sz="1000" b="1" dirty="0"/>
-              <a:t>Hydraulic Institute Test Standard (ANSI/HI 14.6 "</a:t>
-            </a:r>
-            <a:r>
-              <a:rPr lang="en-US" sz="1000" b="1" dirty="0" err="1"/>
-              <a:t>Rotodynamic</a:t>
-            </a:r>
-            <a:r>
-              <a:rPr lang="en-US" sz="1000" b="1" dirty="0"/>
-              <a:t> Pumps for Performance Acceptance Tests," </a:t>
-            </a:r>
-            <a:r>
-              <a:rPr lang="en-US" sz="1000" b="1" dirty="0" smtClean="0"/>
-              <a:t>2011)</a:t>
-            </a:r>
+            <a:endParaRPr lang="en-US" dirty="0">
+              <a:latin typeface="Garamond" panose="02020404030301010803" pitchFamily="18" charset="0"/>
+            </a:endParaRPr>
           </a:p>
         </p:txBody>
       </p:sp>
@@ -8291,175 +7930,18 @@
         </p:blipFill>
         <p:spPr>
           <a:xfrm>
-            <a:off x="5516684" y="1854920"/>
-            <a:ext cx="5837116" cy="4324994"/>
+            <a:off x="1479176" y="142073"/>
+            <a:ext cx="9654708" cy="6715927"/>
           </a:xfrm>
           <a:prstGeom prst="rect">
             <a:avLst/>
           </a:prstGeom>
         </p:spPr>
       </p:pic>
-      <p:sp>
-        <p:nvSpPr>
-          <p:cNvPr id="8" name="TextBox 7"/>
-          <p:cNvSpPr txBox="1"/>
-          <p:nvPr/>
-        </p:nvSpPr>
-        <p:spPr>
-          <a:xfrm>
-            <a:off x="508976" y="1854920"/>
-            <a:ext cx="5007708" cy="3726661"/>
-          </a:xfrm>
-          <a:prstGeom prst="rect">
-            <a:avLst/>
-          </a:prstGeom>
-          <a:noFill/>
-        </p:spPr>
-        <p:txBody>
-          <a:bodyPr wrap="square" rtlCol="0">
-            <a:spAutoFit/>
-          </a:bodyPr>
-          <a:lstStyle/>
-          <a:p>
-            <a:endParaRPr lang="en-US" sz="2000" b="1" dirty="0" smtClean="0">
-              <a:latin typeface="Garamond" panose="02020404030301010803" pitchFamily="18" charset="0"/>
-            </a:endParaRPr>
-          </a:p>
-          <a:p>
-            <a:r>
-              <a:rPr lang="en-US" sz="2400" dirty="0" smtClean="0">
-                <a:latin typeface="Garamond" panose="02020404030301010803" pitchFamily="18" charset="0"/>
-              </a:rPr>
-              <a:t>Typically </a:t>
-            </a:r>
-            <a:r>
-              <a:rPr lang="en-US" sz="2400" dirty="0">
-                <a:latin typeface="Garamond" panose="02020404030301010803" pitchFamily="18" charset="0"/>
-              </a:rPr>
-              <a:t>performance is given by curves of: </a:t>
-            </a:r>
-            <a:endParaRPr lang="en-US" sz="2400" dirty="0" smtClean="0">
-              <a:latin typeface="Garamond" panose="02020404030301010803" pitchFamily="18" charset="0"/>
-            </a:endParaRPr>
-          </a:p>
-          <a:p>
-            <a:endParaRPr lang="en-US" sz="2400" dirty="0">
-              <a:latin typeface="Garamond" panose="02020404030301010803" pitchFamily="18" charset="0"/>
-            </a:endParaRPr>
-          </a:p>
-          <a:p>
-            <a:pPr>
-              <a:spcBef>
-                <a:spcPts val="115"/>
-              </a:spcBef>
-            </a:pPr>
-            <a:r>
-              <a:rPr lang="en-US" sz="2400" dirty="0" smtClean="0">
-                <a:latin typeface="Garamond" panose="02020404030301010803" pitchFamily="18" charset="0"/>
-              </a:rPr>
-              <a:t>• Head versus capacity </a:t>
-            </a:r>
-          </a:p>
-          <a:p>
-            <a:pPr>
-              <a:spcBef>
-                <a:spcPts val="115"/>
-              </a:spcBef>
-            </a:pPr>
-            <a:endParaRPr lang="en-US" sz="2400" dirty="0" smtClean="0">
-              <a:latin typeface="Garamond" panose="02020404030301010803" pitchFamily="18" charset="0"/>
-            </a:endParaRPr>
-          </a:p>
-          <a:p>
-            <a:pPr>
-              <a:spcBef>
-                <a:spcPts val="115"/>
-              </a:spcBef>
-            </a:pPr>
-            <a:r>
-              <a:rPr lang="en-US" sz="2400" dirty="0" smtClean="0">
-                <a:latin typeface="Garamond" panose="02020404030301010803" pitchFamily="18" charset="0"/>
-              </a:rPr>
-              <a:t>• </a:t>
-            </a:r>
-            <a:r>
-              <a:rPr lang="en-US" sz="2400" dirty="0">
-                <a:latin typeface="Garamond" panose="02020404030301010803" pitchFamily="18" charset="0"/>
-              </a:rPr>
-              <a:t>Power versus capacity </a:t>
-            </a:r>
-            <a:endParaRPr lang="en-US" sz="2400" dirty="0" smtClean="0">
-              <a:latin typeface="Garamond" panose="02020404030301010803" pitchFamily="18" charset="0"/>
-            </a:endParaRPr>
-          </a:p>
-          <a:p>
-            <a:pPr>
-              <a:spcBef>
-                <a:spcPts val="115"/>
-              </a:spcBef>
-            </a:pPr>
-            <a:endParaRPr lang="en-US" sz="2400" dirty="0">
-              <a:latin typeface="Garamond" panose="02020404030301010803" pitchFamily="18" charset="0"/>
-            </a:endParaRPr>
-          </a:p>
-          <a:p>
-            <a:pPr>
-              <a:spcBef>
-                <a:spcPts val="115"/>
-              </a:spcBef>
-            </a:pPr>
-            <a:r>
-              <a:rPr lang="en-US" sz="2400" dirty="0">
-                <a:latin typeface="Garamond" panose="02020404030301010803" pitchFamily="18" charset="0"/>
-              </a:rPr>
-              <a:t>• NPSH versus capacity </a:t>
-            </a:r>
-          </a:p>
-          <a:p>
-            <a:endParaRPr lang="en-US" sz="2000" dirty="0" smtClean="0">
-              <a:latin typeface="Garamond" panose="02020404030301010803" pitchFamily="18" charset="0"/>
-            </a:endParaRPr>
-          </a:p>
-        </p:txBody>
-      </p:sp>
-      <p:sp>
-        <p:nvSpPr>
-          <p:cNvPr id="11" name="TextBox 10"/>
-          <p:cNvSpPr txBox="1"/>
-          <p:nvPr/>
-        </p:nvSpPr>
-        <p:spPr>
-          <a:xfrm>
-            <a:off x="1478084" y="254303"/>
-            <a:ext cx="9875716" cy="707886"/>
-          </a:xfrm>
-          <a:prstGeom prst="rect">
-            <a:avLst/>
-          </a:prstGeom>
-          <a:noFill/>
-        </p:spPr>
-        <p:txBody>
-          <a:bodyPr wrap="square" rtlCol="0">
-            <a:spAutoFit/>
-          </a:bodyPr>
-          <a:lstStyle/>
-          <a:p>
-            <a:r>
-              <a:rPr lang="en-US" sz="4000" b="1" dirty="0" smtClean="0">
-                <a:latin typeface="Garamond" panose="02020404030301010803" pitchFamily="18" charset="0"/>
-              </a:rPr>
-              <a:t>Characterizing the performance of Piglet</a:t>
-            </a:r>
-            <a:endParaRPr lang="en-US" sz="4000" b="1" dirty="0">
-              <a:latin typeface="Garamond" panose="02020404030301010803" pitchFamily="18" charset="0"/>
-            </a:endParaRPr>
-          </a:p>
-        </p:txBody>
-      </p:sp>
     </p:spTree>
     <p:extLst>
       <p:ext uri="{BB962C8B-B14F-4D97-AF65-F5344CB8AC3E}">
-        <p14:creationId xmlns:p14="http://schemas.microsoft.com/office/powerpoint/2010/main" val="798034103"/>
+        <p14:creationId xmlns:p14="http://schemas.microsoft.com/office/powerpoint/2010/main" val="1843846498"/>
       </p:ext>
     </p:extLst>
   </p:cSld>
@@ -8503,56 +7985,23 @@
             <p:ph type="sldNum" sz="quarter" idx="12"/>
           </p:nvPr>
         </p:nvSpPr>
-        <p:spPr>
-          <a:xfrm>
-            <a:off x="9306059" y="6438513"/>
-            <a:ext cx="2743200" cy="365125"/>
-          </a:xfrm>
-        </p:spPr>
+        <p:spPr/>
         <p:txBody>
           <a:bodyPr/>
           <a:lstStyle/>
           <a:p>
             <a:fld id="{27225834-A5F4-4780-A9FC-586FB30F9BB0}" type="slidenum">
-              <a:rPr lang="en-US" smtClean="0">
-                <a:latin typeface="Garamond" panose="02020404030301010803" pitchFamily="18" charset="0"/>
-              </a:rPr>
+              <a:rPr lang="en-US" smtClean="0"/>
               <a:t>7</a:t>
             </a:fld>
-            <a:endParaRPr lang="en-US" dirty="0">
-              <a:latin typeface="Garamond" panose="02020404030301010803" pitchFamily="18" charset="0"/>
-            </a:endParaRPr>
-          </a:p>
-        </p:txBody>
-      </p:sp>
-      <p:pic>
-        <p:nvPicPr>
-          <p:cNvPr id="7" name="Picture 6"/>
-          <p:cNvPicPr>
-            <a:picLocks noChangeAspect="1"/>
-          </p:cNvPicPr>
-          <p:nvPr/>
-        </p:nvPicPr>
-        <p:blipFill>
-          <a:blip r:embed="rId3"/>
-          <a:stretch>
-            <a:fillRect/>
-          </a:stretch>
-        </p:blipFill>
-        <p:spPr>
-          <a:xfrm>
-            <a:off x="1479176" y="142073"/>
-            <a:ext cx="9654708" cy="6715927"/>
-          </a:xfrm>
-          <a:prstGeom prst="rect">
-            <a:avLst/>
-          </a:prstGeom>
-        </p:spPr>
-      </p:pic>
+            <a:endParaRPr lang="en-US"/>
+          </a:p>
+        </p:txBody>
+      </p:sp>
     </p:spTree>
     <p:extLst>
       <p:ext uri="{BB962C8B-B14F-4D97-AF65-F5344CB8AC3E}">
-        <p14:creationId xmlns:p14="http://schemas.microsoft.com/office/powerpoint/2010/main" val="1843846498"/>
+        <p14:creationId xmlns:p14="http://schemas.microsoft.com/office/powerpoint/2010/main" val="4267820247"/>
       </p:ext>
     </p:extLst>
   </p:cSld>
@@ -8612,7 +8061,7 @@
     </p:spTree>
     <p:extLst>
       <p:ext uri="{BB962C8B-B14F-4D97-AF65-F5344CB8AC3E}">
-        <p14:creationId xmlns:p14="http://schemas.microsoft.com/office/powerpoint/2010/main" val="4267820247"/>
+        <p14:creationId xmlns:p14="http://schemas.microsoft.com/office/powerpoint/2010/main" val="1415982198"/>
       </p:ext>
     </p:extLst>
   </p:cSld>
@@ -8669,10 +8118,82 @@
           </a:p>
         </p:txBody>
       </p:sp>
+      <p:pic>
+        <p:nvPicPr>
+          <p:cNvPr id="5" name="Picture 4"/>
+          <p:cNvPicPr>
+            <a:picLocks noChangeAspect="1"/>
+          </p:cNvPicPr>
+          <p:nvPr/>
+        </p:nvPicPr>
+        <p:blipFill>
+          <a:blip r:embed="rId3"/>
+          <a:stretch>
+            <a:fillRect/>
+          </a:stretch>
+        </p:blipFill>
+        <p:spPr>
+          <a:xfrm>
+            <a:off x="760534" y="3429000"/>
+            <a:ext cx="2628900" cy="1704975"/>
+          </a:xfrm>
+          <a:prstGeom prst="rect">
+            <a:avLst/>
+          </a:prstGeom>
+        </p:spPr>
+      </p:pic>
+      <p:pic>
+        <p:nvPicPr>
+          <p:cNvPr id="6" name="Picture 5"/>
+          <p:cNvPicPr>
+            <a:picLocks noChangeAspect="1"/>
+          </p:cNvPicPr>
+          <p:nvPr/>
+        </p:nvPicPr>
+        <p:blipFill>
+          <a:blip r:embed="rId4"/>
+          <a:stretch>
+            <a:fillRect/>
+          </a:stretch>
+        </p:blipFill>
+        <p:spPr>
+          <a:xfrm>
+            <a:off x="3805237" y="2962275"/>
+            <a:ext cx="4581525" cy="933450"/>
+          </a:xfrm>
+          <a:prstGeom prst="rect">
+            <a:avLst/>
+          </a:prstGeom>
+        </p:spPr>
+      </p:pic>
+      <p:pic>
+        <p:nvPicPr>
+          <p:cNvPr id="7" name="Picture 6"/>
+          <p:cNvPicPr>
+            <a:picLocks noChangeAspect="1"/>
+          </p:cNvPicPr>
+          <p:nvPr/>
+        </p:nvPicPr>
+        <p:blipFill>
+          <a:blip r:embed="rId5"/>
+          <a:stretch>
+            <a:fillRect/>
+          </a:stretch>
+        </p:blipFill>
+        <p:spPr>
+          <a:xfrm>
+            <a:off x="3805237" y="4192099"/>
+            <a:ext cx="4657725" cy="771525"/>
+          </a:xfrm>
+          <a:prstGeom prst="rect">
+            <a:avLst/>
+          </a:prstGeom>
+        </p:spPr>
+      </p:pic>
     </p:spTree>
     <p:extLst>
       <p:ext uri="{BB962C8B-B14F-4D97-AF65-F5344CB8AC3E}">
-        <p14:creationId xmlns:p14="http://schemas.microsoft.com/office/powerpoint/2010/main" val="1415982198"/>
+        <p14:creationId xmlns:p14="http://schemas.microsoft.com/office/powerpoint/2010/main" val="2317393512"/>
       </p:ext>
     </p:extLst>
   </p:cSld>

--- a/Docs/Presentations/Slides/froyo_edits.pptx
+++ b/Docs/Presentations/Slides/froyo_edits.pptx
@@ -16,9 +16,9 @@
     <p:sldId id="258" r:id="rId4"/>
     <p:sldId id="265" r:id="rId5"/>
     <p:sldId id="261" r:id="rId6"/>
-    <p:sldId id="256" r:id="rId7"/>
-    <p:sldId id="266" r:id="rId8"/>
-    <p:sldId id="262" r:id="rId9"/>
+    <p:sldId id="262" r:id="rId7"/>
+    <p:sldId id="256" r:id="rId8"/>
+    <p:sldId id="266" r:id="rId9"/>
     <p:sldId id="263" r:id="rId10"/>
     <p:sldId id="264" r:id="rId11"/>
   </p:sldIdLst>
@@ -2114,7 +2114,479 @@
           <a:bodyPr/>
           <a:lstStyle/>
           <a:p>
-            <a:endParaRPr lang="en-US" dirty="0"/>
+            <a:endParaRPr lang="en-US" dirty="0" smtClean="0"/>
+          </a:p>
+          <a:p>
+            <a:r>
+              <a:rPr lang="en-US" sz="1200" b="0" i="0" kern="1200" dirty="0" smtClean="0">
+                <a:solidFill>
+                  <a:schemeClr val="tx1"/>
+                </a:solidFill>
+                <a:effectLst/>
+                <a:latin typeface="+mn-lt"/>
+                <a:ea typeface="+mn-ea"/>
+                <a:cs typeface="+mn-cs"/>
+              </a:rPr>
+              <a:t>System curve</a:t>
+            </a:r>
+          </a:p>
+          <a:p>
+            <a:endParaRPr lang="en-US" sz="1200" b="0" i="0" kern="1200" dirty="0" smtClean="0">
+              <a:solidFill>
+                <a:schemeClr val="tx1"/>
+              </a:solidFill>
+              <a:effectLst/>
+              <a:latin typeface="+mn-lt"/>
+              <a:ea typeface="+mn-ea"/>
+              <a:cs typeface="+mn-cs"/>
+            </a:endParaRPr>
+          </a:p>
+          <a:p>
+            <a:r>
+              <a:rPr lang="en-US" sz="1200" b="0" i="0" kern="1200" dirty="0" smtClean="0">
+                <a:solidFill>
+                  <a:schemeClr val="tx1"/>
+                </a:solidFill>
+                <a:effectLst/>
+                <a:latin typeface="+mn-lt"/>
+                <a:ea typeface="+mn-ea"/>
+                <a:cs typeface="+mn-cs"/>
+              </a:rPr>
+              <a:t>We followed hydraulic standards intended to demonstrate hydraulic performance</a:t>
+            </a:r>
+            <a:r>
+              <a:rPr lang="en-US" sz="1200" b="0" i="0" kern="1200" baseline="0" dirty="0" smtClean="0">
+                <a:solidFill>
+                  <a:schemeClr val="tx1"/>
+                </a:solidFill>
+                <a:effectLst/>
+                <a:latin typeface="+mn-lt"/>
+                <a:ea typeface="+mn-ea"/>
+                <a:cs typeface="+mn-cs"/>
+              </a:rPr>
+              <a:t> </a:t>
+            </a:r>
+            <a:r>
+              <a:rPr lang="en-US" sz="1200" b="0" i="0" kern="1200" dirty="0" smtClean="0">
+                <a:solidFill>
+                  <a:schemeClr val="tx1"/>
+                </a:solidFill>
+                <a:effectLst/>
+                <a:latin typeface="+mn-lt"/>
+                <a:ea typeface="+mn-ea"/>
+                <a:cs typeface="+mn-cs"/>
+              </a:rPr>
+              <a:t>and mechanical integrity </a:t>
+            </a:r>
+          </a:p>
+          <a:p>
+            <a:endParaRPr lang="en-US" sz="1200" b="0" i="0" kern="1200" dirty="0" smtClean="0">
+              <a:solidFill>
+                <a:schemeClr val="tx1"/>
+              </a:solidFill>
+              <a:effectLst/>
+              <a:latin typeface="+mn-lt"/>
+              <a:ea typeface="+mn-ea"/>
+              <a:cs typeface="+mn-cs"/>
+            </a:endParaRPr>
+          </a:p>
+          <a:p>
+            <a:r>
+              <a:rPr lang="en-US" sz="1200" b="0" i="0" kern="1200" dirty="0" smtClean="0">
+                <a:solidFill>
+                  <a:schemeClr val="tx1"/>
+                </a:solidFill>
+                <a:effectLst/>
+                <a:latin typeface="+mn-lt"/>
+                <a:ea typeface="+mn-ea"/>
+                <a:cs typeface="+mn-cs"/>
+              </a:rPr>
+              <a:t>Total head </a:t>
+            </a:r>
+            <a:r>
+              <a:rPr lang="en-US" sz="1200" b="0" i="0" kern="1200" baseline="0" dirty="0" smtClean="0">
+                <a:solidFill>
+                  <a:schemeClr val="tx1"/>
+                </a:solidFill>
+                <a:effectLst/>
+                <a:latin typeface="+mn-lt"/>
+                <a:ea typeface="+mn-ea"/>
+                <a:cs typeface="+mn-cs"/>
+              </a:rPr>
+              <a:t> = </a:t>
+            </a:r>
+            <a:r>
+              <a:rPr lang="en-US" sz="1200" b="0" i="0" kern="1200" dirty="0" smtClean="0">
+                <a:solidFill>
+                  <a:schemeClr val="tx1"/>
+                </a:solidFill>
+                <a:effectLst/>
+                <a:latin typeface="+mn-lt"/>
+                <a:ea typeface="+mn-ea"/>
+                <a:cs typeface="+mn-cs"/>
+              </a:rPr>
+              <a:t>algebraic difference between the total discharge head and the total suction head, </a:t>
+            </a:r>
+          </a:p>
+          <a:p>
+            <a:endParaRPr lang="en-US" sz="1200" b="0" i="0" kern="1200" dirty="0" smtClean="0">
+              <a:solidFill>
+                <a:schemeClr val="tx1"/>
+              </a:solidFill>
+              <a:effectLst/>
+              <a:latin typeface="+mn-lt"/>
+              <a:ea typeface="+mn-ea"/>
+              <a:cs typeface="+mn-cs"/>
+            </a:endParaRPr>
+          </a:p>
+          <a:p>
+            <a:r>
+              <a:rPr lang="en-US" sz="1200" b="1" i="0" kern="1200" dirty="0" smtClean="0">
+                <a:solidFill>
+                  <a:schemeClr val="tx1"/>
+                </a:solidFill>
+                <a:effectLst/>
+                <a:latin typeface="+mn-lt"/>
+                <a:ea typeface="+mn-ea"/>
+                <a:cs typeface="+mn-cs"/>
+              </a:rPr>
+              <a:t>Energy equation</a:t>
+            </a:r>
+          </a:p>
+          <a:p>
+            <a:endParaRPr lang="en-US" sz="1200" b="0" i="0" kern="1200" dirty="0" smtClean="0">
+              <a:solidFill>
+                <a:schemeClr val="tx1"/>
+              </a:solidFill>
+              <a:effectLst/>
+              <a:latin typeface="+mn-lt"/>
+              <a:ea typeface="+mn-ea"/>
+              <a:cs typeface="+mn-cs"/>
+            </a:endParaRPr>
+          </a:p>
+          <a:p>
+            <a:r>
+              <a:rPr lang="en-US" sz="1200" b="0" i="0" kern="1200" dirty="0" smtClean="0">
+                <a:solidFill>
+                  <a:schemeClr val="tx1"/>
+                </a:solidFill>
+                <a:effectLst/>
+                <a:latin typeface="+mn-lt"/>
+                <a:ea typeface="+mn-ea"/>
+                <a:cs typeface="+mn-cs"/>
+              </a:rPr>
+              <a:t>Each</a:t>
+            </a:r>
+            <a:r>
+              <a:rPr lang="en-US" sz="1200" b="0" i="0" kern="1200" baseline="0" dirty="0" smtClean="0">
+                <a:solidFill>
+                  <a:schemeClr val="tx1"/>
+                </a:solidFill>
+                <a:effectLst/>
+                <a:latin typeface="+mn-lt"/>
+                <a:ea typeface="+mn-ea"/>
+                <a:cs typeface="+mn-cs"/>
+              </a:rPr>
+              <a:t> </a:t>
+            </a:r>
+            <a:r>
+              <a:rPr lang="en-US" sz="1200" b="0" i="0" kern="1200" dirty="0" smtClean="0">
+                <a:solidFill>
+                  <a:schemeClr val="tx1"/>
+                </a:solidFill>
+                <a:effectLst/>
+                <a:latin typeface="+mn-lt"/>
+                <a:ea typeface="+mn-ea"/>
+                <a:cs typeface="+mn-cs"/>
+              </a:rPr>
+              <a:t>of these individual total heads </a:t>
+            </a:r>
+            <a:r>
+              <a:rPr lang="en-US" sz="1200" b="0" i="0" kern="1200" baseline="0" dirty="0" smtClean="0">
+                <a:solidFill>
+                  <a:schemeClr val="tx1"/>
+                </a:solidFill>
+                <a:effectLst/>
+                <a:latin typeface="+mn-lt"/>
+                <a:ea typeface="+mn-ea"/>
+                <a:cs typeface="+mn-cs"/>
+              </a:rPr>
+              <a:t>= </a:t>
+            </a:r>
+            <a:r>
+              <a:rPr lang="en-US" sz="1200" b="0" i="0" kern="1200" dirty="0" smtClean="0">
+                <a:solidFill>
+                  <a:schemeClr val="tx1"/>
+                </a:solidFill>
+                <a:effectLst/>
+                <a:latin typeface="+mn-lt"/>
+                <a:ea typeface="+mn-ea"/>
+                <a:cs typeface="+mn-cs"/>
+              </a:rPr>
+              <a:t>sum of the static pressure head, velocity head and elevation head. </a:t>
+            </a:r>
+          </a:p>
+          <a:p>
+            <a:pPr marL="0" marR="0" lvl="0" indent="0" algn="l" defTabSz="914400" rtl="0" eaLnBrk="1" fontAlgn="auto" latinLnBrk="0" hangingPunct="1">
+              <a:lnSpc>
+                <a:spcPct val="100000"/>
+              </a:lnSpc>
+              <a:spcBef>
+                <a:spcPts val="0"/>
+              </a:spcBef>
+              <a:spcAft>
+                <a:spcPts val="0"/>
+              </a:spcAft>
+              <a:buClrTx/>
+              <a:buSzTx/>
+              <a:buFontTx/>
+              <a:buNone/>
+              <a:tabLst/>
+              <a:defRPr/>
+            </a:pPr>
+            <a:endParaRPr lang="en-US" dirty="0" smtClean="0"/>
+          </a:p>
+          <a:p>
+            <a:pPr marL="0" marR="0" lvl="0" indent="0" algn="l" defTabSz="914400" rtl="0" eaLnBrk="1" fontAlgn="auto" latinLnBrk="0" hangingPunct="1">
+              <a:lnSpc>
+                <a:spcPct val="100000"/>
+              </a:lnSpc>
+              <a:spcBef>
+                <a:spcPts val="0"/>
+              </a:spcBef>
+              <a:spcAft>
+                <a:spcPts val="0"/>
+              </a:spcAft>
+              <a:buClrTx/>
+              <a:buSzTx/>
+              <a:buFontTx/>
+              <a:buNone/>
+              <a:tabLst/>
+              <a:defRPr/>
+            </a:pPr>
+            <a:endParaRPr lang="en-US" dirty="0" smtClean="0"/>
+          </a:p>
+          <a:p>
+            <a:pPr marL="0" marR="0" lvl="0" indent="0" algn="l" defTabSz="914400" rtl="0" eaLnBrk="1" fontAlgn="auto" latinLnBrk="0" hangingPunct="1">
+              <a:lnSpc>
+                <a:spcPct val="100000"/>
+              </a:lnSpc>
+              <a:spcBef>
+                <a:spcPts val="0"/>
+              </a:spcBef>
+              <a:spcAft>
+                <a:spcPts val="0"/>
+              </a:spcAft>
+              <a:buClrTx/>
+              <a:buSzTx/>
+              <a:buFontTx/>
+              <a:buNone/>
+              <a:tabLst/>
+              <a:defRPr/>
+            </a:pPr>
+            <a:r>
+              <a:rPr lang="en-US" dirty="0" smtClean="0"/>
+              <a:t>That is, analyze the system to determine the pump head required as a function of flow rate through the pump … This will form the system line. </a:t>
+            </a:r>
+          </a:p>
+          <a:p>
+            <a:endParaRPr lang="en-US" sz="1200" b="0" i="0" kern="1200" dirty="0" smtClean="0">
+              <a:solidFill>
+                <a:schemeClr val="tx1"/>
+              </a:solidFill>
+              <a:effectLst/>
+              <a:latin typeface="+mn-lt"/>
+              <a:ea typeface="+mn-ea"/>
+              <a:cs typeface="+mn-cs"/>
+            </a:endParaRPr>
+          </a:p>
+          <a:p>
+            <a:r>
+              <a:rPr lang="en-US" sz="1200" b="0" i="0" kern="1200" dirty="0" smtClean="0">
+                <a:solidFill>
+                  <a:schemeClr val="tx1"/>
+                </a:solidFill>
+                <a:effectLst/>
+                <a:latin typeface="+mn-lt"/>
+                <a:ea typeface="+mn-ea"/>
+                <a:cs typeface="+mn-cs"/>
+              </a:rPr>
+              <a:t>We followed hydraulic standards intended to demonstrate hydraulic performance</a:t>
+            </a:r>
+            <a:r>
+              <a:rPr lang="en-US" sz="1200" b="0" i="0" kern="1200" baseline="0" dirty="0" smtClean="0">
+                <a:solidFill>
+                  <a:schemeClr val="tx1"/>
+                </a:solidFill>
+                <a:effectLst/>
+                <a:latin typeface="+mn-lt"/>
+                <a:ea typeface="+mn-ea"/>
+                <a:cs typeface="+mn-cs"/>
+              </a:rPr>
+              <a:t> </a:t>
+            </a:r>
+            <a:r>
+              <a:rPr lang="en-US" sz="1200" b="0" i="0" kern="1200" dirty="0" smtClean="0">
+                <a:solidFill>
+                  <a:schemeClr val="tx1"/>
+                </a:solidFill>
+                <a:effectLst/>
+                <a:latin typeface="+mn-lt"/>
+                <a:ea typeface="+mn-ea"/>
+                <a:cs typeface="+mn-cs"/>
+              </a:rPr>
+              <a:t>and mechanical integrity </a:t>
+            </a:r>
+          </a:p>
+          <a:p>
+            <a:endParaRPr lang="en-US" sz="1200" b="0" i="0" kern="1200" dirty="0" smtClean="0">
+              <a:solidFill>
+                <a:schemeClr val="tx1"/>
+              </a:solidFill>
+              <a:effectLst/>
+              <a:latin typeface="+mn-lt"/>
+              <a:ea typeface="+mn-ea"/>
+              <a:cs typeface="+mn-cs"/>
+            </a:endParaRPr>
+          </a:p>
+          <a:p>
+            <a:r>
+              <a:rPr lang="en-US" sz="1200" b="0" i="0" kern="1200" dirty="0" smtClean="0">
+                <a:solidFill>
+                  <a:schemeClr val="tx1"/>
+                </a:solidFill>
+                <a:effectLst/>
+                <a:latin typeface="+mn-lt"/>
+                <a:ea typeface="+mn-ea"/>
+                <a:cs typeface="+mn-cs"/>
+              </a:rPr>
+              <a:t>Total head </a:t>
+            </a:r>
+            <a:r>
+              <a:rPr lang="en-US" sz="1200" b="0" i="0" kern="1200" baseline="0" dirty="0" smtClean="0">
+                <a:solidFill>
+                  <a:schemeClr val="tx1"/>
+                </a:solidFill>
+                <a:effectLst/>
+                <a:latin typeface="+mn-lt"/>
+                <a:ea typeface="+mn-ea"/>
+                <a:cs typeface="+mn-cs"/>
+              </a:rPr>
+              <a:t> = </a:t>
+            </a:r>
+            <a:r>
+              <a:rPr lang="en-US" sz="1200" b="0" i="0" kern="1200" dirty="0" smtClean="0">
+                <a:solidFill>
+                  <a:schemeClr val="tx1"/>
+                </a:solidFill>
+                <a:effectLst/>
+                <a:latin typeface="+mn-lt"/>
+                <a:ea typeface="+mn-ea"/>
+                <a:cs typeface="+mn-cs"/>
+              </a:rPr>
+              <a:t>algebraic difference between the total discharge head and the total suction head, </a:t>
+            </a:r>
+          </a:p>
+          <a:p>
+            <a:endParaRPr lang="en-US" sz="1200" b="0" i="0" kern="1200" dirty="0" smtClean="0">
+              <a:solidFill>
+                <a:schemeClr val="tx1"/>
+              </a:solidFill>
+              <a:effectLst/>
+              <a:latin typeface="+mn-lt"/>
+              <a:ea typeface="+mn-ea"/>
+              <a:cs typeface="+mn-cs"/>
+            </a:endParaRPr>
+          </a:p>
+          <a:p>
+            <a:r>
+              <a:rPr lang="en-US" sz="1200" b="1" i="0" kern="1200" dirty="0" smtClean="0">
+                <a:solidFill>
+                  <a:schemeClr val="tx1"/>
+                </a:solidFill>
+                <a:effectLst/>
+                <a:latin typeface="+mn-lt"/>
+                <a:ea typeface="+mn-ea"/>
+                <a:cs typeface="+mn-cs"/>
+              </a:rPr>
+              <a:t>Energy equation</a:t>
+            </a:r>
+          </a:p>
+          <a:p>
+            <a:endParaRPr lang="en-US" sz="1200" b="0" i="0" kern="1200" dirty="0" smtClean="0">
+              <a:solidFill>
+                <a:schemeClr val="tx1"/>
+              </a:solidFill>
+              <a:effectLst/>
+              <a:latin typeface="+mn-lt"/>
+              <a:ea typeface="+mn-ea"/>
+              <a:cs typeface="+mn-cs"/>
+            </a:endParaRPr>
+          </a:p>
+          <a:p>
+            <a:r>
+              <a:rPr lang="en-US" sz="1200" b="0" i="0" kern="1200" dirty="0" smtClean="0">
+                <a:solidFill>
+                  <a:schemeClr val="tx1"/>
+                </a:solidFill>
+                <a:effectLst/>
+                <a:latin typeface="+mn-lt"/>
+                <a:ea typeface="+mn-ea"/>
+                <a:cs typeface="+mn-cs"/>
+              </a:rPr>
+              <a:t>Each</a:t>
+            </a:r>
+            <a:r>
+              <a:rPr lang="en-US" sz="1200" b="0" i="0" kern="1200" baseline="0" dirty="0" smtClean="0">
+                <a:solidFill>
+                  <a:schemeClr val="tx1"/>
+                </a:solidFill>
+                <a:effectLst/>
+                <a:latin typeface="+mn-lt"/>
+                <a:ea typeface="+mn-ea"/>
+                <a:cs typeface="+mn-cs"/>
+              </a:rPr>
+              <a:t> </a:t>
+            </a:r>
+            <a:r>
+              <a:rPr lang="en-US" sz="1200" b="0" i="0" kern="1200" dirty="0" smtClean="0">
+                <a:solidFill>
+                  <a:schemeClr val="tx1"/>
+                </a:solidFill>
+                <a:effectLst/>
+                <a:latin typeface="+mn-lt"/>
+                <a:ea typeface="+mn-ea"/>
+                <a:cs typeface="+mn-cs"/>
+              </a:rPr>
+              <a:t>of these individual total heads </a:t>
+            </a:r>
+            <a:r>
+              <a:rPr lang="en-US" sz="1200" b="0" i="0" kern="1200" baseline="0" dirty="0" smtClean="0">
+                <a:solidFill>
+                  <a:schemeClr val="tx1"/>
+                </a:solidFill>
+                <a:effectLst/>
+                <a:latin typeface="+mn-lt"/>
+                <a:ea typeface="+mn-ea"/>
+                <a:cs typeface="+mn-cs"/>
+              </a:rPr>
+              <a:t>= </a:t>
+            </a:r>
+            <a:r>
+              <a:rPr lang="en-US" sz="1200" b="0" i="0" kern="1200" dirty="0" smtClean="0">
+                <a:solidFill>
+                  <a:schemeClr val="tx1"/>
+                </a:solidFill>
+                <a:effectLst/>
+                <a:latin typeface="+mn-lt"/>
+                <a:ea typeface="+mn-ea"/>
+                <a:cs typeface="+mn-cs"/>
+              </a:rPr>
+              <a:t>sum of the static pressure head, velocity head and elevation head. </a:t>
+            </a:r>
+          </a:p>
+          <a:p>
+            <a:endParaRPr lang="en-US" dirty="0" smtClean="0"/>
           </a:p>
         </p:txBody>
       </p:sp>
@@ -2144,7 +2616,7 @@
     </p:spTree>
     <p:extLst>
       <p:ext uri="{BB962C8B-B14F-4D97-AF65-F5344CB8AC3E}">
-        <p14:creationId xmlns:p14="http://schemas.microsoft.com/office/powerpoint/2010/main" val="474839590"/>
+        <p14:creationId xmlns:p14="http://schemas.microsoft.com/office/powerpoint/2010/main" val="3901741345"/>
       </p:ext>
     </p:extLst>
   </p:cSld>
@@ -2198,227 +2670,6 @@
           <a:bodyPr/>
           <a:lstStyle/>
           <a:p>
-            <a:r>
-              <a:rPr lang="en-US" sz="1200" b="0" i="0" kern="1200" dirty="0" smtClean="0">
-                <a:solidFill>
-                  <a:schemeClr val="tx1"/>
-                </a:solidFill>
-                <a:effectLst/>
-                <a:latin typeface="+mn-lt"/>
-                <a:ea typeface="+mn-ea"/>
-                <a:cs typeface="+mn-cs"/>
-              </a:rPr>
-              <a:t>System curve</a:t>
-            </a:r>
-          </a:p>
-          <a:p>
-            <a:endParaRPr lang="en-US" sz="1200" b="0" i="0" kern="1200" dirty="0" smtClean="0">
-              <a:solidFill>
-                <a:schemeClr val="tx1"/>
-              </a:solidFill>
-              <a:effectLst/>
-              <a:latin typeface="+mn-lt"/>
-              <a:ea typeface="+mn-ea"/>
-              <a:cs typeface="+mn-cs"/>
-            </a:endParaRPr>
-          </a:p>
-          <a:p>
-            <a:r>
-              <a:rPr lang="en-US" sz="1200" b="0" i="0" kern="1200" dirty="0" smtClean="0">
-                <a:solidFill>
-                  <a:schemeClr val="tx1"/>
-                </a:solidFill>
-                <a:effectLst/>
-                <a:latin typeface="+mn-lt"/>
-                <a:ea typeface="+mn-ea"/>
-                <a:cs typeface="+mn-cs"/>
-              </a:rPr>
-              <a:t>We followed hydraulic standards intended to demonstrate hydraulic performance</a:t>
-            </a:r>
-            <a:r>
-              <a:rPr lang="en-US" sz="1200" b="0" i="0" kern="1200" baseline="0" dirty="0" smtClean="0">
-                <a:solidFill>
-                  <a:schemeClr val="tx1"/>
-                </a:solidFill>
-                <a:effectLst/>
-                <a:latin typeface="+mn-lt"/>
-                <a:ea typeface="+mn-ea"/>
-                <a:cs typeface="+mn-cs"/>
-              </a:rPr>
-              <a:t> </a:t>
-            </a:r>
-            <a:r>
-              <a:rPr lang="en-US" sz="1200" b="0" i="0" kern="1200" dirty="0" smtClean="0">
-                <a:solidFill>
-                  <a:schemeClr val="tx1"/>
-                </a:solidFill>
-                <a:effectLst/>
-                <a:latin typeface="+mn-lt"/>
-                <a:ea typeface="+mn-ea"/>
-                <a:cs typeface="+mn-cs"/>
-              </a:rPr>
-              <a:t>and mechanical integrity </a:t>
-            </a:r>
-          </a:p>
-          <a:p>
-            <a:endParaRPr lang="en-US" sz="1200" b="0" i="0" kern="1200" dirty="0" smtClean="0">
-              <a:solidFill>
-                <a:schemeClr val="tx1"/>
-              </a:solidFill>
-              <a:effectLst/>
-              <a:latin typeface="+mn-lt"/>
-              <a:ea typeface="+mn-ea"/>
-              <a:cs typeface="+mn-cs"/>
-            </a:endParaRPr>
-          </a:p>
-          <a:p>
-            <a:r>
-              <a:rPr lang="en-US" sz="1200" b="0" i="0" kern="1200" dirty="0" smtClean="0">
-                <a:solidFill>
-                  <a:schemeClr val="tx1"/>
-                </a:solidFill>
-                <a:effectLst/>
-                <a:latin typeface="+mn-lt"/>
-                <a:ea typeface="+mn-ea"/>
-                <a:cs typeface="+mn-cs"/>
-              </a:rPr>
-              <a:t>Total head </a:t>
-            </a:r>
-            <a:r>
-              <a:rPr lang="en-US" sz="1200" b="0" i="0" kern="1200" baseline="0" dirty="0" smtClean="0">
-                <a:solidFill>
-                  <a:schemeClr val="tx1"/>
-                </a:solidFill>
-                <a:effectLst/>
-                <a:latin typeface="+mn-lt"/>
-                <a:ea typeface="+mn-ea"/>
-                <a:cs typeface="+mn-cs"/>
-              </a:rPr>
-              <a:t> = </a:t>
-            </a:r>
-            <a:r>
-              <a:rPr lang="en-US" sz="1200" b="0" i="0" kern="1200" dirty="0" smtClean="0">
-                <a:solidFill>
-                  <a:schemeClr val="tx1"/>
-                </a:solidFill>
-                <a:effectLst/>
-                <a:latin typeface="+mn-lt"/>
-                <a:ea typeface="+mn-ea"/>
-                <a:cs typeface="+mn-cs"/>
-              </a:rPr>
-              <a:t>algebraic difference between the total discharge head and the total suction head, </a:t>
-            </a:r>
-          </a:p>
-          <a:p>
-            <a:endParaRPr lang="en-US" sz="1200" b="0" i="0" kern="1200" dirty="0" smtClean="0">
-              <a:solidFill>
-                <a:schemeClr val="tx1"/>
-              </a:solidFill>
-              <a:effectLst/>
-              <a:latin typeface="+mn-lt"/>
-              <a:ea typeface="+mn-ea"/>
-              <a:cs typeface="+mn-cs"/>
-            </a:endParaRPr>
-          </a:p>
-          <a:p>
-            <a:r>
-              <a:rPr lang="en-US" sz="1200" b="1" i="0" kern="1200" dirty="0" smtClean="0">
-                <a:solidFill>
-                  <a:schemeClr val="tx1"/>
-                </a:solidFill>
-                <a:effectLst/>
-                <a:latin typeface="+mn-lt"/>
-                <a:ea typeface="+mn-ea"/>
-                <a:cs typeface="+mn-cs"/>
-              </a:rPr>
-              <a:t>Energy equation</a:t>
-            </a:r>
-          </a:p>
-          <a:p>
-            <a:endParaRPr lang="en-US" sz="1200" b="0" i="0" kern="1200" dirty="0" smtClean="0">
-              <a:solidFill>
-                <a:schemeClr val="tx1"/>
-              </a:solidFill>
-              <a:effectLst/>
-              <a:latin typeface="+mn-lt"/>
-              <a:ea typeface="+mn-ea"/>
-              <a:cs typeface="+mn-cs"/>
-            </a:endParaRPr>
-          </a:p>
-          <a:p>
-            <a:r>
-              <a:rPr lang="en-US" sz="1200" b="0" i="0" kern="1200" dirty="0" smtClean="0">
-                <a:solidFill>
-                  <a:schemeClr val="tx1"/>
-                </a:solidFill>
-                <a:effectLst/>
-                <a:latin typeface="+mn-lt"/>
-                <a:ea typeface="+mn-ea"/>
-                <a:cs typeface="+mn-cs"/>
-              </a:rPr>
-              <a:t>Each</a:t>
-            </a:r>
-            <a:r>
-              <a:rPr lang="en-US" sz="1200" b="0" i="0" kern="1200" baseline="0" dirty="0" smtClean="0">
-                <a:solidFill>
-                  <a:schemeClr val="tx1"/>
-                </a:solidFill>
-                <a:effectLst/>
-                <a:latin typeface="+mn-lt"/>
-                <a:ea typeface="+mn-ea"/>
-                <a:cs typeface="+mn-cs"/>
-              </a:rPr>
-              <a:t> </a:t>
-            </a:r>
-            <a:r>
-              <a:rPr lang="en-US" sz="1200" b="0" i="0" kern="1200" dirty="0" smtClean="0">
-                <a:solidFill>
-                  <a:schemeClr val="tx1"/>
-                </a:solidFill>
-                <a:effectLst/>
-                <a:latin typeface="+mn-lt"/>
-                <a:ea typeface="+mn-ea"/>
-                <a:cs typeface="+mn-cs"/>
-              </a:rPr>
-              <a:t>of these individual total heads </a:t>
-            </a:r>
-            <a:r>
-              <a:rPr lang="en-US" sz="1200" b="0" i="0" kern="1200" baseline="0" dirty="0" smtClean="0">
-                <a:solidFill>
-                  <a:schemeClr val="tx1"/>
-                </a:solidFill>
-                <a:effectLst/>
-                <a:latin typeface="+mn-lt"/>
-                <a:ea typeface="+mn-ea"/>
-                <a:cs typeface="+mn-cs"/>
-              </a:rPr>
-              <a:t>= </a:t>
-            </a:r>
-            <a:r>
-              <a:rPr lang="en-US" sz="1200" b="0" i="0" kern="1200" dirty="0" smtClean="0">
-                <a:solidFill>
-                  <a:schemeClr val="tx1"/>
-                </a:solidFill>
-                <a:effectLst/>
-                <a:latin typeface="+mn-lt"/>
-                <a:ea typeface="+mn-ea"/>
-                <a:cs typeface="+mn-cs"/>
-              </a:rPr>
-              <a:t>sum of the static pressure head, velocity head and elevation head. </a:t>
-            </a:r>
-          </a:p>
-          <a:p>
-            <a:endParaRPr lang="en-US" sz="1200" b="0" i="0" kern="1200" dirty="0" smtClean="0">
-              <a:solidFill>
-                <a:schemeClr val="tx1"/>
-              </a:solidFill>
-              <a:effectLst/>
-              <a:latin typeface="+mn-lt"/>
-              <a:ea typeface="+mn-ea"/>
-              <a:cs typeface="+mn-cs"/>
-            </a:endParaRPr>
-          </a:p>
-          <a:p>
             <a:endParaRPr lang="en-US" dirty="0"/>
           </a:p>
         </p:txBody>
@@ -2449,7 +2700,7 @@
     </p:spTree>
     <p:extLst>
       <p:ext uri="{BB962C8B-B14F-4D97-AF65-F5344CB8AC3E}">
-        <p14:creationId xmlns:p14="http://schemas.microsoft.com/office/powerpoint/2010/main" val="400058924"/>
+        <p14:creationId xmlns:p14="http://schemas.microsoft.com/office/powerpoint/2010/main" val="474839590"/>
       </p:ext>
     </p:extLst>
   </p:cSld>
@@ -2503,16 +2754,15 @@
           <a:bodyPr/>
           <a:lstStyle/>
           <a:p>
-            <a:endParaRPr lang="en-US" dirty="0" smtClean="0"/>
-          </a:p>
-          <a:p>
-            <a:r>
-              <a:rPr lang="en-US" dirty="0" smtClean="0"/>
-              <a:t>That is, analyze the system to determine the pump head required as a function of flow rate through the pump … This will form the system line. </a:t>
-            </a:r>
-          </a:p>
-          <a:p>
-            <a:endParaRPr lang="en-US" dirty="0" smtClean="0"/>
+            <a:endParaRPr lang="en-US" sz="1200" b="0" i="0" kern="1200" dirty="0" smtClean="0">
+              <a:solidFill>
+                <a:schemeClr val="tx1"/>
+              </a:solidFill>
+              <a:effectLst/>
+              <a:latin typeface="+mn-lt"/>
+              <a:ea typeface="+mn-ea"/>
+              <a:cs typeface="+mn-cs"/>
+            </a:endParaRPr>
           </a:p>
           <a:p>
             <a:r>
@@ -2569,6 +2819,9 @@
               </a:rPr>
               <a:t>minimum value at a capacity Q about 40 percent of the best‑efficiency capacity</a:t>
             </a:r>
+            <a:endParaRPr lang="en-US" dirty="0" smtClean="0"/>
+          </a:p>
+          <a:p>
             <a:endParaRPr lang="en-US" dirty="0"/>
           </a:p>
         </p:txBody>
@@ -2599,7 +2852,7 @@
     </p:spTree>
     <p:extLst>
       <p:ext uri="{BB962C8B-B14F-4D97-AF65-F5344CB8AC3E}">
-        <p14:creationId xmlns:p14="http://schemas.microsoft.com/office/powerpoint/2010/main" val="3901741345"/>
+        <p14:creationId xmlns:p14="http://schemas.microsoft.com/office/powerpoint/2010/main" val="400058924"/>
       </p:ext>
     </p:extLst>
   </p:cSld>
@@ -5888,8 +6141,8 @@
         </p:blipFill>
         <p:spPr>
           <a:xfrm>
-            <a:off x="3634750" y="3604450"/>
-            <a:ext cx="2149719" cy="1469476"/>
+            <a:off x="4200470" y="3523780"/>
+            <a:ext cx="3160702" cy="2160550"/>
           </a:xfrm>
           <a:prstGeom prst="rect">
             <a:avLst/>
@@ -5912,7 +6165,7 @@
         </p:blipFill>
         <p:spPr>
           <a:xfrm>
-            <a:off x="5950684" y="3903217"/>
+            <a:off x="9821618" y="567124"/>
             <a:ext cx="1809993" cy="1066469"/>
           </a:xfrm>
           <a:prstGeom prst="rect">
@@ -5967,8 +6220,8 @@
         </p:blipFill>
         <p:spPr bwMode="auto">
           <a:xfrm>
-            <a:off x="7926892" y="3990242"/>
-            <a:ext cx="1992922" cy="1659108"/>
+            <a:off x="8438775" y="4083359"/>
+            <a:ext cx="2480238" cy="2064799"/>
           </a:xfrm>
           <a:prstGeom prst="rect">
             <a:avLst/>
@@ -7892,56 +8145,23 @@
             <p:ph type="sldNum" sz="quarter" idx="12"/>
           </p:nvPr>
         </p:nvSpPr>
-        <p:spPr>
-          <a:xfrm>
-            <a:off x="9306059" y="6438513"/>
-            <a:ext cx="2743200" cy="365125"/>
-          </a:xfrm>
-        </p:spPr>
+        <p:spPr/>
         <p:txBody>
           <a:bodyPr/>
           <a:lstStyle/>
           <a:p>
             <a:fld id="{27225834-A5F4-4780-A9FC-586FB30F9BB0}" type="slidenum">
-              <a:rPr lang="en-US" smtClean="0">
-                <a:latin typeface="Garamond" panose="02020404030301010803" pitchFamily="18" charset="0"/>
-              </a:rPr>
+              <a:rPr lang="en-US" smtClean="0"/>
               <a:t>6</a:t>
             </a:fld>
-            <a:endParaRPr lang="en-US" dirty="0">
-              <a:latin typeface="Garamond" panose="02020404030301010803" pitchFamily="18" charset="0"/>
-            </a:endParaRPr>
-          </a:p>
-        </p:txBody>
-      </p:sp>
-      <p:pic>
-        <p:nvPicPr>
-          <p:cNvPr id="7" name="Picture 6"/>
-          <p:cNvPicPr>
-            <a:picLocks noChangeAspect="1"/>
-          </p:cNvPicPr>
-          <p:nvPr/>
-        </p:nvPicPr>
-        <p:blipFill>
-          <a:blip r:embed="rId3"/>
-          <a:stretch>
-            <a:fillRect/>
-          </a:stretch>
-        </p:blipFill>
-        <p:spPr>
-          <a:xfrm>
-            <a:off x="1479176" y="142073"/>
-            <a:ext cx="9654708" cy="6715927"/>
-          </a:xfrm>
-          <a:prstGeom prst="rect">
-            <a:avLst/>
-          </a:prstGeom>
-        </p:spPr>
-      </p:pic>
+            <a:endParaRPr lang="en-US"/>
+          </a:p>
+        </p:txBody>
+      </p:sp>
     </p:spTree>
     <p:extLst>
       <p:ext uri="{BB962C8B-B14F-4D97-AF65-F5344CB8AC3E}">
-        <p14:creationId xmlns:p14="http://schemas.microsoft.com/office/powerpoint/2010/main" val="1843846498"/>
+        <p14:creationId xmlns:p14="http://schemas.microsoft.com/office/powerpoint/2010/main" val="1415982198"/>
       </p:ext>
     </p:extLst>
   </p:cSld>
@@ -7985,23 +8205,56 @@
             <p:ph type="sldNum" sz="quarter" idx="12"/>
           </p:nvPr>
         </p:nvSpPr>
-        <p:spPr/>
+        <p:spPr>
+          <a:xfrm>
+            <a:off x="9306059" y="6438513"/>
+            <a:ext cx="2743200" cy="365125"/>
+          </a:xfrm>
+        </p:spPr>
         <p:txBody>
           <a:bodyPr/>
           <a:lstStyle/>
           <a:p>
             <a:fld id="{27225834-A5F4-4780-A9FC-586FB30F9BB0}" type="slidenum">
-              <a:rPr lang="en-US" smtClean="0"/>
+              <a:rPr lang="en-US" smtClean="0">
+                <a:latin typeface="Garamond" panose="02020404030301010803" pitchFamily="18" charset="0"/>
+              </a:rPr>
               <a:t>7</a:t>
             </a:fld>
-            <a:endParaRPr lang="en-US"/>
-          </a:p>
-        </p:txBody>
-      </p:sp>
+            <a:endParaRPr lang="en-US" dirty="0">
+              <a:latin typeface="Garamond" panose="02020404030301010803" pitchFamily="18" charset="0"/>
+            </a:endParaRPr>
+          </a:p>
+        </p:txBody>
+      </p:sp>
+      <p:pic>
+        <p:nvPicPr>
+          <p:cNvPr id="7" name="Picture 6"/>
+          <p:cNvPicPr>
+            <a:picLocks noChangeAspect="1"/>
+          </p:cNvPicPr>
+          <p:nvPr/>
+        </p:nvPicPr>
+        <p:blipFill>
+          <a:blip r:embed="rId3"/>
+          <a:stretch>
+            <a:fillRect/>
+          </a:stretch>
+        </p:blipFill>
+        <p:spPr>
+          <a:xfrm>
+            <a:off x="1479176" y="142073"/>
+            <a:ext cx="9654708" cy="6715927"/>
+          </a:xfrm>
+          <a:prstGeom prst="rect">
+            <a:avLst/>
+          </a:prstGeom>
+        </p:spPr>
+      </p:pic>
     </p:spTree>
     <p:extLst>
       <p:ext uri="{BB962C8B-B14F-4D97-AF65-F5344CB8AC3E}">
-        <p14:creationId xmlns:p14="http://schemas.microsoft.com/office/powerpoint/2010/main" val="4267820247"/>
+        <p14:creationId xmlns:p14="http://schemas.microsoft.com/office/powerpoint/2010/main" val="1843846498"/>
       </p:ext>
     </p:extLst>
   </p:cSld>
@@ -8058,10 +8311,137 @@
           </a:p>
         </p:txBody>
       </p:sp>
+      <p:pic>
+        <p:nvPicPr>
+          <p:cNvPr id="2" name="Picture 1"/>
+          <p:cNvPicPr>
+            <a:picLocks noChangeAspect="1"/>
+          </p:cNvPicPr>
+          <p:nvPr/>
+        </p:nvPicPr>
+        <p:blipFill rotWithShape="1">
+          <a:blip r:embed="rId3" cstate="print">
+            <a:extLst>
+              <a:ext uri="{28A0092B-C50C-407E-A947-70E740481C1C}">
+                <a14:useLocalDpi xmlns:a14="http://schemas.microsoft.com/office/drawing/2010/main" val="0"/>
+              </a:ext>
+            </a:extLst>
+          </a:blip>
+          <a:srcRect l="5494" r="13355"/>
+          <a:stretch/>
+        </p:blipFill>
+        <p:spPr>
+          <a:xfrm>
+            <a:off x="4457252" y="498239"/>
+            <a:ext cx="7734748" cy="5858111"/>
+          </a:xfrm>
+          <a:prstGeom prst="rect">
+            <a:avLst/>
+          </a:prstGeom>
+        </p:spPr>
+      </p:pic>
+      <p:sp>
+        <p:nvSpPr>
+          <p:cNvPr id="3" name="TextBox 2"/>
+          <p:cNvSpPr txBox="1"/>
+          <p:nvPr/>
+        </p:nvSpPr>
+        <p:spPr>
+          <a:xfrm>
+            <a:off x="5829299" y="6214770"/>
+            <a:ext cx="6847692" cy="261610"/>
+          </a:xfrm>
+          <a:prstGeom prst="rect">
+            <a:avLst/>
+          </a:prstGeom>
+          <a:noFill/>
+        </p:spPr>
+        <p:txBody>
+          <a:bodyPr wrap="square" rtlCol="0">
+            <a:spAutoFit/>
+          </a:bodyPr>
+          <a:lstStyle/>
+          <a:p>
+            <a:r>
+              <a:rPr lang="en-US" sz="1100" b="1" i="1" dirty="0" smtClean="0">
+                <a:latin typeface="Garamond" panose="02020404030301010803" pitchFamily="18" charset="0"/>
+              </a:rPr>
+              <a:t>Figure:</a:t>
+            </a:r>
+            <a:r>
+              <a:rPr lang="en-US" sz="1100" dirty="0" smtClean="0">
+                <a:latin typeface="Garamond" panose="02020404030301010803" pitchFamily="18" charset="0"/>
+              </a:rPr>
+              <a:t> EFS model PIGLET-1 2.1in Diam. Impeller experimental results at 16500 rpm.</a:t>
+            </a:r>
+            <a:endParaRPr lang="en-US" sz="1100" dirty="0">
+              <a:latin typeface="Garamond" panose="02020404030301010803" pitchFamily="18" charset="0"/>
+            </a:endParaRPr>
+          </a:p>
+        </p:txBody>
+      </p:sp>
+      <p:pic>
+        <p:nvPicPr>
+          <p:cNvPr id="8" name="Picture 7"/>
+          <p:cNvPicPr>
+            <a:picLocks noChangeAspect="1"/>
+          </p:cNvPicPr>
+          <p:nvPr/>
+        </p:nvPicPr>
+        <p:blipFill>
+          <a:blip r:embed="rId4"/>
+          <a:stretch>
+            <a:fillRect/>
+          </a:stretch>
+        </p:blipFill>
+        <p:spPr>
+          <a:xfrm>
+            <a:off x="448011" y="926983"/>
+            <a:ext cx="3524250" cy="5000625"/>
+          </a:xfrm>
+          <a:prstGeom prst="rect">
+            <a:avLst/>
+          </a:prstGeom>
+        </p:spPr>
+      </p:pic>
+      <p:sp>
+        <p:nvSpPr>
+          <p:cNvPr id="9" name="TextBox 8"/>
+          <p:cNvSpPr txBox="1"/>
+          <p:nvPr/>
+        </p:nvSpPr>
+        <p:spPr>
+          <a:xfrm>
+            <a:off x="387050" y="128907"/>
+            <a:ext cx="5594201" cy="400110"/>
+          </a:xfrm>
+          <a:prstGeom prst="rect">
+            <a:avLst/>
+          </a:prstGeom>
+          <a:noFill/>
+        </p:spPr>
+        <p:txBody>
+          <a:bodyPr wrap="square" rtlCol="0">
+            <a:spAutoFit/>
+          </a:bodyPr>
+          <a:lstStyle/>
+          <a:p>
+            <a:r>
+              <a:rPr lang="en-US" sz="2000" b="1" dirty="0" smtClean="0">
+                <a:latin typeface="Garamond" panose="02020404030301010803" pitchFamily="18" charset="0"/>
+              </a:rPr>
+              <a:t>Centrifugal Pump Performance @ 16,500 rpm</a:t>
+            </a:r>
+            <a:endParaRPr lang="en-US" sz="2000" b="1" dirty="0">
+              <a:latin typeface="Garamond" panose="02020404030301010803" pitchFamily="18" charset="0"/>
+            </a:endParaRPr>
+          </a:p>
+        </p:txBody>
+      </p:sp>
     </p:spTree>
     <p:extLst>
       <p:ext uri="{BB962C8B-B14F-4D97-AF65-F5344CB8AC3E}">
-        <p14:creationId xmlns:p14="http://schemas.microsoft.com/office/powerpoint/2010/main" val="1415982198"/>
+        <p14:creationId xmlns:p14="http://schemas.microsoft.com/office/powerpoint/2010/main" val="4267820247"/>
       </p:ext>
     </p:extLst>
   </p:cSld>

--- a/Docs/Presentations/Slides/froyo_edits.pptx
+++ b/Docs/Presentations/Slides/froyo_edits.pptx
@@ -2118,6 +2118,43 @@
           </a:p>
           <a:p>
             <a:r>
+              <a:rPr lang="en-US" sz="1200" b="1" i="0" kern="1200" dirty="0" smtClean="0">
+                <a:solidFill>
+                  <a:schemeClr val="tx1"/>
+                </a:solidFill>
+                <a:effectLst/>
+                <a:latin typeface="+mn-lt"/>
+                <a:ea typeface="+mn-ea"/>
+                <a:cs typeface="+mn-cs"/>
+              </a:rPr>
+              <a:t>HEAD</a:t>
+            </a:r>
+            <a:r>
+              <a:rPr lang="en-US" sz="1200" b="1" i="0" kern="1200" baseline="0" dirty="0" smtClean="0">
+                <a:solidFill>
+                  <a:schemeClr val="tx1"/>
+                </a:solidFill>
+                <a:effectLst/>
+                <a:latin typeface="+mn-lt"/>
+                <a:ea typeface="+mn-ea"/>
+                <a:cs typeface="+mn-cs"/>
+              </a:rPr>
+              <a:t> OF PUMP VS SYSTEM HEAD</a:t>
+            </a:r>
+          </a:p>
+          <a:p>
+            <a:endParaRPr lang="en-US" sz="1200" b="0" i="0" kern="1200" baseline="0" dirty="0" smtClean="0">
+              <a:solidFill>
+                <a:schemeClr val="tx1"/>
+              </a:solidFill>
+              <a:effectLst/>
+              <a:latin typeface="+mn-lt"/>
+              <a:ea typeface="+mn-ea"/>
+              <a:cs typeface="+mn-cs"/>
+            </a:endParaRPr>
+          </a:p>
+          <a:p>
+            <a:r>
               <a:rPr lang="en-US" sz="1200" b="0" i="0" kern="1200" dirty="0" smtClean="0">
                 <a:solidFill>
                   <a:schemeClr val="tx1"/>
@@ -2127,10 +2164,8 @@
                 <a:ea typeface="+mn-ea"/>
                 <a:cs typeface="+mn-cs"/>
               </a:rPr>
-              <a:t>System curve</a:t>
-            </a:r>
-          </a:p>
-          <a:p>
+              <a:t>The height to which a pump can raise the water is the pump head and it is measured in meters (feet) of flowing water. The head required to overcome the losses in a pipe system at a given flow rate is called the system head.</a:t>
+            </a:r>
             <a:endParaRPr lang="en-US" sz="1200" b="0" i="0" kern="1200" dirty="0" smtClean="0">
               <a:solidFill>
                 <a:schemeClr val="tx1"/>
@@ -2142,44 +2177,6 @@
             </a:endParaRPr>
           </a:p>
           <a:p>
-            <a:r>
-              <a:rPr lang="en-US" sz="1200" b="0" i="0" kern="1200" dirty="0" smtClean="0">
-                <a:solidFill>
-                  <a:schemeClr val="tx1"/>
-                </a:solidFill>
-                <a:effectLst/>
-                <a:latin typeface="+mn-lt"/>
-                <a:ea typeface="+mn-ea"/>
-                <a:cs typeface="+mn-cs"/>
-              </a:rPr>
-              <a:t>We followed hydraulic standards intended to demonstrate hydraulic performance</a:t>
-            </a:r>
-            <a:r>
-              <a:rPr lang="en-US" sz="1200" b="0" i="0" kern="1200" baseline="0" dirty="0" smtClean="0">
-                <a:solidFill>
-                  <a:schemeClr val="tx1"/>
-                </a:solidFill>
-                <a:effectLst/>
-                <a:latin typeface="+mn-lt"/>
-                <a:ea typeface="+mn-ea"/>
-                <a:cs typeface="+mn-cs"/>
-              </a:rPr>
-              <a:t> </a:t>
-            </a:r>
-            <a:r>
-              <a:rPr lang="en-US" sz="1200" b="0" i="0" kern="1200" dirty="0" smtClean="0">
-                <a:solidFill>
-                  <a:schemeClr val="tx1"/>
-                </a:solidFill>
-                <a:effectLst/>
-                <a:latin typeface="+mn-lt"/>
-                <a:ea typeface="+mn-ea"/>
-                <a:cs typeface="+mn-cs"/>
-              </a:rPr>
-              <a:t>and mechanical integrity </a:t>
-            </a:r>
-          </a:p>
-          <a:p>
             <a:endParaRPr lang="en-US" sz="1200" b="0" i="0" kern="1200" dirty="0" smtClean="0">
               <a:solidFill>
                 <a:schemeClr val="tx1"/>
@@ -2191,22 +2188,63 @@
             </a:endParaRPr>
           </a:p>
           <a:p>
+            <a:pPr marL="0" marR="0" lvl="0" indent="0" algn="l" defTabSz="914400" rtl="0" eaLnBrk="1" fontAlgn="auto" latinLnBrk="0" hangingPunct="1">
+              <a:lnSpc>
+                <a:spcPct val="100000"/>
+              </a:lnSpc>
+              <a:spcBef>
+                <a:spcPts val="0"/>
+              </a:spcBef>
+              <a:spcAft>
+                <a:spcPts val="0"/>
+              </a:spcAft>
+              <a:buClrTx/>
+              <a:buSzTx/>
+              <a:buFontTx/>
+              <a:buNone/>
+              <a:tabLst/>
+              <a:defRPr/>
+            </a:pPr>
             <a:r>
               <a:rPr lang="en-US" sz="1200" b="0" i="0" kern="1200" dirty="0" smtClean="0">
                 <a:solidFill>
-                  <a:schemeClr val="tx1"/>
+                  <a:srgbClr val="FF0000"/>
                 </a:solidFill>
                 <a:effectLst/>
                 <a:latin typeface="+mn-lt"/>
                 <a:ea typeface="+mn-ea"/>
                 <a:cs typeface="+mn-cs"/>
               </a:rPr>
-              <a:t>Total head </a:t>
+              <a:t>Using</a:t>
             </a:r>
             <a:r>
               <a:rPr lang="en-US" sz="1200" b="0" i="0" kern="1200" baseline="0" dirty="0" smtClean="0">
                 <a:solidFill>
-                  <a:schemeClr val="tx1"/>
+                  <a:srgbClr val="FF0000"/>
+                </a:solidFill>
+                <a:effectLst/>
+                <a:latin typeface="+mn-lt"/>
+                <a:ea typeface="+mn-ea"/>
+                <a:cs typeface="+mn-cs"/>
+              </a:rPr>
+              <a:t> </a:t>
+            </a:r>
+            <a:r>
+              <a:rPr lang="en-US" sz="1200" b="0" i="0" kern="1200" dirty="0" smtClean="0">
+                <a:solidFill>
+                  <a:srgbClr val="FF0000"/>
+                </a:solidFill>
+                <a:effectLst/>
+                <a:latin typeface="+mn-lt"/>
+                <a:ea typeface="+mn-ea"/>
+                <a:cs typeface="+mn-cs"/>
+              </a:rPr>
+              <a:t>head and not pressure</a:t>
+            </a:r>
+            <a:r>
+              <a:rPr lang="en-US" sz="1200" b="0" i="0" kern="1200" baseline="0" dirty="0" smtClean="0">
+                <a:solidFill>
+                  <a:srgbClr val="FF0000"/>
                 </a:solidFill>
                 <a:effectLst/>
                 <a:latin typeface="+mn-lt"/>
@@ -2218,14 +2256,14 @@
             <a:r>
               <a:rPr lang="en-US" sz="1200" b="0" i="0" kern="1200" dirty="0" smtClean="0">
                 <a:solidFill>
-                  <a:schemeClr val="tx1"/>
+                  <a:srgbClr val="FF0000"/>
                 </a:solidFill>
                 <a:effectLst/>
                 <a:latin typeface="+mn-lt"/>
                 <a:ea typeface="+mn-ea"/>
                 <a:cs typeface="+mn-cs"/>
               </a:rPr>
-              <a:t>algebraic difference between the total discharge head and the total suction head, </a:t>
+              <a:t>head-capacity performance independent of the specific gravity of the liquid.</a:t>
             </a:r>
           </a:p>
           <a:p>
@@ -2364,26 +2402,6 @@
               <a:tabLst/>
               <a:defRPr/>
             </a:pPr>
-            <a:endParaRPr lang="en-US" dirty="0" smtClean="0"/>
-          </a:p>
-          <a:p>
-            <a:pPr marL="0" marR="0" lvl="0" indent="0" algn="l" defTabSz="914400" rtl="0" eaLnBrk="1" fontAlgn="auto" latinLnBrk="0" hangingPunct="1">
-              <a:lnSpc>
-                <a:spcPct val="100000"/>
-              </a:lnSpc>
-              <a:spcBef>
-                <a:spcPts val="0"/>
-              </a:spcBef>
-              <a:spcAft>
-                <a:spcPts val="0"/>
-              </a:spcAft>
-              <a:buClrTx/>
-              <a:buSzTx/>
-              <a:buFontTx/>
-              <a:buNone/>
-              <a:tabLst/>
-              <a:defRPr/>
-            </a:pPr>
             <a:r>
               <a:rPr lang="en-US" dirty="0" smtClean="0"/>
               <a:t>That is, analyze the system to determine the pump head required as a function of flow rate through the pump … This will form the system line. </a:t>
@@ -2411,10 +2429,10 @@
                 <a:ea typeface="+mn-ea"/>
                 <a:cs typeface="+mn-cs"/>
               </a:rPr>
-              <a:t>We followed hydraulic standards intended to demonstrate hydraulic performance</a:t>
-            </a:r>
-            <a:r>
-              <a:rPr lang="en-US" sz="1200" b="0" i="0" kern="1200" baseline="0" dirty="0" smtClean="0">
+              <a:t>Plotting the pump curve and system curve will result in an intersection point, which is called the </a:t>
+            </a:r>
+            <a:r>
+              <a:rPr lang="en-US" sz="1200" b="0" i="1" kern="1200" dirty="0" smtClean="0">
                 <a:solidFill>
                   <a:schemeClr val="tx1"/>
                 </a:solidFill>
@@ -2423,7 +2441,7 @@
                 <a:ea typeface="+mn-ea"/>
                 <a:cs typeface="+mn-cs"/>
               </a:rPr>
-              <a:t> </a:t>
+              <a:t>operating point</a:t>
             </a:r>
             <a:r>
               <a:rPr lang="en-US" sz="1200" b="0" i="0" kern="1200" dirty="0" smtClean="0">
@@ -2435,7 +2453,7 @@
                 <a:ea typeface="+mn-ea"/>
                 <a:cs typeface="+mn-cs"/>
               </a:rPr>
-              <a:t>and mechanical integrity </a:t>
+              <a:t>.</a:t>
             </a:r>
           </a:p>
           <a:p>
@@ -2451,6 +2469,15 @@
           </a:p>
           <a:p>
             <a:r>
+              <a:rPr lang="en-US" b="1" dirty="0" smtClean="0"/>
+              <a:t>Friction head</a:t>
+            </a:r>
+          </a:p>
+          <a:p>
+            <a:endParaRPr lang="en-US" dirty="0" smtClean="0"/>
+          </a:p>
+          <a:p>
+            <a:r>
               <a:rPr lang="en-US" sz="1200" b="0" i="0" kern="1200" dirty="0" smtClean="0">
                 <a:solidFill>
                   <a:schemeClr val="tx1"/>
@@ -2460,10 +2487,23 @@
                 <a:ea typeface="+mn-ea"/>
                 <a:cs typeface="+mn-cs"/>
               </a:rPr>
-              <a:t>Total head </a:t>
-            </a:r>
-            <a:r>
-              <a:rPr lang="en-US" sz="1200" b="0" i="0" kern="1200" baseline="0" dirty="0" smtClean="0">
+              <a:t>The friction head consists of the sum of the pipe friction head losses in the </a:t>
+            </a:r>
+          </a:p>
+          <a:p>
+            <a:endParaRPr lang="en-US" sz="1200" b="0" i="0" kern="1200" dirty="0" smtClean="0">
+              <a:solidFill>
+                <a:schemeClr val="tx1"/>
+              </a:solidFill>
+              <a:effectLst/>
+              <a:latin typeface="+mn-lt"/>
+              <a:ea typeface="+mn-ea"/>
+              <a:cs typeface="+mn-cs"/>
+            </a:endParaRPr>
+          </a:p>
+          <a:p>
+            <a:r>
+              <a:rPr lang="en-US" sz="1200" b="1" i="0" kern="1200" dirty="0" smtClean="0">
                 <a:solidFill>
                   <a:schemeClr val="tx1"/>
                 </a:solidFill>
@@ -2472,8 +2512,21 @@
                 <a:ea typeface="+mn-ea"/>
                 <a:cs typeface="+mn-cs"/>
               </a:rPr>
-              <a:t> = </a:t>
-            </a:r>
+              <a:t>Velocity head</a:t>
+            </a:r>
+          </a:p>
+          <a:p>
+            <a:endParaRPr lang="en-US" sz="1200" b="0" i="0" kern="1200" dirty="0" smtClean="0">
+              <a:solidFill>
+                <a:schemeClr val="tx1"/>
+              </a:solidFill>
+              <a:effectLst/>
+              <a:latin typeface="+mn-lt"/>
+              <a:ea typeface="+mn-ea"/>
+              <a:cs typeface="+mn-cs"/>
+            </a:endParaRPr>
+          </a:p>
+          <a:p>
             <a:r>
               <a:rPr lang="en-US" sz="1200" b="0" i="0" kern="1200" dirty="0" smtClean="0">
                 <a:solidFill>
@@ -2484,108 +2537,8 @@
                 <a:ea typeface="+mn-ea"/>
                 <a:cs typeface="+mn-cs"/>
               </a:rPr>
-              <a:t>algebraic difference between the total discharge head and the total suction head, </a:t>
-            </a:r>
-          </a:p>
-          <a:p>
-            <a:endParaRPr lang="en-US" sz="1200" b="0" i="0" kern="1200" dirty="0" smtClean="0">
-              <a:solidFill>
-                <a:schemeClr val="tx1"/>
-              </a:solidFill>
-              <a:effectLst/>
-              <a:latin typeface="+mn-lt"/>
-              <a:ea typeface="+mn-ea"/>
-              <a:cs typeface="+mn-cs"/>
-            </a:endParaRPr>
-          </a:p>
-          <a:p>
-            <a:r>
-              <a:rPr lang="en-US" sz="1200" b="1" i="0" kern="1200" dirty="0" smtClean="0">
-                <a:solidFill>
-                  <a:schemeClr val="tx1"/>
-                </a:solidFill>
-                <a:effectLst/>
-                <a:latin typeface="+mn-lt"/>
-                <a:ea typeface="+mn-ea"/>
-                <a:cs typeface="+mn-cs"/>
-              </a:rPr>
-              <a:t>Energy equation</a:t>
-            </a:r>
-          </a:p>
-          <a:p>
-            <a:endParaRPr lang="en-US" sz="1200" b="0" i="0" kern="1200" dirty="0" smtClean="0">
-              <a:solidFill>
-                <a:schemeClr val="tx1"/>
-              </a:solidFill>
-              <a:effectLst/>
-              <a:latin typeface="+mn-lt"/>
-              <a:ea typeface="+mn-ea"/>
-              <a:cs typeface="+mn-cs"/>
-            </a:endParaRPr>
-          </a:p>
-          <a:p>
-            <a:r>
-              <a:rPr lang="en-US" sz="1200" b="0" i="0" kern="1200" dirty="0" smtClean="0">
-                <a:solidFill>
-                  <a:schemeClr val="tx1"/>
-                </a:solidFill>
-                <a:effectLst/>
-                <a:latin typeface="+mn-lt"/>
-                <a:ea typeface="+mn-ea"/>
-                <a:cs typeface="+mn-cs"/>
-              </a:rPr>
-              <a:t>Each</a:t>
-            </a:r>
-            <a:r>
-              <a:rPr lang="en-US" sz="1200" b="0" i="0" kern="1200" baseline="0" dirty="0" smtClean="0">
-                <a:solidFill>
-                  <a:schemeClr val="tx1"/>
-                </a:solidFill>
-                <a:effectLst/>
-                <a:latin typeface="+mn-lt"/>
-                <a:ea typeface="+mn-ea"/>
-                <a:cs typeface="+mn-cs"/>
-              </a:rPr>
-              <a:t> </a:t>
-            </a:r>
-            <a:r>
-              <a:rPr lang="en-US" sz="1200" b="0" i="0" kern="1200" dirty="0" smtClean="0">
-                <a:solidFill>
-                  <a:schemeClr val="tx1"/>
-                </a:solidFill>
-                <a:effectLst/>
-                <a:latin typeface="+mn-lt"/>
-                <a:ea typeface="+mn-ea"/>
-                <a:cs typeface="+mn-cs"/>
-              </a:rPr>
-              <a:t>of these individual total heads </a:t>
-            </a:r>
-            <a:r>
-              <a:rPr lang="en-US" sz="1200" b="0" i="0" kern="1200" baseline="0" dirty="0" smtClean="0">
-                <a:solidFill>
-                  <a:schemeClr val="tx1"/>
-                </a:solidFill>
-                <a:effectLst/>
-                <a:latin typeface="+mn-lt"/>
-                <a:ea typeface="+mn-ea"/>
-                <a:cs typeface="+mn-cs"/>
-              </a:rPr>
-              <a:t>= </a:t>
-            </a:r>
-            <a:r>
-              <a:rPr lang="en-US" sz="1200" b="0" i="0" kern="1200" dirty="0" smtClean="0">
-                <a:solidFill>
-                  <a:schemeClr val="tx1"/>
-                </a:solidFill>
-                <a:effectLst/>
-                <a:latin typeface="+mn-lt"/>
-                <a:ea typeface="+mn-ea"/>
-                <a:cs typeface="+mn-cs"/>
-              </a:rPr>
-              <a:t>sum of the static pressure head, velocity head and elevation head. </a:t>
-            </a:r>
-          </a:p>
-          <a:p>
+              <a:t>Velocity head The velocity head is the kinetic energy contained in the water being pumped at any point in the system</a:t>
+            </a:r>
             <a:endParaRPr lang="en-US" dirty="0" smtClean="0"/>
           </a:p>
         </p:txBody>
@@ -7793,24 +7746,24 @@
         </p:nvSpPr>
         <p:spPr>
           <a:xfrm>
-            <a:off x="609600" y="368300"/>
+            <a:off x="838200" y="2806700"/>
             <a:ext cx="10515600" cy="654783"/>
           </a:xfrm>
         </p:spPr>
         <p:txBody>
           <a:bodyPr>
-            <a:normAutofit fontScale="90000"/>
+            <a:noAutofit/>
           </a:bodyPr>
           <a:lstStyle/>
           <a:p>
             <a:pPr algn="ctr"/>
             <a:r>
-              <a:rPr lang="en-US" dirty="0" smtClean="0">
+              <a:rPr lang="en-US" sz="8800" dirty="0" smtClean="0">
                 <a:latin typeface="Garamond" panose="02020404030301010803" pitchFamily="18" charset="0"/>
               </a:rPr>
               <a:t>Performance Testing</a:t>
             </a:r>
-            <a:endParaRPr lang="en-US" dirty="0">
+            <a:endParaRPr lang="en-US" sz="8800" dirty="0">
               <a:latin typeface="Garamond" panose="02020404030301010803" pitchFamily="18" charset="0"/>
             </a:endParaRPr>
           </a:p>
@@ -7949,8 +7902,8 @@
         </p:nvSpPr>
         <p:spPr>
           <a:xfrm>
-            <a:off x="508976" y="1854920"/>
-            <a:ext cx="5007708" cy="3726661"/>
+            <a:off x="154236" y="1854920"/>
+            <a:ext cx="5362448" cy="4034438"/>
           </a:xfrm>
           <a:prstGeom prst="rect">
             <a:avLst/>
@@ -7962,6 +7915,14 @@
             <a:spAutoFit/>
           </a:bodyPr>
           <a:lstStyle/>
+          <a:p>
+            <a:r>
+              <a:rPr lang="en-US" sz="2000" b="1" dirty="0" smtClean="0">
+                <a:latin typeface="Garamond" panose="02020404030301010803" pitchFamily="18" charset="0"/>
+              </a:rPr>
+              <a:t>Using Hydraulic Test Standard (ANSI/HI 14.6)</a:t>
+            </a:r>
+          </a:p>
           <a:p>
             <a:endParaRPr lang="en-US" sz="2000" b="1" dirty="0" smtClean="0">
               <a:latin typeface="Garamond" panose="02020404030301010803" pitchFamily="18" charset="0"/>
@@ -8155,6 +8116,297 @@
               <a:t>6</a:t>
             </a:fld>
             <a:endParaRPr lang="en-US"/>
+          </a:p>
+        </p:txBody>
+      </p:sp>
+      <p:pic>
+        <p:nvPicPr>
+          <p:cNvPr id="3" name="Picture 2"/>
+          <p:cNvPicPr>
+            <a:picLocks noChangeAspect="1"/>
+          </p:cNvPicPr>
+          <p:nvPr/>
+        </p:nvPicPr>
+        <p:blipFill>
+          <a:blip r:embed="rId3"/>
+          <a:stretch>
+            <a:fillRect/>
+          </a:stretch>
+        </p:blipFill>
+        <p:spPr>
+          <a:xfrm>
+            <a:off x="970938" y="1482387"/>
+            <a:ext cx="4581525" cy="933450"/>
+          </a:xfrm>
+          <a:prstGeom prst="rect">
+            <a:avLst/>
+          </a:prstGeom>
+        </p:spPr>
+      </p:pic>
+      <p:pic>
+        <p:nvPicPr>
+          <p:cNvPr id="5" name="Picture 4"/>
+          <p:cNvPicPr>
+            <a:picLocks noChangeAspect="1"/>
+          </p:cNvPicPr>
+          <p:nvPr/>
+        </p:nvPicPr>
+        <p:blipFill>
+          <a:blip r:embed="rId4" cstate="print">
+            <a:extLst>
+              <a:ext uri="{28A0092B-C50C-407E-A947-70E740481C1C}">
+                <a14:useLocalDpi xmlns:a14="http://schemas.microsoft.com/office/drawing/2010/main" val="0"/>
+              </a:ext>
+            </a:extLst>
+          </a:blip>
+          <a:stretch>
+            <a:fillRect/>
+          </a:stretch>
+        </p:blipFill>
+        <p:spPr>
+          <a:xfrm>
+            <a:off x="318407" y="4112542"/>
+            <a:ext cx="6128211" cy="2484409"/>
+          </a:xfrm>
+          <a:prstGeom prst="rect">
+            <a:avLst/>
+          </a:prstGeom>
+        </p:spPr>
+      </p:pic>
+      <p:pic>
+        <p:nvPicPr>
+          <p:cNvPr id="7" name="Picture 6"/>
+          <p:cNvPicPr>
+            <a:picLocks noChangeAspect="1"/>
+          </p:cNvPicPr>
+          <p:nvPr/>
+        </p:nvPicPr>
+        <p:blipFill rotWithShape="1">
+          <a:blip r:embed="rId5">
+            <a:extLst>
+              <a:ext uri="{28A0092B-C50C-407E-A947-70E740481C1C}">
+                <a14:useLocalDpi xmlns:a14="http://schemas.microsoft.com/office/drawing/2010/main" val="0"/>
+              </a:ext>
+            </a:extLst>
+          </a:blip>
+          <a:srcRect l="7118" r="6273"/>
+          <a:stretch/>
+        </p:blipFill>
+        <p:spPr>
+          <a:xfrm>
+            <a:off x="6446619" y="833213"/>
+            <a:ext cx="5486400" cy="5131113"/>
+          </a:xfrm>
+          <a:prstGeom prst="rect">
+            <a:avLst/>
+          </a:prstGeom>
+        </p:spPr>
+      </p:pic>
+      <p:sp>
+        <p:nvSpPr>
+          <p:cNvPr id="8" name="Rectangle 7"/>
+          <p:cNvSpPr/>
+          <p:nvPr/>
+        </p:nvSpPr>
+        <p:spPr>
+          <a:xfrm>
+            <a:off x="323386" y="125327"/>
+            <a:ext cx="6123233" cy="707886"/>
+          </a:xfrm>
+          <a:prstGeom prst="rect">
+            <a:avLst/>
+          </a:prstGeom>
+        </p:spPr>
+        <p:txBody>
+          <a:bodyPr wrap="square">
+            <a:spAutoFit/>
+          </a:bodyPr>
+          <a:lstStyle/>
+          <a:p>
+            <a:r>
+              <a:rPr lang="en-US" sz="4000" b="1" dirty="0" smtClean="0">
+                <a:latin typeface="Garamond" panose="02020404030301010803" pitchFamily="18" charset="0"/>
+              </a:rPr>
+              <a:t>System Characteristics</a:t>
+            </a:r>
+            <a:endParaRPr lang="en-US" sz="4000" b="1" dirty="0">
+              <a:latin typeface="Garamond" panose="02020404030301010803" pitchFamily="18" charset="0"/>
+            </a:endParaRPr>
+          </a:p>
+        </p:txBody>
+      </p:sp>
+      <p:pic>
+        <p:nvPicPr>
+          <p:cNvPr id="10" name="Picture 9"/>
+          <p:cNvPicPr>
+            <a:picLocks noChangeAspect="1"/>
+          </p:cNvPicPr>
+          <p:nvPr/>
+        </p:nvPicPr>
+        <p:blipFill>
+          <a:blip r:embed="rId6"/>
+          <a:stretch>
+            <a:fillRect/>
+          </a:stretch>
+        </p:blipFill>
+        <p:spPr>
+          <a:xfrm>
+            <a:off x="1888960" y="2710463"/>
+            <a:ext cx="2992085" cy="929514"/>
+          </a:xfrm>
+          <a:prstGeom prst="rect">
+            <a:avLst/>
+          </a:prstGeom>
+        </p:spPr>
+      </p:pic>
+      <p:sp>
+        <p:nvSpPr>
+          <p:cNvPr id="11" name="TextBox 10"/>
+          <p:cNvSpPr txBox="1"/>
+          <p:nvPr/>
+        </p:nvSpPr>
+        <p:spPr>
+          <a:xfrm>
+            <a:off x="318408" y="2288877"/>
+            <a:ext cx="3385632" cy="369332"/>
+          </a:xfrm>
+          <a:prstGeom prst="rect">
+            <a:avLst/>
+          </a:prstGeom>
+          <a:noFill/>
+        </p:spPr>
+        <p:txBody>
+          <a:bodyPr wrap="square" rtlCol="0">
+            <a:spAutoFit/>
+          </a:bodyPr>
+          <a:lstStyle/>
+          <a:p>
+            <a:pPr marL="285750" indent="-285750">
+              <a:buFont typeface="Arial" panose="020B0604020202020204" pitchFamily="34" charset="0"/>
+              <a:buChar char="•"/>
+            </a:pPr>
+            <a:r>
+              <a:rPr lang="en-US" b="1" dirty="0" smtClean="0">
+                <a:latin typeface="Garamond" panose="02020404030301010803" pitchFamily="18" charset="0"/>
+              </a:rPr>
+              <a:t>Swamee-Jain Equation (1976)</a:t>
+            </a:r>
+            <a:endParaRPr lang="en-US" b="1" dirty="0">
+              <a:latin typeface="Garamond" panose="02020404030301010803" pitchFamily="18" charset="0"/>
+            </a:endParaRPr>
+          </a:p>
+        </p:txBody>
+      </p:sp>
+      <p:sp>
+        <p:nvSpPr>
+          <p:cNvPr id="12" name="Rectangle 11"/>
+          <p:cNvSpPr/>
+          <p:nvPr/>
+        </p:nvSpPr>
+        <p:spPr>
+          <a:xfrm>
+            <a:off x="318408" y="973134"/>
+            <a:ext cx="2170466" cy="369332"/>
+          </a:xfrm>
+          <a:prstGeom prst="rect">
+            <a:avLst/>
+          </a:prstGeom>
+        </p:spPr>
+        <p:txBody>
+          <a:bodyPr wrap="none">
+            <a:spAutoFit/>
+          </a:bodyPr>
+          <a:lstStyle/>
+          <a:p>
+            <a:pPr marL="285750" indent="-285750">
+              <a:buFont typeface="Arial" panose="020B0604020202020204" pitchFamily="34" charset="0"/>
+              <a:buChar char="•"/>
+            </a:pPr>
+            <a:r>
+              <a:rPr lang="en-US" b="1" dirty="0" smtClean="0">
+                <a:latin typeface="Garamond" panose="02020404030301010803" pitchFamily="18" charset="0"/>
+              </a:rPr>
+              <a:t>Energy Equation</a:t>
+            </a:r>
+            <a:endParaRPr lang="en-US" b="1" dirty="0">
+              <a:latin typeface="Garamond" panose="02020404030301010803" pitchFamily="18" charset="0"/>
+            </a:endParaRPr>
+          </a:p>
+        </p:txBody>
+      </p:sp>
+      <p:sp>
+        <p:nvSpPr>
+          <p:cNvPr id="15" name="TextBox 14"/>
+          <p:cNvSpPr txBox="1"/>
+          <p:nvPr/>
+        </p:nvSpPr>
+        <p:spPr>
+          <a:xfrm>
+            <a:off x="970938" y="3692231"/>
+            <a:ext cx="5489726" cy="338554"/>
+          </a:xfrm>
+          <a:prstGeom prst="rect">
+            <a:avLst/>
+          </a:prstGeom>
+          <a:noFill/>
+        </p:spPr>
+        <p:txBody>
+          <a:bodyPr wrap="square" rtlCol="0">
+            <a:spAutoFit/>
+          </a:bodyPr>
+          <a:lstStyle/>
+          <a:p>
+            <a:r>
+              <a:rPr lang="en-US" sz="1600" b="1" dirty="0" smtClean="0">
+                <a:latin typeface="Garamond" panose="02020404030301010803" pitchFamily="18" charset="0"/>
+              </a:rPr>
+              <a:t>Explicit expression 10</a:t>
+            </a:r>
+            <a:r>
+              <a:rPr lang="en-US" sz="1600" b="1" baseline="30000" dirty="0" smtClean="0">
+                <a:latin typeface="Garamond" panose="02020404030301010803" pitchFamily="18" charset="0"/>
+              </a:rPr>
+              <a:t>-6</a:t>
+            </a:r>
+            <a:r>
+              <a:rPr lang="en-US" sz="1600" b="1" dirty="0" smtClean="0">
+                <a:latin typeface="Garamond" panose="02020404030301010803" pitchFamily="18" charset="0"/>
+              </a:rPr>
+              <a:t> &lt; e/D, 10</a:t>
+            </a:r>
+            <a:r>
+              <a:rPr lang="en-US" sz="1600" b="1" baseline="30000" dirty="0" smtClean="0">
+                <a:latin typeface="Garamond" panose="02020404030301010803" pitchFamily="18" charset="0"/>
+              </a:rPr>
+              <a:t>-2</a:t>
+            </a:r>
+            <a:r>
+              <a:rPr lang="en-US" sz="1600" b="1" dirty="0" smtClean="0">
+                <a:latin typeface="Garamond" panose="02020404030301010803" pitchFamily="18" charset="0"/>
+              </a:rPr>
+              <a:t>; 5000 &lt; N</a:t>
+            </a:r>
+            <a:r>
+              <a:rPr lang="en-US" sz="1600" b="1" baseline="30000" dirty="0" smtClean="0">
+                <a:latin typeface="Garamond" panose="02020404030301010803" pitchFamily="18" charset="0"/>
+              </a:rPr>
+              <a:t>R</a:t>
+            </a:r>
+            <a:r>
+              <a:rPr lang="en-US" sz="1600" b="1" dirty="0" smtClean="0">
+                <a:latin typeface="Garamond" panose="02020404030301010803" pitchFamily="18" charset="0"/>
+              </a:rPr>
+              <a:t> &lt; 10</a:t>
+            </a:r>
+            <a:r>
+              <a:rPr lang="en-US" sz="1600" b="1" baseline="30000" dirty="0" smtClean="0">
+                <a:latin typeface="Garamond" panose="02020404030301010803" pitchFamily="18" charset="0"/>
+              </a:rPr>
+              <a:t>8</a:t>
+            </a:r>
+            <a:endParaRPr lang="en-US" sz="1600" b="1" baseline="30000" dirty="0">
+              <a:latin typeface="Garamond" panose="02020404030301010803" pitchFamily="18" charset="0"/>
+            </a:endParaRPr>
           </a:p>
         </p:txBody>
       </p:sp>

--- a/Docs/Presentations/Slides/froyo_edits.pptx
+++ b/Docs/Presentations/Slides/froyo_edits.pptx
@@ -2166,15 +2166,6 @@
               </a:rPr>
               <a:t>The height to which a pump can raise the water is the pump head and it is measured in meters (feet) of flowing water. The head required to overcome the losses in a pipe system at a given flow rate is called the system head.</a:t>
             </a:r>
-            <a:endParaRPr lang="en-US" sz="1200" b="0" i="0" kern="1200" dirty="0" smtClean="0">
-              <a:solidFill>
-                <a:schemeClr val="tx1"/>
-              </a:solidFill>
-              <a:effectLst/>
-              <a:latin typeface="+mn-lt"/>
-              <a:ea typeface="+mn-ea"/>
-              <a:cs typeface="+mn-cs"/>
-            </a:endParaRPr>
           </a:p>
           <a:p>
             <a:endParaRPr lang="en-US" sz="1200" b="0" i="0" kern="1200" dirty="0" smtClean="0">
@@ -8776,7 +8767,7 @@
       </p:pic>
       <p:pic>
         <p:nvPicPr>
-          <p:cNvPr id="6" name="Picture 5"/>
+          <p:cNvPr id="7" name="Picture 6"/>
           <p:cNvPicPr>
             <a:picLocks noChangeAspect="1"/>
           </p:cNvPicPr>
@@ -8784,30 +8775,6 @@
         </p:nvPicPr>
         <p:blipFill>
           <a:blip r:embed="rId4"/>
-          <a:stretch>
-            <a:fillRect/>
-          </a:stretch>
-        </p:blipFill>
-        <p:spPr>
-          <a:xfrm>
-            <a:off x="3805237" y="2962275"/>
-            <a:ext cx="4581525" cy="933450"/>
-          </a:xfrm>
-          <a:prstGeom prst="rect">
-            <a:avLst/>
-          </a:prstGeom>
-        </p:spPr>
-      </p:pic>
-      <p:pic>
-        <p:nvPicPr>
-          <p:cNvPr id="7" name="Picture 6"/>
-          <p:cNvPicPr>
-            <a:picLocks noChangeAspect="1"/>
-          </p:cNvPicPr>
-          <p:nvPr/>
-        </p:nvPicPr>
-        <p:blipFill>
-          <a:blip r:embed="rId5"/>
           <a:stretch>
             <a:fillRect/>
           </a:stretch>

--- a/Docs/Presentations/Slides/froyo_edits.pptx
+++ b/Docs/Presentations/Slides/froyo_edits.pptx
@@ -5,10 +5,10 @@
     <p:sldMasterId id="2147483660" r:id="rId1"/>
   </p:sldMasterIdLst>
   <p:notesMasterIdLst>
-    <p:notesMasterId r:id="rId12"/>
+    <p:notesMasterId r:id="rId14"/>
   </p:notesMasterIdLst>
   <p:handoutMasterIdLst>
-    <p:handoutMasterId r:id="rId13"/>
+    <p:handoutMasterId r:id="rId15"/>
   </p:handoutMasterIdLst>
   <p:sldIdLst>
     <p:sldId id="259" r:id="rId2"/>
@@ -19,8 +19,10 @@
     <p:sldId id="262" r:id="rId7"/>
     <p:sldId id="256" r:id="rId8"/>
     <p:sldId id="266" r:id="rId9"/>
-    <p:sldId id="263" r:id="rId10"/>
-    <p:sldId id="264" r:id="rId11"/>
+    <p:sldId id="267" r:id="rId10"/>
+    <p:sldId id="268" r:id="rId11"/>
+    <p:sldId id="263" r:id="rId12"/>
+    <p:sldId id="264" r:id="rId13"/>
   </p:sldIdLst>
   <p:sldSz cx="12192000" cy="6858000"/>
   <p:notesSz cx="6858000" cy="9144000"/>
@@ -814,6 +816,159 @@
           <a:lstStyle/>
           <a:p>
             <a:r>
+              <a:rPr lang="en-US" dirty="0" smtClean="0"/>
+              <a:t>A centrifugal pump is a very complex turbomachine, and purely analytical prediction of its performance is not possible. Hence, performance is obtained empirically.</a:t>
+            </a:r>
+          </a:p>
+          <a:p>
+            <a:endParaRPr lang="en-US" dirty="0" smtClean="0"/>
+          </a:p>
+          <a:p>
+            <a:r>
+              <a:rPr lang="en-US" sz="1200" b="0" i="0" kern="1200" dirty="0" smtClean="0">
+                <a:solidFill>
+                  <a:schemeClr val="tx1"/>
+                </a:solidFill>
+                <a:effectLst/>
+                <a:latin typeface="+mn-lt"/>
+                <a:ea typeface="+mn-ea"/>
+                <a:cs typeface="+mn-cs"/>
+              </a:rPr>
+              <a:t>Despite the low efficiency, </a:t>
+            </a:r>
+            <a:r>
+              <a:rPr lang="en-US" sz="1200" b="1" i="0" kern="1200" dirty="0" smtClean="0">
+                <a:solidFill>
+                  <a:schemeClr val="tx1"/>
+                </a:solidFill>
+                <a:effectLst/>
+                <a:latin typeface="+mn-lt"/>
+                <a:ea typeface="+mn-ea"/>
+                <a:cs typeface="+mn-cs"/>
+              </a:rPr>
+              <a:t>regenerative</a:t>
+            </a:r>
+            <a:r>
+              <a:rPr lang="en-US" sz="1200" b="1" i="0" kern="1200" baseline="0" dirty="0" smtClean="0">
+                <a:solidFill>
+                  <a:schemeClr val="tx1"/>
+                </a:solidFill>
+                <a:effectLst/>
+                <a:latin typeface="+mn-lt"/>
+                <a:ea typeface="+mn-ea"/>
+                <a:cs typeface="+mn-cs"/>
+              </a:rPr>
+              <a:t> ring </a:t>
+            </a:r>
+            <a:r>
+              <a:rPr lang="en-US" sz="1200" b="1" i="0" kern="1200" dirty="0" smtClean="0">
+                <a:solidFill>
+                  <a:schemeClr val="tx1"/>
+                </a:solidFill>
+                <a:effectLst/>
+                <a:latin typeface="+mn-lt"/>
+                <a:ea typeface="+mn-ea"/>
+                <a:cs typeface="+mn-cs"/>
+              </a:rPr>
+              <a:t>pumps </a:t>
+            </a:r>
+            <a:r>
+              <a:rPr lang="en-US" sz="1200" b="0" i="0" kern="1200" dirty="0" smtClean="0">
+                <a:solidFill>
+                  <a:schemeClr val="tx1"/>
+                </a:solidFill>
+                <a:effectLst/>
+                <a:latin typeface="+mn-lt"/>
+                <a:ea typeface="+mn-ea"/>
+                <a:cs typeface="+mn-cs"/>
+              </a:rPr>
+              <a:t>have several advantages over other turbomachines with similar tip speed due to relatively low manufacturing costs, simplicity, high reliability, enhanced priming behavior and can in many applications offer a more efficient alternative.</a:t>
+            </a:r>
+            <a:endParaRPr lang="en-US" dirty="0"/>
+          </a:p>
+        </p:txBody>
+      </p:sp>
+      <p:sp>
+        <p:nvSpPr>
+          <p:cNvPr id="4" name="Slide Number Placeholder 3"/>
+          <p:cNvSpPr>
+            <a:spLocks noGrp="1"/>
+          </p:cNvSpPr>
+          <p:nvPr>
+            <p:ph type="sldNum" sz="quarter" idx="10"/>
+          </p:nvPr>
+        </p:nvSpPr>
+        <p:spPr/>
+        <p:txBody>
+          <a:bodyPr/>
+          <a:lstStyle/>
+          <a:p>
+            <a:fld id="{41270EAE-2722-4055-9DC6-0148D79BD176}" type="slidenum">
+              <a:rPr lang="en-US" smtClean="0"/>
+              <a:t>11</a:t>
+            </a:fld>
+            <a:endParaRPr lang="en-US"/>
+          </a:p>
+        </p:txBody>
+      </p:sp>
+    </p:spTree>
+    <p:extLst>
+      <p:ext uri="{BB962C8B-B14F-4D97-AF65-F5344CB8AC3E}">
+        <p14:creationId xmlns:p14="http://schemas.microsoft.com/office/powerpoint/2010/main" val="3671381850"/>
+      </p:ext>
+    </p:extLst>
+  </p:cSld>
+  <p:clrMapOvr>
+    <a:masterClrMapping/>
+  </p:clrMapOvr>
+</p:notes>
+</file>
+
+<file path=ppt/notesSlides/notesSlide11.xml><?xml version="1.0" encoding="utf-8"?>
+<p:notes xmlns:a="http://schemas.openxmlformats.org/drawingml/2006/main" xmlns:r="http://schemas.openxmlformats.org/officeDocument/2006/relationships" xmlns:p="http://schemas.openxmlformats.org/presentationml/2006/main">
+  <p:cSld>
+    <p:spTree>
+      <p:nvGrpSpPr>
+        <p:cNvPr id="1" name=""/>
+        <p:cNvGrpSpPr/>
+        <p:nvPr/>
+      </p:nvGrpSpPr>
+      <p:grpSpPr>
+        <a:xfrm>
+          <a:off x="0" y="0"/>
+          <a:ext cx="0" cy="0"/>
+          <a:chOff x="0" y="0"/>
+          <a:chExt cx="0" cy="0"/>
+        </a:xfrm>
+      </p:grpSpPr>
+      <p:sp>
+        <p:nvSpPr>
+          <p:cNvPr id="2" name="Slide Image Placeholder 1"/>
+          <p:cNvSpPr>
+            <a:spLocks noGrp="1" noRot="1" noChangeAspect="1"/>
+          </p:cNvSpPr>
+          <p:nvPr>
+            <p:ph type="sldImg"/>
+          </p:nvPr>
+        </p:nvSpPr>
+        <p:spPr/>
+      </p:sp>
+      <p:sp>
+        <p:nvSpPr>
+          <p:cNvPr id="3" name="Notes Placeholder 2"/>
+          <p:cNvSpPr>
+            <a:spLocks noGrp="1"/>
+          </p:cNvSpPr>
+          <p:nvPr>
+            <p:ph type="body" idx="1"/>
+          </p:nvPr>
+        </p:nvSpPr>
+        <p:spPr/>
+        <p:txBody>
+          <a:bodyPr/>
+          <a:lstStyle/>
+          <a:p>
+            <a:r>
               <a:rPr lang="en-US" sz="1200" b="0" i="0" kern="1200" dirty="0" smtClean="0">
                 <a:solidFill>
                   <a:schemeClr val="tx1"/>
@@ -919,7 +1074,7 @@
           <a:p>
             <a:fld id="{41270EAE-2722-4055-9DC6-0148D79BD176}" type="slidenum">
               <a:rPr lang="en-US" smtClean="0"/>
-              <a:t>10</a:t>
+              <a:t>12</a:t>
             </a:fld>
             <a:endParaRPr lang="en-US"/>
           </a:p>
@@ -2852,72 +3007,82 @@
           <a:p>
             <a:r>
               <a:rPr lang="en-US" dirty="0" smtClean="0"/>
-              <a:t>A centrifugal pump is a very complex turbomachine, and purely analytical prediction of its performance is not possible. Hence, performance is obtained empirically.</a:t>
-            </a:r>
-          </a:p>
-          <a:p>
+              <a:t>Effects of blade number variation on performance involves many</a:t>
+            </a:r>
+            <a:r>
+              <a:rPr lang="en-US" baseline="0" dirty="0" smtClean="0"/>
+              <a:t> </a:t>
+            </a:r>
+            <a:r>
+              <a:rPr lang="en-US" dirty="0" smtClean="0"/>
+              <a:t>hydrodynamic</a:t>
+            </a:r>
+            <a:r>
+              <a:rPr lang="en-US" baseline="0" dirty="0" smtClean="0"/>
+              <a:t> considerations. </a:t>
+            </a:r>
+          </a:p>
+          <a:p>
+            <a:endParaRPr lang="en-US" baseline="0" dirty="0" smtClean="0"/>
+          </a:p>
+          <a:p>
+            <a:r>
+              <a:rPr lang="en-US" baseline="0" dirty="0" smtClean="0"/>
+              <a:t>We are hesitant to draw any meaningful conclusions at this point in the testing/analysis</a:t>
+            </a:r>
+          </a:p>
+          <a:p>
+            <a:endParaRPr lang="en-US" baseline="0" dirty="0" smtClean="0"/>
+          </a:p>
+          <a:p>
+            <a:r>
+              <a:rPr lang="en-US" baseline="0" dirty="0" smtClean="0"/>
+              <a:t>This slide serves as an example us switching from the engineering side of things to the science side of things. </a:t>
+            </a:r>
+          </a:p>
+          <a:p>
+            <a:endParaRPr lang="en-US" baseline="0" dirty="0" smtClean="0"/>
+          </a:p>
+          <a:p>
+            <a:r>
+              <a:rPr lang="en-US" baseline="0" dirty="0" smtClean="0"/>
+              <a:t>Where we study the behavior of the system in a more general and exploratory way</a:t>
+            </a:r>
             <a:endParaRPr lang="en-US" dirty="0" smtClean="0"/>
           </a:p>
           <a:p>
-            <a:r>
-              <a:rPr lang="en-US" sz="1200" b="0" i="0" kern="1200" dirty="0" smtClean="0">
-                <a:solidFill>
-                  <a:schemeClr val="tx1"/>
-                </a:solidFill>
-                <a:effectLst/>
-                <a:latin typeface="+mn-lt"/>
-                <a:ea typeface="+mn-ea"/>
-                <a:cs typeface="+mn-cs"/>
-              </a:rPr>
-              <a:t>Despite the low efficiency, </a:t>
-            </a:r>
-            <a:r>
-              <a:rPr lang="en-US" sz="1200" b="1" i="0" kern="1200" dirty="0" smtClean="0">
-                <a:solidFill>
-                  <a:schemeClr val="tx1"/>
-                </a:solidFill>
-                <a:effectLst/>
-                <a:latin typeface="+mn-lt"/>
-                <a:ea typeface="+mn-ea"/>
-                <a:cs typeface="+mn-cs"/>
-              </a:rPr>
-              <a:t>regenerative</a:t>
-            </a:r>
-            <a:r>
-              <a:rPr lang="en-US" sz="1200" b="1" i="0" kern="1200" baseline="0" dirty="0" smtClean="0">
-                <a:solidFill>
-                  <a:schemeClr val="tx1"/>
-                </a:solidFill>
-                <a:effectLst/>
-                <a:latin typeface="+mn-lt"/>
-                <a:ea typeface="+mn-ea"/>
-                <a:cs typeface="+mn-cs"/>
-              </a:rPr>
-              <a:t> ring </a:t>
-            </a:r>
-            <a:r>
-              <a:rPr lang="en-US" sz="1200" b="1" i="0" kern="1200" dirty="0" smtClean="0">
-                <a:solidFill>
-                  <a:schemeClr val="tx1"/>
-                </a:solidFill>
-                <a:effectLst/>
-                <a:latin typeface="+mn-lt"/>
-                <a:ea typeface="+mn-ea"/>
-                <a:cs typeface="+mn-cs"/>
-              </a:rPr>
-              <a:t>pumps </a:t>
-            </a:r>
-            <a:r>
-              <a:rPr lang="en-US" sz="1200" b="0" i="0" kern="1200" dirty="0" smtClean="0">
-                <a:solidFill>
-                  <a:schemeClr val="tx1"/>
-                </a:solidFill>
-                <a:effectLst/>
-                <a:latin typeface="+mn-lt"/>
-                <a:ea typeface="+mn-ea"/>
-                <a:cs typeface="+mn-cs"/>
-              </a:rPr>
-              <a:t>have several advantages over other turbomachines with similar tip speed due to relatively low manufacturing costs, simplicity, high reliability, enhanced priming behavior and can in many applications offer a more efficient alternative.</a:t>
+            <a:endParaRPr lang="en-US" dirty="0" smtClean="0"/>
+          </a:p>
+          <a:p>
+            <a:r>
+              <a:rPr lang="en-US" dirty="0" smtClean="0"/>
+              <a:t>Possible </a:t>
+            </a:r>
+          </a:p>
+          <a:p>
+            <a:endParaRPr lang="en-US" dirty="0" smtClean="0"/>
+          </a:p>
+          <a:p>
+            <a:r>
+              <a:rPr lang="en-US" dirty="0" smtClean="0"/>
+              <a:t>Frictional loss effects</a:t>
+            </a:r>
+          </a:p>
+          <a:p>
+            <a:endParaRPr lang="en-US" dirty="0" smtClean="0"/>
+          </a:p>
+          <a:p>
+            <a:r>
+              <a:rPr lang="en-US" dirty="0" smtClean="0"/>
+              <a:t>An</a:t>
+            </a:r>
+            <a:r>
+              <a:rPr lang="en-US" baseline="0" dirty="0" smtClean="0"/>
+              <a:t> i</a:t>
+            </a:r>
+            <a:r>
+              <a:rPr lang="en-US" dirty="0" smtClean="0"/>
+              <a:t>ncreases of interface between fluid stream and blade can cause an increment of hydraulic loss</a:t>
             </a:r>
             <a:endParaRPr lang="en-US" dirty="0"/>
           </a:p>
@@ -2949,7 +3114,7 @@
     </p:spTree>
     <p:extLst>
       <p:ext uri="{BB962C8B-B14F-4D97-AF65-F5344CB8AC3E}">
-        <p14:creationId xmlns:p14="http://schemas.microsoft.com/office/powerpoint/2010/main" val="3671381850"/>
+        <p14:creationId xmlns:p14="http://schemas.microsoft.com/office/powerpoint/2010/main" val="1963185037"/>
       </p:ext>
     </p:extLst>
   </p:cSld>
@@ -5948,6 +6113,44 @@
       </p:grpSpPr>
       <p:sp>
         <p:nvSpPr>
+          <p:cNvPr id="2" name="Title 1"/>
+          <p:cNvSpPr>
+            <a:spLocks noGrp="1"/>
+          </p:cNvSpPr>
+          <p:nvPr>
+            <p:ph type="title"/>
+          </p:nvPr>
+        </p:nvSpPr>
+        <p:spPr/>
+        <p:txBody>
+          <a:bodyPr/>
+          <a:lstStyle/>
+          <a:p>
+            <a:endParaRPr lang="en-US"/>
+          </a:p>
+        </p:txBody>
+      </p:sp>
+      <p:sp>
+        <p:nvSpPr>
+          <p:cNvPr id="3" name="Content Placeholder 2"/>
+          <p:cNvSpPr>
+            <a:spLocks noGrp="1"/>
+          </p:cNvSpPr>
+          <p:nvPr>
+            <p:ph idx="1"/>
+          </p:nvPr>
+        </p:nvSpPr>
+        <p:spPr/>
+        <p:txBody>
+          <a:bodyPr/>
+          <a:lstStyle/>
+          <a:p>
+            <a:endParaRPr lang="en-US"/>
+          </a:p>
+        </p:txBody>
+      </p:sp>
+      <p:sp>
+        <p:nvSpPr>
           <p:cNvPr id="4" name="Slide Number Placeholder 3"/>
           <p:cNvSpPr>
             <a:spLocks noGrp="1"/>
@@ -5964,6 +6167,167 @@
             <a:fld id="{27225834-A5F4-4780-A9FC-586FB30F9BB0}" type="slidenum">
               <a:rPr lang="en-US" smtClean="0"/>
               <a:t>10</a:t>
+            </a:fld>
+            <a:endParaRPr lang="en-US"/>
+          </a:p>
+        </p:txBody>
+      </p:sp>
+    </p:spTree>
+    <p:extLst>
+      <p:ext uri="{BB962C8B-B14F-4D97-AF65-F5344CB8AC3E}">
+        <p14:creationId xmlns:p14="http://schemas.microsoft.com/office/powerpoint/2010/main" val="2883855532"/>
+      </p:ext>
+    </p:extLst>
+  </p:cSld>
+  <p:clrMapOvr>
+    <a:masterClrMapping/>
+  </p:clrMapOvr>
+</p:sld>
+</file>
+
+<file path=ppt/slides/slide11.xml><?xml version="1.0" encoding="utf-8"?>
+<p:sld xmlns:a="http://schemas.openxmlformats.org/drawingml/2006/main" xmlns:r="http://schemas.openxmlformats.org/officeDocument/2006/relationships" xmlns:p="http://schemas.openxmlformats.org/presentationml/2006/main">
+  <p:cSld>
+    <p:spTree>
+      <p:nvGrpSpPr>
+        <p:cNvPr id="1" name=""/>
+        <p:cNvGrpSpPr/>
+        <p:nvPr/>
+      </p:nvGrpSpPr>
+      <p:grpSpPr>
+        <a:xfrm>
+          <a:off x="0" y="0"/>
+          <a:ext cx="0" cy="0"/>
+          <a:chOff x="0" y="0"/>
+          <a:chExt cx="0" cy="0"/>
+        </a:xfrm>
+      </p:grpSpPr>
+      <p:sp>
+        <p:nvSpPr>
+          <p:cNvPr id="4" name="Slide Number Placeholder 3"/>
+          <p:cNvSpPr>
+            <a:spLocks noGrp="1"/>
+          </p:cNvSpPr>
+          <p:nvPr>
+            <p:ph type="sldNum" sz="quarter" idx="12"/>
+          </p:nvPr>
+        </p:nvSpPr>
+        <p:spPr/>
+        <p:txBody>
+          <a:bodyPr/>
+          <a:lstStyle/>
+          <a:p>
+            <a:fld id="{27225834-A5F4-4780-A9FC-586FB30F9BB0}" type="slidenum">
+              <a:rPr lang="en-US" smtClean="0"/>
+              <a:t>11</a:t>
+            </a:fld>
+            <a:endParaRPr lang="en-US"/>
+          </a:p>
+        </p:txBody>
+      </p:sp>
+      <p:pic>
+        <p:nvPicPr>
+          <p:cNvPr id="5" name="Picture 4"/>
+          <p:cNvPicPr>
+            <a:picLocks noChangeAspect="1"/>
+          </p:cNvPicPr>
+          <p:nvPr/>
+        </p:nvPicPr>
+        <p:blipFill>
+          <a:blip r:embed="rId3"/>
+          <a:stretch>
+            <a:fillRect/>
+          </a:stretch>
+        </p:blipFill>
+        <p:spPr>
+          <a:xfrm>
+            <a:off x="760534" y="3429000"/>
+            <a:ext cx="2628900" cy="1704975"/>
+          </a:xfrm>
+          <a:prstGeom prst="rect">
+            <a:avLst/>
+          </a:prstGeom>
+        </p:spPr>
+      </p:pic>
+      <p:pic>
+        <p:nvPicPr>
+          <p:cNvPr id="7" name="Picture 6"/>
+          <p:cNvPicPr>
+            <a:picLocks noChangeAspect="1"/>
+          </p:cNvPicPr>
+          <p:nvPr/>
+        </p:nvPicPr>
+        <p:blipFill>
+          <a:blip r:embed="rId4"/>
+          <a:stretch>
+            <a:fillRect/>
+          </a:stretch>
+        </p:blipFill>
+        <p:spPr>
+          <a:xfrm>
+            <a:off x="3805237" y="4192099"/>
+            <a:ext cx="4657725" cy="771525"/>
+          </a:xfrm>
+          <a:prstGeom prst="rect">
+            <a:avLst/>
+          </a:prstGeom>
+        </p:spPr>
+      </p:pic>
+    </p:spTree>
+    <p:extLst>
+      <p:ext uri="{BB962C8B-B14F-4D97-AF65-F5344CB8AC3E}">
+        <p14:creationId xmlns:p14="http://schemas.microsoft.com/office/powerpoint/2010/main" val="2317393512"/>
+      </p:ext>
+    </p:extLst>
+  </p:cSld>
+  <p:clrMapOvr>
+    <a:masterClrMapping/>
+  </p:clrMapOvr>
+  <p:timing>
+    <p:tnLst>
+      <p:par>
+        <p:cTn id="1" dur="indefinite" restart="never" nodeType="tmRoot"/>
+      </p:par>
+    </p:tnLst>
+  </p:timing>
+</p:sld>
+</file>
+
+<file path=ppt/slides/slide12.xml><?xml version="1.0" encoding="utf-8"?>
+<p:sld xmlns:a="http://schemas.openxmlformats.org/drawingml/2006/main" xmlns:r="http://schemas.openxmlformats.org/officeDocument/2006/relationships" xmlns:p="http://schemas.openxmlformats.org/presentationml/2006/main">
+  <p:cSld>
+    <p:spTree>
+      <p:nvGrpSpPr>
+        <p:cNvPr id="1" name=""/>
+        <p:cNvGrpSpPr/>
+        <p:nvPr/>
+      </p:nvGrpSpPr>
+      <p:grpSpPr>
+        <a:xfrm>
+          <a:off x="0" y="0"/>
+          <a:ext cx="0" cy="0"/>
+          <a:chOff x="0" y="0"/>
+          <a:chExt cx="0" cy="0"/>
+        </a:xfrm>
+      </p:grpSpPr>
+      <p:sp>
+        <p:nvSpPr>
+          <p:cNvPr id="4" name="Slide Number Placeholder 3"/>
+          <p:cNvSpPr>
+            <a:spLocks noGrp="1"/>
+          </p:cNvSpPr>
+          <p:nvPr>
+            <p:ph type="sldNum" sz="quarter" idx="12"/>
+          </p:nvPr>
+        </p:nvSpPr>
+        <p:spPr/>
+        <p:txBody>
+          <a:bodyPr/>
+          <a:lstStyle/>
+          <a:p>
+            <a:fld id="{27225834-A5F4-4780-A9FC-586FB30F9BB0}" type="slidenum">
+              <a:rPr lang="en-US" smtClean="0"/>
+              <a:t>12</a:t>
             </a:fld>
             <a:endParaRPr lang="en-US"/>
           </a:p>
@@ -8743,7 +9107,7 @@
       </p:sp>
       <p:pic>
         <p:nvPicPr>
-          <p:cNvPr id="5" name="Picture 4"/>
+          <p:cNvPr id="6" name="Picture 5"/>
           <p:cNvPicPr>
             <a:picLocks noChangeAspect="1"/>
           </p:cNvPicPr>
@@ -8757,8 +9121,8 @@
         </p:blipFill>
         <p:spPr>
           <a:xfrm>
-            <a:off x="760534" y="3429000"/>
-            <a:ext cx="2628900" cy="1704975"/>
+            <a:off x="6084743" y="457865"/>
+            <a:ext cx="4995111" cy="2869323"/>
           </a:xfrm>
           <a:prstGeom prst="rect">
             <a:avLst/>
@@ -8781,31 +9145,327 @@
         </p:blipFill>
         <p:spPr>
           <a:xfrm>
-            <a:off x="3805237" y="4192099"/>
-            <a:ext cx="4657725" cy="771525"/>
+            <a:off x="6084743" y="3434696"/>
+            <a:ext cx="5051713" cy="2874985"/>
           </a:xfrm>
           <a:prstGeom prst="rect">
             <a:avLst/>
           </a:prstGeom>
         </p:spPr>
       </p:pic>
+      <p:pic>
+        <p:nvPicPr>
+          <p:cNvPr id="8" name="Picture 7"/>
+          <p:cNvPicPr>
+            <a:picLocks noChangeAspect="1"/>
+          </p:cNvPicPr>
+          <p:nvPr/>
+        </p:nvPicPr>
+        <p:blipFill>
+          <a:blip r:embed="rId5"/>
+          <a:stretch>
+            <a:fillRect/>
+          </a:stretch>
+        </p:blipFill>
+        <p:spPr>
+          <a:xfrm>
+            <a:off x="726281" y="411388"/>
+            <a:ext cx="1419225" cy="1495425"/>
+          </a:xfrm>
+          <a:prstGeom prst="rect">
+            <a:avLst/>
+          </a:prstGeom>
+        </p:spPr>
+      </p:pic>
+      <p:pic>
+        <p:nvPicPr>
+          <p:cNvPr id="9" name="Picture 8"/>
+          <p:cNvPicPr>
+            <a:picLocks noChangeAspect="1"/>
+          </p:cNvPicPr>
+          <p:nvPr/>
+        </p:nvPicPr>
+        <p:blipFill>
+          <a:blip r:embed="rId6"/>
+          <a:stretch>
+            <a:fillRect/>
+          </a:stretch>
+        </p:blipFill>
+        <p:spPr>
+          <a:xfrm>
+            <a:off x="3426835" y="411387"/>
+            <a:ext cx="1514475" cy="1495425"/>
+          </a:xfrm>
+          <a:prstGeom prst="rect">
+            <a:avLst/>
+          </a:prstGeom>
+        </p:spPr>
+      </p:pic>
+      <p:sp>
+        <p:nvSpPr>
+          <p:cNvPr id="10" name="TextBox 9"/>
+          <p:cNvSpPr txBox="1"/>
+          <p:nvPr/>
+        </p:nvSpPr>
+        <p:spPr>
+          <a:xfrm>
+            <a:off x="2527691" y="959045"/>
+            <a:ext cx="589582" cy="400110"/>
+          </a:xfrm>
+          <a:prstGeom prst="rect">
+            <a:avLst/>
+          </a:prstGeom>
+          <a:noFill/>
+        </p:spPr>
+        <p:txBody>
+          <a:bodyPr wrap="square" rtlCol="0">
+            <a:spAutoFit/>
+          </a:bodyPr>
+          <a:lstStyle/>
+          <a:p>
+            <a:r>
+              <a:rPr lang="en-US" sz="2000" b="1" dirty="0" smtClean="0">
+                <a:latin typeface="Garamond" panose="02020404030301010803" pitchFamily="18" charset="0"/>
+              </a:rPr>
+              <a:t>Vs.</a:t>
+            </a:r>
+            <a:endParaRPr lang="en-US" sz="2000" b="1" dirty="0">
+              <a:latin typeface="Garamond" panose="02020404030301010803" pitchFamily="18" charset="0"/>
+            </a:endParaRPr>
+          </a:p>
+        </p:txBody>
+      </p:sp>
+      <p:sp>
+        <p:nvSpPr>
+          <p:cNvPr id="11" name="TextBox 10"/>
+          <p:cNvSpPr txBox="1"/>
+          <p:nvPr/>
+        </p:nvSpPr>
+        <p:spPr>
+          <a:xfrm>
+            <a:off x="1031621" y="1976398"/>
+            <a:ext cx="1037143" cy="400110"/>
+          </a:xfrm>
+          <a:prstGeom prst="rect">
+            <a:avLst/>
+          </a:prstGeom>
+          <a:noFill/>
+        </p:spPr>
+        <p:txBody>
+          <a:bodyPr wrap="square" rtlCol="0">
+            <a:spAutoFit/>
+          </a:bodyPr>
+          <a:lstStyle/>
+          <a:p>
+            <a:r>
+              <a:rPr lang="en-US" sz="2000" b="1" dirty="0" smtClean="0">
+                <a:latin typeface="Garamond" panose="02020404030301010803" pitchFamily="18" charset="0"/>
+              </a:rPr>
+              <a:t>Z = 10</a:t>
+            </a:r>
+            <a:endParaRPr lang="en-US" sz="2000" b="1" dirty="0">
+              <a:latin typeface="Garamond" panose="02020404030301010803" pitchFamily="18" charset="0"/>
+            </a:endParaRPr>
+          </a:p>
+        </p:txBody>
+      </p:sp>
+      <p:sp>
+        <p:nvSpPr>
+          <p:cNvPr id="12" name="TextBox 11"/>
+          <p:cNvSpPr txBox="1"/>
+          <p:nvPr/>
+        </p:nvSpPr>
+        <p:spPr>
+          <a:xfrm>
+            <a:off x="3755901" y="1976398"/>
+            <a:ext cx="856342" cy="400110"/>
+          </a:xfrm>
+          <a:prstGeom prst="rect">
+            <a:avLst/>
+          </a:prstGeom>
+          <a:noFill/>
+        </p:spPr>
+        <p:txBody>
+          <a:bodyPr wrap="square" rtlCol="0">
+            <a:spAutoFit/>
+          </a:bodyPr>
+          <a:lstStyle/>
+          <a:p>
+            <a:r>
+              <a:rPr lang="en-US" sz="2000" b="1" dirty="0" smtClean="0">
+                <a:latin typeface="Garamond" panose="02020404030301010803" pitchFamily="18" charset="0"/>
+              </a:rPr>
+              <a:t>Z = 6</a:t>
+            </a:r>
+            <a:endParaRPr lang="en-US" sz="2000" b="1" dirty="0">
+              <a:latin typeface="Garamond" panose="02020404030301010803" pitchFamily="18" charset="0"/>
+            </a:endParaRPr>
+          </a:p>
+        </p:txBody>
+      </p:sp>
+      <p:sp>
+        <p:nvSpPr>
+          <p:cNvPr id="13" name="TextBox 12"/>
+          <p:cNvSpPr txBox="1"/>
+          <p:nvPr/>
+        </p:nvSpPr>
+        <p:spPr>
+          <a:xfrm>
+            <a:off x="1062794" y="2731470"/>
+            <a:ext cx="3800152" cy="1031051"/>
+          </a:xfrm>
+          <a:prstGeom prst="rect">
+            <a:avLst/>
+          </a:prstGeom>
+          <a:noFill/>
+        </p:spPr>
+        <p:txBody>
+          <a:bodyPr wrap="square" rtlCol="0">
+            <a:spAutoFit/>
+          </a:bodyPr>
+          <a:lstStyle/>
+          <a:p>
+            <a:pPr>
+              <a:spcBef>
+                <a:spcPts val="600"/>
+              </a:spcBef>
+            </a:pPr>
+            <a:r>
+              <a:rPr lang="en-US" sz="2000" b="1" dirty="0" smtClean="0">
+                <a:solidFill>
+                  <a:srgbClr val="C00000"/>
+                </a:solidFill>
+                <a:latin typeface="Garamond" panose="02020404030301010803" pitchFamily="18" charset="0"/>
+              </a:rPr>
+              <a:t>10 Blades</a:t>
+            </a:r>
+            <a:endParaRPr lang="en-US" sz="2000" b="1" dirty="0" smtClean="0">
+              <a:latin typeface="Garamond" panose="02020404030301010803" pitchFamily="18" charset="0"/>
+            </a:endParaRPr>
+          </a:p>
+          <a:p>
+            <a:pPr indent="-342900">
+              <a:spcBef>
+                <a:spcPts val="600"/>
+              </a:spcBef>
+              <a:buFont typeface="Arial" panose="020B0604020202020204" pitchFamily="34" charset="0"/>
+              <a:buChar char="•"/>
+            </a:pPr>
+            <a:r>
+              <a:rPr lang="en-US" b="1" dirty="0" smtClean="0">
+                <a:latin typeface="Garamond" panose="02020404030301010803" pitchFamily="18" charset="0"/>
+              </a:rPr>
+              <a:t>Slightly higher </a:t>
+            </a:r>
+            <a:r>
+              <a:rPr lang="en-US" b="1" dirty="0">
+                <a:latin typeface="Garamond" panose="02020404030301010803" pitchFamily="18" charset="0"/>
+              </a:rPr>
+              <a:t>(~ 2 %)</a:t>
+            </a:r>
+            <a:r>
+              <a:rPr lang="en-US" b="1" dirty="0" smtClean="0">
+                <a:latin typeface="Garamond" panose="02020404030301010803" pitchFamily="18" charset="0"/>
+              </a:rPr>
+              <a:t> discharge pressures for a given flow rate. </a:t>
+            </a:r>
+          </a:p>
+        </p:txBody>
+      </p:sp>
+      <p:sp>
+        <p:nvSpPr>
+          <p:cNvPr id="14" name="TextBox 13"/>
+          <p:cNvSpPr txBox="1"/>
+          <p:nvPr/>
+        </p:nvSpPr>
+        <p:spPr>
+          <a:xfrm>
+            <a:off x="1062794" y="4256635"/>
+            <a:ext cx="5608170" cy="1308050"/>
+          </a:xfrm>
+          <a:prstGeom prst="rect">
+            <a:avLst/>
+          </a:prstGeom>
+          <a:noFill/>
+        </p:spPr>
+        <p:txBody>
+          <a:bodyPr wrap="square" rtlCol="0">
+            <a:spAutoFit/>
+          </a:bodyPr>
+          <a:lstStyle/>
+          <a:p>
+            <a:pPr>
+              <a:spcBef>
+                <a:spcPts val="600"/>
+              </a:spcBef>
+            </a:pPr>
+            <a:r>
+              <a:rPr lang="en-US" sz="2000" b="1" dirty="0">
+                <a:solidFill>
+                  <a:srgbClr val="C00000"/>
+                </a:solidFill>
+                <a:latin typeface="Garamond" panose="02020404030301010803" pitchFamily="18" charset="0"/>
+              </a:rPr>
+              <a:t>6</a:t>
+            </a:r>
+            <a:r>
+              <a:rPr lang="en-US" sz="2000" b="1" dirty="0" smtClean="0">
+                <a:solidFill>
+                  <a:srgbClr val="C00000"/>
+                </a:solidFill>
+                <a:latin typeface="Garamond" panose="02020404030301010803" pitchFamily="18" charset="0"/>
+              </a:rPr>
+              <a:t> Blades</a:t>
+            </a:r>
+            <a:endParaRPr lang="en-US" sz="2000" b="1" dirty="0" smtClean="0">
+              <a:latin typeface="Garamond" panose="02020404030301010803" pitchFamily="18" charset="0"/>
+            </a:endParaRPr>
+          </a:p>
+          <a:p>
+            <a:pPr marL="342900" indent="-342900">
+              <a:lnSpc>
+                <a:spcPct val="150000"/>
+              </a:lnSpc>
+              <a:spcBef>
+                <a:spcPts val="600"/>
+              </a:spcBef>
+              <a:buFont typeface="Arial" panose="020B0604020202020204" pitchFamily="34" charset="0"/>
+              <a:buChar char="•"/>
+            </a:pPr>
+            <a:r>
+              <a:rPr lang="en-US" b="1" dirty="0" smtClean="0">
+                <a:latin typeface="Garamond" panose="02020404030301010803" pitchFamily="18" charset="0"/>
+              </a:rPr>
+              <a:t>Lower chamber pressures (~ 8 %)</a:t>
+            </a:r>
+          </a:p>
+          <a:p>
+            <a:pPr marL="342900" indent="-342900">
+              <a:lnSpc>
+                <a:spcPct val="150000"/>
+              </a:lnSpc>
+              <a:buFont typeface="Arial" panose="020B0604020202020204" pitchFamily="34" charset="0"/>
+              <a:buChar char="•"/>
+            </a:pPr>
+            <a:r>
+              <a:rPr lang="en-US" b="1" dirty="0" smtClean="0">
+                <a:latin typeface="Garamond" panose="02020404030301010803" pitchFamily="18" charset="0"/>
+              </a:rPr>
+              <a:t>Earlier run-out (lower max. flow)</a:t>
+            </a:r>
+          </a:p>
+        </p:txBody>
+      </p:sp>
     </p:spTree>
     <p:extLst>
       <p:ext uri="{BB962C8B-B14F-4D97-AF65-F5344CB8AC3E}">
-        <p14:creationId xmlns:p14="http://schemas.microsoft.com/office/powerpoint/2010/main" val="2317393512"/>
+        <p14:creationId xmlns:p14="http://schemas.microsoft.com/office/powerpoint/2010/main" val="2317098088"/>
       </p:ext>
     </p:extLst>
   </p:cSld>
   <p:clrMapOvr>
     <a:masterClrMapping/>
   </p:clrMapOvr>
-  <p:timing>
-    <p:tnLst>
-      <p:par>
-        <p:cTn id="1" dur="indefinite" restart="never" nodeType="tmRoot"/>
-      </p:par>
-    </p:tnLst>
-  </p:timing>
 </p:sld>
 </file>
 

--- a/Docs/Presentations/Slides/froyo_edits.pptx
+++ b/Docs/Presentations/Slides/froyo_edits.pptx
@@ -5,24 +5,25 @@
     <p:sldMasterId id="2147483660" r:id="rId1"/>
   </p:sldMasterIdLst>
   <p:notesMasterIdLst>
-    <p:notesMasterId r:id="rId14"/>
+    <p:notesMasterId r:id="rId15"/>
   </p:notesMasterIdLst>
   <p:handoutMasterIdLst>
-    <p:handoutMasterId r:id="rId15"/>
+    <p:handoutMasterId r:id="rId16"/>
   </p:handoutMasterIdLst>
   <p:sldIdLst>
     <p:sldId id="259" r:id="rId2"/>
     <p:sldId id="260" r:id="rId3"/>
     <p:sldId id="258" r:id="rId4"/>
-    <p:sldId id="265" r:id="rId5"/>
-    <p:sldId id="261" r:id="rId6"/>
-    <p:sldId id="262" r:id="rId7"/>
-    <p:sldId id="256" r:id="rId8"/>
-    <p:sldId id="266" r:id="rId9"/>
-    <p:sldId id="267" r:id="rId10"/>
-    <p:sldId id="268" r:id="rId11"/>
-    <p:sldId id="263" r:id="rId12"/>
-    <p:sldId id="264" r:id="rId13"/>
+    <p:sldId id="269" r:id="rId5"/>
+    <p:sldId id="265" r:id="rId6"/>
+    <p:sldId id="261" r:id="rId7"/>
+    <p:sldId id="262" r:id="rId8"/>
+    <p:sldId id="256" r:id="rId9"/>
+    <p:sldId id="266" r:id="rId10"/>
+    <p:sldId id="267" r:id="rId11"/>
+    <p:sldId id="268" r:id="rId12"/>
+    <p:sldId id="263" r:id="rId13"/>
+    <p:sldId id="264" r:id="rId14"/>
   </p:sldIdLst>
   <p:sldSz cx="12192000" cy="6858000"/>
   <p:notesSz cx="6858000" cy="9144000"/>
@@ -905,7 +906,7 @@
           <a:p>
             <a:fld id="{41270EAE-2722-4055-9DC6-0148D79BD176}" type="slidenum">
               <a:rPr lang="en-US" smtClean="0"/>
-              <a:t>11</a:t>
+              <a:t>12</a:t>
             </a:fld>
             <a:endParaRPr lang="en-US"/>
           </a:p>
@@ -1074,7 +1075,7 @@
           <a:p>
             <a:fld id="{41270EAE-2722-4055-9DC6-0148D79BD176}" type="slidenum">
               <a:rPr lang="en-US" smtClean="0"/>
-              <a:t>12</a:t>
+              <a:t>13</a:t>
             </a:fld>
             <a:endParaRPr lang="en-US"/>
           </a:p>
@@ -1746,7 +1747,7 @@
           <a:p>
             <a:fld id="{41270EAE-2722-4055-9DC6-0148D79BD176}" type="slidenum">
               <a:rPr lang="en-US" smtClean="0"/>
-              <a:t>4</a:t>
+              <a:t>5</a:t>
             </a:fld>
             <a:endParaRPr lang="en-US"/>
           </a:p>
@@ -2206,7 +2207,7 @@
           <a:p>
             <a:fld id="{41270EAE-2722-4055-9DC6-0148D79BD176}" type="slidenum">
               <a:rPr lang="en-US" smtClean="0"/>
-              <a:t>5</a:t>
+              <a:t>6</a:t>
             </a:fld>
             <a:endParaRPr lang="en-US"/>
           </a:p>
@@ -2706,7 +2707,7 @@
           <a:p>
             <a:fld id="{41270EAE-2722-4055-9DC6-0148D79BD176}" type="slidenum">
               <a:rPr lang="en-US" smtClean="0"/>
-              <a:t>6</a:t>
+              <a:t>7</a:t>
             </a:fld>
             <a:endParaRPr lang="en-US"/>
           </a:p>
@@ -2790,7 +2791,7 @@
           <a:p>
             <a:fld id="{41270EAE-2722-4055-9DC6-0148D79BD176}" type="slidenum">
               <a:rPr lang="en-US" smtClean="0"/>
-              <a:t>7</a:t>
+              <a:t>8</a:t>
             </a:fld>
             <a:endParaRPr lang="en-US"/>
           </a:p>
@@ -2942,7 +2943,7 @@
           <a:p>
             <a:fld id="{41270EAE-2722-4055-9DC6-0148D79BD176}" type="slidenum">
               <a:rPr lang="en-US" smtClean="0"/>
-              <a:t>8</a:t>
+              <a:t>9</a:t>
             </a:fld>
             <a:endParaRPr lang="en-US"/>
           </a:p>
@@ -3105,7 +3106,7 @@
           <a:p>
             <a:fld id="{41270EAE-2722-4055-9DC6-0148D79BD176}" type="slidenum">
               <a:rPr lang="en-US" smtClean="0"/>
-              <a:t>9</a:t>
+              <a:t>10</a:t>
             </a:fld>
             <a:endParaRPr lang="en-US"/>
           </a:p>
@@ -6113,44 +6114,6 @@
       </p:grpSpPr>
       <p:sp>
         <p:nvSpPr>
-          <p:cNvPr id="2" name="Title 1"/>
-          <p:cNvSpPr>
-            <a:spLocks noGrp="1"/>
-          </p:cNvSpPr>
-          <p:nvPr>
-            <p:ph type="title"/>
-          </p:nvPr>
-        </p:nvSpPr>
-        <p:spPr/>
-        <p:txBody>
-          <a:bodyPr/>
-          <a:lstStyle/>
-          <a:p>
-            <a:endParaRPr lang="en-US"/>
-          </a:p>
-        </p:txBody>
-      </p:sp>
-      <p:sp>
-        <p:nvSpPr>
-          <p:cNvPr id="3" name="Content Placeholder 2"/>
-          <p:cNvSpPr>
-            <a:spLocks noGrp="1"/>
-          </p:cNvSpPr>
-          <p:nvPr>
-            <p:ph idx="1"/>
-          </p:nvPr>
-        </p:nvSpPr>
-        <p:spPr/>
-        <p:txBody>
-          <a:bodyPr/>
-          <a:lstStyle/>
-          <a:p>
-            <a:endParaRPr lang="en-US"/>
-          </a:p>
-        </p:txBody>
-      </p:sp>
-      <p:sp>
-        <p:nvSpPr>
           <p:cNvPr id="4" name="Slide Number Placeholder 3"/>
           <p:cNvSpPr>
             <a:spLocks noGrp="1"/>
@@ -6172,10 +6135,361 @@
           </a:p>
         </p:txBody>
       </p:sp>
+      <p:pic>
+        <p:nvPicPr>
+          <p:cNvPr id="6" name="Picture 5"/>
+          <p:cNvPicPr>
+            <a:picLocks noChangeAspect="1"/>
+          </p:cNvPicPr>
+          <p:nvPr/>
+        </p:nvPicPr>
+        <p:blipFill>
+          <a:blip r:embed="rId3"/>
+          <a:stretch>
+            <a:fillRect/>
+          </a:stretch>
+        </p:blipFill>
+        <p:spPr>
+          <a:xfrm>
+            <a:off x="6084743" y="457865"/>
+            <a:ext cx="4995111" cy="2869323"/>
+          </a:xfrm>
+          <a:prstGeom prst="rect">
+            <a:avLst/>
+          </a:prstGeom>
+        </p:spPr>
+      </p:pic>
+      <p:pic>
+        <p:nvPicPr>
+          <p:cNvPr id="7" name="Picture 6"/>
+          <p:cNvPicPr>
+            <a:picLocks noChangeAspect="1"/>
+          </p:cNvPicPr>
+          <p:nvPr/>
+        </p:nvPicPr>
+        <p:blipFill>
+          <a:blip r:embed="rId4"/>
+          <a:stretch>
+            <a:fillRect/>
+          </a:stretch>
+        </p:blipFill>
+        <p:spPr>
+          <a:xfrm>
+            <a:off x="6084743" y="3434696"/>
+            <a:ext cx="5051713" cy="2874985"/>
+          </a:xfrm>
+          <a:prstGeom prst="rect">
+            <a:avLst/>
+          </a:prstGeom>
+        </p:spPr>
+      </p:pic>
+      <p:pic>
+        <p:nvPicPr>
+          <p:cNvPr id="8" name="Picture 7"/>
+          <p:cNvPicPr>
+            <a:picLocks noChangeAspect="1"/>
+          </p:cNvPicPr>
+          <p:nvPr/>
+        </p:nvPicPr>
+        <p:blipFill>
+          <a:blip r:embed="rId5"/>
+          <a:stretch>
+            <a:fillRect/>
+          </a:stretch>
+        </p:blipFill>
+        <p:spPr>
+          <a:xfrm>
+            <a:off x="726281" y="411388"/>
+            <a:ext cx="1419225" cy="1495425"/>
+          </a:xfrm>
+          <a:prstGeom prst="rect">
+            <a:avLst/>
+          </a:prstGeom>
+        </p:spPr>
+      </p:pic>
+      <p:pic>
+        <p:nvPicPr>
+          <p:cNvPr id="9" name="Picture 8"/>
+          <p:cNvPicPr>
+            <a:picLocks noChangeAspect="1"/>
+          </p:cNvPicPr>
+          <p:nvPr/>
+        </p:nvPicPr>
+        <p:blipFill>
+          <a:blip r:embed="rId6"/>
+          <a:stretch>
+            <a:fillRect/>
+          </a:stretch>
+        </p:blipFill>
+        <p:spPr>
+          <a:xfrm>
+            <a:off x="3426835" y="411387"/>
+            <a:ext cx="1514475" cy="1495425"/>
+          </a:xfrm>
+          <a:prstGeom prst="rect">
+            <a:avLst/>
+          </a:prstGeom>
+        </p:spPr>
+      </p:pic>
+      <p:sp>
+        <p:nvSpPr>
+          <p:cNvPr id="10" name="TextBox 9"/>
+          <p:cNvSpPr txBox="1"/>
+          <p:nvPr/>
+        </p:nvSpPr>
+        <p:spPr>
+          <a:xfrm>
+            <a:off x="2527691" y="959045"/>
+            <a:ext cx="589582" cy="400110"/>
+          </a:xfrm>
+          <a:prstGeom prst="rect">
+            <a:avLst/>
+          </a:prstGeom>
+          <a:noFill/>
+        </p:spPr>
+        <p:txBody>
+          <a:bodyPr wrap="square" rtlCol="0">
+            <a:spAutoFit/>
+          </a:bodyPr>
+          <a:lstStyle/>
+          <a:p>
+            <a:r>
+              <a:rPr lang="en-US" sz="2000" b="1" dirty="0" smtClean="0">
+                <a:latin typeface="Garamond" panose="02020404030301010803" pitchFamily="18" charset="0"/>
+              </a:rPr>
+              <a:t>Vs.</a:t>
+            </a:r>
+            <a:endParaRPr lang="en-US" sz="2000" b="1" dirty="0">
+              <a:latin typeface="Garamond" panose="02020404030301010803" pitchFamily="18" charset="0"/>
+            </a:endParaRPr>
+          </a:p>
+        </p:txBody>
+      </p:sp>
+      <p:sp>
+        <p:nvSpPr>
+          <p:cNvPr id="11" name="TextBox 10"/>
+          <p:cNvSpPr txBox="1"/>
+          <p:nvPr/>
+        </p:nvSpPr>
+        <p:spPr>
+          <a:xfrm>
+            <a:off x="1031621" y="1976398"/>
+            <a:ext cx="1037143" cy="400110"/>
+          </a:xfrm>
+          <a:prstGeom prst="rect">
+            <a:avLst/>
+          </a:prstGeom>
+          <a:noFill/>
+        </p:spPr>
+        <p:txBody>
+          <a:bodyPr wrap="square" rtlCol="0">
+            <a:spAutoFit/>
+          </a:bodyPr>
+          <a:lstStyle/>
+          <a:p>
+            <a:r>
+              <a:rPr lang="en-US" sz="2000" b="1" dirty="0" smtClean="0">
+                <a:latin typeface="Garamond" panose="02020404030301010803" pitchFamily="18" charset="0"/>
+              </a:rPr>
+              <a:t>Z = 10</a:t>
+            </a:r>
+            <a:endParaRPr lang="en-US" sz="2000" b="1" dirty="0">
+              <a:latin typeface="Garamond" panose="02020404030301010803" pitchFamily="18" charset="0"/>
+            </a:endParaRPr>
+          </a:p>
+        </p:txBody>
+      </p:sp>
+      <p:sp>
+        <p:nvSpPr>
+          <p:cNvPr id="12" name="TextBox 11"/>
+          <p:cNvSpPr txBox="1"/>
+          <p:nvPr/>
+        </p:nvSpPr>
+        <p:spPr>
+          <a:xfrm>
+            <a:off x="3755901" y="1976398"/>
+            <a:ext cx="856342" cy="400110"/>
+          </a:xfrm>
+          <a:prstGeom prst="rect">
+            <a:avLst/>
+          </a:prstGeom>
+          <a:noFill/>
+        </p:spPr>
+        <p:txBody>
+          <a:bodyPr wrap="square" rtlCol="0">
+            <a:spAutoFit/>
+          </a:bodyPr>
+          <a:lstStyle/>
+          <a:p>
+            <a:r>
+              <a:rPr lang="en-US" sz="2000" b="1" dirty="0" smtClean="0">
+                <a:latin typeface="Garamond" panose="02020404030301010803" pitchFamily="18" charset="0"/>
+              </a:rPr>
+              <a:t>Z = 6</a:t>
+            </a:r>
+            <a:endParaRPr lang="en-US" sz="2000" b="1" dirty="0">
+              <a:latin typeface="Garamond" panose="02020404030301010803" pitchFamily="18" charset="0"/>
+            </a:endParaRPr>
+          </a:p>
+        </p:txBody>
+      </p:sp>
+      <p:sp>
+        <p:nvSpPr>
+          <p:cNvPr id="13" name="TextBox 12"/>
+          <p:cNvSpPr txBox="1"/>
+          <p:nvPr/>
+        </p:nvSpPr>
+        <p:spPr>
+          <a:xfrm>
+            <a:off x="1062794" y="2731470"/>
+            <a:ext cx="3800152" cy="1031051"/>
+          </a:xfrm>
+          <a:prstGeom prst="rect">
+            <a:avLst/>
+          </a:prstGeom>
+          <a:noFill/>
+        </p:spPr>
+        <p:txBody>
+          <a:bodyPr wrap="square" rtlCol="0">
+            <a:spAutoFit/>
+          </a:bodyPr>
+          <a:lstStyle/>
+          <a:p>
+            <a:pPr>
+              <a:spcBef>
+                <a:spcPts val="600"/>
+              </a:spcBef>
+            </a:pPr>
+            <a:r>
+              <a:rPr lang="en-US" sz="2000" b="1" dirty="0" smtClean="0">
+                <a:solidFill>
+                  <a:srgbClr val="C00000"/>
+                </a:solidFill>
+                <a:latin typeface="Garamond" panose="02020404030301010803" pitchFamily="18" charset="0"/>
+              </a:rPr>
+              <a:t>10 Blades</a:t>
+            </a:r>
+            <a:endParaRPr lang="en-US" sz="2000" b="1" dirty="0" smtClean="0">
+              <a:latin typeface="Garamond" panose="02020404030301010803" pitchFamily="18" charset="0"/>
+            </a:endParaRPr>
+          </a:p>
+          <a:p>
+            <a:pPr indent="-342900">
+              <a:spcBef>
+                <a:spcPts val="600"/>
+              </a:spcBef>
+              <a:buFont typeface="Arial" panose="020B0604020202020204" pitchFamily="34" charset="0"/>
+              <a:buChar char="•"/>
+            </a:pPr>
+            <a:r>
+              <a:rPr lang="en-US" b="1" dirty="0" smtClean="0">
+                <a:latin typeface="Garamond" panose="02020404030301010803" pitchFamily="18" charset="0"/>
+              </a:rPr>
+              <a:t>Slightly higher </a:t>
+            </a:r>
+            <a:r>
+              <a:rPr lang="en-US" b="1" dirty="0">
+                <a:latin typeface="Garamond" panose="02020404030301010803" pitchFamily="18" charset="0"/>
+              </a:rPr>
+              <a:t>(~ 2 %)</a:t>
+            </a:r>
+            <a:r>
+              <a:rPr lang="en-US" b="1" dirty="0" smtClean="0">
+                <a:latin typeface="Garamond" panose="02020404030301010803" pitchFamily="18" charset="0"/>
+              </a:rPr>
+              <a:t> discharge pressures for a given flow rate. </a:t>
+            </a:r>
+          </a:p>
+        </p:txBody>
+      </p:sp>
+      <p:sp>
+        <p:nvSpPr>
+          <p:cNvPr id="14" name="TextBox 13"/>
+          <p:cNvSpPr txBox="1"/>
+          <p:nvPr/>
+        </p:nvSpPr>
+        <p:spPr>
+          <a:xfrm>
+            <a:off x="1062794" y="4256635"/>
+            <a:ext cx="5608170" cy="1308050"/>
+          </a:xfrm>
+          <a:prstGeom prst="rect">
+            <a:avLst/>
+          </a:prstGeom>
+          <a:noFill/>
+        </p:spPr>
+        <p:txBody>
+          <a:bodyPr wrap="square" rtlCol="0">
+            <a:spAutoFit/>
+          </a:bodyPr>
+          <a:lstStyle/>
+          <a:p>
+            <a:pPr>
+              <a:spcBef>
+                <a:spcPts val="600"/>
+              </a:spcBef>
+            </a:pPr>
+            <a:r>
+              <a:rPr lang="en-US" sz="2000" b="1" dirty="0">
+                <a:solidFill>
+                  <a:srgbClr val="C00000"/>
+                </a:solidFill>
+                <a:latin typeface="Garamond" panose="02020404030301010803" pitchFamily="18" charset="0"/>
+              </a:rPr>
+              <a:t>6</a:t>
+            </a:r>
+            <a:r>
+              <a:rPr lang="en-US" sz="2000" b="1" dirty="0" smtClean="0">
+                <a:solidFill>
+                  <a:srgbClr val="C00000"/>
+                </a:solidFill>
+                <a:latin typeface="Garamond" panose="02020404030301010803" pitchFamily="18" charset="0"/>
+              </a:rPr>
+              <a:t> Blades</a:t>
+            </a:r>
+            <a:endParaRPr lang="en-US" sz="2000" b="1" dirty="0" smtClean="0">
+              <a:latin typeface="Garamond" panose="02020404030301010803" pitchFamily="18" charset="0"/>
+            </a:endParaRPr>
+          </a:p>
+          <a:p>
+            <a:pPr marL="342900" indent="-342900">
+              <a:lnSpc>
+                <a:spcPct val="150000"/>
+              </a:lnSpc>
+              <a:spcBef>
+                <a:spcPts val="600"/>
+              </a:spcBef>
+              <a:buFont typeface="Arial" panose="020B0604020202020204" pitchFamily="34" charset="0"/>
+              <a:buChar char="•"/>
+            </a:pPr>
+            <a:r>
+              <a:rPr lang="en-US" b="1" dirty="0" smtClean="0">
+                <a:latin typeface="Garamond" panose="02020404030301010803" pitchFamily="18" charset="0"/>
+              </a:rPr>
+              <a:t>Lower chamber pressures (~ 8 %)</a:t>
+            </a:r>
+          </a:p>
+          <a:p>
+            <a:pPr marL="342900" indent="-342900">
+              <a:lnSpc>
+                <a:spcPct val="150000"/>
+              </a:lnSpc>
+              <a:buFont typeface="Arial" panose="020B0604020202020204" pitchFamily="34" charset="0"/>
+              <a:buChar char="•"/>
+            </a:pPr>
+            <a:r>
+              <a:rPr lang="en-US" b="1" dirty="0" smtClean="0">
+                <a:latin typeface="Garamond" panose="02020404030301010803" pitchFamily="18" charset="0"/>
+              </a:rPr>
+              <a:t>Earlier run-out (lower max. flow)</a:t>
+            </a:r>
+          </a:p>
+        </p:txBody>
+      </p:sp>
     </p:spTree>
     <p:extLst>
       <p:ext uri="{BB962C8B-B14F-4D97-AF65-F5344CB8AC3E}">
-        <p14:creationId xmlns:p14="http://schemas.microsoft.com/office/powerpoint/2010/main" val="2883855532"/>
+        <p14:creationId xmlns:p14="http://schemas.microsoft.com/office/powerpoint/2010/main" val="2317098088"/>
       </p:ext>
     </p:extLst>
   </p:cSld>
@@ -6204,6 +6518,44 @@
       </p:grpSpPr>
       <p:sp>
         <p:nvSpPr>
+          <p:cNvPr id="2" name="Title 1"/>
+          <p:cNvSpPr>
+            <a:spLocks noGrp="1"/>
+          </p:cNvSpPr>
+          <p:nvPr>
+            <p:ph type="title"/>
+          </p:nvPr>
+        </p:nvSpPr>
+        <p:spPr/>
+        <p:txBody>
+          <a:bodyPr/>
+          <a:lstStyle/>
+          <a:p>
+            <a:endParaRPr lang="en-US"/>
+          </a:p>
+        </p:txBody>
+      </p:sp>
+      <p:sp>
+        <p:nvSpPr>
+          <p:cNvPr id="3" name="Content Placeholder 2"/>
+          <p:cNvSpPr>
+            <a:spLocks noGrp="1"/>
+          </p:cNvSpPr>
+          <p:nvPr>
+            <p:ph idx="1"/>
+          </p:nvPr>
+        </p:nvSpPr>
+        <p:spPr/>
+        <p:txBody>
+          <a:bodyPr/>
+          <a:lstStyle/>
+          <a:p>
+            <a:endParaRPr lang="en-US"/>
+          </a:p>
+        </p:txBody>
+      </p:sp>
+      <p:sp>
+        <p:nvSpPr>
           <p:cNvPr id="4" name="Slide Number Placeholder 3"/>
           <p:cNvSpPr>
             <a:spLocks noGrp="1"/>
@@ -6220,6 +6572,59 @@
             <a:fld id="{27225834-A5F4-4780-A9FC-586FB30F9BB0}" type="slidenum">
               <a:rPr lang="en-US" smtClean="0"/>
               <a:t>11</a:t>
+            </a:fld>
+            <a:endParaRPr lang="en-US"/>
+          </a:p>
+        </p:txBody>
+      </p:sp>
+    </p:spTree>
+    <p:extLst>
+      <p:ext uri="{BB962C8B-B14F-4D97-AF65-F5344CB8AC3E}">
+        <p14:creationId xmlns:p14="http://schemas.microsoft.com/office/powerpoint/2010/main" val="2883855532"/>
+      </p:ext>
+    </p:extLst>
+  </p:cSld>
+  <p:clrMapOvr>
+    <a:masterClrMapping/>
+  </p:clrMapOvr>
+</p:sld>
+</file>
+
+<file path=ppt/slides/slide12.xml><?xml version="1.0" encoding="utf-8"?>
+<p:sld xmlns:a="http://schemas.openxmlformats.org/drawingml/2006/main" xmlns:r="http://schemas.openxmlformats.org/officeDocument/2006/relationships" xmlns:p="http://schemas.openxmlformats.org/presentationml/2006/main">
+  <p:cSld>
+    <p:spTree>
+      <p:nvGrpSpPr>
+        <p:cNvPr id="1" name=""/>
+        <p:cNvGrpSpPr/>
+        <p:nvPr/>
+      </p:nvGrpSpPr>
+      <p:grpSpPr>
+        <a:xfrm>
+          <a:off x="0" y="0"/>
+          <a:ext cx="0" cy="0"/>
+          <a:chOff x="0" y="0"/>
+          <a:chExt cx="0" cy="0"/>
+        </a:xfrm>
+      </p:grpSpPr>
+      <p:sp>
+        <p:nvSpPr>
+          <p:cNvPr id="4" name="Slide Number Placeholder 3"/>
+          <p:cNvSpPr>
+            <a:spLocks noGrp="1"/>
+          </p:cNvSpPr>
+          <p:nvPr>
+            <p:ph type="sldNum" sz="quarter" idx="12"/>
+          </p:nvPr>
+        </p:nvSpPr>
+        <p:spPr/>
+        <p:txBody>
+          <a:bodyPr/>
+          <a:lstStyle/>
+          <a:p>
+            <a:fld id="{27225834-A5F4-4780-A9FC-586FB30F9BB0}" type="slidenum">
+              <a:rPr lang="en-US" smtClean="0"/>
+              <a:t>12</a:t>
             </a:fld>
             <a:endParaRPr lang="en-US"/>
           </a:p>
@@ -6293,7 +6698,7 @@
 </p:sld>
 </file>
 
-<file path=ppt/slides/slide12.xml><?xml version="1.0" encoding="utf-8"?>
+<file path=ppt/slides/slide13.xml><?xml version="1.0" encoding="utf-8"?>
 <p:sld xmlns:a="http://schemas.openxmlformats.org/drawingml/2006/main" xmlns:r="http://schemas.openxmlformats.org/officeDocument/2006/relationships" xmlns:p="http://schemas.openxmlformats.org/presentationml/2006/main">
   <p:cSld>
     <p:spTree>
@@ -6327,7 +6732,7 @@
           <a:p>
             <a:fld id="{27225834-A5F4-4780-A9FC-586FB30F9BB0}" type="slidenum">
               <a:rPr lang="en-US" smtClean="0"/>
-              <a:t>12</a:t>
+              <a:t>13</a:t>
             </a:fld>
             <a:endParaRPr lang="en-US"/>
           </a:p>
@@ -8068,6 +8473,54 @@
       </p:grpSpPr>
       <p:sp>
         <p:nvSpPr>
+          <p:cNvPr id="3" name="Content Placeholder 2"/>
+          <p:cNvSpPr>
+            <a:spLocks noGrp="1"/>
+          </p:cNvSpPr>
+          <p:nvPr>
+            <p:ph idx="1"/>
+          </p:nvPr>
+        </p:nvSpPr>
+        <p:spPr/>
+        <p:txBody>
+          <a:bodyPr/>
+          <a:lstStyle/>
+          <a:p>
+            <a:pPr marL="0" indent="0">
+              <a:buNone/>
+            </a:pPr>
+            <a:r>
+              <a:rPr lang="en-US" dirty="0" err="1" smtClean="0"/>
+              <a:t>Taliks</a:t>
+            </a:r>
+            <a:r>
+              <a:rPr lang="en-US" dirty="0" smtClean="0"/>
+              <a:t> image</a:t>
+            </a:r>
+          </a:p>
+          <a:p>
+            <a:pPr marL="0" indent="0">
+              <a:buNone/>
+            </a:pPr>
+            <a:r>
+              <a:rPr lang="en-US" dirty="0" smtClean="0"/>
+              <a:t>This is where we landed/are unique</a:t>
+            </a:r>
+          </a:p>
+          <a:p>
+            <a:pPr marL="0" indent="0">
+              <a:buNone/>
+            </a:pPr>
+            <a:r>
+              <a:rPr lang="en-US" dirty="0" smtClean="0"/>
+              <a:t>unorthodox</a:t>
+            </a:r>
+            <a:endParaRPr lang="en-US" dirty="0"/>
+          </a:p>
+        </p:txBody>
+      </p:sp>
+      <p:sp>
+        <p:nvSpPr>
           <p:cNvPr id="4" name="Slide Number Placeholder 3"/>
           <p:cNvSpPr>
             <a:spLocks noGrp="1"/>
@@ -8091,7 +8544,7 @@
       </p:sp>
       <p:sp>
         <p:nvSpPr>
-          <p:cNvPr id="5" name="Title 1"/>
+          <p:cNvPr id="5" name="Title 4"/>
           <p:cNvSpPr>
             <a:spLocks noGrp="1"/>
           </p:cNvSpPr>
@@ -8099,48 +8552,37 @@
             <p:ph type="title"/>
           </p:nvPr>
         </p:nvSpPr>
-        <p:spPr>
-          <a:xfrm>
-            <a:off x="838200" y="2806700"/>
-            <a:ext cx="10515600" cy="654783"/>
-          </a:xfrm>
-        </p:spPr>
-        <p:txBody>
-          <a:bodyPr>
-            <a:noAutofit/>
-          </a:bodyPr>
-          <a:lstStyle/>
-          <a:p>
-            <a:pPr algn="ctr"/>
-            <a:r>
-              <a:rPr lang="en-US" sz="8800" dirty="0" smtClean="0">
-                <a:latin typeface="Garamond" panose="02020404030301010803" pitchFamily="18" charset="0"/>
-              </a:rPr>
-              <a:t>Performance Testing</a:t>
-            </a:r>
-            <a:endParaRPr lang="en-US" sz="8800" dirty="0">
-              <a:latin typeface="Garamond" panose="02020404030301010803" pitchFamily="18" charset="0"/>
-            </a:endParaRPr>
+        <p:spPr/>
+        <p:txBody>
+          <a:bodyPr/>
+          <a:lstStyle/>
+          <a:p>
+            <a:r>
+              <a:rPr lang="en-US" dirty="0" smtClean="0"/>
+              <a:t>The </a:t>
+            </a:r>
+            <a:r>
+              <a:rPr lang="en-US" dirty="0" err="1" smtClean="0"/>
+              <a:t>barske</a:t>
+            </a:r>
+            <a:r>
+              <a:rPr lang="en-US" dirty="0" smtClean="0"/>
+              <a:t> concentric design	</a:t>
+            </a:r>
+            <a:endParaRPr lang="en-US" dirty="0"/>
           </a:p>
         </p:txBody>
       </p:sp>
     </p:spTree>
     <p:extLst>
       <p:ext uri="{BB962C8B-B14F-4D97-AF65-F5344CB8AC3E}">
-        <p14:creationId xmlns:p14="http://schemas.microsoft.com/office/powerpoint/2010/main" val="4151829928"/>
+        <p14:creationId xmlns:p14="http://schemas.microsoft.com/office/powerpoint/2010/main" val="803651275"/>
       </p:ext>
     </p:extLst>
   </p:cSld>
   <p:clrMapOvr>
     <a:masterClrMapping/>
   </p:clrMapOvr>
-  <p:timing>
-    <p:tnLst>
-      <p:par>
-        <p:cTn id="1" dur="indefinite" restart="never" nodeType="tmRoot"/>
-      </p:par>
-    </p:tnLst>
-  </p:timing>
 </p:sld>
 </file>
 
@@ -8186,229 +8628,34 @@
       </p:sp>
       <p:sp>
         <p:nvSpPr>
-          <p:cNvPr id="3" name="TextBox 2"/>
-          <p:cNvSpPr txBox="1"/>
-          <p:nvPr/>
-        </p:nvSpPr>
-        <p:spPr>
-          <a:xfrm>
-            <a:off x="5462089" y="6179914"/>
-            <a:ext cx="11394831" cy="246221"/>
-          </a:xfrm>
-          <a:prstGeom prst="rect">
-            <a:avLst/>
-          </a:prstGeom>
-          <a:noFill/>
-        </p:spPr>
-        <p:txBody>
-          <a:bodyPr wrap="square" rtlCol="0">
-            <a:spAutoFit/>
+          <p:cNvPr id="5" name="Title 1"/>
+          <p:cNvSpPr>
+            <a:spLocks noGrp="1"/>
+          </p:cNvSpPr>
+          <p:nvPr>
+            <p:ph type="title"/>
+          </p:nvPr>
+        </p:nvSpPr>
+        <p:spPr>
+          <a:xfrm>
+            <a:off x="838200" y="2806700"/>
+            <a:ext cx="10515600" cy="654783"/>
+          </a:xfrm>
+        </p:spPr>
+        <p:txBody>
+          <a:bodyPr>
+            <a:noAutofit/>
           </a:bodyPr>
           <a:lstStyle/>
           <a:p>
-            <a:r>
-              <a:rPr lang="en-US" sz="1000" b="1" dirty="0"/>
-              <a:t>Hydraulic Institute Test Standard (ANSI/HI 14.6 "</a:t>
-            </a:r>
-            <a:r>
-              <a:rPr lang="en-US" sz="1000" b="1" dirty="0" err="1"/>
-              <a:t>Rotodynamic</a:t>
-            </a:r>
-            <a:r>
-              <a:rPr lang="en-US" sz="1000" b="1" dirty="0"/>
-              <a:t> Pumps for Performance Acceptance Tests," </a:t>
-            </a:r>
-            <a:r>
-              <a:rPr lang="en-US" sz="1000" b="1" dirty="0" smtClean="0"/>
-              <a:t>2011)</a:t>
-            </a:r>
-          </a:p>
-        </p:txBody>
-      </p:sp>
-      <p:pic>
-        <p:nvPicPr>
-          <p:cNvPr id="7" name="Picture 6"/>
-          <p:cNvPicPr>
-            <a:picLocks noChangeAspect="1"/>
-          </p:cNvPicPr>
-          <p:nvPr/>
-        </p:nvPicPr>
-        <p:blipFill>
-          <a:blip r:embed="rId3"/>
-          <a:stretch>
-            <a:fillRect/>
-          </a:stretch>
-        </p:blipFill>
-        <p:spPr>
-          <a:xfrm>
-            <a:off x="5516684" y="1854920"/>
-            <a:ext cx="5837116" cy="4324994"/>
-          </a:xfrm>
-          <a:prstGeom prst="rect">
-            <a:avLst/>
-          </a:prstGeom>
-        </p:spPr>
-      </p:pic>
-      <p:sp>
-        <p:nvSpPr>
-          <p:cNvPr id="8" name="TextBox 7"/>
-          <p:cNvSpPr txBox="1"/>
-          <p:nvPr/>
-        </p:nvSpPr>
-        <p:spPr>
-          <a:xfrm>
-            <a:off x="154236" y="1854920"/>
-            <a:ext cx="5362448" cy="4034438"/>
-          </a:xfrm>
-          <a:prstGeom prst="rect">
-            <a:avLst/>
-          </a:prstGeom>
-          <a:noFill/>
-        </p:spPr>
-        <p:txBody>
-          <a:bodyPr wrap="square" rtlCol="0">
-            <a:spAutoFit/>
-          </a:bodyPr>
-          <a:lstStyle/>
-          <a:p>
-            <a:r>
-              <a:rPr lang="en-US" sz="2000" b="1" dirty="0" smtClean="0">
+            <a:pPr algn="ctr"/>
+            <a:r>
+              <a:rPr lang="en-US" sz="8800" dirty="0" smtClean="0">
                 <a:latin typeface="Garamond" panose="02020404030301010803" pitchFamily="18" charset="0"/>
               </a:rPr>
-              <a:t>Using Hydraulic Test Standard (ANSI/HI 14.6)</a:t>
-            </a:r>
-          </a:p>
-          <a:p>
-            <a:endParaRPr lang="en-US" sz="2000" b="1" dirty="0" smtClean="0">
-              <a:latin typeface="Garamond" panose="02020404030301010803" pitchFamily="18" charset="0"/>
-            </a:endParaRPr>
-          </a:p>
-          <a:p>
-            <a:r>
-              <a:rPr lang="en-US" sz="2400" dirty="0" smtClean="0">
-                <a:latin typeface="Garamond" panose="02020404030301010803" pitchFamily="18" charset="0"/>
-              </a:rPr>
-              <a:t>Typically </a:t>
-            </a:r>
-            <a:r>
-              <a:rPr lang="en-US" sz="2400" dirty="0">
-                <a:latin typeface="Garamond" panose="02020404030301010803" pitchFamily="18" charset="0"/>
-              </a:rPr>
-              <a:t>performance is given by curves of: </a:t>
-            </a:r>
-            <a:endParaRPr lang="en-US" sz="2400" dirty="0" smtClean="0">
-              <a:latin typeface="Garamond" panose="02020404030301010803" pitchFamily="18" charset="0"/>
-            </a:endParaRPr>
-          </a:p>
-          <a:p>
-            <a:endParaRPr lang="en-US" sz="2400" dirty="0">
-              <a:latin typeface="Garamond" panose="02020404030301010803" pitchFamily="18" charset="0"/>
-            </a:endParaRPr>
-          </a:p>
-          <a:p>
-            <a:pPr>
-              <a:spcBef>
-                <a:spcPts val="115"/>
-              </a:spcBef>
-            </a:pPr>
-            <a:r>
-              <a:rPr lang="en-US" sz="2400" dirty="0" smtClean="0">
-                <a:latin typeface="Garamond" panose="02020404030301010803" pitchFamily="18" charset="0"/>
-              </a:rPr>
-              <a:t>• Head versus capacity </a:t>
-            </a:r>
-          </a:p>
-          <a:p>
-            <a:pPr>
-              <a:spcBef>
-                <a:spcPts val="115"/>
-              </a:spcBef>
-            </a:pPr>
-            <a:endParaRPr lang="en-US" sz="2400" dirty="0" smtClean="0">
-              <a:latin typeface="Garamond" panose="02020404030301010803" pitchFamily="18" charset="0"/>
-            </a:endParaRPr>
-          </a:p>
-          <a:p>
-            <a:pPr>
-              <a:spcBef>
-                <a:spcPts val="115"/>
-              </a:spcBef>
-            </a:pPr>
-            <a:r>
-              <a:rPr lang="en-US" sz="2400" dirty="0" smtClean="0">
-                <a:latin typeface="Garamond" panose="02020404030301010803" pitchFamily="18" charset="0"/>
-              </a:rPr>
-              <a:t>• </a:t>
-            </a:r>
-            <a:r>
-              <a:rPr lang="en-US" sz="2400" dirty="0">
-                <a:latin typeface="Garamond" panose="02020404030301010803" pitchFamily="18" charset="0"/>
-              </a:rPr>
-              <a:t>Power versus capacity </a:t>
-            </a:r>
-            <a:endParaRPr lang="en-US" sz="2400" dirty="0" smtClean="0">
-              <a:latin typeface="Garamond" panose="02020404030301010803" pitchFamily="18" charset="0"/>
-            </a:endParaRPr>
-          </a:p>
-          <a:p>
-            <a:pPr>
-              <a:spcBef>
-                <a:spcPts val="115"/>
-              </a:spcBef>
-            </a:pPr>
-            <a:endParaRPr lang="en-US" sz="2400" dirty="0">
-              <a:latin typeface="Garamond" panose="02020404030301010803" pitchFamily="18" charset="0"/>
-            </a:endParaRPr>
-          </a:p>
-          <a:p>
-            <a:pPr>
-              <a:spcBef>
-                <a:spcPts val="115"/>
-              </a:spcBef>
-            </a:pPr>
-            <a:r>
-              <a:rPr lang="en-US" sz="2400" dirty="0">
-                <a:latin typeface="Garamond" panose="02020404030301010803" pitchFamily="18" charset="0"/>
-              </a:rPr>
-              <a:t>• NPSH versus capacity </a:t>
-            </a:r>
-          </a:p>
-          <a:p>
-            <a:endParaRPr lang="en-US" sz="2000" dirty="0" smtClean="0">
-              <a:latin typeface="Garamond" panose="02020404030301010803" pitchFamily="18" charset="0"/>
-            </a:endParaRPr>
-          </a:p>
-        </p:txBody>
-      </p:sp>
-      <p:sp>
-        <p:nvSpPr>
-          <p:cNvPr id="11" name="TextBox 10"/>
-          <p:cNvSpPr txBox="1"/>
-          <p:nvPr/>
-        </p:nvSpPr>
-        <p:spPr>
-          <a:xfrm>
-            <a:off x="1478084" y="254303"/>
-            <a:ext cx="9875716" cy="707886"/>
-          </a:xfrm>
-          <a:prstGeom prst="rect">
-            <a:avLst/>
-          </a:prstGeom>
-          <a:noFill/>
-        </p:spPr>
-        <p:txBody>
-          <a:bodyPr wrap="square" rtlCol="0">
-            <a:spAutoFit/>
-          </a:bodyPr>
-          <a:lstStyle/>
-          <a:p>
-            <a:r>
-              <a:rPr lang="en-US" sz="4000" b="1" dirty="0" smtClean="0">
-                <a:latin typeface="Garamond" panose="02020404030301010803" pitchFamily="18" charset="0"/>
-              </a:rPr>
-              <a:t>Characterizing the performance of Piglet</a:t>
-            </a:r>
-            <a:endParaRPr lang="en-US" sz="4000" b="1" dirty="0">
+              <a:t>Performance Testing</a:t>
+            </a:r>
+            <a:endParaRPr lang="en-US" sz="8800" dirty="0">
               <a:latin typeface="Garamond" panose="02020404030301010803" pitchFamily="18" charset="0"/>
             </a:endParaRPr>
           </a:p>
@@ -8417,7 +8664,7 @@
     </p:spTree>
     <p:extLst>
       <p:ext uri="{BB962C8B-B14F-4D97-AF65-F5344CB8AC3E}">
-        <p14:creationId xmlns:p14="http://schemas.microsoft.com/office/powerpoint/2010/main" val="798034103"/>
+        <p14:creationId xmlns:p14="http://schemas.microsoft.com/office/powerpoint/2010/main" val="4151829928"/>
       </p:ext>
     </p:extLst>
   </p:cSld>
@@ -8474,9 +8721,50 @@
           </a:p>
         </p:txBody>
       </p:sp>
+      <p:sp>
+        <p:nvSpPr>
+          <p:cNvPr id="3" name="TextBox 2"/>
+          <p:cNvSpPr txBox="1"/>
+          <p:nvPr/>
+        </p:nvSpPr>
+        <p:spPr>
+          <a:xfrm>
+            <a:off x="5462089" y="6179914"/>
+            <a:ext cx="11394831" cy="246221"/>
+          </a:xfrm>
+          <a:prstGeom prst="rect">
+            <a:avLst/>
+          </a:prstGeom>
+          <a:noFill/>
+        </p:spPr>
+        <p:txBody>
+          <a:bodyPr wrap="square" rtlCol="0">
+            <a:spAutoFit/>
+          </a:bodyPr>
+          <a:lstStyle/>
+          <a:p>
+            <a:r>
+              <a:rPr lang="en-US" sz="1000" b="1" dirty="0"/>
+              <a:t>Hydraulic Institute Test Standard (ANSI/HI 14.6 "</a:t>
+            </a:r>
+            <a:r>
+              <a:rPr lang="en-US" sz="1000" b="1" dirty="0" err="1"/>
+              <a:t>Rotodynamic</a:t>
+            </a:r>
+            <a:r>
+              <a:rPr lang="en-US" sz="1000" b="1" dirty="0"/>
+              <a:t> Pumps for Performance Acceptance Tests," </a:t>
+            </a:r>
+            <a:r>
+              <a:rPr lang="en-US" sz="1000" b="1" dirty="0" smtClean="0"/>
+              <a:t>2011)</a:t>
+            </a:r>
+          </a:p>
+        </p:txBody>
+      </p:sp>
       <p:pic>
         <p:nvPicPr>
-          <p:cNvPr id="3" name="Picture 2"/>
+          <p:cNvPr id="7" name="Picture 6"/>
           <p:cNvPicPr>
             <a:picLocks noChangeAspect="1"/>
           </p:cNvPicPr>
@@ -8490,140 +8778,24 @@
         </p:blipFill>
         <p:spPr>
           <a:xfrm>
-            <a:off x="970938" y="1482387"/>
-            <a:ext cx="4581525" cy="933450"/>
+            <a:off x="5516684" y="1854920"/>
+            <a:ext cx="5837116" cy="4324994"/>
           </a:xfrm>
           <a:prstGeom prst="rect">
             <a:avLst/>
           </a:prstGeom>
         </p:spPr>
       </p:pic>
-      <p:pic>
-        <p:nvPicPr>
-          <p:cNvPr id="5" name="Picture 4"/>
-          <p:cNvPicPr>
-            <a:picLocks noChangeAspect="1"/>
-          </p:cNvPicPr>
-          <p:nvPr/>
-        </p:nvPicPr>
-        <p:blipFill>
-          <a:blip r:embed="rId4" cstate="print">
-            <a:extLst>
-              <a:ext uri="{28A0092B-C50C-407E-A947-70E740481C1C}">
-                <a14:useLocalDpi xmlns:a14="http://schemas.microsoft.com/office/drawing/2010/main" val="0"/>
-              </a:ext>
-            </a:extLst>
-          </a:blip>
-          <a:stretch>
-            <a:fillRect/>
-          </a:stretch>
-        </p:blipFill>
-        <p:spPr>
-          <a:xfrm>
-            <a:off x="318407" y="4112542"/>
-            <a:ext cx="6128211" cy="2484409"/>
-          </a:xfrm>
-          <a:prstGeom prst="rect">
-            <a:avLst/>
-          </a:prstGeom>
-        </p:spPr>
-      </p:pic>
-      <p:pic>
-        <p:nvPicPr>
-          <p:cNvPr id="7" name="Picture 6"/>
-          <p:cNvPicPr>
-            <a:picLocks noChangeAspect="1"/>
-          </p:cNvPicPr>
-          <p:nvPr/>
-        </p:nvPicPr>
-        <p:blipFill rotWithShape="1">
-          <a:blip r:embed="rId5">
-            <a:extLst>
-              <a:ext uri="{28A0092B-C50C-407E-A947-70E740481C1C}">
-                <a14:useLocalDpi xmlns:a14="http://schemas.microsoft.com/office/drawing/2010/main" val="0"/>
-              </a:ext>
-            </a:extLst>
-          </a:blip>
-          <a:srcRect l="7118" r="6273"/>
-          <a:stretch/>
-        </p:blipFill>
-        <p:spPr>
-          <a:xfrm>
-            <a:off x="6446619" y="833213"/>
-            <a:ext cx="5486400" cy="5131113"/>
-          </a:xfrm>
-          <a:prstGeom prst="rect">
-            <a:avLst/>
-          </a:prstGeom>
-        </p:spPr>
-      </p:pic>
-      <p:sp>
-        <p:nvSpPr>
-          <p:cNvPr id="8" name="Rectangle 7"/>
-          <p:cNvSpPr/>
-          <p:nvPr/>
-        </p:nvSpPr>
-        <p:spPr>
-          <a:xfrm>
-            <a:off x="323386" y="125327"/>
-            <a:ext cx="6123233" cy="707886"/>
-          </a:xfrm>
-          <a:prstGeom prst="rect">
-            <a:avLst/>
-          </a:prstGeom>
-        </p:spPr>
-        <p:txBody>
-          <a:bodyPr wrap="square">
-            <a:spAutoFit/>
-          </a:bodyPr>
-          <a:lstStyle/>
-          <a:p>
-            <a:r>
-              <a:rPr lang="en-US" sz="4000" b="1" dirty="0" smtClean="0">
-                <a:latin typeface="Garamond" panose="02020404030301010803" pitchFamily="18" charset="0"/>
-              </a:rPr>
-              <a:t>System Characteristics</a:t>
-            </a:r>
-            <a:endParaRPr lang="en-US" sz="4000" b="1" dirty="0">
-              <a:latin typeface="Garamond" panose="02020404030301010803" pitchFamily="18" charset="0"/>
-            </a:endParaRPr>
-          </a:p>
-        </p:txBody>
-      </p:sp>
-      <p:pic>
-        <p:nvPicPr>
-          <p:cNvPr id="10" name="Picture 9"/>
-          <p:cNvPicPr>
-            <a:picLocks noChangeAspect="1"/>
-          </p:cNvPicPr>
-          <p:nvPr/>
-        </p:nvPicPr>
-        <p:blipFill>
-          <a:blip r:embed="rId6"/>
-          <a:stretch>
-            <a:fillRect/>
-          </a:stretch>
-        </p:blipFill>
-        <p:spPr>
-          <a:xfrm>
-            <a:off x="1888960" y="2710463"/>
-            <a:ext cx="2992085" cy="929514"/>
-          </a:xfrm>
-          <a:prstGeom prst="rect">
-            <a:avLst/>
-          </a:prstGeom>
-        </p:spPr>
-      </p:pic>
-      <p:sp>
-        <p:nvSpPr>
-          <p:cNvPr id="11" name="TextBox 10"/>
+      <p:sp>
+        <p:nvSpPr>
+          <p:cNvPr id="8" name="TextBox 7"/>
           <p:cNvSpPr txBox="1"/>
           <p:nvPr/>
         </p:nvSpPr>
         <p:spPr>
           <a:xfrm>
-            <a:off x="318408" y="2288877"/>
-            <a:ext cx="3385632" cy="369332"/>
+            <a:off x="154236" y="1854920"/>
+            <a:ext cx="5362448" cy="4034438"/>
           </a:xfrm>
           <a:prstGeom prst="rect">
             <a:avLst/>
@@ -8636,69 +8808,125 @@
           </a:bodyPr>
           <a:lstStyle/>
           <a:p>
-            <a:pPr marL="285750" indent="-285750">
-              <a:buFont typeface="Arial" panose="020B0604020202020204" pitchFamily="34" charset="0"/>
-              <a:buChar char="•"/>
-            </a:pPr>
-            <a:r>
-              <a:rPr lang="en-US" b="1" dirty="0" smtClean="0">
+            <a:r>
+              <a:rPr lang="en-US" sz="2000" b="1" dirty="0" smtClean="0">
                 <a:latin typeface="Garamond" panose="02020404030301010803" pitchFamily="18" charset="0"/>
               </a:rPr>
-              <a:t>Swamee-Jain Equation (1976)</a:t>
-            </a:r>
-            <a:endParaRPr lang="en-US" b="1" dirty="0">
+              <a:t>Using Hydraulic Test Standard (ANSI/HI 14.6)</a:t>
+            </a:r>
+          </a:p>
+          <a:p>
+            <a:endParaRPr lang="en-US" sz="2000" b="1" dirty="0" smtClean="0">
               <a:latin typeface="Garamond" panose="02020404030301010803" pitchFamily="18" charset="0"/>
             </a:endParaRPr>
           </a:p>
-        </p:txBody>
-      </p:sp>
-      <p:sp>
-        <p:nvSpPr>
-          <p:cNvPr id="12" name="Rectangle 11"/>
-          <p:cNvSpPr/>
-          <p:nvPr/>
-        </p:nvSpPr>
-        <p:spPr>
-          <a:xfrm>
-            <a:off x="318408" y="973134"/>
-            <a:ext cx="2170466" cy="369332"/>
-          </a:xfrm>
-          <a:prstGeom prst="rect">
-            <a:avLst/>
-          </a:prstGeom>
-        </p:spPr>
-        <p:txBody>
-          <a:bodyPr wrap="none">
-            <a:spAutoFit/>
-          </a:bodyPr>
-          <a:lstStyle/>
-          <a:p>
-            <a:pPr marL="285750" indent="-285750">
-              <a:buFont typeface="Arial" panose="020B0604020202020204" pitchFamily="34" charset="0"/>
-              <a:buChar char="•"/>
-            </a:pPr>
-            <a:r>
-              <a:rPr lang="en-US" b="1" dirty="0" smtClean="0">
+          <a:p>
+            <a:r>
+              <a:rPr lang="en-US" sz="2400" dirty="0" smtClean="0">
                 <a:latin typeface="Garamond" panose="02020404030301010803" pitchFamily="18" charset="0"/>
               </a:rPr>
-              <a:t>Energy Equation</a:t>
-            </a:r>
-            <a:endParaRPr lang="en-US" b="1" dirty="0">
+              <a:t>Typically </a:t>
+            </a:r>
+            <a:r>
+              <a:rPr lang="en-US" sz="2400" dirty="0">
+                <a:latin typeface="Garamond" panose="02020404030301010803" pitchFamily="18" charset="0"/>
+              </a:rPr>
+              <a:t>performance is given by curves of: </a:t>
+            </a:r>
+            <a:endParaRPr lang="en-US" sz="2400" dirty="0" smtClean="0">
               <a:latin typeface="Garamond" panose="02020404030301010803" pitchFamily="18" charset="0"/>
             </a:endParaRPr>
           </a:p>
-        </p:txBody>
-      </p:sp>
-      <p:sp>
-        <p:nvSpPr>
-          <p:cNvPr id="15" name="TextBox 14"/>
+          <a:p>
+            <a:endParaRPr lang="en-US" sz="2400" dirty="0">
+              <a:latin typeface="Garamond" panose="02020404030301010803" pitchFamily="18" charset="0"/>
+            </a:endParaRPr>
+          </a:p>
+          <a:p>
+            <a:pPr>
+              <a:spcBef>
+                <a:spcPts val="115"/>
+              </a:spcBef>
+            </a:pPr>
+            <a:r>
+              <a:rPr lang="en-US" sz="2400" dirty="0" smtClean="0">
+                <a:latin typeface="Garamond" panose="02020404030301010803" pitchFamily="18" charset="0"/>
+              </a:rPr>
+              <a:t>• Head versus capacity </a:t>
+            </a:r>
+          </a:p>
+          <a:p>
+            <a:pPr>
+              <a:spcBef>
+                <a:spcPts val="115"/>
+              </a:spcBef>
+            </a:pPr>
+            <a:endParaRPr lang="en-US" sz="2400" dirty="0" smtClean="0">
+              <a:latin typeface="Garamond" panose="02020404030301010803" pitchFamily="18" charset="0"/>
+            </a:endParaRPr>
+          </a:p>
+          <a:p>
+            <a:pPr>
+              <a:spcBef>
+                <a:spcPts val="115"/>
+              </a:spcBef>
+            </a:pPr>
+            <a:r>
+              <a:rPr lang="en-US" sz="2400" dirty="0" smtClean="0">
+                <a:latin typeface="Garamond" panose="02020404030301010803" pitchFamily="18" charset="0"/>
+              </a:rPr>
+              <a:t>• </a:t>
+            </a:r>
+            <a:r>
+              <a:rPr lang="en-US" sz="2400" dirty="0">
+                <a:latin typeface="Garamond" panose="02020404030301010803" pitchFamily="18" charset="0"/>
+              </a:rPr>
+              <a:t>Power versus capacity </a:t>
+            </a:r>
+            <a:endParaRPr lang="en-US" sz="2400" dirty="0" smtClean="0">
+              <a:latin typeface="Garamond" panose="02020404030301010803" pitchFamily="18" charset="0"/>
+            </a:endParaRPr>
+          </a:p>
+          <a:p>
+            <a:pPr>
+              <a:spcBef>
+                <a:spcPts val="115"/>
+              </a:spcBef>
+            </a:pPr>
+            <a:endParaRPr lang="en-US" sz="2400" dirty="0">
+              <a:latin typeface="Garamond" panose="02020404030301010803" pitchFamily="18" charset="0"/>
+            </a:endParaRPr>
+          </a:p>
+          <a:p>
+            <a:pPr>
+              <a:spcBef>
+                <a:spcPts val="115"/>
+              </a:spcBef>
+            </a:pPr>
+            <a:r>
+              <a:rPr lang="en-US" sz="2400" dirty="0">
+                <a:latin typeface="Garamond" panose="02020404030301010803" pitchFamily="18" charset="0"/>
+              </a:rPr>
+              <a:t>• NPSH versus capacity </a:t>
+            </a:r>
+          </a:p>
+          <a:p>
+            <a:endParaRPr lang="en-US" sz="2000" dirty="0" smtClean="0">
+              <a:latin typeface="Garamond" panose="02020404030301010803" pitchFamily="18" charset="0"/>
+            </a:endParaRPr>
+          </a:p>
+        </p:txBody>
+      </p:sp>
+      <p:sp>
+        <p:nvSpPr>
+          <p:cNvPr id="11" name="TextBox 10"/>
           <p:cNvSpPr txBox="1"/>
           <p:nvPr/>
         </p:nvSpPr>
         <p:spPr>
           <a:xfrm>
-            <a:off x="970938" y="3692231"/>
-            <a:ext cx="5489726" cy="338554"/>
+            <a:off x="1478084" y="254303"/>
+            <a:ext cx="9875716" cy="707886"/>
           </a:xfrm>
           <a:prstGeom prst="rect">
             <a:avLst/>
@@ -8712,54 +8940,12 @@
           <a:lstStyle/>
           <a:p>
             <a:r>
-              <a:rPr lang="en-US" sz="1600" b="1" dirty="0" smtClean="0">
+              <a:rPr lang="en-US" sz="4000" b="1" dirty="0" smtClean="0">
                 <a:latin typeface="Garamond" panose="02020404030301010803" pitchFamily="18" charset="0"/>
               </a:rPr>
-              <a:t>Explicit expression 10</a:t>
-            </a:r>
-            <a:r>
-              <a:rPr lang="en-US" sz="1600" b="1" baseline="30000" dirty="0" smtClean="0">
-                <a:latin typeface="Garamond" panose="02020404030301010803" pitchFamily="18" charset="0"/>
-              </a:rPr>
-              <a:t>-6</a:t>
-            </a:r>
-            <a:r>
-              <a:rPr lang="en-US" sz="1600" b="1" dirty="0" smtClean="0">
-                <a:latin typeface="Garamond" panose="02020404030301010803" pitchFamily="18" charset="0"/>
-              </a:rPr>
-              <a:t> &lt; e/D, 10</a:t>
-            </a:r>
-            <a:r>
-              <a:rPr lang="en-US" sz="1600" b="1" baseline="30000" dirty="0" smtClean="0">
-                <a:latin typeface="Garamond" panose="02020404030301010803" pitchFamily="18" charset="0"/>
-              </a:rPr>
-              <a:t>-2</a:t>
-            </a:r>
-            <a:r>
-              <a:rPr lang="en-US" sz="1600" b="1" dirty="0" smtClean="0">
-                <a:latin typeface="Garamond" panose="02020404030301010803" pitchFamily="18" charset="0"/>
-              </a:rPr>
-              <a:t>; 5000 &lt; N</a:t>
-            </a:r>
-            <a:r>
-              <a:rPr lang="en-US" sz="1600" b="1" baseline="30000" dirty="0" smtClean="0">
-                <a:latin typeface="Garamond" panose="02020404030301010803" pitchFamily="18" charset="0"/>
-              </a:rPr>
-              <a:t>R</a:t>
-            </a:r>
-            <a:r>
-              <a:rPr lang="en-US" sz="1600" b="1" dirty="0" smtClean="0">
-                <a:latin typeface="Garamond" panose="02020404030301010803" pitchFamily="18" charset="0"/>
-              </a:rPr>
-              <a:t> &lt; 10</a:t>
-            </a:r>
-            <a:r>
-              <a:rPr lang="en-US" sz="1600" b="1" baseline="30000" dirty="0" smtClean="0">
-                <a:latin typeface="Garamond" panose="02020404030301010803" pitchFamily="18" charset="0"/>
-              </a:rPr>
-              <a:t>8</a:t>
-            </a:r>
-            <a:endParaRPr lang="en-US" sz="1600" b="1" baseline="30000" dirty="0">
+              <a:t>Characterizing the performance of Piglet</a:t>
+            </a:r>
+            <a:endParaRPr lang="en-US" sz="4000" b="1" dirty="0">
               <a:latin typeface="Garamond" panose="02020404030301010803" pitchFamily="18" charset="0"/>
             </a:endParaRPr>
           </a:p>
@@ -8768,7 +8954,7 @@
     </p:spTree>
     <p:extLst>
       <p:ext uri="{BB962C8B-B14F-4D97-AF65-F5344CB8AC3E}">
-        <p14:creationId xmlns:p14="http://schemas.microsoft.com/office/powerpoint/2010/main" val="1415982198"/>
+        <p14:creationId xmlns:p14="http://schemas.microsoft.com/office/powerpoint/2010/main" val="798034103"/>
       </p:ext>
     </p:extLst>
   </p:cSld>
@@ -8812,31 +8998,22 @@
             <p:ph type="sldNum" sz="quarter" idx="12"/>
           </p:nvPr>
         </p:nvSpPr>
-        <p:spPr>
-          <a:xfrm>
-            <a:off x="9306059" y="6438513"/>
-            <a:ext cx="2743200" cy="365125"/>
-          </a:xfrm>
-        </p:spPr>
+        <p:spPr/>
         <p:txBody>
           <a:bodyPr/>
           <a:lstStyle/>
           <a:p>
             <a:fld id="{27225834-A5F4-4780-A9FC-586FB30F9BB0}" type="slidenum">
-              <a:rPr lang="en-US" smtClean="0">
-                <a:latin typeface="Garamond" panose="02020404030301010803" pitchFamily="18" charset="0"/>
-              </a:rPr>
+              <a:rPr lang="en-US" smtClean="0"/>
               <a:t>7</a:t>
             </a:fld>
-            <a:endParaRPr lang="en-US" dirty="0">
-              <a:latin typeface="Garamond" panose="02020404030301010803" pitchFamily="18" charset="0"/>
-            </a:endParaRPr>
+            <a:endParaRPr lang="en-US"/>
           </a:p>
         </p:txBody>
       </p:sp>
       <p:pic>
         <p:nvPicPr>
-          <p:cNvPr id="7" name="Picture 6"/>
+          <p:cNvPr id="3" name="Picture 2"/>
           <p:cNvPicPr>
             <a:picLocks noChangeAspect="1"/>
           </p:cNvPicPr>
@@ -8850,18 +9027,285 @@
         </p:blipFill>
         <p:spPr>
           <a:xfrm>
-            <a:off x="1479176" y="142073"/>
-            <a:ext cx="9654708" cy="6715927"/>
+            <a:off x="970938" y="1482387"/>
+            <a:ext cx="4581525" cy="933450"/>
           </a:xfrm>
           <a:prstGeom prst="rect">
             <a:avLst/>
           </a:prstGeom>
         </p:spPr>
       </p:pic>
+      <p:pic>
+        <p:nvPicPr>
+          <p:cNvPr id="5" name="Picture 4"/>
+          <p:cNvPicPr>
+            <a:picLocks noChangeAspect="1"/>
+          </p:cNvPicPr>
+          <p:nvPr/>
+        </p:nvPicPr>
+        <p:blipFill>
+          <a:blip r:embed="rId4" cstate="print">
+            <a:extLst>
+              <a:ext uri="{28A0092B-C50C-407E-A947-70E740481C1C}">
+                <a14:useLocalDpi xmlns:a14="http://schemas.microsoft.com/office/drawing/2010/main" val="0"/>
+              </a:ext>
+            </a:extLst>
+          </a:blip>
+          <a:stretch>
+            <a:fillRect/>
+          </a:stretch>
+        </p:blipFill>
+        <p:spPr>
+          <a:xfrm>
+            <a:off x="318407" y="4112542"/>
+            <a:ext cx="6128211" cy="2484409"/>
+          </a:xfrm>
+          <a:prstGeom prst="rect">
+            <a:avLst/>
+          </a:prstGeom>
+        </p:spPr>
+      </p:pic>
+      <p:pic>
+        <p:nvPicPr>
+          <p:cNvPr id="7" name="Picture 6"/>
+          <p:cNvPicPr>
+            <a:picLocks noChangeAspect="1"/>
+          </p:cNvPicPr>
+          <p:nvPr/>
+        </p:nvPicPr>
+        <p:blipFill rotWithShape="1">
+          <a:blip r:embed="rId5">
+            <a:extLst>
+              <a:ext uri="{28A0092B-C50C-407E-A947-70E740481C1C}">
+                <a14:useLocalDpi xmlns:a14="http://schemas.microsoft.com/office/drawing/2010/main" val="0"/>
+              </a:ext>
+            </a:extLst>
+          </a:blip>
+          <a:srcRect l="7118" r="6273"/>
+          <a:stretch/>
+        </p:blipFill>
+        <p:spPr>
+          <a:xfrm>
+            <a:off x="6446619" y="833213"/>
+            <a:ext cx="5486400" cy="5131113"/>
+          </a:xfrm>
+          <a:prstGeom prst="rect">
+            <a:avLst/>
+          </a:prstGeom>
+        </p:spPr>
+      </p:pic>
+      <p:sp>
+        <p:nvSpPr>
+          <p:cNvPr id="8" name="Rectangle 7"/>
+          <p:cNvSpPr/>
+          <p:nvPr/>
+        </p:nvSpPr>
+        <p:spPr>
+          <a:xfrm>
+            <a:off x="323386" y="125327"/>
+            <a:ext cx="6123233" cy="707886"/>
+          </a:xfrm>
+          <a:prstGeom prst="rect">
+            <a:avLst/>
+          </a:prstGeom>
+        </p:spPr>
+        <p:txBody>
+          <a:bodyPr wrap="square">
+            <a:spAutoFit/>
+          </a:bodyPr>
+          <a:lstStyle/>
+          <a:p>
+            <a:r>
+              <a:rPr lang="en-US" sz="4000" b="1" dirty="0" smtClean="0">
+                <a:latin typeface="Garamond" panose="02020404030301010803" pitchFamily="18" charset="0"/>
+              </a:rPr>
+              <a:t>System Characteristics</a:t>
+            </a:r>
+            <a:endParaRPr lang="en-US" sz="4000" b="1" dirty="0">
+              <a:latin typeface="Garamond" panose="02020404030301010803" pitchFamily="18" charset="0"/>
+            </a:endParaRPr>
+          </a:p>
+        </p:txBody>
+      </p:sp>
+      <p:pic>
+        <p:nvPicPr>
+          <p:cNvPr id="10" name="Picture 9"/>
+          <p:cNvPicPr>
+            <a:picLocks noChangeAspect="1"/>
+          </p:cNvPicPr>
+          <p:nvPr/>
+        </p:nvPicPr>
+        <p:blipFill>
+          <a:blip r:embed="rId6"/>
+          <a:stretch>
+            <a:fillRect/>
+          </a:stretch>
+        </p:blipFill>
+        <p:spPr>
+          <a:xfrm>
+            <a:off x="1888960" y="2710463"/>
+            <a:ext cx="2992085" cy="929514"/>
+          </a:xfrm>
+          <a:prstGeom prst="rect">
+            <a:avLst/>
+          </a:prstGeom>
+        </p:spPr>
+      </p:pic>
+      <p:sp>
+        <p:nvSpPr>
+          <p:cNvPr id="11" name="TextBox 10"/>
+          <p:cNvSpPr txBox="1"/>
+          <p:nvPr/>
+        </p:nvSpPr>
+        <p:spPr>
+          <a:xfrm>
+            <a:off x="318408" y="2288877"/>
+            <a:ext cx="3385632" cy="369332"/>
+          </a:xfrm>
+          <a:prstGeom prst="rect">
+            <a:avLst/>
+          </a:prstGeom>
+          <a:noFill/>
+        </p:spPr>
+        <p:txBody>
+          <a:bodyPr wrap="square" rtlCol="0">
+            <a:spAutoFit/>
+          </a:bodyPr>
+          <a:lstStyle/>
+          <a:p>
+            <a:pPr marL="285750" indent="-285750">
+              <a:buFont typeface="Arial" panose="020B0604020202020204" pitchFamily="34" charset="0"/>
+              <a:buChar char="•"/>
+            </a:pPr>
+            <a:r>
+              <a:rPr lang="en-US" b="1" dirty="0" smtClean="0">
+                <a:latin typeface="Garamond" panose="02020404030301010803" pitchFamily="18" charset="0"/>
+              </a:rPr>
+              <a:t>Swamee-Jain Equation (1976)</a:t>
+            </a:r>
+            <a:endParaRPr lang="en-US" b="1" dirty="0">
+              <a:latin typeface="Garamond" panose="02020404030301010803" pitchFamily="18" charset="0"/>
+            </a:endParaRPr>
+          </a:p>
+        </p:txBody>
+      </p:sp>
+      <p:sp>
+        <p:nvSpPr>
+          <p:cNvPr id="12" name="Rectangle 11"/>
+          <p:cNvSpPr/>
+          <p:nvPr/>
+        </p:nvSpPr>
+        <p:spPr>
+          <a:xfrm>
+            <a:off x="318408" y="973134"/>
+            <a:ext cx="2170466" cy="369332"/>
+          </a:xfrm>
+          <a:prstGeom prst="rect">
+            <a:avLst/>
+          </a:prstGeom>
+        </p:spPr>
+        <p:txBody>
+          <a:bodyPr wrap="none">
+            <a:spAutoFit/>
+          </a:bodyPr>
+          <a:lstStyle/>
+          <a:p>
+            <a:pPr marL="285750" indent="-285750">
+              <a:buFont typeface="Arial" panose="020B0604020202020204" pitchFamily="34" charset="0"/>
+              <a:buChar char="•"/>
+            </a:pPr>
+            <a:r>
+              <a:rPr lang="en-US" b="1" dirty="0" smtClean="0">
+                <a:latin typeface="Garamond" panose="02020404030301010803" pitchFamily="18" charset="0"/>
+              </a:rPr>
+              <a:t>Energy Equation</a:t>
+            </a:r>
+            <a:endParaRPr lang="en-US" b="1" dirty="0">
+              <a:latin typeface="Garamond" panose="02020404030301010803" pitchFamily="18" charset="0"/>
+            </a:endParaRPr>
+          </a:p>
+        </p:txBody>
+      </p:sp>
+      <p:sp>
+        <p:nvSpPr>
+          <p:cNvPr id="15" name="TextBox 14"/>
+          <p:cNvSpPr txBox="1"/>
+          <p:nvPr/>
+        </p:nvSpPr>
+        <p:spPr>
+          <a:xfrm>
+            <a:off x="970938" y="3692231"/>
+            <a:ext cx="5489726" cy="338554"/>
+          </a:xfrm>
+          <a:prstGeom prst="rect">
+            <a:avLst/>
+          </a:prstGeom>
+          <a:noFill/>
+        </p:spPr>
+        <p:txBody>
+          <a:bodyPr wrap="square" rtlCol="0">
+            <a:spAutoFit/>
+          </a:bodyPr>
+          <a:lstStyle/>
+          <a:p>
+            <a:r>
+              <a:rPr lang="en-US" sz="1600" b="1" dirty="0" smtClean="0">
+                <a:latin typeface="Garamond" panose="02020404030301010803" pitchFamily="18" charset="0"/>
+              </a:rPr>
+              <a:t>Explicit expression 10</a:t>
+            </a:r>
+            <a:r>
+              <a:rPr lang="en-US" sz="1600" b="1" baseline="30000" dirty="0" smtClean="0">
+                <a:latin typeface="Garamond" panose="02020404030301010803" pitchFamily="18" charset="0"/>
+              </a:rPr>
+              <a:t>-6</a:t>
+            </a:r>
+            <a:r>
+              <a:rPr lang="en-US" sz="1600" b="1" dirty="0" smtClean="0">
+                <a:latin typeface="Garamond" panose="02020404030301010803" pitchFamily="18" charset="0"/>
+              </a:rPr>
+              <a:t> &lt; e/D, 10</a:t>
+            </a:r>
+            <a:r>
+              <a:rPr lang="en-US" sz="1600" b="1" baseline="30000" dirty="0" smtClean="0">
+                <a:latin typeface="Garamond" panose="02020404030301010803" pitchFamily="18" charset="0"/>
+              </a:rPr>
+              <a:t>-2</a:t>
+            </a:r>
+            <a:r>
+              <a:rPr lang="en-US" sz="1600" b="1" dirty="0" smtClean="0">
+                <a:latin typeface="Garamond" panose="02020404030301010803" pitchFamily="18" charset="0"/>
+              </a:rPr>
+              <a:t>; 5000 &lt; N</a:t>
+            </a:r>
+            <a:r>
+              <a:rPr lang="en-US" sz="1600" b="1" baseline="30000" dirty="0" smtClean="0">
+                <a:latin typeface="Garamond" panose="02020404030301010803" pitchFamily="18" charset="0"/>
+              </a:rPr>
+              <a:t>R</a:t>
+            </a:r>
+            <a:r>
+              <a:rPr lang="en-US" sz="1600" b="1" dirty="0" smtClean="0">
+                <a:latin typeface="Garamond" panose="02020404030301010803" pitchFamily="18" charset="0"/>
+              </a:rPr>
+              <a:t> &lt; 10</a:t>
+            </a:r>
+            <a:r>
+              <a:rPr lang="en-US" sz="1600" b="1" baseline="30000" dirty="0" smtClean="0">
+                <a:latin typeface="Garamond" panose="02020404030301010803" pitchFamily="18" charset="0"/>
+              </a:rPr>
+              <a:t>8</a:t>
+            </a:r>
+            <a:endParaRPr lang="en-US" sz="1600" b="1" baseline="30000" dirty="0">
+              <a:latin typeface="Garamond" panose="02020404030301010803" pitchFamily="18" charset="0"/>
+            </a:endParaRPr>
+          </a:p>
+        </p:txBody>
+      </p:sp>
     </p:spTree>
     <p:extLst>
       <p:ext uri="{BB962C8B-B14F-4D97-AF65-F5344CB8AC3E}">
-        <p14:creationId xmlns:p14="http://schemas.microsoft.com/office/powerpoint/2010/main" val="1843846498"/>
+        <p14:creationId xmlns:p14="http://schemas.microsoft.com/office/powerpoint/2010/main" val="1415982198"/>
       </p:ext>
     </p:extLst>
   </p:cSld>
@@ -8905,150 +9349,56 @@
             <p:ph type="sldNum" sz="quarter" idx="12"/>
           </p:nvPr>
         </p:nvSpPr>
-        <p:spPr/>
+        <p:spPr>
+          <a:xfrm>
+            <a:off x="9306059" y="6438513"/>
+            <a:ext cx="2743200" cy="365125"/>
+          </a:xfrm>
+        </p:spPr>
         <p:txBody>
           <a:bodyPr/>
           <a:lstStyle/>
           <a:p>
             <a:fld id="{27225834-A5F4-4780-A9FC-586FB30F9BB0}" type="slidenum">
-              <a:rPr lang="en-US" smtClean="0"/>
+              <a:rPr lang="en-US" smtClean="0">
+                <a:latin typeface="Garamond" panose="02020404030301010803" pitchFamily="18" charset="0"/>
+              </a:rPr>
               <a:t>8</a:t>
             </a:fld>
-            <a:endParaRPr lang="en-US"/>
+            <a:endParaRPr lang="en-US" dirty="0">
+              <a:latin typeface="Garamond" panose="02020404030301010803" pitchFamily="18" charset="0"/>
+            </a:endParaRPr>
           </a:p>
         </p:txBody>
       </p:sp>
       <p:pic>
         <p:nvPicPr>
-          <p:cNvPr id="2" name="Picture 1"/>
-          <p:cNvPicPr>
-            <a:picLocks noChangeAspect="1"/>
-          </p:cNvPicPr>
-          <p:nvPr/>
-        </p:nvPicPr>
-        <p:blipFill rotWithShape="1">
-          <a:blip r:embed="rId3" cstate="print">
-            <a:extLst>
-              <a:ext uri="{28A0092B-C50C-407E-A947-70E740481C1C}">
-                <a14:useLocalDpi xmlns:a14="http://schemas.microsoft.com/office/drawing/2010/main" val="0"/>
-              </a:ext>
-            </a:extLst>
-          </a:blip>
-          <a:srcRect l="5494" r="13355"/>
-          <a:stretch/>
-        </p:blipFill>
-        <p:spPr>
-          <a:xfrm>
-            <a:off x="4457252" y="498239"/>
-            <a:ext cx="7734748" cy="5858111"/>
-          </a:xfrm>
-          <a:prstGeom prst="rect">
-            <a:avLst/>
-          </a:prstGeom>
-        </p:spPr>
-      </p:pic>
-      <p:sp>
-        <p:nvSpPr>
-          <p:cNvPr id="3" name="TextBox 2"/>
-          <p:cNvSpPr txBox="1"/>
-          <p:nvPr/>
-        </p:nvSpPr>
-        <p:spPr>
-          <a:xfrm>
-            <a:off x="5829299" y="6214770"/>
-            <a:ext cx="6847692" cy="261610"/>
-          </a:xfrm>
-          <a:prstGeom prst="rect">
-            <a:avLst/>
-          </a:prstGeom>
-          <a:noFill/>
-        </p:spPr>
-        <p:txBody>
-          <a:bodyPr wrap="square" rtlCol="0">
-            <a:spAutoFit/>
-          </a:bodyPr>
-          <a:lstStyle/>
-          <a:p>
-            <a:r>
-              <a:rPr lang="en-US" sz="1100" b="1" i="1" dirty="0" smtClean="0">
-                <a:latin typeface="Garamond" panose="02020404030301010803" pitchFamily="18" charset="0"/>
-              </a:rPr>
-              <a:t>Figure:</a:t>
-            </a:r>
-            <a:r>
-              <a:rPr lang="en-US" sz="1100" dirty="0" smtClean="0">
-                <a:latin typeface="Garamond" panose="02020404030301010803" pitchFamily="18" charset="0"/>
-              </a:rPr>
-              <a:t> EFS model PIGLET-1 2.1in Diam. Impeller experimental results at 16500 rpm.</a:t>
-            </a:r>
-            <a:endParaRPr lang="en-US" sz="1100" dirty="0">
-              <a:latin typeface="Garamond" panose="02020404030301010803" pitchFamily="18" charset="0"/>
-            </a:endParaRPr>
-          </a:p>
-        </p:txBody>
-      </p:sp>
-      <p:pic>
-        <p:nvPicPr>
-          <p:cNvPr id="8" name="Picture 7"/>
+          <p:cNvPr id="7" name="Picture 6"/>
           <p:cNvPicPr>
             <a:picLocks noChangeAspect="1"/>
           </p:cNvPicPr>
           <p:nvPr/>
         </p:nvPicPr>
         <p:blipFill>
-          <a:blip r:embed="rId4"/>
+          <a:blip r:embed="rId3"/>
           <a:stretch>
             <a:fillRect/>
           </a:stretch>
         </p:blipFill>
         <p:spPr>
           <a:xfrm>
-            <a:off x="448011" y="926983"/>
-            <a:ext cx="3524250" cy="5000625"/>
+            <a:off x="1479176" y="142073"/>
+            <a:ext cx="9654708" cy="6715927"/>
           </a:xfrm>
           <a:prstGeom prst="rect">
             <a:avLst/>
           </a:prstGeom>
         </p:spPr>
       </p:pic>
-      <p:sp>
-        <p:nvSpPr>
-          <p:cNvPr id="9" name="TextBox 8"/>
-          <p:cNvSpPr txBox="1"/>
-          <p:nvPr/>
-        </p:nvSpPr>
-        <p:spPr>
-          <a:xfrm>
-            <a:off x="387050" y="128907"/>
-            <a:ext cx="5594201" cy="400110"/>
-          </a:xfrm>
-          <a:prstGeom prst="rect">
-            <a:avLst/>
-          </a:prstGeom>
-          <a:noFill/>
-        </p:spPr>
-        <p:txBody>
-          <a:bodyPr wrap="square" rtlCol="0">
-            <a:spAutoFit/>
-          </a:bodyPr>
-          <a:lstStyle/>
-          <a:p>
-            <a:r>
-              <a:rPr lang="en-US" sz="2000" b="1" dirty="0" smtClean="0">
-                <a:latin typeface="Garamond" panose="02020404030301010803" pitchFamily="18" charset="0"/>
-              </a:rPr>
-              <a:t>Centrifugal Pump Performance @ 16,500 rpm</a:t>
-            </a:r>
-            <a:endParaRPr lang="en-US" sz="2000" b="1" dirty="0">
-              <a:latin typeface="Garamond" panose="02020404030301010803" pitchFamily="18" charset="0"/>
-            </a:endParaRPr>
-          </a:p>
-        </p:txBody>
-      </p:sp>
     </p:spTree>
     <p:extLst>
       <p:ext uri="{BB962C8B-B14F-4D97-AF65-F5344CB8AC3E}">
-        <p14:creationId xmlns:p14="http://schemas.microsoft.com/office/powerpoint/2010/main" val="4267820247"/>
+        <p14:creationId xmlns:p14="http://schemas.microsoft.com/office/powerpoint/2010/main" val="1843846498"/>
       </p:ext>
     </p:extLst>
   </p:cSld>
@@ -9107,31 +9457,76 @@
       </p:sp>
       <p:pic>
         <p:nvPicPr>
-          <p:cNvPr id="6" name="Picture 5"/>
+          <p:cNvPr id="2" name="Picture 1"/>
           <p:cNvPicPr>
             <a:picLocks noChangeAspect="1"/>
           </p:cNvPicPr>
           <p:nvPr/>
         </p:nvPicPr>
-        <p:blipFill>
-          <a:blip r:embed="rId3"/>
-          <a:stretch>
-            <a:fillRect/>
-          </a:stretch>
+        <p:blipFill rotWithShape="1">
+          <a:blip r:embed="rId3" cstate="print">
+            <a:extLst>
+              <a:ext uri="{28A0092B-C50C-407E-A947-70E740481C1C}">
+                <a14:useLocalDpi xmlns:a14="http://schemas.microsoft.com/office/drawing/2010/main" val="0"/>
+              </a:ext>
+            </a:extLst>
+          </a:blip>
+          <a:srcRect l="5494" r="13355"/>
+          <a:stretch/>
         </p:blipFill>
         <p:spPr>
           <a:xfrm>
-            <a:off x="6084743" y="457865"/>
-            <a:ext cx="4995111" cy="2869323"/>
+            <a:off x="4457252" y="498239"/>
+            <a:ext cx="7734748" cy="5858111"/>
           </a:xfrm>
           <a:prstGeom prst="rect">
             <a:avLst/>
           </a:prstGeom>
         </p:spPr>
       </p:pic>
+      <p:sp>
+        <p:nvSpPr>
+          <p:cNvPr id="3" name="TextBox 2"/>
+          <p:cNvSpPr txBox="1"/>
+          <p:nvPr/>
+        </p:nvSpPr>
+        <p:spPr>
+          <a:xfrm>
+            <a:off x="5829299" y="6214770"/>
+            <a:ext cx="6847692" cy="261610"/>
+          </a:xfrm>
+          <a:prstGeom prst="rect">
+            <a:avLst/>
+          </a:prstGeom>
+          <a:noFill/>
+        </p:spPr>
+        <p:txBody>
+          <a:bodyPr wrap="square" rtlCol="0">
+            <a:spAutoFit/>
+          </a:bodyPr>
+          <a:lstStyle/>
+          <a:p>
+            <a:r>
+              <a:rPr lang="en-US" sz="1100" b="1" i="1" dirty="0" smtClean="0">
+                <a:latin typeface="Garamond" panose="02020404030301010803" pitchFamily="18" charset="0"/>
+              </a:rPr>
+              <a:t>Figure:</a:t>
+            </a:r>
+            <a:r>
+              <a:rPr lang="en-US" sz="1100" dirty="0" smtClean="0">
+                <a:latin typeface="Garamond" panose="02020404030301010803" pitchFamily="18" charset="0"/>
+              </a:rPr>
+              <a:t> EFS model PIGLET-1 2.1in Diam. Impeller experimental results at 16500 rpm.</a:t>
+            </a:r>
+            <a:endParaRPr lang="en-US" sz="1100" dirty="0">
+              <a:latin typeface="Garamond" panose="02020404030301010803" pitchFamily="18" charset="0"/>
+            </a:endParaRPr>
+          </a:p>
+        </p:txBody>
+      </p:sp>
       <p:pic>
         <p:nvPicPr>
-          <p:cNvPr id="7" name="Picture 6"/>
+          <p:cNvPr id="8" name="Picture 7"/>
           <p:cNvPicPr>
             <a:picLocks noChangeAspect="1"/>
           </p:cNvPicPr>
@@ -9145,72 +9540,24 @@
         </p:blipFill>
         <p:spPr>
           <a:xfrm>
-            <a:off x="6084743" y="3434696"/>
-            <a:ext cx="5051713" cy="2874985"/>
+            <a:off x="448011" y="926983"/>
+            <a:ext cx="3524250" cy="5000625"/>
           </a:xfrm>
           <a:prstGeom prst="rect">
             <a:avLst/>
           </a:prstGeom>
         </p:spPr>
       </p:pic>
-      <p:pic>
-        <p:nvPicPr>
-          <p:cNvPr id="8" name="Picture 7"/>
-          <p:cNvPicPr>
-            <a:picLocks noChangeAspect="1"/>
-          </p:cNvPicPr>
-          <p:nvPr/>
-        </p:nvPicPr>
-        <p:blipFill>
-          <a:blip r:embed="rId5"/>
-          <a:stretch>
-            <a:fillRect/>
-          </a:stretch>
-        </p:blipFill>
-        <p:spPr>
-          <a:xfrm>
-            <a:off x="726281" y="411388"/>
-            <a:ext cx="1419225" cy="1495425"/>
-          </a:xfrm>
-          <a:prstGeom prst="rect">
-            <a:avLst/>
-          </a:prstGeom>
-        </p:spPr>
-      </p:pic>
-      <p:pic>
-        <p:nvPicPr>
-          <p:cNvPr id="9" name="Picture 8"/>
-          <p:cNvPicPr>
-            <a:picLocks noChangeAspect="1"/>
-          </p:cNvPicPr>
-          <p:nvPr/>
-        </p:nvPicPr>
-        <p:blipFill>
-          <a:blip r:embed="rId6"/>
-          <a:stretch>
-            <a:fillRect/>
-          </a:stretch>
-        </p:blipFill>
-        <p:spPr>
-          <a:xfrm>
-            <a:off x="3426835" y="411387"/>
-            <a:ext cx="1514475" cy="1495425"/>
-          </a:xfrm>
-          <a:prstGeom prst="rect">
-            <a:avLst/>
-          </a:prstGeom>
-        </p:spPr>
-      </p:pic>
-      <p:sp>
-        <p:nvSpPr>
-          <p:cNvPr id="10" name="TextBox 9"/>
+      <p:sp>
+        <p:nvSpPr>
+          <p:cNvPr id="9" name="TextBox 8"/>
           <p:cNvSpPr txBox="1"/>
           <p:nvPr/>
         </p:nvSpPr>
         <p:spPr>
           <a:xfrm>
-            <a:off x="2527691" y="959045"/>
-            <a:ext cx="589582" cy="400110"/>
+            <a:off x="387050" y="128907"/>
+            <a:ext cx="5594201" cy="400110"/>
           </a:xfrm>
           <a:prstGeom prst="rect">
             <a:avLst/>
@@ -9227,7 +9574,7 @@
               <a:rPr lang="en-US" sz="2000" b="1" dirty="0" smtClean="0">
                 <a:latin typeface="Garamond" panose="02020404030301010803" pitchFamily="18" charset="0"/>
               </a:rPr>
-              <a:t>Vs.</a:t>
+              <a:t>Centrifugal Pump Performance @ 16,500 rpm</a:t>
             </a:r>
             <a:endParaRPr lang="en-US" sz="2000" b="1" dirty="0">
               <a:latin typeface="Garamond" panose="02020404030301010803" pitchFamily="18" charset="0"/>
@@ -9235,237 +9582,23 @@
           </a:p>
         </p:txBody>
       </p:sp>
-      <p:sp>
-        <p:nvSpPr>
-          <p:cNvPr id="11" name="TextBox 10"/>
-          <p:cNvSpPr txBox="1"/>
-          <p:nvPr/>
-        </p:nvSpPr>
-        <p:spPr>
-          <a:xfrm>
-            <a:off x="1031621" y="1976398"/>
-            <a:ext cx="1037143" cy="400110"/>
-          </a:xfrm>
-          <a:prstGeom prst="rect">
-            <a:avLst/>
-          </a:prstGeom>
-          <a:noFill/>
-        </p:spPr>
-        <p:txBody>
-          <a:bodyPr wrap="square" rtlCol="0">
-            <a:spAutoFit/>
-          </a:bodyPr>
-          <a:lstStyle/>
-          <a:p>
-            <a:r>
-              <a:rPr lang="en-US" sz="2000" b="1" dirty="0" smtClean="0">
-                <a:latin typeface="Garamond" panose="02020404030301010803" pitchFamily="18" charset="0"/>
-              </a:rPr>
-              <a:t>Z = 10</a:t>
-            </a:r>
-            <a:endParaRPr lang="en-US" sz="2000" b="1" dirty="0">
-              <a:latin typeface="Garamond" panose="02020404030301010803" pitchFamily="18" charset="0"/>
-            </a:endParaRPr>
-          </a:p>
-        </p:txBody>
-      </p:sp>
-      <p:sp>
-        <p:nvSpPr>
-          <p:cNvPr id="12" name="TextBox 11"/>
-          <p:cNvSpPr txBox="1"/>
-          <p:nvPr/>
-        </p:nvSpPr>
-        <p:spPr>
-          <a:xfrm>
-            <a:off x="3755901" y="1976398"/>
-            <a:ext cx="856342" cy="400110"/>
-          </a:xfrm>
-          <a:prstGeom prst="rect">
-            <a:avLst/>
-          </a:prstGeom>
-          <a:noFill/>
-        </p:spPr>
-        <p:txBody>
-          <a:bodyPr wrap="square" rtlCol="0">
-            <a:spAutoFit/>
-          </a:bodyPr>
-          <a:lstStyle/>
-          <a:p>
-            <a:r>
-              <a:rPr lang="en-US" sz="2000" b="1" dirty="0" smtClean="0">
-                <a:latin typeface="Garamond" panose="02020404030301010803" pitchFamily="18" charset="0"/>
-              </a:rPr>
-              <a:t>Z = 6</a:t>
-            </a:r>
-            <a:endParaRPr lang="en-US" sz="2000" b="1" dirty="0">
-              <a:latin typeface="Garamond" panose="02020404030301010803" pitchFamily="18" charset="0"/>
-            </a:endParaRPr>
-          </a:p>
-        </p:txBody>
-      </p:sp>
-      <p:sp>
-        <p:nvSpPr>
-          <p:cNvPr id="13" name="TextBox 12"/>
-          <p:cNvSpPr txBox="1"/>
-          <p:nvPr/>
-        </p:nvSpPr>
-        <p:spPr>
-          <a:xfrm>
-            <a:off x="1062794" y="2731470"/>
-            <a:ext cx="3800152" cy="1031051"/>
-          </a:xfrm>
-          <a:prstGeom prst="rect">
-            <a:avLst/>
-          </a:prstGeom>
-          <a:noFill/>
-        </p:spPr>
-        <p:txBody>
-          <a:bodyPr wrap="square" rtlCol="0">
-            <a:spAutoFit/>
-          </a:bodyPr>
-          <a:lstStyle/>
-          <a:p>
-            <a:pPr>
-              <a:spcBef>
-                <a:spcPts val="600"/>
-              </a:spcBef>
-            </a:pPr>
-            <a:r>
-              <a:rPr lang="en-US" sz="2000" b="1" dirty="0" smtClean="0">
-                <a:solidFill>
-                  <a:srgbClr val="C00000"/>
-                </a:solidFill>
-                <a:latin typeface="Garamond" panose="02020404030301010803" pitchFamily="18" charset="0"/>
-              </a:rPr>
-              <a:t>10 Blades</a:t>
-            </a:r>
-            <a:endParaRPr lang="en-US" sz="2000" b="1" dirty="0" smtClean="0">
-              <a:latin typeface="Garamond" panose="02020404030301010803" pitchFamily="18" charset="0"/>
-            </a:endParaRPr>
-          </a:p>
-          <a:p>
-            <a:pPr indent="-342900">
-              <a:spcBef>
-                <a:spcPts val="600"/>
-              </a:spcBef>
-              <a:buFont typeface="Arial" panose="020B0604020202020204" pitchFamily="34" charset="0"/>
-              <a:buChar char="•"/>
-            </a:pPr>
-            <a:r>
-              <a:rPr lang="en-US" b="1" dirty="0" smtClean="0">
-                <a:latin typeface="Garamond" panose="02020404030301010803" pitchFamily="18" charset="0"/>
-              </a:rPr>
-              <a:t>Slightly higher </a:t>
-            </a:r>
-            <a:r>
-              <a:rPr lang="en-US" b="1" dirty="0">
-                <a:latin typeface="Garamond" panose="02020404030301010803" pitchFamily="18" charset="0"/>
-              </a:rPr>
-              <a:t>(~ 2 %)</a:t>
-            </a:r>
-            <a:r>
-              <a:rPr lang="en-US" b="1" dirty="0" smtClean="0">
-                <a:latin typeface="Garamond" panose="02020404030301010803" pitchFamily="18" charset="0"/>
-              </a:rPr>
-              <a:t> discharge pressures for a given flow rate. </a:t>
-            </a:r>
-          </a:p>
-        </p:txBody>
-      </p:sp>
-      <p:sp>
-        <p:nvSpPr>
-          <p:cNvPr id="14" name="TextBox 13"/>
-          <p:cNvSpPr txBox="1"/>
-          <p:nvPr/>
-        </p:nvSpPr>
-        <p:spPr>
-          <a:xfrm>
-            <a:off x="1062794" y="4256635"/>
-            <a:ext cx="5608170" cy="1308050"/>
-          </a:xfrm>
-          <a:prstGeom prst="rect">
-            <a:avLst/>
-          </a:prstGeom>
-          <a:noFill/>
-        </p:spPr>
-        <p:txBody>
-          <a:bodyPr wrap="square" rtlCol="0">
-            <a:spAutoFit/>
-          </a:bodyPr>
-          <a:lstStyle/>
-          <a:p>
-            <a:pPr>
-              <a:spcBef>
-                <a:spcPts val="600"/>
-              </a:spcBef>
-            </a:pPr>
-            <a:r>
-              <a:rPr lang="en-US" sz="2000" b="1" dirty="0">
-                <a:solidFill>
-                  <a:srgbClr val="C00000"/>
-                </a:solidFill>
-                <a:latin typeface="Garamond" panose="02020404030301010803" pitchFamily="18" charset="0"/>
-              </a:rPr>
-              <a:t>6</a:t>
-            </a:r>
-            <a:r>
-              <a:rPr lang="en-US" sz="2000" b="1" dirty="0" smtClean="0">
-                <a:solidFill>
-                  <a:srgbClr val="C00000"/>
-                </a:solidFill>
-                <a:latin typeface="Garamond" panose="02020404030301010803" pitchFamily="18" charset="0"/>
-              </a:rPr>
-              <a:t> Blades</a:t>
-            </a:r>
-            <a:endParaRPr lang="en-US" sz="2000" b="1" dirty="0" smtClean="0">
-              <a:latin typeface="Garamond" panose="02020404030301010803" pitchFamily="18" charset="0"/>
-            </a:endParaRPr>
-          </a:p>
-          <a:p>
-            <a:pPr marL="342900" indent="-342900">
-              <a:lnSpc>
-                <a:spcPct val="150000"/>
-              </a:lnSpc>
-              <a:spcBef>
-                <a:spcPts val="600"/>
-              </a:spcBef>
-              <a:buFont typeface="Arial" panose="020B0604020202020204" pitchFamily="34" charset="0"/>
-              <a:buChar char="•"/>
-            </a:pPr>
-            <a:r>
-              <a:rPr lang="en-US" b="1" dirty="0" smtClean="0">
-                <a:latin typeface="Garamond" panose="02020404030301010803" pitchFamily="18" charset="0"/>
-              </a:rPr>
-              <a:t>Lower chamber pressures (~ 8 %)</a:t>
-            </a:r>
-          </a:p>
-          <a:p>
-            <a:pPr marL="342900" indent="-342900">
-              <a:lnSpc>
-                <a:spcPct val="150000"/>
-              </a:lnSpc>
-              <a:buFont typeface="Arial" panose="020B0604020202020204" pitchFamily="34" charset="0"/>
-              <a:buChar char="•"/>
-            </a:pPr>
-            <a:r>
-              <a:rPr lang="en-US" b="1" dirty="0" smtClean="0">
-                <a:latin typeface="Garamond" panose="02020404030301010803" pitchFamily="18" charset="0"/>
-              </a:rPr>
-              <a:t>Earlier run-out (lower max. flow)</a:t>
-            </a:r>
-          </a:p>
-        </p:txBody>
-      </p:sp>
     </p:spTree>
     <p:extLst>
       <p:ext uri="{BB962C8B-B14F-4D97-AF65-F5344CB8AC3E}">
-        <p14:creationId xmlns:p14="http://schemas.microsoft.com/office/powerpoint/2010/main" val="2317098088"/>
+        <p14:creationId xmlns:p14="http://schemas.microsoft.com/office/powerpoint/2010/main" val="4267820247"/>
       </p:ext>
     </p:extLst>
   </p:cSld>
   <p:clrMapOvr>
     <a:masterClrMapping/>
   </p:clrMapOvr>
+  <p:timing>
+    <p:tnLst>
+      <p:par>
+        <p:cTn id="1" dur="indefinite" restart="never" nodeType="tmRoot"/>
+      </p:par>
+    </p:tnLst>
+  </p:timing>
 </p:sld>
 </file>
 

--- a/Docs/Presentations/Slides/froyo_edits.pptx
+++ b/Docs/Presentations/Slides/froyo_edits.pptx
@@ -5,25 +5,27 @@
     <p:sldMasterId id="2147483660" r:id="rId1"/>
   </p:sldMasterIdLst>
   <p:notesMasterIdLst>
-    <p:notesMasterId r:id="rId15"/>
+    <p:notesMasterId r:id="rId17"/>
   </p:notesMasterIdLst>
   <p:handoutMasterIdLst>
-    <p:handoutMasterId r:id="rId16"/>
+    <p:handoutMasterId r:id="rId18"/>
   </p:handoutMasterIdLst>
   <p:sldIdLst>
     <p:sldId id="259" r:id="rId2"/>
     <p:sldId id="260" r:id="rId3"/>
     <p:sldId id="258" r:id="rId4"/>
-    <p:sldId id="269" r:id="rId5"/>
-    <p:sldId id="265" r:id="rId6"/>
-    <p:sldId id="261" r:id="rId7"/>
-    <p:sldId id="262" r:id="rId8"/>
-    <p:sldId id="256" r:id="rId9"/>
-    <p:sldId id="266" r:id="rId10"/>
-    <p:sldId id="267" r:id="rId11"/>
-    <p:sldId id="268" r:id="rId12"/>
-    <p:sldId id="263" r:id="rId13"/>
-    <p:sldId id="264" r:id="rId14"/>
+    <p:sldId id="272" r:id="rId5"/>
+    <p:sldId id="269" r:id="rId6"/>
+    <p:sldId id="271" r:id="rId7"/>
+    <p:sldId id="265" r:id="rId8"/>
+    <p:sldId id="261" r:id="rId9"/>
+    <p:sldId id="262" r:id="rId10"/>
+    <p:sldId id="256" r:id="rId11"/>
+    <p:sldId id="266" r:id="rId12"/>
+    <p:sldId id="267" r:id="rId13"/>
+    <p:sldId id="268" r:id="rId14"/>
+    <p:sldId id="263" r:id="rId15"/>
+    <p:sldId id="264" r:id="rId16"/>
   </p:sldIdLst>
   <p:sldSz cx="12192000" cy="6858000"/>
   <p:notesSz cx="6858000" cy="9144000"/>
@@ -816,75 +818,6 @@
           <a:bodyPr/>
           <a:lstStyle/>
           <a:p>
-            <a:r>
-              <a:rPr lang="en-US" dirty="0" smtClean="0"/>
-              <a:t>A centrifugal pump is a very complex turbomachine, and purely analytical prediction of its performance is not possible. Hence, performance is obtained empirically.</a:t>
-            </a:r>
-          </a:p>
-          <a:p>
-            <a:endParaRPr lang="en-US" dirty="0" smtClean="0"/>
-          </a:p>
-          <a:p>
-            <a:r>
-              <a:rPr lang="en-US" sz="1200" b="0" i="0" kern="1200" dirty="0" smtClean="0">
-                <a:solidFill>
-                  <a:schemeClr val="tx1"/>
-                </a:solidFill>
-                <a:effectLst/>
-                <a:latin typeface="+mn-lt"/>
-                <a:ea typeface="+mn-ea"/>
-                <a:cs typeface="+mn-cs"/>
-              </a:rPr>
-              <a:t>Despite the low efficiency, </a:t>
-            </a:r>
-            <a:r>
-              <a:rPr lang="en-US" sz="1200" b="1" i="0" kern="1200" dirty="0" smtClean="0">
-                <a:solidFill>
-                  <a:schemeClr val="tx1"/>
-                </a:solidFill>
-                <a:effectLst/>
-                <a:latin typeface="+mn-lt"/>
-                <a:ea typeface="+mn-ea"/>
-                <a:cs typeface="+mn-cs"/>
-              </a:rPr>
-              <a:t>regenerative</a:t>
-            </a:r>
-            <a:r>
-              <a:rPr lang="en-US" sz="1200" b="1" i="0" kern="1200" baseline="0" dirty="0" smtClean="0">
-                <a:solidFill>
-                  <a:schemeClr val="tx1"/>
-                </a:solidFill>
-                <a:effectLst/>
-                <a:latin typeface="+mn-lt"/>
-                <a:ea typeface="+mn-ea"/>
-                <a:cs typeface="+mn-cs"/>
-              </a:rPr>
-              <a:t> ring </a:t>
-            </a:r>
-            <a:r>
-              <a:rPr lang="en-US" sz="1200" b="1" i="0" kern="1200" dirty="0" smtClean="0">
-                <a:solidFill>
-                  <a:schemeClr val="tx1"/>
-                </a:solidFill>
-                <a:effectLst/>
-                <a:latin typeface="+mn-lt"/>
-                <a:ea typeface="+mn-ea"/>
-                <a:cs typeface="+mn-cs"/>
-              </a:rPr>
-              <a:t>pumps </a:t>
-            </a:r>
-            <a:r>
-              <a:rPr lang="en-US" sz="1200" b="0" i="0" kern="1200" dirty="0" smtClean="0">
-                <a:solidFill>
-                  <a:schemeClr val="tx1"/>
-                </a:solidFill>
-                <a:effectLst/>
-                <a:latin typeface="+mn-lt"/>
-                <a:ea typeface="+mn-ea"/>
-                <a:cs typeface="+mn-cs"/>
-              </a:rPr>
-              <a:t>have several advantages over other turbomachines with similar tip speed due to relatively low manufacturing costs, simplicity, high reliability, enhanced priming behavior and can in many applications offer a more efficient alternative.</a:t>
-            </a:r>
             <a:endParaRPr lang="en-US" dirty="0"/>
           </a:p>
         </p:txBody>
@@ -906,7 +839,7 @@
           <a:p>
             <a:fld id="{41270EAE-2722-4055-9DC6-0148D79BD176}" type="slidenum">
               <a:rPr lang="en-US" smtClean="0"/>
-              <a:t>12</a:t>
+              <a:t>10</a:t>
             </a:fld>
             <a:endParaRPr lang="en-US"/>
           </a:p>
@@ -915,7 +848,7 @@
     </p:spTree>
     <p:extLst>
       <p:ext uri="{BB962C8B-B14F-4D97-AF65-F5344CB8AC3E}">
-        <p14:creationId xmlns:p14="http://schemas.microsoft.com/office/powerpoint/2010/main" val="3671381850"/>
+        <p14:creationId xmlns:p14="http://schemas.microsoft.com/office/powerpoint/2010/main" val="474839590"/>
       </p:ext>
     </p:extLst>
   </p:cSld>
@@ -969,6 +902,474 @@
           <a:bodyPr/>
           <a:lstStyle/>
           <a:p>
+            <a:endParaRPr lang="en-US" sz="1200" b="0" i="0" kern="1200" dirty="0" smtClean="0">
+              <a:solidFill>
+                <a:schemeClr val="tx1"/>
+              </a:solidFill>
+              <a:effectLst/>
+              <a:latin typeface="+mn-lt"/>
+              <a:ea typeface="+mn-ea"/>
+              <a:cs typeface="+mn-cs"/>
+            </a:endParaRPr>
+          </a:p>
+          <a:p>
+            <a:r>
+              <a:rPr lang="en-US" sz="1200" b="0" i="0" kern="1200" dirty="0" smtClean="0">
+                <a:solidFill>
+                  <a:schemeClr val="tx1"/>
+                </a:solidFill>
+                <a:effectLst/>
+                <a:latin typeface="+mn-lt"/>
+                <a:ea typeface="+mn-ea"/>
+                <a:cs typeface="+mn-cs"/>
+              </a:rPr>
+              <a:t>The NPSH</a:t>
+            </a:r>
+            <a:r>
+              <a:rPr lang="en-US" sz="1200" b="0" i="0" kern="1200" baseline="0" dirty="0" smtClean="0">
+                <a:solidFill>
+                  <a:schemeClr val="tx1"/>
+                </a:solidFill>
+                <a:effectLst/>
+                <a:latin typeface="+mn-lt"/>
+                <a:ea typeface="+mn-ea"/>
+                <a:cs typeface="+mn-cs"/>
+              </a:rPr>
+              <a:t> </a:t>
+            </a:r>
+            <a:r>
+              <a:rPr lang="en-US" sz="1200" b="0" i="0" kern="1200" dirty="0" smtClean="0">
+                <a:solidFill>
+                  <a:schemeClr val="tx1"/>
+                </a:solidFill>
+                <a:effectLst/>
+                <a:latin typeface="+mn-lt"/>
+                <a:ea typeface="+mn-ea"/>
+                <a:cs typeface="+mn-cs"/>
+              </a:rPr>
+              <a:t>always rises as the centrifugal pump capacity approaches shut‑off (zero flow rate).</a:t>
+            </a:r>
+            <a:endParaRPr lang="en-US" dirty="0" smtClean="0"/>
+          </a:p>
+          <a:p>
+            <a:endParaRPr lang="en-US" dirty="0" smtClean="0"/>
+          </a:p>
+          <a:p>
+            <a:r>
+              <a:rPr lang="en-US" sz="1200" b="0" i="0" kern="1200" dirty="0" smtClean="0">
+                <a:solidFill>
+                  <a:schemeClr val="tx1"/>
+                </a:solidFill>
+                <a:effectLst/>
+                <a:latin typeface="+mn-lt"/>
+                <a:ea typeface="+mn-ea"/>
+                <a:cs typeface="+mn-cs"/>
+              </a:rPr>
+              <a:t>minimum value at a capacity Q about 40 percent of the best‑efficiency capacity</a:t>
+            </a:r>
+            <a:endParaRPr lang="en-US" dirty="0" smtClean="0"/>
+          </a:p>
+          <a:p>
+            <a:endParaRPr lang="en-US" dirty="0"/>
+          </a:p>
+        </p:txBody>
+      </p:sp>
+      <p:sp>
+        <p:nvSpPr>
+          <p:cNvPr id="4" name="Slide Number Placeholder 3"/>
+          <p:cNvSpPr>
+            <a:spLocks noGrp="1"/>
+          </p:cNvSpPr>
+          <p:nvPr>
+            <p:ph type="sldNum" sz="quarter" idx="10"/>
+          </p:nvPr>
+        </p:nvSpPr>
+        <p:spPr/>
+        <p:txBody>
+          <a:bodyPr/>
+          <a:lstStyle/>
+          <a:p>
+            <a:fld id="{41270EAE-2722-4055-9DC6-0148D79BD176}" type="slidenum">
+              <a:rPr lang="en-US" smtClean="0"/>
+              <a:t>11</a:t>
+            </a:fld>
+            <a:endParaRPr lang="en-US"/>
+          </a:p>
+        </p:txBody>
+      </p:sp>
+    </p:spTree>
+    <p:extLst>
+      <p:ext uri="{BB962C8B-B14F-4D97-AF65-F5344CB8AC3E}">
+        <p14:creationId xmlns:p14="http://schemas.microsoft.com/office/powerpoint/2010/main" val="400058924"/>
+      </p:ext>
+    </p:extLst>
+  </p:cSld>
+  <p:clrMapOvr>
+    <a:masterClrMapping/>
+  </p:clrMapOvr>
+</p:notes>
+</file>
+
+<file path=ppt/notesSlides/notesSlide12.xml><?xml version="1.0" encoding="utf-8"?>
+<p:notes xmlns:a="http://schemas.openxmlformats.org/drawingml/2006/main" xmlns:r="http://schemas.openxmlformats.org/officeDocument/2006/relationships" xmlns:p="http://schemas.openxmlformats.org/presentationml/2006/main">
+  <p:cSld>
+    <p:spTree>
+      <p:nvGrpSpPr>
+        <p:cNvPr id="1" name=""/>
+        <p:cNvGrpSpPr/>
+        <p:nvPr/>
+      </p:nvGrpSpPr>
+      <p:grpSpPr>
+        <a:xfrm>
+          <a:off x="0" y="0"/>
+          <a:ext cx="0" cy="0"/>
+          <a:chOff x="0" y="0"/>
+          <a:chExt cx="0" cy="0"/>
+        </a:xfrm>
+      </p:grpSpPr>
+      <p:sp>
+        <p:nvSpPr>
+          <p:cNvPr id="2" name="Slide Image Placeholder 1"/>
+          <p:cNvSpPr>
+            <a:spLocks noGrp="1" noRot="1" noChangeAspect="1"/>
+          </p:cNvSpPr>
+          <p:nvPr>
+            <p:ph type="sldImg"/>
+          </p:nvPr>
+        </p:nvSpPr>
+        <p:spPr/>
+      </p:sp>
+      <p:sp>
+        <p:nvSpPr>
+          <p:cNvPr id="3" name="Notes Placeholder 2"/>
+          <p:cNvSpPr>
+            <a:spLocks noGrp="1"/>
+          </p:cNvSpPr>
+          <p:nvPr>
+            <p:ph type="body" idx="1"/>
+          </p:nvPr>
+        </p:nvSpPr>
+        <p:spPr/>
+        <p:txBody>
+          <a:bodyPr/>
+          <a:lstStyle/>
+          <a:p>
+            <a:r>
+              <a:rPr lang="en-US" dirty="0" smtClean="0"/>
+              <a:t>Effects of blade number variation on performance involves many</a:t>
+            </a:r>
+            <a:r>
+              <a:rPr lang="en-US" baseline="0" dirty="0" smtClean="0"/>
+              <a:t> </a:t>
+            </a:r>
+            <a:r>
+              <a:rPr lang="en-US" dirty="0" smtClean="0"/>
+              <a:t>hydrodynamic</a:t>
+            </a:r>
+            <a:r>
+              <a:rPr lang="en-US" baseline="0" dirty="0" smtClean="0"/>
+              <a:t> considerations. </a:t>
+            </a:r>
+          </a:p>
+          <a:p>
+            <a:endParaRPr lang="en-US" baseline="0" dirty="0" smtClean="0"/>
+          </a:p>
+          <a:p>
+            <a:r>
+              <a:rPr lang="en-US" baseline="0" dirty="0" smtClean="0"/>
+              <a:t>We are hesitant to draw any meaningful conclusions at this point in the testing/analysis</a:t>
+            </a:r>
+          </a:p>
+          <a:p>
+            <a:endParaRPr lang="en-US" baseline="0" dirty="0" smtClean="0"/>
+          </a:p>
+          <a:p>
+            <a:r>
+              <a:rPr lang="en-US" baseline="0" dirty="0" smtClean="0"/>
+              <a:t>This slide serves as an example us switching from the engineering side of things to the science side of things. </a:t>
+            </a:r>
+          </a:p>
+          <a:p>
+            <a:endParaRPr lang="en-US" baseline="0" dirty="0" smtClean="0"/>
+          </a:p>
+          <a:p>
+            <a:r>
+              <a:rPr lang="en-US" baseline="0" dirty="0" smtClean="0"/>
+              <a:t>Where we study the behavior of the system in a more general and exploratory way</a:t>
+            </a:r>
+            <a:endParaRPr lang="en-US" dirty="0" smtClean="0"/>
+          </a:p>
+          <a:p>
+            <a:endParaRPr lang="en-US" dirty="0" smtClean="0"/>
+          </a:p>
+          <a:p>
+            <a:r>
+              <a:rPr lang="en-US" dirty="0" smtClean="0"/>
+              <a:t>Possible </a:t>
+            </a:r>
+          </a:p>
+          <a:p>
+            <a:endParaRPr lang="en-US" dirty="0" smtClean="0"/>
+          </a:p>
+          <a:p>
+            <a:r>
+              <a:rPr lang="en-US" dirty="0" smtClean="0"/>
+              <a:t>Frictional loss effects</a:t>
+            </a:r>
+          </a:p>
+          <a:p>
+            <a:endParaRPr lang="en-US" dirty="0" smtClean="0"/>
+          </a:p>
+          <a:p>
+            <a:r>
+              <a:rPr lang="en-US" dirty="0" smtClean="0"/>
+              <a:t>An</a:t>
+            </a:r>
+            <a:r>
+              <a:rPr lang="en-US" baseline="0" dirty="0" smtClean="0"/>
+              <a:t> i</a:t>
+            </a:r>
+            <a:r>
+              <a:rPr lang="en-US" dirty="0" smtClean="0"/>
+              <a:t>ncreases of interface between fluid stream and blade can cause an increment of hydraulic loss</a:t>
+            </a:r>
+            <a:endParaRPr lang="en-US" dirty="0"/>
+          </a:p>
+        </p:txBody>
+      </p:sp>
+      <p:sp>
+        <p:nvSpPr>
+          <p:cNvPr id="4" name="Slide Number Placeholder 3"/>
+          <p:cNvSpPr>
+            <a:spLocks noGrp="1"/>
+          </p:cNvSpPr>
+          <p:nvPr>
+            <p:ph type="sldNum" sz="quarter" idx="10"/>
+          </p:nvPr>
+        </p:nvSpPr>
+        <p:spPr/>
+        <p:txBody>
+          <a:bodyPr/>
+          <a:lstStyle/>
+          <a:p>
+            <a:fld id="{41270EAE-2722-4055-9DC6-0148D79BD176}" type="slidenum">
+              <a:rPr lang="en-US" smtClean="0"/>
+              <a:t>12</a:t>
+            </a:fld>
+            <a:endParaRPr lang="en-US"/>
+          </a:p>
+        </p:txBody>
+      </p:sp>
+    </p:spTree>
+    <p:extLst>
+      <p:ext uri="{BB962C8B-B14F-4D97-AF65-F5344CB8AC3E}">
+        <p14:creationId xmlns:p14="http://schemas.microsoft.com/office/powerpoint/2010/main" val="1963185037"/>
+      </p:ext>
+    </p:extLst>
+  </p:cSld>
+  <p:clrMapOvr>
+    <a:masterClrMapping/>
+  </p:clrMapOvr>
+</p:notes>
+</file>
+
+<file path=ppt/notesSlides/notesSlide13.xml><?xml version="1.0" encoding="utf-8"?>
+<p:notes xmlns:a="http://schemas.openxmlformats.org/drawingml/2006/main" xmlns:r="http://schemas.openxmlformats.org/officeDocument/2006/relationships" xmlns:p="http://schemas.openxmlformats.org/presentationml/2006/main">
+  <p:cSld>
+    <p:spTree>
+      <p:nvGrpSpPr>
+        <p:cNvPr id="1" name=""/>
+        <p:cNvGrpSpPr/>
+        <p:nvPr/>
+      </p:nvGrpSpPr>
+      <p:grpSpPr>
+        <a:xfrm>
+          <a:off x="0" y="0"/>
+          <a:ext cx="0" cy="0"/>
+          <a:chOff x="0" y="0"/>
+          <a:chExt cx="0" cy="0"/>
+        </a:xfrm>
+      </p:grpSpPr>
+      <p:sp>
+        <p:nvSpPr>
+          <p:cNvPr id="2" name="Slide Image Placeholder 1"/>
+          <p:cNvSpPr>
+            <a:spLocks noGrp="1" noRot="1" noChangeAspect="1"/>
+          </p:cNvSpPr>
+          <p:nvPr>
+            <p:ph type="sldImg"/>
+          </p:nvPr>
+        </p:nvSpPr>
+        <p:spPr/>
+      </p:sp>
+      <p:sp>
+        <p:nvSpPr>
+          <p:cNvPr id="3" name="Notes Placeholder 2"/>
+          <p:cNvSpPr>
+            <a:spLocks noGrp="1"/>
+          </p:cNvSpPr>
+          <p:nvPr>
+            <p:ph type="body" idx="1"/>
+          </p:nvPr>
+        </p:nvSpPr>
+        <p:spPr/>
+        <p:txBody>
+          <a:bodyPr/>
+          <a:lstStyle/>
+          <a:p>
+            <a:r>
+              <a:rPr lang="en-US" dirty="0" smtClean="0"/>
+              <a:t>A centrifugal pump is a very complex turbomachine, and purely analytical prediction of its performance is not possible. Hence, performance is obtained empirically.</a:t>
+            </a:r>
+          </a:p>
+          <a:p>
+            <a:endParaRPr lang="en-US" dirty="0" smtClean="0"/>
+          </a:p>
+          <a:p>
+            <a:r>
+              <a:rPr lang="en-US" sz="1200" b="0" i="0" kern="1200" dirty="0" smtClean="0">
+                <a:solidFill>
+                  <a:schemeClr val="tx1"/>
+                </a:solidFill>
+                <a:effectLst/>
+                <a:latin typeface="+mn-lt"/>
+                <a:ea typeface="+mn-ea"/>
+                <a:cs typeface="+mn-cs"/>
+              </a:rPr>
+              <a:t>Despite the low efficiency, </a:t>
+            </a:r>
+            <a:r>
+              <a:rPr lang="en-US" sz="1200" b="1" i="0" kern="1200" dirty="0" smtClean="0">
+                <a:solidFill>
+                  <a:schemeClr val="tx1"/>
+                </a:solidFill>
+                <a:effectLst/>
+                <a:latin typeface="+mn-lt"/>
+                <a:ea typeface="+mn-ea"/>
+                <a:cs typeface="+mn-cs"/>
+              </a:rPr>
+              <a:t>regenerative</a:t>
+            </a:r>
+            <a:r>
+              <a:rPr lang="en-US" sz="1200" b="1" i="0" kern="1200" baseline="0" dirty="0" smtClean="0">
+                <a:solidFill>
+                  <a:schemeClr val="tx1"/>
+                </a:solidFill>
+                <a:effectLst/>
+                <a:latin typeface="+mn-lt"/>
+                <a:ea typeface="+mn-ea"/>
+                <a:cs typeface="+mn-cs"/>
+              </a:rPr>
+              <a:t> ring </a:t>
+            </a:r>
+            <a:r>
+              <a:rPr lang="en-US" sz="1200" b="1" i="0" kern="1200" dirty="0" smtClean="0">
+                <a:solidFill>
+                  <a:schemeClr val="tx1"/>
+                </a:solidFill>
+                <a:effectLst/>
+                <a:latin typeface="+mn-lt"/>
+                <a:ea typeface="+mn-ea"/>
+                <a:cs typeface="+mn-cs"/>
+              </a:rPr>
+              <a:t>pumps </a:t>
+            </a:r>
+            <a:r>
+              <a:rPr lang="en-US" sz="1200" b="0" i="0" kern="1200" dirty="0" smtClean="0">
+                <a:solidFill>
+                  <a:schemeClr val="tx1"/>
+                </a:solidFill>
+                <a:effectLst/>
+                <a:latin typeface="+mn-lt"/>
+                <a:ea typeface="+mn-ea"/>
+                <a:cs typeface="+mn-cs"/>
+              </a:rPr>
+              <a:t>have several advantages over other turbomachines with similar tip speed due to relatively low manufacturing costs, simplicity, high reliability, enhanced priming behavior and can in many applications offer a more efficient alternative.</a:t>
+            </a:r>
+            <a:endParaRPr lang="en-US" dirty="0"/>
+          </a:p>
+        </p:txBody>
+      </p:sp>
+      <p:sp>
+        <p:nvSpPr>
+          <p:cNvPr id="4" name="Slide Number Placeholder 3"/>
+          <p:cNvSpPr>
+            <a:spLocks noGrp="1"/>
+          </p:cNvSpPr>
+          <p:nvPr>
+            <p:ph type="sldNum" sz="quarter" idx="10"/>
+          </p:nvPr>
+        </p:nvSpPr>
+        <p:spPr/>
+        <p:txBody>
+          <a:bodyPr/>
+          <a:lstStyle/>
+          <a:p>
+            <a:fld id="{41270EAE-2722-4055-9DC6-0148D79BD176}" type="slidenum">
+              <a:rPr lang="en-US" smtClean="0"/>
+              <a:t>14</a:t>
+            </a:fld>
+            <a:endParaRPr lang="en-US"/>
+          </a:p>
+        </p:txBody>
+      </p:sp>
+    </p:spTree>
+    <p:extLst>
+      <p:ext uri="{BB962C8B-B14F-4D97-AF65-F5344CB8AC3E}">
+        <p14:creationId xmlns:p14="http://schemas.microsoft.com/office/powerpoint/2010/main" val="3671381850"/>
+      </p:ext>
+    </p:extLst>
+  </p:cSld>
+  <p:clrMapOvr>
+    <a:masterClrMapping/>
+  </p:clrMapOvr>
+</p:notes>
+</file>
+
+<file path=ppt/notesSlides/notesSlide14.xml><?xml version="1.0" encoding="utf-8"?>
+<p:notes xmlns:a="http://schemas.openxmlformats.org/drawingml/2006/main" xmlns:r="http://schemas.openxmlformats.org/officeDocument/2006/relationships" xmlns:p="http://schemas.openxmlformats.org/presentationml/2006/main">
+  <p:cSld>
+    <p:spTree>
+      <p:nvGrpSpPr>
+        <p:cNvPr id="1" name=""/>
+        <p:cNvGrpSpPr/>
+        <p:nvPr/>
+      </p:nvGrpSpPr>
+      <p:grpSpPr>
+        <a:xfrm>
+          <a:off x="0" y="0"/>
+          <a:ext cx="0" cy="0"/>
+          <a:chOff x="0" y="0"/>
+          <a:chExt cx="0" cy="0"/>
+        </a:xfrm>
+      </p:grpSpPr>
+      <p:sp>
+        <p:nvSpPr>
+          <p:cNvPr id="2" name="Slide Image Placeholder 1"/>
+          <p:cNvSpPr>
+            <a:spLocks noGrp="1" noRot="1" noChangeAspect="1"/>
+          </p:cNvSpPr>
+          <p:nvPr>
+            <p:ph type="sldImg"/>
+          </p:nvPr>
+        </p:nvSpPr>
+        <p:spPr/>
+      </p:sp>
+      <p:sp>
+        <p:nvSpPr>
+          <p:cNvPr id="3" name="Notes Placeholder 2"/>
+          <p:cNvSpPr>
+            <a:spLocks noGrp="1"/>
+          </p:cNvSpPr>
+          <p:nvPr>
+            <p:ph type="body" idx="1"/>
+          </p:nvPr>
+        </p:nvSpPr>
+        <p:spPr/>
+        <p:txBody>
+          <a:bodyPr/>
+          <a:lstStyle/>
+          <a:p>
             <a:r>
               <a:rPr lang="en-US" sz="1200" b="0" i="0" kern="1200" dirty="0" smtClean="0">
                 <a:solidFill>
@@ -1075,7 +1476,7 @@
           <a:p>
             <a:fld id="{41270EAE-2722-4055-9DC6-0148D79BD176}" type="slidenum">
               <a:rPr lang="en-US" smtClean="0"/>
-              <a:t>13</a:t>
+              <a:t>15</a:t>
             </a:fld>
             <a:endParaRPr lang="en-US"/>
           </a:p>
@@ -1398,82 +1799,14 @@
               <a:rPr lang="en-US" b="1" baseline="0" dirty="0" smtClean="0">
                 <a:latin typeface="Garamond" panose="02020404030301010803" pitchFamily="18" charset="0"/>
               </a:rPr>
-              <a:t>Now that the design is narrow enough we begin breathing life into it.</a:t>
-            </a:r>
-          </a:p>
-          <a:p>
-            <a:pPr marL="171450" indent="-171450">
-              <a:buFontTx/>
-              <a:buChar char="-"/>
-            </a:pPr>
-            <a:endParaRPr lang="en-US" b="1" baseline="0" dirty="0" smtClean="0">
-              <a:latin typeface="Garamond" panose="02020404030301010803" pitchFamily="18" charset="0"/>
-            </a:endParaRPr>
-          </a:p>
-          <a:p>
-            <a:pPr marL="0" indent="0">
-              <a:buFontTx/>
-              <a:buNone/>
-            </a:pPr>
+              <a:t>Now that the design is narrow enough we begin breathing life into it</a:t>
+            </a:r>
             <a:r>
               <a:rPr lang="en-US" b="1" baseline="0" dirty="0" smtClean="0">
                 <a:latin typeface="Garamond" panose="02020404030301010803" pitchFamily="18" charset="0"/>
               </a:rPr>
-              <a:t>SECOND</a:t>
-            </a:r>
-          </a:p>
-          <a:p>
-            <a:pPr marL="0" indent="0">
-              <a:buFontTx/>
-              <a:buNone/>
-            </a:pPr>
-            <a:endParaRPr lang="en-US" b="1" baseline="0" dirty="0" smtClean="0">
-              <a:latin typeface="Garamond" panose="02020404030301010803" pitchFamily="18" charset="0"/>
-            </a:endParaRPr>
-          </a:p>
-          <a:p>
-            <a:pPr marL="171450" marR="0" lvl="0" indent="-171450" algn="l" defTabSz="914400" rtl="0" eaLnBrk="1" fontAlgn="auto" latinLnBrk="0" hangingPunct="1">
-              <a:lnSpc>
-                <a:spcPct val="100000"/>
-              </a:lnSpc>
-              <a:spcBef>
-                <a:spcPts val="0"/>
-              </a:spcBef>
-              <a:spcAft>
-                <a:spcPts val="0"/>
-              </a:spcAft>
-              <a:buClrTx/>
-              <a:buSzTx/>
-              <a:buFontTx/>
-              <a:buChar char="-"/>
-              <a:tabLst/>
-              <a:defRPr/>
-            </a:pPr>
-            <a:r>
-              <a:rPr lang="en-US" b="1" baseline="0" dirty="0" smtClean="0">
-                <a:latin typeface="Garamond" panose="02020404030301010803" pitchFamily="18" charset="0"/>
-              </a:rPr>
-              <a:t>We can play with the design and not leave theoretical and conceptual bounds.        Entire geometry changes, casing changes, speed, power changes…</a:t>
-            </a:r>
-          </a:p>
-          <a:p>
-            <a:pPr marL="171450" marR="0" lvl="0" indent="-171450" algn="l" defTabSz="914400" rtl="0" eaLnBrk="1" fontAlgn="auto" latinLnBrk="0" hangingPunct="1">
-              <a:lnSpc>
-                <a:spcPct val="100000"/>
-              </a:lnSpc>
-              <a:spcBef>
-                <a:spcPts val="0"/>
-              </a:spcBef>
-              <a:spcAft>
-                <a:spcPts val="0"/>
-              </a:spcAft>
-              <a:buClrTx/>
-              <a:buSzTx/>
-              <a:buFontTx/>
-              <a:buChar char="-"/>
-              <a:tabLst/>
-              <a:defRPr/>
-            </a:pPr>
+              <a:t>.</a:t>
+            </a:r>
             <a:endParaRPr lang="en-US" b="1" baseline="0" dirty="0" smtClean="0">
               <a:latin typeface="Garamond" panose="02020404030301010803" pitchFamily="18" charset="0"/>
             </a:endParaRPr>
@@ -1501,16 +1834,65 @@
             </a:endParaRPr>
           </a:p>
           <a:p>
-            <a:pPr marL="0" indent="0">
+            <a:pPr marL="171450" indent="-171450">
               <a:buFontTx/>
-              <a:buNone/>
+              <a:buChar char="-"/>
             </a:pPr>
             <a:r>
               <a:rPr lang="en-US" b="1" baseline="0" dirty="0" smtClean="0">
                 <a:latin typeface="Garamond" panose="02020404030301010803" pitchFamily="18" charset="0"/>
               </a:rPr>
-              <a:t>-   Give example of Av rule to illustrate the impact of parametrization on success of project</a:t>
-            </a:r>
+              <a:t>Give </a:t>
+            </a:r>
+            <a:r>
+              <a:rPr lang="en-US" b="1" baseline="0" dirty="0" smtClean="0">
+                <a:latin typeface="Garamond" panose="02020404030301010803" pitchFamily="18" charset="0"/>
+              </a:rPr>
+              <a:t>example of Av rule to illustrate the impact of parametrization on success of </a:t>
+            </a:r>
+            <a:r>
+              <a:rPr lang="en-US" b="1" baseline="0" dirty="0" smtClean="0">
+                <a:latin typeface="Garamond" panose="02020404030301010803" pitchFamily="18" charset="0"/>
+              </a:rPr>
+              <a:t>project</a:t>
+            </a:r>
+          </a:p>
+          <a:p>
+            <a:pPr marL="171450" indent="-171450">
+              <a:buFontTx/>
+              <a:buChar char="-"/>
+            </a:pPr>
+            <a:endParaRPr lang="en-US" b="1" baseline="0" dirty="0" smtClean="0">
+              <a:latin typeface="Garamond" panose="02020404030301010803" pitchFamily="18" charset="0"/>
+            </a:endParaRPr>
+          </a:p>
+          <a:p>
+            <a:r>
+              <a:rPr lang="en-US" dirty="0" smtClean="0"/>
+              <a:t>Before showing the results of this methodology</a:t>
+            </a:r>
+            <a:r>
+              <a:rPr lang="en-US" baseline="0" dirty="0" smtClean="0"/>
+              <a:t> as applied to our main hydraulic design</a:t>
+            </a:r>
+          </a:p>
+          <a:p>
+            <a:endParaRPr lang="en-US" baseline="0" dirty="0" smtClean="0"/>
+          </a:p>
+          <a:p>
+            <a:r>
+              <a:rPr lang="en-US" baseline="0" dirty="0" smtClean="0"/>
+              <a:t>Id like to briefly highlight what makes our pump unique</a:t>
+            </a:r>
+          </a:p>
+          <a:p>
+            <a:pPr marL="171450" indent="-171450">
+              <a:buFontTx/>
+              <a:buChar char="-"/>
+            </a:pPr>
+            <a:endParaRPr lang="en-US" b="1" baseline="0" dirty="0" smtClean="0">
+              <a:latin typeface="Garamond" panose="02020404030301010803" pitchFamily="18" charset="0"/>
+            </a:endParaRPr>
           </a:p>
           <a:p>
             <a:pPr marL="0" indent="0">
@@ -1603,130 +1985,38 @@
           <a:bodyPr/>
           <a:lstStyle/>
           <a:p>
-            <a:pPr marL="0" marR="0" lvl="0" indent="0" algn="l" defTabSz="914400" rtl="0" eaLnBrk="1" fontAlgn="auto" latinLnBrk="0" hangingPunct="1">
-              <a:lnSpc>
-                <a:spcPct val="100000"/>
-              </a:lnSpc>
-              <a:spcBef>
-                <a:spcPts val="0"/>
-              </a:spcBef>
-              <a:spcAft>
-                <a:spcPts val="0"/>
-              </a:spcAft>
-              <a:buClrTx/>
-              <a:buSzTx/>
-              <a:buFontTx/>
-              <a:buNone/>
-              <a:tabLst/>
-              <a:defRPr/>
-            </a:pPr>
-            <a:r>
-              <a:rPr lang="en-US" b="1" dirty="0" smtClean="0"/>
-              <a:t>Centrifugal pump is</a:t>
-            </a:r>
-            <a:r>
-              <a:rPr lang="en-US" b="1" baseline="0" dirty="0" smtClean="0"/>
-              <a:t> a </a:t>
-            </a:r>
-            <a:r>
-              <a:rPr lang="en-US" b="1" dirty="0" smtClean="0"/>
-              <a:t>complex turbomachine</a:t>
-            </a:r>
-          </a:p>
-          <a:p>
-            <a:pPr marL="0" marR="0" lvl="0" indent="0" algn="l" defTabSz="914400" rtl="0" eaLnBrk="1" fontAlgn="auto" latinLnBrk="0" hangingPunct="1">
-              <a:lnSpc>
-                <a:spcPct val="100000"/>
-              </a:lnSpc>
-              <a:spcBef>
-                <a:spcPts val="0"/>
-              </a:spcBef>
-              <a:spcAft>
-                <a:spcPts val="0"/>
-              </a:spcAft>
-              <a:buClrTx/>
-              <a:buSzTx/>
-              <a:buFontTx/>
-              <a:buNone/>
-              <a:tabLst/>
-              <a:defRPr/>
-            </a:pPr>
-            <a:endParaRPr lang="en-US" b="1" dirty="0" smtClean="0"/>
-          </a:p>
-          <a:p>
-            <a:pPr marL="0" marR="0" lvl="0" indent="0" algn="l" defTabSz="914400" rtl="0" eaLnBrk="1" fontAlgn="auto" latinLnBrk="0" hangingPunct="1">
-              <a:lnSpc>
-                <a:spcPct val="100000"/>
-              </a:lnSpc>
-              <a:spcBef>
-                <a:spcPts val="0"/>
-              </a:spcBef>
-              <a:spcAft>
-                <a:spcPts val="0"/>
-              </a:spcAft>
-              <a:buClrTx/>
-              <a:buSzTx/>
-              <a:buFontTx/>
-              <a:buNone/>
-              <a:tabLst/>
-              <a:defRPr/>
-            </a:pPr>
-            <a:r>
-              <a:rPr lang="en-US" b="1" dirty="0" smtClean="0"/>
-              <a:t>Purely analytical prediction not possible</a:t>
-            </a:r>
-          </a:p>
-          <a:p>
-            <a:pPr marL="0" marR="0" lvl="0" indent="0" algn="l" defTabSz="914400" rtl="0" eaLnBrk="1" fontAlgn="auto" latinLnBrk="0" hangingPunct="1">
-              <a:lnSpc>
-                <a:spcPct val="100000"/>
-              </a:lnSpc>
-              <a:spcBef>
-                <a:spcPts val="0"/>
-              </a:spcBef>
-              <a:spcAft>
-                <a:spcPts val="0"/>
-              </a:spcAft>
-              <a:buClrTx/>
-              <a:buSzTx/>
-              <a:buFontTx/>
-              <a:buNone/>
-              <a:tabLst/>
-              <a:defRPr/>
-            </a:pPr>
-            <a:endParaRPr lang="en-US" b="1" dirty="0" smtClean="0"/>
-          </a:p>
-          <a:p>
-            <a:pPr marL="0" marR="0" lvl="0" indent="0" algn="l" defTabSz="914400" rtl="0" eaLnBrk="1" fontAlgn="auto" latinLnBrk="0" hangingPunct="1">
-              <a:lnSpc>
-                <a:spcPct val="100000"/>
-              </a:lnSpc>
-              <a:spcBef>
-                <a:spcPts val="0"/>
-              </a:spcBef>
-              <a:spcAft>
-                <a:spcPts val="0"/>
-              </a:spcAft>
-              <a:buClrTx/>
-              <a:buSzTx/>
-              <a:buFontTx/>
-              <a:buNone/>
-              <a:tabLst/>
-              <a:defRPr/>
-            </a:pPr>
-            <a:r>
-              <a:rPr lang="en-US" b="1" dirty="0" smtClean="0"/>
-              <a:t>Hence, performance is obtained empirically</a:t>
-            </a:r>
-            <a:endParaRPr lang="en-US" sz="1200" b="1" i="0" kern="1200" dirty="0" smtClean="0">
-              <a:solidFill>
-                <a:schemeClr val="tx1"/>
-              </a:solidFill>
-              <a:effectLst/>
-              <a:latin typeface="+mn-lt"/>
-              <a:ea typeface="+mn-ea"/>
-              <a:cs typeface="+mn-cs"/>
-            </a:endParaRPr>
+            <a:r>
+              <a:rPr lang="en-US" dirty="0" smtClean="0"/>
+              <a:t>Before showing the results of this methodology</a:t>
+            </a:r>
+            <a:r>
+              <a:rPr lang="en-US" baseline="0" dirty="0" smtClean="0"/>
+              <a:t> as applied to our main hydraulic design</a:t>
+            </a:r>
+          </a:p>
+          <a:p>
+            <a:endParaRPr lang="en-US" baseline="0" dirty="0" smtClean="0"/>
+          </a:p>
+          <a:p>
+            <a:r>
+              <a:rPr lang="en-US" baseline="0" dirty="0" smtClean="0"/>
+              <a:t>Id like to briefly highlight what makes our pump unique</a:t>
+            </a:r>
+          </a:p>
+          <a:p>
+            <a:endParaRPr lang="en-US" baseline="0" dirty="0" smtClean="0"/>
+          </a:p>
+          <a:p>
+            <a:r>
+              <a:rPr lang="en-US" baseline="0" dirty="0" smtClean="0"/>
+              <a:t>OURS: VERY LOW. Conventional pump design theory and reference information is not well established in this region</a:t>
+            </a:r>
+          </a:p>
+          <a:p>
+            <a:endParaRPr lang="en-US" baseline="0" dirty="0" smtClean="0"/>
+          </a:p>
+          <a:p>
+            <a:endParaRPr lang="en-US" dirty="0"/>
           </a:p>
         </p:txBody>
       </p:sp>
@@ -1747,7 +2037,7 @@
           <a:p>
             <a:fld id="{41270EAE-2722-4055-9DC6-0148D79BD176}" type="slidenum">
               <a:rPr lang="en-US" smtClean="0"/>
-              <a:t>5</a:t>
+              <a:t>4</a:t>
             </a:fld>
             <a:endParaRPr lang="en-US"/>
           </a:p>
@@ -1756,7 +2046,7 @@
     </p:spTree>
     <p:extLst>
       <p:ext uri="{BB962C8B-B14F-4D97-AF65-F5344CB8AC3E}">
-        <p14:creationId xmlns:p14="http://schemas.microsoft.com/office/powerpoint/2010/main" val="2273003188"/>
+        <p14:creationId xmlns:p14="http://schemas.microsoft.com/office/powerpoint/2010/main" val="2841577270"/>
       </p:ext>
     </p:extLst>
   </p:cSld>
@@ -1810,383 +2100,27 @@
           <a:bodyPr/>
           <a:lstStyle/>
           <a:p>
-            <a:r>
-              <a:rPr lang="en-US" sz="1200" b="0" i="0" kern="1200" dirty="0" smtClean="0">
-                <a:solidFill>
-                  <a:schemeClr val="tx1"/>
-                </a:solidFill>
-                <a:effectLst/>
-                <a:latin typeface="+mn-lt"/>
-                <a:ea typeface="+mn-ea"/>
-                <a:cs typeface="+mn-cs"/>
-              </a:rPr>
-              <a:t>We followed hydraulic standards intended to demonstrate hydraulic performance</a:t>
-            </a:r>
-            <a:r>
-              <a:rPr lang="en-US" sz="1200" b="0" i="0" kern="1200" baseline="0" dirty="0" smtClean="0">
-                <a:solidFill>
-                  <a:schemeClr val="tx1"/>
-                </a:solidFill>
-                <a:effectLst/>
-                <a:latin typeface="+mn-lt"/>
-                <a:ea typeface="+mn-ea"/>
-                <a:cs typeface="+mn-cs"/>
-              </a:rPr>
-              <a:t> </a:t>
-            </a:r>
-            <a:r>
-              <a:rPr lang="en-US" sz="1200" b="0" i="0" kern="1200" dirty="0" smtClean="0">
-                <a:solidFill>
-                  <a:schemeClr val="tx1"/>
-                </a:solidFill>
-                <a:effectLst/>
-                <a:latin typeface="+mn-lt"/>
-                <a:ea typeface="+mn-ea"/>
-                <a:cs typeface="+mn-cs"/>
-              </a:rPr>
-              <a:t>and mechanical integrity </a:t>
-            </a:r>
-          </a:p>
-          <a:p>
-            <a:pPr marL="0" marR="0" lvl="0" indent="0" algn="l" defTabSz="914400" rtl="0" eaLnBrk="1" fontAlgn="auto" latinLnBrk="0" hangingPunct="1">
-              <a:lnSpc>
-                <a:spcPct val="100000"/>
-              </a:lnSpc>
-              <a:spcBef>
-                <a:spcPts val="0"/>
-              </a:spcBef>
-              <a:spcAft>
-                <a:spcPts val="0"/>
-              </a:spcAft>
-              <a:buClrTx/>
-              <a:buSzTx/>
-              <a:buFontTx/>
-              <a:buNone/>
-              <a:tabLst/>
-              <a:defRPr/>
-            </a:pPr>
-            <a:endParaRPr lang="en-US" sz="1200" b="1" dirty="0" smtClean="0"/>
-          </a:p>
-          <a:p>
-            <a:pPr marL="0" marR="0" lvl="0" indent="0" algn="l" defTabSz="914400" rtl="0" eaLnBrk="1" fontAlgn="auto" latinLnBrk="0" hangingPunct="1">
-              <a:lnSpc>
-                <a:spcPct val="100000"/>
-              </a:lnSpc>
-              <a:spcBef>
-                <a:spcPts val="0"/>
-              </a:spcBef>
-              <a:spcAft>
-                <a:spcPts val="0"/>
-              </a:spcAft>
-              <a:buClrTx/>
-              <a:buSzTx/>
-              <a:buFontTx/>
-              <a:buNone/>
-              <a:tabLst/>
-              <a:defRPr/>
-            </a:pPr>
-            <a:r>
-              <a:rPr lang="en-US" sz="1200" b="1" dirty="0" smtClean="0"/>
-              <a:t>• Head versus capacity </a:t>
-            </a:r>
-          </a:p>
-          <a:p>
-            <a:endParaRPr lang="en-US" sz="1200" b="0" i="0" kern="1200" dirty="0" smtClean="0">
-              <a:solidFill>
-                <a:schemeClr val="tx1"/>
-              </a:solidFill>
-              <a:effectLst/>
-              <a:latin typeface="+mn-lt"/>
-              <a:ea typeface="+mn-ea"/>
-              <a:cs typeface="+mn-cs"/>
-            </a:endParaRPr>
-          </a:p>
-          <a:p>
-            <a:r>
-              <a:rPr lang="en-US" sz="1200" b="0" i="0" kern="1200" dirty="0" smtClean="0">
-                <a:solidFill>
-                  <a:srgbClr val="FF0000"/>
-                </a:solidFill>
-                <a:effectLst/>
-                <a:latin typeface="+mn-lt"/>
-                <a:ea typeface="+mn-ea"/>
-                <a:cs typeface="+mn-cs"/>
-              </a:rPr>
-              <a:t>Using</a:t>
-            </a:r>
-            <a:r>
-              <a:rPr lang="en-US" sz="1200" b="0" i="0" kern="1200" baseline="0" dirty="0" smtClean="0">
-                <a:solidFill>
-                  <a:srgbClr val="FF0000"/>
-                </a:solidFill>
-                <a:effectLst/>
-                <a:latin typeface="+mn-lt"/>
-                <a:ea typeface="+mn-ea"/>
-                <a:cs typeface="+mn-cs"/>
-              </a:rPr>
-              <a:t> </a:t>
-            </a:r>
-            <a:r>
-              <a:rPr lang="en-US" sz="1200" b="0" i="0" kern="1200" dirty="0" smtClean="0">
-                <a:solidFill>
-                  <a:srgbClr val="FF0000"/>
-                </a:solidFill>
-                <a:effectLst/>
-                <a:latin typeface="+mn-lt"/>
-                <a:ea typeface="+mn-ea"/>
-                <a:cs typeface="+mn-cs"/>
-              </a:rPr>
-              <a:t>head and not pressure</a:t>
-            </a:r>
-            <a:r>
-              <a:rPr lang="en-US" sz="1200" b="0" i="0" kern="1200" baseline="0" dirty="0" smtClean="0">
-                <a:solidFill>
-                  <a:srgbClr val="FF0000"/>
-                </a:solidFill>
-                <a:effectLst/>
-                <a:latin typeface="+mn-lt"/>
-                <a:ea typeface="+mn-ea"/>
-                <a:cs typeface="+mn-cs"/>
-              </a:rPr>
-              <a:t> = </a:t>
-            </a:r>
-            <a:r>
-              <a:rPr lang="en-US" sz="1200" b="0" i="0" kern="1200" dirty="0" smtClean="0">
-                <a:solidFill>
-                  <a:srgbClr val="FF0000"/>
-                </a:solidFill>
-                <a:effectLst/>
-                <a:latin typeface="+mn-lt"/>
-                <a:ea typeface="+mn-ea"/>
-                <a:cs typeface="+mn-cs"/>
-              </a:rPr>
-              <a:t>head-capacity performance independent of the specific gravity of the liquid.</a:t>
-            </a:r>
-          </a:p>
-          <a:p>
-            <a:endParaRPr lang="en-US" sz="1200" b="0" i="0" kern="1200" dirty="0" smtClean="0">
-              <a:solidFill>
-                <a:schemeClr val="tx1"/>
-              </a:solidFill>
-              <a:effectLst/>
-              <a:latin typeface="+mn-lt"/>
-              <a:ea typeface="+mn-ea"/>
-              <a:cs typeface="+mn-cs"/>
-            </a:endParaRPr>
-          </a:p>
-          <a:p>
-            <a:pPr marL="0" marR="0" lvl="0" indent="0" algn="l" defTabSz="914400" rtl="0" eaLnBrk="1" fontAlgn="auto" latinLnBrk="0" hangingPunct="1">
-              <a:lnSpc>
-                <a:spcPct val="100000"/>
-              </a:lnSpc>
-              <a:spcBef>
-                <a:spcPts val="0"/>
-              </a:spcBef>
-              <a:spcAft>
-                <a:spcPts val="0"/>
-              </a:spcAft>
-              <a:buClrTx/>
-              <a:buSzTx/>
-              <a:buFontTx/>
-              <a:buNone/>
-              <a:tabLst/>
-              <a:defRPr/>
-            </a:pPr>
-            <a:r>
-              <a:rPr lang="en-US" sz="1200" b="1" dirty="0" smtClean="0"/>
-              <a:t>• Power versus capacity </a:t>
-            </a:r>
-          </a:p>
-          <a:p>
-            <a:pPr marL="0" marR="0" lvl="0" indent="0" algn="l" defTabSz="914400" rtl="0" eaLnBrk="1" fontAlgn="auto" latinLnBrk="0" hangingPunct="1">
-              <a:lnSpc>
-                <a:spcPct val="100000"/>
-              </a:lnSpc>
-              <a:spcBef>
-                <a:spcPts val="0"/>
-              </a:spcBef>
-              <a:spcAft>
-                <a:spcPts val="0"/>
-              </a:spcAft>
-              <a:buClrTx/>
-              <a:buSzTx/>
-              <a:buFontTx/>
-              <a:buNone/>
-              <a:tabLst/>
-              <a:defRPr/>
-            </a:pPr>
-            <a:endParaRPr lang="en-US" sz="1200" b="1" dirty="0" smtClean="0"/>
-          </a:p>
-          <a:p>
-            <a:pPr marL="171450" marR="0" lvl="0" indent="-171450" algn="l" defTabSz="914400" rtl="0" eaLnBrk="1" fontAlgn="auto" latinLnBrk="0" hangingPunct="1">
-              <a:lnSpc>
-                <a:spcPct val="100000"/>
-              </a:lnSpc>
-              <a:spcBef>
-                <a:spcPts val="0"/>
-              </a:spcBef>
-              <a:spcAft>
-                <a:spcPts val="0"/>
-              </a:spcAft>
-              <a:buClrTx/>
-              <a:buSzTx/>
-              <a:buFontTx/>
-              <a:buChar char="-"/>
-              <a:tabLst/>
-              <a:defRPr/>
-            </a:pPr>
-            <a:r>
-              <a:rPr lang="en-US" sz="1200" b="0" dirty="0" smtClean="0"/>
-              <a:t>BHP and WHP</a:t>
-            </a:r>
-          </a:p>
-          <a:p>
-            <a:pPr marL="0" marR="0" lvl="0" indent="0" algn="l" defTabSz="914400" rtl="0" eaLnBrk="1" fontAlgn="auto" latinLnBrk="0" hangingPunct="1">
-              <a:lnSpc>
-                <a:spcPct val="100000"/>
-              </a:lnSpc>
-              <a:spcBef>
-                <a:spcPts val="0"/>
-              </a:spcBef>
-              <a:spcAft>
-                <a:spcPts val="0"/>
-              </a:spcAft>
-              <a:buClrTx/>
-              <a:buSzTx/>
-              <a:buFontTx/>
-              <a:buNone/>
-              <a:tabLst/>
-              <a:defRPr/>
-            </a:pPr>
-            <a:endParaRPr lang="en-US" sz="1200" b="0" dirty="0" smtClean="0"/>
-          </a:p>
-          <a:p>
-            <a:pPr marL="0" marR="0" lvl="0" indent="0" algn="l" defTabSz="914400" rtl="0" eaLnBrk="1" fontAlgn="auto" latinLnBrk="0" hangingPunct="1">
-              <a:lnSpc>
-                <a:spcPct val="100000"/>
-              </a:lnSpc>
-              <a:spcBef>
-                <a:spcPts val="0"/>
-              </a:spcBef>
-              <a:spcAft>
-                <a:spcPts val="0"/>
-              </a:spcAft>
-              <a:buClrTx/>
-              <a:buSzTx/>
-              <a:buFontTx/>
-              <a:buNone/>
-              <a:tabLst/>
-              <a:defRPr/>
-            </a:pPr>
-            <a:r>
-              <a:rPr lang="en-US" sz="1200" b="1" dirty="0" smtClean="0"/>
-              <a:t>• NPSH versus capacity </a:t>
-            </a:r>
-          </a:p>
-          <a:p>
-            <a:pPr marL="0" marR="0" lvl="0" indent="0" algn="l" defTabSz="914400" rtl="0" eaLnBrk="1" fontAlgn="auto" latinLnBrk="0" hangingPunct="1">
-              <a:lnSpc>
-                <a:spcPct val="100000"/>
-              </a:lnSpc>
-              <a:spcBef>
-                <a:spcPts val="0"/>
-              </a:spcBef>
-              <a:spcAft>
-                <a:spcPts val="0"/>
-              </a:spcAft>
-              <a:buClrTx/>
-              <a:buSzTx/>
-              <a:buFontTx/>
-              <a:buNone/>
-              <a:tabLst/>
-              <a:defRPr/>
-            </a:pPr>
-            <a:endParaRPr lang="en-US" sz="1200" b="1" dirty="0" smtClean="0"/>
-          </a:p>
-          <a:p>
-            <a:pPr marL="0" marR="0" lvl="0" indent="0" algn="l" defTabSz="914400" rtl="0" eaLnBrk="1" fontAlgn="auto" latinLnBrk="0" hangingPunct="1">
-              <a:lnSpc>
-                <a:spcPct val="100000"/>
-              </a:lnSpc>
-              <a:spcBef>
-                <a:spcPts val="0"/>
-              </a:spcBef>
-              <a:spcAft>
-                <a:spcPts val="0"/>
-              </a:spcAft>
-              <a:buClrTx/>
-              <a:buSzTx/>
-              <a:buFontTx/>
-              <a:buNone/>
-              <a:tabLst/>
-              <a:defRPr/>
-            </a:pPr>
-            <a:r>
-              <a:rPr lang="en-US" sz="1200" b="0" dirty="0" smtClean="0"/>
-              <a:t>Lengthy</a:t>
-            </a:r>
-            <a:r>
-              <a:rPr lang="en-US" sz="1200" b="0" baseline="0" dirty="0" smtClean="0"/>
-              <a:t> description of value is unavoidable. Love to explain at the showcase</a:t>
-            </a:r>
-            <a:endParaRPr lang="en-US" sz="1200" b="0" dirty="0" smtClean="0"/>
-          </a:p>
-          <a:p>
-            <a:endParaRPr lang="en-US" sz="1200" b="0" i="0" kern="1200" dirty="0" smtClean="0">
-              <a:solidFill>
-                <a:schemeClr val="tx1"/>
-              </a:solidFill>
-              <a:effectLst/>
-              <a:latin typeface="+mn-lt"/>
-              <a:ea typeface="+mn-ea"/>
-              <a:cs typeface="+mn-cs"/>
-            </a:endParaRPr>
-          </a:p>
-          <a:p>
-            <a:endParaRPr lang="en-US" sz="1200" b="0" i="0" kern="1200" dirty="0" smtClean="0">
-              <a:solidFill>
-                <a:schemeClr val="tx1"/>
-              </a:solidFill>
-              <a:effectLst/>
-              <a:latin typeface="+mn-lt"/>
-              <a:ea typeface="+mn-ea"/>
-              <a:cs typeface="+mn-cs"/>
-            </a:endParaRPr>
-          </a:p>
-          <a:p>
-            <a:endParaRPr lang="en-US" sz="1200" b="0" i="0" kern="1200" dirty="0" smtClean="0">
-              <a:solidFill>
-                <a:schemeClr val="tx1"/>
-              </a:solidFill>
-              <a:effectLst/>
-              <a:latin typeface="+mn-lt"/>
-              <a:ea typeface="+mn-ea"/>
-              <a:cs typeface="+mn-cs"/>
-            </a:endParaRPr>
-          </a:p>
-          <a:p>
-            <a:r>
-              <a:rPr lang="en-US" dirty="0" smtClean="0"/>
-              <a:t>– Maximum head is at zero capacity </a:t>
-            </a:r>
-          </a:p>
-          <a:p>
-            <a:r>
-              <a:rPr lang="en-US" dirty="0" smtClean="0"/>
-              <a:t>– The maximum capacity of the pump </a:t>
-            </a:r>
-            <a:endParaRPr lang="en-US" sz="1200" b="0" i="0" kern="1200" dirty="0" smtClean="0">
-              <a:solidFill>
-                <a:schemeClr val="tx1"/>
-              </a:solidFill>
-              <a:effectLst/>
-              <a:latin typeface="+mn-lt"/>
-              <a:ea typeface="+mn-ea"/>
-              <a:cs typeface="+mn-cs"/>
-            </a:endParaRPr>
-          </a:p>
-          <a:p>
-            <a:endParaRPr lang="en-US" dirty="0"/>
+            <a:endParaRPr lang="en-US" dirty="0" smtClean="0"/>
+          </a:p>
+          <a:p>
+            <a:r>
+              <a:rPr lang="en-US" b="1" dirty="0" smtClean="0"/>
+              <a:t>Barske started developmental work on the pump type in Germany prior to world war II</a:t>
+            </a:r>
+          </a:p>
+          <a:p>
+            <a:endParaRPr lang="en-US" b="1" dirty="0" smtClean="0"/>
+          </a:p>
+          <a:p>
+            <a:r>
+              <a:rPr lang="en-US" b="1" dirty="0" smtClean="0"/>
+              <a:t>Used</a:t>
+            </a:r>
+            <a:r>
+              <a:rPr lang="en-US" b="1" baseline="0" dirty="0" smtClean="0"/>
+              <a:t> our design methodology to couple the subtle hints of barske with conventional pump design and molded it into a suitable design. </a:t>
+            </a:r>
+            <a:endParaRPr lang="en-US" b="1" dirty="0"/>
           </a:p>
         </p:txBody>
       </p:sp>
@@ -2207,7 +2141,7 @@
           <a:p>
             <a:fld id="{41270EAE-2722-4055-9DC6-0148D79BD176}" type="slidenum">
               <a:rPr lang="en-US" smtClean="0"/>
-              <a:t>6</a:t>
+              <a:t>5</a:t>
             </a:fld>
             <a:endParaRPr lang="en-US"/>
           </a:p>
@@ -2216,7 +2150,7 @@
     </p:spTree>
     <p:extLst>
       <p:ext uri="{BB962C8B-B14F-4D97-AF65-F5344CB8AC3E}">
-        <p14:creationId xmlns:p14="http://schemas.microsoft.com/office/powerpoint/2010/main" val="2482106657"/>
+        <p14:creationId xmlns:p14="http://schemas.microsoft.com/office/powerpoint/2010/main" val="1810232739"/>
       </p:ext>
     </p:extLst>
   </p:cSld>
@@ -2270,71 +2204,6 @@
           <a:bodyPr/>
           <a:lstStyle/>
           <a:p>
-            <a:endParaRPr lang="en-US" dirty="0" smtClean="0"/>
-          </a:p>
-          <a:p>
-            <a:r>
-              <a:rPr lang="en-US" sz="1200" b="1" i="0" kern="1200" dirty="0" smtClean="0">
-                <a:solidFill>
-                  <a:schemeClr val="tx1"/>
-                </a:solidFill>
-                <a:effectLst/>
-                <a:latin typeface="+mn-lt"/>
-                <a:ea typeface="+mn-ea"/>
-                <a:cs typeface="+mn-cs"/>
-              </a:rPr>
-              <a:t>HEAD</a:t>
-            </a:r>
-            <a:r>
-              <a:rPr lang="en-US" sz="1200" b="1" i="0" kern="1200" baseline="0" dirty="0" smtClean="0">
-                <a:solidFill>
-                  <a:schemeClr val="tx1"/>
-                </a:solidFill>
-                <a:effectLst/>
-                <a:latin typeface="+mn-lt"/>
-                <a:ea typeface="+mn-ea"/>
-                <a:cs typeface="+mn-cs"/>
-              </a:rPr>
-              <a:t> OF PUMP VS SYSTEM HEAD</a:t>
-            </a:r>
-          </a:p>
-          <a:p>
-            <a:endParaRPr lang="en-US" sz="1200" b="0" i="0" kern="1200" baseline="0" dirty="0" smtClean="0">
-              <a:solidFill>
-                <a:schemeClr val="tx1"/>
-              </a:solidFill>
-              <a:effectLst/>
-              <a:latin typeface="+mn-lt"/>
-              <a:ea typeface="+mn-ea"/>
-              <a:cs typeface="+mn-cs"/>
-            </a:endParaRPr>
-          </a:p>
-          <a:p>
-            <a:r>
-              <a:rPr lang="en-US" sz="1200" b="0" i="0" kern="1200" dirty="0" smtClean="0">
-                <a:solidFill>
-                  <a:schemeClr val="tx1"/>
-                </a:solidFill>
-                <a:effectLst/>
-                <a:latin typeface="+mn-lt"/>
-                <a:ea typeface="+mn-ea"/>
-                <a:cs typeface="+mn-cs"/>
-              </a:rPr>
-              <a:t>The height to which a pump can raise the water is the pump head and it is measured in meters (feet) of flowing water. The head required to overcome the losses in a pipe system at a given flow rate is called the system head.</a:t>
-            </a:r>
-          </a:p>
-          <a:p>
-            <a:endParaRPr lang="en-US" sz="1200" b="0" i="0" kern="1200" dirty="0" smtClean="0">
-              <a:solidFill>
-                <a:schemeClr val="tx1"/>
-              </a:solidFill>
-              <a:effectLst/>
-              <a:latin typeface="+mn-lt"/>
-              <a:ea typeface="+mn-ea"/>
-              <a:cs typeface="+mn-cs"/>
-            </a:endParaRPr>
-          </a:p>
-          <a:p>
             <a:pPr marL="0" marR="0" lvl="0" indent="0" algn="l" defTabSz="914400" rtl="0" eaLnBrk="1" fontAlgn="auto" latinLnBrk="0" hangingPunct="1">
               <a:lnSpc>
                 <a:spcPct val="100000"/>
@@ -2353,162 +2222,10 @@
               <a:defRPr/>
             </a:pPr>
             <a:r>
-              <a:rPr lang="en-US" sz="1200" b="0" i="0" kern="1200" dirty="0" smtClean="0">
-                <a:solidFill>
-                  <a:srgbClr val="FF0000"/>
-                </a:solidFill>
-                <a:effectLst/>
-                <a:latin typeface="+mn-lt"/>
-                <a:ea typeface="+mn-ea"/>
-                <a:cs typeface="+mn-cs"/>
-              </a:rPr>
-              <a:t>Using</a:t>
-            </a:r>
-            <a:r>
-              <a:rPr lang="en-US" sz="1200" b="0" i="0" kern="1200" baseline="0" dirty="0" smtClean="0">
-                <a:solidFill>
-                  <a:srgbClr val="FF0000"/>
-                </a:solidFill>
-                <a:effectLst/>
-                <a:latin typeface="+mn-lt"/>
-                <a:ea typeface="+mn-ea"/>
-                <a:cs typeface="+mn-cs"/>
-              </a:rPr>
-              <a:t> </a:t>
-            </a:r>
-            <a:r>
-              <a:rPr lang="en-US" sz="1200" b="0" i="0" kern="1200" dirty="0" smtClean="0">
-                <a:solidFill>
-                  <a:srgbClr val="FF0000"/>
-                </a:solidFill>
-                <a:effectLst/>
-                <a:latin typeface="+mn-lt"/>
-                <a:ea typeface="+mn-ea"/>
-                <a:cs typeface="+mn-cs"/>
-              </a:rPr>
-              <a:t>head and not pressure</a:t>
-            </a:r>
-            <a:r>
-              <a:rPr lang="en-US" sz="1200" b="0" i="0" kern="1200" baseline="0" dirty="0" smtClean="0">
-                <a:solidFill>
-                  <a:srgbClr val="FF0000"/>
-                </a:solidFill>
-                <a:effectLst/>
-                <a:latin typeface="+mn-lt"/>
-                <a:ea typeface="+mn-ea"/>
-                <a:cs typeface="+mn-cs"/>
-              </a:rPr>
-              <a:t> = </a:t>
-            </a:r>
-            <a:r>
-              <a:rPr lang="en-US" sz="1200" b="0" i="0" kern="1200" dirty="0" smtClean="0">
-                <a:solidFill>
-                  <a:srgbClr val="FF0000"/>
-                </a:solidFill>
-                <a:effectLst/>
-                <a:latin typeface="+mn-lt"/>
-                <a:ea typeface="+mn-ea"/>
-                <a:cs typeface="+mn-cs"/>
-              </a:rPr>
-              <a:t>head-capacity performance independent of the specific gravity of the liquid.</a:t>
-            </a:r>
-          </a:p>
-          <a:p>
-            <a:endParaRPr lang="en-US" sz="1200" b="0" i="0" kern="1200" dirty="0" smtClean="0">
-              <a:solidFill>
-                <a:schemeClr val="tx1"/>
-              </a:solidFill>
-              <a:effectLst/>
-              <a:latin typeface="+mn-lt"/>
-              <a:ea typeface="+mn-ea"/>
-              <a:cs typeface="+mn-cs"/>
-            </a:endParaRPr>
-          </a:p>
-          <a:p>
-            <a:r>
-              <a:rPr lang="en-US" sz="1200" b="1" i="0" kern="1200" dirty="0" smtClean="0">
-                <a:solidFill>
-                  <a:schemeClr val="tx1"/>
-                </a:solidFill>
-                <a:effectLst/>
-                <a:latin typeface="+mn-lt"/>
-                <a:ea typeface="+mn-ea"/>
-                <a:cs typeface="+mn-cs"/>
-              </a:rPr>
-              <a:t>Energy equation</a:t>
-            </a:r>
-          </a:p>
-          <a:p>
-            <a:endParaRPr lang="en-US" sz="1200" b="0" i="0" kern="1200" dirty="0" smtClean="0">
-              <a:solidFill>
-                <a:schemeClr val="tx1"/>
-              </a:solidFill>
-              <a:effectLst/>
-              <a:latin typeface="+mn-lt"/>
-              <a:ea typeface="+mn-ea"/>
-              <a:cs typeface="+mn-cs"/>
-            </a:endParaRPr>
-          </a:p>
-          <a:p>
-            <a:r>
-              <a:rPr lang="en-US" sz="1200" b="0" i="0" kern="1200" dirty="0" smtClean="0">
-                <a:solidFill>
-                  <a:schemeClr val="tx1"/>
-                </a:solidFill>
-                <a:effectLst/>
-                <a:latin typeface="+mn-lt"/>
-                <a:ea typeface="+mn-ea"/>
-                <a:cs typeface="+mn-cs"/>
-              </a:rPr>
-              <a:t>Each</a:t>
-            </a:r>
-            <a:r>
-              <a:rPr lang="en-US" sz="1200" b="0" i="0" kern="1200" baseline="0" dirty="0" smtClean="0">
-                <a:solidFill>
-                  <a:schemeClr val="tx1"/>
-                </a:solidFill>
-                <a:effectLst/>
-                <a:latin typeface="+mn-lt"/>
-                <a:ea typeface="+mn-ea"/>
-                <a:cs typeface="+mn-cs"/>
-              </a:rPr>
-              <a:t> </a:t>
-            </a:r>
-            <a:r>
-              <a:rPr lang="en-US" sz="1200" b="0" i="0" kern="1200" dirty="0" smtClean="0">
-                <a:solidFill>
-                  <a:schemeClr val="tx1"/>
-                </a:solidFill>
-                <a:effectLst/>
-                <a:latin typeface="+mn-lt"/>
-                <a:ea typeface="+mn-ea"/>
-                <a:cs typeface="+mn-cs"/>
-              </a:rPr>
-              <a:t>of these individual total heads </a:t>
-            </a:r>
-            <a:r>
-              <a:rPr lang="en-US" sz="1200" b="0" i="0" kern="1200" baseline="0" dirty="0" smtClean="0">
-                <a:solidFill>
-                  <a:schemeClr val="tx1"/>
-                </a:solidFill>
-                <a:effectLst/>
-                <a:latin typeface="+mn-lt"/>
-                <a:ea typeface="+mn-ea"/>
-                <a:cs typeface="+mn-cs"/>
-              </a:rPr>
-              <a:t>= </a:t>
-            </a:r>
-            <a:r>
-              <a:rPr lang="en-US" sz="1200" b="0" i="0" kern="1200" dirty="0" smtClean="0">
-                <a:solidFill>
-                  <a:schemeClr val="tx1"/>
-                </a:solidFill>
-                <a:effectLst/>
-                <a:latin typeface="+mn-lt"/>
-                <a:ea typeface="+mn-ea"/>
-                <a:cs typeface="+mn-cs"/>
-              </a:rPr>
-              <a:t>sum of the static pressure head, velocity head and elevation head. </a:t>
+              <a:rPr lang="en-US" b="1" dirty="0" smtClean="0">
+                <a:latin typeface="Garamond" panose="02020404030301010803" pitchFamily="18" charset="0"/>
+              </a:rPr>
+              <a:t>WHY? Conical diffuser</a:t>
             </a:r>
           </a:p>
           <a:p>
@@ -2529,7 +2246,9 @@
               <a:tabLst/>
               <a:defRPr/>
             </a:pPr>
-            <a:endParaRPr lang="en-US" dirty="0" smtClean="0"/>
+            <a:endParaRPr lang="en-US" b="1" dirty="0" smtClean="0">
+              <a:latin typeface="Garamond" panose="02020404030301010803" pitchFamily="18" charset="0"/>
+            </a:endParaRPr>
           </a:p>
           <a:p>
             <a:pPr marL="0" marR="0" lvl="0" indent="0" algn="l" defTabSz="914400" rtl="0" eaLnBrk="1" fontAlgn="auto" latinLnBrk="0" hangingPunct="1">
@@ -2550,143 +2269,23 @@
               <a:defRPr/>
             </a:pPr>
             <a:r>
-              <a:rPr lang="en-US" dirty="0" smtClean="0"/>
-              <a:t>That is, analyze the system to determine the pump head required as a function of flow rate through the pump … This will form the system line. </a:t>
-            </a:r>
-          </a:p>
-          <a:p>
-            <a:endParaRPr lang="en-US" sz="1200" b="0" i="0" kern="1200" dirty="0" smtClean="0">
-              <a:solidFill>
-                <a:schemeClr val="tx1"/>
-              </a:solidFill>
-              <a:effectLst/>
-              <a:latin typeface="+mn-lt"/>
-              <a:ea typeface="+mn-ea"/>
-              <a:cs typeface="+mn-cs"/>
+              <a:rPr lang="en-US" b="1" dirty="0" smtClean="0">
+                <a:latin typeface="Garamond" panose="02020404030301010803" pitchFamily="18" charset="0"/>
+              </a:rPr>
+              <a:t>-</a:t>
+            </a:r>
+            <a:r>
+              <a:rPr lang="en-US" b="1" baseline="0" dirty="0" smtClean="0">
+                <a:latin typeface="Garamond" panose="02020404030301010803" pitchFamily="18" charset="0"/>
+              </a:rPr>
+              <a:t> Provides higher efficiency recover because of minimizing wetted area</a:t>
+            </a:r>
+            <a:endParaRPr lang="en-US" b="1" dirty="0" smtClean="0">
+              <a:latin typeface="Garamond" panose="02020404030301010803" pitchFamily="18" charset="0"/>
             </a:endParaRPr>
           </a:p>
           <a:p>
-            <a:r>
-              <a:rPr lang="en-US" sz="1200" b="0" i="0" kern="1200" dirty="0" smtClean="0">
-                <a:solidFill>
-                  <a:schemeClr val="tx1"/>
-                </a:solidFill>
-                <a:effectLst/>
-                <a:latin typeface="+mn-lt"/>
-                <a:ea typeface="+mn-ea"/>
-                <a:cs typeface="+mn-cs"/>
-              </a:rPr>
-              <a:t>Plotting the pump curve and system curve will result in an intersection point, which is called the </a:t>
-            </a:r>
-            <a:r>
-              <a:rPr lang="en-US" sz="1200" b="0" i="1" kern="1200" dirty="0" smtClean="0">
-                <a:solidFill>
-                  <a:schemeClr val="tx1"/>
-                </a:solidFill>
-                <a:effectLst/>
-                <a:latin typeface="+mn-lt"/>
-                <a:ea typeface="+mn-ea"/>
-                <a:cs typeface="+mn-cs"/>
-              </a:rPr>
-              <a:t>operating point</a:t>
-            </a:r>
-            <a:r>
-              <a:rPr lang="en-US" sz="1200" b="0" i="0" kern="1200" dirty="0" smtClean="0">
-                <a:solidFill>
-                  <a:schemeClr val="tx1"/>
-                </a:solidFill>
-                <a:effectLst/>
-                <a:latin typeface="+mn-lt"/>
-                <a:ea typeface="+mn-ea"/>
-                <a:cs typeface="+mn-cs"/>
-              </a:rPr>
-              <a:t>.</a:t>
-            </a:r>
-          </a:p>
-          <a:p>
-            <a:endParaRPr lang="en-US" sz="1200" b="0" i="0" kern="1200" dirty="0" smtClean="0">
-              <a:solidFill>
-                <a:schemeClr val="tx1"/>
-              </a:solidFill>
-              <a:effectLst/>
-              <a:latin typeface="+mn-lt"/>
-              <a:ea typeface="+mn-ea"/>
-              <a:cs typeface="+mn-cs"/>
-            </a:endParaRPr>
-          </a:p>
-          <a:p>
-            <a:r>
-              <a:rPr lang="en-US" b="1" dirty="0" smtClean="0"/>
-              <a:t>Friction head</a:t>
-            </a:r>
-          </a:p>
-          <a:p>
-            <a:endParaRPr lang="en-US" dirty="0" smtClean="0"/>
-          </a:p>
-          <a:p>
-            <a:r>
-              <a:rPr lang="en-US" sz="1200" b="0" i="0" kern="1200" dirty="0" smtClean="0">
-                <a:solidFill>
-                  <a:schemeClr val="tx1"/>
-                </a:solidFill>
-                <a:effectLst/>
-                <a:latin typeface="+mn-lt"/>
-                <a:ea typeface="+mn-ea"/>
-                <a:cs typeface="+mn-cs"/>
-              </a:rPr>
-              <a:t>The friction head consists of the sum of the pipe friction head losses in the </a:t>
-            </a:r>
-          </a:p>
-          <a:p>
-            <a:endParaRPr lang="en-US" sz="1200" b="0" i="0" kern="1200" dirty="0" smtClean="0">
-              <a:solidFill>
-                <a:schemeClr val="tx1"/>
-              </a:solidFill>
-              <a:effectLst/>
-              <a:latin typeface="+mn-lt"/>
-              <a:ea typeface="+mn-ea"/>
-              <a:cs typeface="+mn-cs"/>
-            </a:endParaRPr>
-          </a:p>
-          <a:p>
-            <a:r>
-              <a:rPr lang="en-US" sz="1200" b="1" i="0" kern="1200" dirty="0" smtClean="0">
-                <a:solidFill>
-                  <a:schemeClr val="tx1"/>
-                </a:solidFill>
-                <a:effectLst/>
-                <a:latin typeface="+mn-lt"/>
-                <a:ea typeface="+mn-ea"/>
-                <a:cs typeface="+mn-cs"/>
-              </a:rPr>
-              <a:t>Velocity head</a:t>
-            </a:r>
-          </a:p>
-          <a:p>
-            <a:endParaRPr lang="en-US" sz="1200" b="0" i="0" kern="1200" dirty="0" smtClean="0">
-              <a:solidFill>
-                <a:schemeClr val="tx1"/>
-              </a:solidFill>
-              <a:effectLst/>
-              <a:latin typeface="+mn-lt"/>
-              <a:ea typeface="+mn-ea"/>
-              <a:cs typeface="+mn-cs"/>
-            </a:endParaRPr>
-          </a:p>
-          <a:p>
-            <a:r>
-              <a:rPr lang="en-US" sz="1200" b="0" i="0" kern="1200" dirty="0" smtClean="0">
-                <a:solidFill>
-                  <a:schemeClr val="tx1"/>
-                </a:solidFill>
-                <a:effectLst/>
-                <a:latin typeface="+mn-lt"/>
-                <a:ea typeface="+mn-ea"/>
-                <a:cs typeface="+mn-cs"/>
-              </a:rPr>
-              <a:t>Velocity head The velocity head is the kinetic energy contained in the water being pumped at any point in the system</a:t>
-            </a:r>
-            <a:endParaRPr lang="en-US" dirty="0" smtClean="0"/>
+            <a:endParaRPr lang="en-US" dirty="0"/>
           </a:p>
         </p:txBody>
       </p:sp>
@@ -2707,7 +2306,7 @@
           <a:p>
             <a:fld id="{41270EAE-2722-4055-9DC6-0148D79BD176}" type="slidenum">
               <a:rPr lang="en-US" smtClean="0"/>
-              <a:t>7</a:t>
+              <a:t>6</a:t>
             </a:fld>
             <a:endParaRPr lang="en-US"/>
           </a:p>
@@ -2716,7 +2315,7 @@
     </p:spTree>
     <p:extLst>
       <p:ext uri="{BB962C8B-B14F-4D97-AF65-F5344CB8AC3E}">
-        <p14:creationId xmlns:p14="http://schemas.microsoft.com/office/powerpoint/2010/main" val="3901741345"/>
+        <p14:creationId xmlns:p14="http://schemas.microsoft.com/office/powerpoint/2010/main" val="368953461"/>
       </p:ext>
     </p:extLst>
   </p:cSld>
@@ -2770,7 +2369,130 @@
           <a:bodyPr/>
           <a:lstStyle/>
           <a:p>
-            <a:endParaRPr lang="en-US" dirty="0"/>
+            <a:pPr marL="0" marR="0" lvl="0" indent="0" algn="l" defTabSz="914400" rtl="0" eaLnBrk="1" fontAlgn="auto" latinLnBrk="0" hangingPunct="1">
+              <a:lnSpc>
+                <a:spcPct val="100000"/>
+              </a:lnSpc>
+              <a:spcBef>
+                <a:spcPts val="0"/>
+              </a:spcBef>
+              <a:spcAft>
+                <a:spcPts val="0"/>
+              </a:spcAft>
+              <a:buClrTx/>
+              <a:buSzTx/>
+              <a:buFontTx/>
+              <a:buNone/>
+              <a:tabLst/>
+              <a:defRPr/>
+            </a:pPr>
+            <a:r>
+              <a:rPr lang="en-US" b="1" dirty="0" smtClean="0"/>
+              <a:t>Centrifugal pump is</a:t>
+            </a:r>
+            <a:r>
+              <a:rPr lang="en-US" b="1" baseline="0" dirty="0" smtClean="0"/>
+              <a:t> a </a:t>
+            </a:r>
+            <a:r>
+              <a:rPr lang="en-US" b="1" dirty="0" smtClean="0"/>
+              <a:t>complex turbomachine</a:t>
+            </a:r>
+          </a:p>
+          <a:p>
+            <a:pPr marL="0" marR="0" lvl="0" indent="0" algn="l" defTabSz="914400" rtl="0" eaLnBrk="1" fontAlgn="auto" latinLnBrk="0" hangingPunct="1">
+              <a:lnSpc>
+                <a:spcPct val="100000"/>
+              </a:lnSpc>
+              <a:spcBef>
+                <a:spcPts val="0"/>
+              </a:spcBef>
+              <a:spcAft>
+                <a:spcPts val="0"/>
+              </a:spcAft>
+              <a:buClrTx/>
+              <a:buSzTx/>
+              <a:buFontTx/>
+              <a:buNone/>
+              <a:tabLst/>
+              <a:defRPr/>
+            </a:pPr>
+            <a:endParaRPr lang="en-US" b="1" dirty="0" smtClean="0"/>
+          </a:p>
+          <a:p>
+            <a:pPr marL="0" marR="0" lvl="0" indent="0" algn="l" defTabSz="914400" rtl="0" eaLnBrk="1" fontAlgn="auto" latinLnBrk="0" hangingPunct="1">
+              <a:lnSpc>
+                <a:spcPct val="100000"/>
+              </a:lnSpc>
+              <a:spcBef>
+                <a:spcPts val="0"/>
+              </a:spcBef>
+              <a:spcAft>
+                <a:spcPts val="0"/>
+              </a:spcAft>
+              <a:buClrTx/>
+              <a:buSzTx/>
+              <a:buFontTx/>
+              <a:buNone/>
+              <a:tabLst/>
+              <a:defRPr/>
+            </a:pPr>
+            <a:r>
+              <a:rPr lang="en-US" b="1" dirty="0" smtClean="0"/>
+              <a:t>Purely analytical prediction not possible</a:t>
+            </a:r>
+          </a:p>
+          <a:p>
+            <a:pPr marL="0" marR="0" lvl="0" indent="0" algn="l" defTabSz="914400" rtl="0" eaLnBrk="1" fontAlgn="auto" latinLnBrk="0" hangingPunct="1">
+              <a:lnSpc>
+                <a:spcPct val="100000"/>
+              </a:lnSpc>
+              <a:spcBef>
+                <a:spcPts val="0"/>
+              </a:spcBef>
+              <a:spcAft>
+                <a:spcPts val="0"/>
+              </a:spcAft>
+              <a:buClrTx/>
+              <a:buSzTx/>
+              <a:buFontTx/>
+              <a:buNone/>
+              <a:tabLst/>
+              <a:defRPr/>
+            </a:pPr>
+            <a:endParaRPr lang="en-US" b="1" dirty="0" smtClean="0"/>
+          </a:p>
+          <a:p>
+            <a:pPr marL="0" marR="0" lvl="0" indent="0" algn="l" defTabSz="914400" rtl="0" eaLnBrk="1" fontAlgn="auto" latinLnBrk="0" hangingPunct="1">
+              <a:lnSpc>
+                <a:spcPct val="100000"/>
+              </a:lnSpc>
+              <a:spcBef>
+                <a:spcPts val="0"/>
+              </a:spcBef>
+              <a:spcAft>
+                <a:spcPts val="0"/>
+              </a:spcAft>
+              <a:buClrTx/>
+              <a:buSzTx/>
+              <a:buFontTx/>
+              <a:buNone/>
+              <a:tabLst/>
+              <a:defRPr/>
+            </a:pPr>
+            <a:r>
+              <a:rPr lang="en-US" b="1" dirty="0" smtClean="0"/>
+              <a:t>Hence, performance is obtained empirically</a:t>
+            </a:r>
+            <a:endParaRPr lang="en-US" sz="1200" b="1" i="0" kern="1200" dirty="0" smtClean="0">
+              <a:solidFill>
+                <a:schemeClr val="tx1"/>
+              </a:solidFill>
+              <a:effectLst/>
+              <a:latin typeface="+mn-lt"/>
+              <a:ea typeface="+mn-ea"/>
+              <a:cs typeface="+mn-cs"/>
+            </a:endParaRPr>
           </a:p>
         </p:txBody>
       </p:sp>
@@ -2791,7 +2513,7 @@
           <a:p>
             <a:fld id="{41270EAE-2722-4055-9DC6-0148D79BD176}" type="slidenum">
               <a:rPr lang="en-US" smtClean="0"/>
-              <a:t>8</a:t>
+              <a:t>7</a:t>
             </a:fld>
             <a:endParaRPr lang="en-US"/>
           </a:p>
@@ -2800,7 +2522,7 @@
     </p:spTree>
     <p:extLst>
       <p:ext uri="{BB962C8B-B14F-4D97-AF65-F5344CB8AC3E}">
-        <p14:creationId xmlns:p14="http://schemas.microsoft.com/office/powerpoint/2010/main" val="474839590"/>
+        <p14:creationId xmlns:p14="http://schemas.microsoft.com/office/powerpoint/2010/main" val="2273003188"/>
       </p:ext>
     </p:extLst>
   </p:cSld>
@@ -2854,6 +2576,87 @@
           <a:bodyPr/>
           <a:lstStyle/>
           <a:p>
+            <a:r>
+              <a:rPr lang="en-US" sz="1200" b="0" i="0" kern="1200" dirty="0" smtClean="0">
+                <a:solidFill>
+                  <a:schemeClr val="tx1"/>
+                </a:solidFill>
+                <a:effectLst/>
+                <a:latin typeface="+mn-lt"/>
+                <a:ea typeface="+mn-ea"/>
+                <a:cs typeface="+mn-cs"/>
+              </a:rPr>
+              <a:t>We followed hydraulic standards intended to demonstrate hydraulic performance</a:t>
+            </a:r>
+            <a:r>
+              <a:rPr lang="en-US" sz="1200" b="0" i="0" kern="1200" baseline="0" dirty="0" smtClean="0">
+                <a:solidFill>
+                  <a:schemeClr val="tx1"/>
+                </a:solidFill>
+                <a:effectLst/>
+                <a:latin typeface="+mn-lt"/>
+                <a:ea typeface="+mn-ea"/>
+                <a:cs typeface="+mn-cs"/>
+              </a:rPr>
+              <a:t> </a:t>
+            </a:r>
+            <a:r>
+              <a:rPr lang="en-US" sz="1200" b="0" i="0" kern="1200" dirty="0" smtClean="0">
+                <a:solidFill>
+                  <a:schemeClr val="tx1"/>
+                </a:solidFill>
+                <a:effectLst/>
+                <a:latin typeface="+mn-lt"/>
+                <a:ea typeface="+mn-ea"/>
+                <a:cs typeface="+mn-cs"/>
+              </a:rPr>
+              <a:t>and mechanical integrity </a:t>
+            </a:r>
+          </a:p>
+          <a:p>
+            <a:pPr marL="0" marR="0" lvl="0" indent="0" algn="l" defTabSz="914400" rtl="0" eaLnBrk="1" fontAlgn="auto" latinLnBrk="0" hangingPunct="1">
+              <a:lnSpc>
+                <a:spcPct val="100000"/>
+              </a:lnSpc>
+              <a:spcBef>
+                <a:spcPts val="0"/>
+              </a:spcBef>
+              <a:spcAft>
+                <a:spcPts val="0"/>
+              </a:spcAft>
+              <a:buClrTx/>
+              <a:buSzTx/>
+              <a:buFontTx/>
+              <a:buNone/>
+              <a:tabLst/>
+              <a:defRPr/>
+            </a:pPr>
+            <a:endParaRPr lang="en-US" sz="1200" b="1" dirty="0" smtClean="0"/>
+          </a:p>
+          <a:p>
+            <a:pPr marL="0" marR="0" lvl="0" indent="0" algn="l" defTabSz="914400" rtl="0" eaLnBrk="1" fontAlgn="auto" latinLnBrk="0" hangingPunct="1">
+              <a:lnSpc>
+                <a:spcPct val="100000"/>
+              </a:lnSpc>
+              <a:spcBef>
+                <a:spcPts val="0"/>
+              </a:spcBef>
+              <a:spcAft>
+                <a:spcPts val="0"/>
+              </a:spcAft>
+              <a:buClrTx/>
+              <a:buSzTx/>
+              <a:buFontTx/>
+              <a:buNone/>
+              <a:tabLst/>
+              <a:defRPr/>
+            </a:pPr>
+            <a:r>
+              <a:rPr lang="en-US" sz="1200" b="1" dirty="0" smtClean="0"/>
+              <a:t>• Head versus capacity </a:t>
+            </a:r>
+          </a:p>
+          <a:p>
             <a:endParaRPr lang="en-US" sz="1200" b="0" i="0" kern="1200" dirty="0" smtClean="0">
               <a:solidFill>
                 <a:schemeClr val="tx1"/>
@@ -2868,19 +2671,19 @@
             <a:r>
               <a:rPr lang="en-US" sz="1200" b="0" i="0" kern="1200" dirty="0" smtClean="0">
                 <a:solidFill>
-                  <a:schemeClr val="tx1"/>
+                  <a:srgbClr val="FF0000"/>
                 </a:solidFill>
                 <a:effectLst/>
                 <a:latin typeface="+mn-lt"/>
                 <a:ea typeface="+mn-ea"/>
                 <a:cs typeface="+mn-cs"/>
               </a:rPr>
-              <a:t>The NPSH</a:t>
+              <a:t>Using</a:t>
             </a:r>
             <a:r>
               <a:rPr lang="en-US" sz="1200" b="0" i="0" kern="1200" baseline="0" dirty="0" smtClean="0">
                 <a:solidFill>
-                  <a:schemeClr val="tx1"/>
+                  <a:srgbClr val="FF0000"/>
                 </a:solidFill>
                 <a:effectLst/>
                 <a:latin typeface="+mn-lt"/>
@@ -2892,34 +2695,261 @@
             <a:r>
               <a:rPr lang="en-US" sz="1200" b="0" i="0" kern="1200" dirty="0" smtClean="0">
                 <a:solidFill>
-                  <a:schemeClr val="tx1"/>
+                  <a:srgbClr val="FF0000"/>
                 </a:solidFill>
                 <a:effectLst/>
                 <a:latin typeface="+mn-lt"/>
                 <a:ea typeface="+mn-ea"/>
                 <a:cs typeface="+mn-cs"/>
               </a:rPr>
-              <a:t>always rises as the centrifugal pump capacity approaches shut‑off (zero flow rate).</a:t>
-            </a:r>
-            <a:endParaRPr lang="en-US" dirty="0" smtClean="0"/>
-          </a:p>
-          <a:p>
-            <a:endParaRPr lang="en-US" dirty="0" smtClean="0"/>
-          </a:p>
-          <a:p>
-            <a:r>
-              <a:rPr lang="en-US" sz="1200" b="0" i="0" kern="1200" dirty="0" smtClean="0">
+              <a:t>head and not pressure</a:t>
+            </a:r>
+            <a:r>
+              <a:rPr lang="en-US" sz="1200" b="0" i="0" kern="1200" baseline="0" dirty="0" smtClean="0">
                 <a:solidFill>
-                  <a:schemeClr val="tx1"/>
+                  <a:srgbClr val="FF0000"/>
                 </a:solidFill>
                 <a:effectLst/>
                 <a:latin typeface="+mn-lt"/>
                 <a:ea typeface="+mn-ea"/>
                 <a:cs typeface="+mn-cs"/>
               </a:rPr>
-              <a:t>minimum value at a capacity Q about 40 percent of the best‑efficiency capacity</a:t>
-            </a:r>
-            <a:endParaRPr lang="en-US" dirty="0" smtClean="0"/>
+              <a:t> = </a:t>
+            </a:r>
+            <a:r>
+              <a:rPr lang="en-US" sz="1200" b="0" i="0" kern="1200" dirty="0" smtClean="0">
+                <a:solidFill>
+                  <a:srgbClr val="FF0000"/>
+                </a:solidFill>
+                <a:effectLst/>
+                <a:latin typeface="+mn-lt"/>
+                <a:ea typeface="+mn-ea"/>
+                <a:cs typeface="+mn-cs"/>
+              </a:rPr>
+              <a:t>head-capacity performance independent of the specific gravity of the liquid.</a:t>
+            </a:r>
+          </a:p>
+          <a:p>
+            <a:endParaRPr lang="en-US" sz="1200" b="0" i="0" kern="1200" dirty="0" smtClean="0">
+              <a:solidFill>
+                <a:schemeClr val="tx1"/>
+              </a:solidFill>
+              <a:effectLst/>
+              <a:latin typeface="+mn-lt"/>
+              <a:ea typeface="+mn-ea"/>
+              <a:cs typeface="+mn-cs"/>
+            </a:endParaRPr>
+          </a:p>
+          <a:p>
+            <a:pPr marL="0" marR="0" lvl="0" indent="0" algn="l" defTabSz="914400" rtl="0" eaLnBrk="1" fontAlgn="auto" latinLnBrk="0" hangingPunct="1">
+              <a:lnSpc>
+                <a:spcPct val="100000"/>
+              </a:lnSpc>
+              <a:spcBef>
+                <a:spcPts val="0"/>
+              </a:spcBef>
+              <a:spcAft>
+                <a:spcPts val="0"/>
+              </a:spcAft>
+              <a:buClrTx/>
+              <a:buSzTx/>
+              <a:buFontTx/>
+              <a:buNone/>
+              <a:tabLst/>
+              <a:defRPr/>
+            </a:pPr>
+            <a:r>
+              <a:rPr lang="en-US" sz="1200" b="1" dirty="0" smtClean="0"/>
+              <a:t>• Power versus capacity </a:t>
+            </a:r>
+          </a:p>
+          <a:p>
+            <a:pPr marL="0" marR="0" lvl="0" indent="0" algn="l" defTabSz="914400" rtl="0" eaLnBrk="1" fontAlgn="auto" latinLnBrk="0" hangingPunct="1">
+              <a:lnSpc>
+                <a:spcPct val="100000"/>
+              </a:lnSpc>
+              <a:spcBef>
+                <a:spcPts val="0"/>
+              </a:spcBef>
+              <a:spcAft>
+                <a:spcPts val="0"/>
+              </a:spcAft>
+              <a:buClrTx/>
+              <a:buSzTx/>
+              <a:buFontTx/>
+              <a:buNone/>
+              <a:tabLst/>
+              <a:defRPr/>
+            </a:pPr>
+            <a:endParaRPr lang="en-US" sz="1200" b="1" dirty="0" smtClean="0"/>
+          </a:p>
+          <a:p>
+            <a:pPr marL="171450" marR="0" lvl="0" indent="-171450" algn="l" defTabSz="914400" rtl="0" eaLnBrk="1" fontAlgn="auto" latinLnBrk="0" hangingPunct="1">
+              <a:lnSpc>
+                <a:spcPct val="100000"/>
+              </a:lnSpc>
+              <a:spcBef>
+                <a:spcPts val="0"/>
+              </a:spcBef>
+              <a:spcAft>
+                <a:spcPts val="0"/>
+              </a:spcAft>
+              <a:buClrTx/>
+              <a:buSzTx/>
+              <a:buFontTx/>
+              <a:buChar char="-"/>
+              <a:tabLst/>
+              <a:defRPr/>
+            </a:pPr>
+            <a:r>
+              <a:rPr lang="en-US" sz="1200" b="0" dirty="0" smtClean="0"/>
+              <a:t>BHP and WHP</a:t>
+            </a:r>
+          </a:p>
+          <a:p>
+            <a:pPr marL="0" marR="0" lvl="0" indent="0" algn="l" defTabSz="914400" rtl="0" eaLnBrk="1" fontAlgn="auto" latinLnBrk="0" hangingPunct="1">
+              <a:lnSpc>
+                <a:spcPct val="100000"/>
+              </a:lnSpc>
+              <a:spcBef>
+                <a:spcPts val="0"/>
+              </a:spcBef>
+              <a:spcAft>
+                <a:spcPts val="0"/>
+              </a:spcAft>
+              <a:buClrTx/>
+              <a:buSzTx/>
+              <a:buFontTx/>
+              <a:buNone/>
+              <a:tabLst/>
+              <a:defRPr/>
+            </a:pPr>
+            <a:endParaRPr lang="en-US" sz="1200" b="0" dirty="0" smtClean="0"/>
+          </a:p>
+          <a:p>
+            <a:pPr marL="0" marR="0" lvl="0" indent="0" algn="l" defTabSz="914400" rtl="0" eaLnBrk="1" fontAlgn="auto" latinLnBrk="0" hangingPunct="1">
+              <a:lnSpc>
+                <a:spcPct val="100000"/>
+              </a:lnSpc>
+              <a:spcBef>
+                <a:spcPts val="0"/>
+              </a:spcBef>
+              <a:spcAft>
+                <a:spcPts val="0"/>
+              </a:spcAft>
+              <a:buClrTx/>
+              <a:buSzTx/>
+              <a:buFontTx/>
+              <a:buNone/>
+              <a:tabLst/>
+              <a:defRPr/>
+            </a:pPr>
+            <a:r>
+              <a:rPr lang="en-US" sz="1200" b="1" dirty="0" smtClean="0"/>
+              <a:t>• NPSH versus capacity </a:t>
+            </a:r>
+          </a:p>
+          <a:p>
+            <a:pPr marL="0" marR="0" lvl="0" indent="0" algn="l" defTabSz="914400" rtl="0" eaLnBrk="1" fontAlgn="auto" latinLnBrk="0" hangingPunct="1">
+              <a:lnSpc>
+                <a:spcPct val="100000"/>
+              </a:lnSpc>
+              <a:spcBef>
+                <a:spcPts val="0"/>
+              </a:spcBef>
+              <a:spcAft>
+                <a:spcPts val="0"/>
+              </a:spcAft>
+              <a:buClrTx/>
+              <a:buSzTx/>
+              <a:buFontTx/>
+              <a:buNone/>
+              <a:tabLst/>
+              <a:defRPr/>
+            </a:pPr>
+            <a:endParaRPr lang="en-US" sz="1200" b="1" dirty="0" smtClean="0"/>
+          </a:p>
+          <a:p>
+            <a:pPr marL="0" marR="0" lvl="0" indent="0" algn="l" defTabSz="914400" rtl="0" eaLnBrk="1" fontAlgn="auto" latinLnBrk="0" hangingPunct="1">
+              <a:lnSpc>
+                <a:spcPct val="100000"/>
+              </a:lnSpc>
+              <a:spcBef>
+                <a:spcPts val="0"/>
+              </a:spcBef>
+              <a:spcAft>
+                <a:spcPts val="0"/>
+              </a:spcAft>
+              <a:buClrTx/>
+              <a:buSzTx/>
+              <a:buFontTx/>
+              <a:buNone/>
+              <a:tabLst/>
+              <a:defRPr/>
+            </a:pPr>
+            <a:r>
+              <a:rPr lang="en-US" sz="1200" b="0" dirty="0" smtClean="0"/>
+              <a:t>Lengthy</a:t>
+            </a:r>
+            <a:r>
+              <a:rPr lang="en-US" sz="1200" b="0" baseline="0" dirty="0" smtClean="0"/>
+              <a:t> description of value is unavoidable. Love to explain at the showcase</a:t>
+            </a:r>
+            <a:endParaRPr lang="en-US" sz="1200" b="0" dirty="0" smtClean="0"/>
+          </a:p>
+          <a:p>
+            <a:endParaRPr lang="en-US" sz="1200" b="0" i="0" kern="1200" dirty="0" smtClean="0">
+              <a:solidFill>
+                <a:schemeClr val="tx1"/>
+              </a:solidFill>
+              <a:effectLst/>
+              <a:latin typeface="+mn-lt"/>
+              <a:ea typeface="+mn-ea"/>
+              <a:cs typeface="+mn-cs"/>
+            </a:endParaRPr>
+          </a:p>
+          <a:p>
+            <a:endParaRPr lang="en-US" sz="1200" b="0" i="0" kern="1200" dirty="0" smtClean="0">
+              <a:solidFill>
+                <a:schemeClr val="tx1"/>
+              </a:solidFill>
+              <a:effectLst/>
+              <a:latin typeface="+mn-lt"/>
+              <a:ea typeface="+mn-ea"/>
+              <a:cs typeface="+mn-cs"/>
+            </a:endParaRPr>
+          </a:p>
+          <a:p>
+            <a:endParaRPr lang="en-US" sz="1200" b="0" i="0" kern="1200" dirty="0" smtClean="0">
+              <a:solidFill>
+                <a:schemeClr val="tx1"/>
+              </a:solidFill>
+              <a:effectLst/>
+              <a:latin typeface="+mn-lt"/>
+              <a:ea typeface="+mn-ea"/>
+              <a:cs typeface="+mn-cs"/>
+            </a:endParaRPr>
+          </a:p>
+          <a:p>
+            <a:r>
+              <a:rPr lang="en-US" dirty="0" smtClean="0"/>
+              <a:t>– Maximum head is at zero capacity </a:t>
+            </a:r>
+          </a:p>
+          <a:p>
+            <a:r>
+              <a:rPr lang="en-US" dirty="0" smtClean="0"/>
+              <a:t>– The maximum capacity of the pump </a:t>
+            </a:r>
+            <a:endParaRPr lang="en-US" sz="1200" b="0" i="0" kern="1200" dirty="0" smtClean="0">
+              <a:solidFill>
+                <a:schemeClr val="tx1"/>
+              </a:solidFill>
+              <a:effectLst/>
+              <a:latin typeface="+mn-lt"/>
+              <a:ea typeface="+mn-ea"/>
+              <a:cs typeface="+mn-cs"/>
+            </a:endParaRPr>
           </a:p>
           <a:p>
             <a:endParaRPr lang="en-US" dirty="0"/>
@@ -2943,7 +2973,7 @@
           <a:p>
             <a:fld id="{41270EAE-2722-4055-9DC6-0148D79BD176}" type="slidenum">
               <a:rPr lang="en-US" smtClean="0"/>
-              <a:t>9</a:t>
+              <a:t>8</a:t>
             </a:fld>
             <a:endParaRPr lang="en-US"/>
           </a:p>
@@ -2952,7 +2982,7 @@
     </p:spTree>
     <p:extLst>
       <p:ext uri="{BB962C8B-B14F-4D97-AF65-F5344CB8AC3E}">
-        <p14:creationId xmlns:p14="http://schemas.microsoft.com/office/powerpoint/2010/main" val="400058924"/>
+        <p14:creationId xmlns:p14="http://schemas.microsoft.com/office/powerpoint/2010/main" val="2482106657"/>
       </p:ext>
     </p:extLst>
   </p:cSld>
@@ -3006,87 +3036,424 @@
           <a:bodyPr/>
           <a:lstStyle/>
           <a:p>
+            <a:endParaRPr lang="en-US" dirty="0" smtClean="0"/>
+          </a:p>
+          <a:p>
+            <a:r>
+              <a:rPr lang="en-US" sz="1200" b="1" i="0" kern="1200" dirty="0" smtClean="0">
+                <a:solidFill>
+                  <a:schemeClr val="tx1"/>
+                </a:solidFill>
+                <a:effectLst/>
+                <a:latin typeface="+mn-lt"/>
+                <a:ea typeface="+mn-ea"/>
+                <a:cs typeface="+mn-cs"/>
+              </a:rPr>
+              <a:t>HEAD</a:t>
+            </a:r>
+            <a:r>
+              <a:rPr lang="en-US" sz="1200" b="1" i="0" kern="1200" baseline="0" dirty="0" smtClean="0">
+                <a:solidFill>
+                  <a:schemeClr val="tx1"/>
+                </a:solidFill>
+                <a:effectLst/>
+                <a:latin typeface="+mn-lt"/>
+                <a:ea typeface="+mn-ea"/>
+                <a:cs typeface="+mn-cs"/>
+              </a:rPr>
+              <a:t> OF PUMP VS SYSTEM HEAD</a:t>
+            </a:r>
+          </a:p>
+          <a:p>
+            <a:endParaRPr lang="en-US" sz="1200" b="0" i="0" kern="1200" baseline="0" dirty="0" smtClean="0">
+              <a:solidFill>
+                <a:schemeClr val="tx1"/>
+              </a:solidFill>
+              <a:effectLst/>
+              <a:latin typeface="+mn-lt"/>
+              <a:ea typeface="+mn-ea"/>
+              <a:cs typeface="+mn-cs"/>
+            </a:endParaRPr>
+          </a:p>
+          <a:p>
+            <a:r>
+              <a:rPr lang="en-US" sz="1200" b="0" i="0" kern="1200" dirty="0" smtClean="0">
+                <a:solidFill>
+                  <a:schemeClr val="tx1"/>
+                </a:solidFill>
+                <a:effectLst/>
+                <a:latin typeface="+mn-lt"/>
+                <a:ea typeface="+mn-ea"/>
+                <a:cs typeface="+mn-cs"/>
+              </a:rPr>
+              <a:t>The height to which a pump can raise the water is the pump head and it is measured in meters (feet) of flowing water. The head required to overcome the losses in a pipe system at a given flow rate is called the system head.</a:t>
+            </a:r>
+          </a:p>
+          <a:p>
+            <a:endParaRPr lang="en-US" sz="1200" b="0" i="0" kern="1200" dirty="0" smtClean="0">
+              <a:solidFill>
+                <a:schemeClr val="tx1"/>
+              </a:solidFill>
+              <a:effectLst/>
+              <a:latin typeface="+mn-lt"/>
+              <a:ea typeface="+mn-ea"/>
+              <a:cs typeface="+mn-cs"/>
+            </a:endParaRPr>
+          </a:p>
+          <a:p>
+            <a:pPr marL="0" marR="0" lvl="0" indent="0" algn="l" defTabSz="914400" rtl="0" eaLnBrk="1" fontAlgn="auto" latinLnBrk="0" hangingPunct="1">
+              <a:lnSpc>
+                <a:spcPct val="100000"/>
+              </a:lnSpc>
+              <a:spcBef>
+                <a:spcPts val="0"/>
+              </a:spcBef>
+              <a:spcAft>
+                <a:spcPts val="0"/>
+              </a:spcAft>
+              <a:buClrTx/>
+              <a:buSzTx/>
+              <a:buFontTx/>
+              <a:buNone/>
+              <a:tabLst/>
+              <a:defRPr/>
+            </a:pPr>
+            <a:r>
+              <a:rPr lang="en-US" sz="1200" b="0" i="0" kern="1200" dirty="0" smtClean="0">
+                <a:solidFill>
+                  <a:srgbClr val="FF0000"/>
+                </a:solidFill>
+                <a:effectLst/>
+                <a:latin typeface="+mn-lt"/>
+                <a:ea typeface="+mn-ea"/>
+                <a:cs typeface="+mn-cs"/>
+              </a:rPr>
+              <a:t>Using</a:t>
+            </a:r>
+            <a:r>
+              <a:rPr lang="en-US" sz="1200" b="0" i="0" kern="1200" baseline="0" dirty="0" smtClean="0">
+                <a:solidFill>
+                  <a:srgbClr val="FF0000"/>
+                </a:solidFill>
+                <a:effectLst/>
+                <a:latin typeface="+mn-lt"/>
+                <a:ea typeface="+mn-ea"/>
+                <a:cs typeface="+mn-cs"/>
+              </a:rPr>
+              <a:t> </a:t>
+            </a:r>
+            <a:r>
+              <a:rPr lang="en-US" sz="1200" b="0" i="0" kern="1200" dirty="0" smtClean="0">
+                <a:solidFill>
+                  <a:srgbClr val="FF0000"/>
+                </a:solidFill>
+                <a:effectLst/>
+                <a:latin typeface="+mn-lt"/>
+                <a:ea typeface="+mn-ea"/>
+                <a:cs typeface="+mn-cs"/>
+              </a:rPr>
+              <a:t>head and not pressure</a:t>
+            </a:r>
+            <a:r>
+              <a:rPr lang="en-US" sz="1200" b="0" i="0" kern="1200" baseline="0" dirty="0" smtClean="0">
+                <a:solidFill>
+                  <a:srgbClr val="FF0000"/>
+                </a:solidFill>
+                <a:effectLst/>
+                <a:latin typeface="+mn-lt"/>
+                <a:ea typeface="+mn-ea"/>
+                <a:cs typeface="+mn-cs"/>
+              </a:rPr>
+              <a:t> = </a:t>
+            </a:r>
+            <a:r>
+              <a:rPr lang="en-US" sz="1200" b="0" i="0" kern="1200" dirty="0" smtClean="0">
+                <a:solidFill>
+                  <a:srgbClr val="FF0000"/>
+                </a:solidFill>
+                <a:effectLst/>
+                <a:latin typeface="+mn-lt"/>
+                <a:ea typeface="+mn-ea"/>
+                <a:cs typeface="+mn-cs"/>
+              </a:rPr>
+              <a:t>head-capacity performance independent of the specific gravity of the liquid.</a:t>
+            </a:r>
+          </a:p>
+          <a:p>
+            <a:endParaRPr lang="en-US" sz="1200" b="0" i="0" kern="1200" dirty="0" smtClean="0">
+              <a:solidFill>
+                <a:schemeClr val="tx1"/>
+              </a:solidFill>
+              <a:effectLst/>
+              <a:latin typeface="+mn-lt"/>
+              <a:ea typeface="+mn-ea"/>
+              <a:cs typeface="+mn-cs"/>
+            </a:endParaRPr>
+          </a:p>
+          <a:p>
+            <a:r>
+              <a:rPr lang="en-US" sz="1200" b="1" i="0" kern="1200" dirty="0" smtClean="0">
+                <a:solidFill>
+                  <a:schemeClr val="tx1"/>
+                </a:solidFill>
+                <a:effectLst/>
+                <a:latin typeface="+mn-lt"/>
+                <a:ea typeface="+mn-ea"/>
+                <a:cs typeface="+mn-cs"/>
+              </a:rPr>
+              <a:t>Energy equation</a:t>
+            </a:r>
+          </a:p>
+          <a:p>
+            <a:endParaRPr lang="en-US" sz="1200" b="0" i="0" kern="1200" dirty="0" smtClean="0">
+              <a:solidFill>
+                <a:schemeClr val="tx1"/>
+              </a:solidFill>
+              <a:effectLst/>
+              <a:latin typeface="+mn-lt"/>
+              <a:ea typeface="+mn-ea"/>
+              <a:cs typeface="+mn-cs"/>
+            </a:endParaRPr>
+          </a:p>
+          <a:p>
+            <a:r>
+              <a:rPr lang="en-US" sz="1200" b="0" i="0" kern="1200" dirty="0" smtClean="0">
+                <a:solidFill>
+                  <a:schemeClr val="tx1"/>
+                </a:solidFill>
+                <a:effectLst/>
+                <a:latin typeface="+mn-lt"/>
+                <a:ea typeface="+mn-ea"/>
+                <a:cs typeface="+mn-cs"/>
+              </a:rPr>
+              <a:t>Each</a:t>
+            </a:r>
+            <a:r>
+              <a:rPr lang="en-US" sz="1200" b="0" i="0" kern="1200" baseline="0" dirty="0" smtClean="0">
+                <a:solidFill>
+                  <a:schemeClr val="tx1"/>
+                </a:solidFill>
+                <a:effectLst/>
+                <a:latin typeface="+mn-lt"/>
+                <a:ea typeface="+mn-ea"/>
+                <a:cs typeface="+mn-cs"/>
+              </a:rPr>
+              <a:t> </a:t>
+            </a:r>
+            <a:r>
+              <a:rPr lang="en-US" sz="1200" b="0" i="0" kern="1200" dirty="0" smtClean="0">
+                <a:solidFill>
+                  <a:schemeClr val="tx1"/>
+                </a:solidFill>
+                <a:effectLst/>
+                <a:latin typeface="+mn-lt"/>
+                <a:ea typeface="+mn-ea"/>
+                <a:cs typeface="+mn-cs"/>
+              </a:rPr>
+              <a:t>of these individual total heads </a:t>
+            </a:r>
+            <a:r>
+              <a:rPr lang="en-US" sz="1200" b="0" i="0" kern="1200" baseline="0" dirty="0" smtClean="0">
+                <a:solidFill>
+                  <a:schemeClr val="tx1"/>
+                </a:solidFill>
+                <a:effectLst/>
+                <a:latin typeface="+mn-lt"/>
+                <a:ea typeface="+mn-ea"/>
+                <a:cs typeface="+mn-cs"/>
+              </a:rPr>
+              <a:t>= </a:t>
+            </a:r>
+            <a:r>
+              <a:rPr lang="en-US" sz="1200" b="0" i="0" kern="1200" dirty="0" smtClean="0">
+                <a:solidFill>
+                  <a:schemeClr val="tx1"/>
+                </a:solidFill>
+                <a:effectLst/>
+                <a:latin typeface="+mn-lt"/>
+                <a:ea typeface="+mn-ea"/>
+                <a:cs typeface="+mn-cs"/>
+              </a:rPr>
+              <a:t>sum of the static pressure head, velocity head and elevation head. </a:t>
+            </a:r>
+          </a:p>
+          <a:p>
+            <a:pPr marL="0" marR="0" lvl="0" indent="0" algn="l" defTabSz="914400" rtl="0" eaLnBrk="1" fontAlgn="auto" latinLnBrk="0" hangingPunct="1">
+              <a:lnSpc>
+                <a:spcPct val="100000"/>
+              </a:lnSpc>
+              <a:spcBef>
+                <a:spcPts val="0"/>
+              </a:spcBef>
+              <a:spcAft>
+                <a:spcPts val="0"/>
+              </a:spcAft>
+              <a:buClrTx/>
+              <a:buSzTx/>
+              <a:buFontTx/>
+              <a:buNone/>
+              <a:tabLst/>
+              <a:defRPr/>
+            </a:pPr>
+            <a:endParaRPr lang="en-US" dirty="0" smtClean="0"/>
+          </a:p>
+          <a:p>
+            <a:pPr marL="0" marR="0" lvl="0" indent="0" algn="l" defTabSz="914400" rtl="0" eaLnBrk="1" fontAlgn="auto" latinLnBrk="0" hangingPunct="1">
+              <a:lnSpc>
+                <a:spcPct val="100000"/>
+              </a:lnSpc>
+              <a:spcBef>
+                <a:spcPts val="0"/>
+              </a:spcBef>
+              <a:spcAft>
+                <a:spcPts val="0"/>
+              </a:spcAft>
+              <a:buClrTx/>
+              <a:buSzTx/>
+              <a:buFontTx/>
+              <a:buNone/>
+              <a:tabLst/>
+              <a:defRPr/>
+            </a:pPr>
             <a:r>
               <a:rPr lang="en-US" dirty="0" smtClean="0"/>
-              <a:t>Effects of blade number variation on performance involves many</a:t>
-            </a:r>
-            <a:r>
-              <a:rPr lang="en-US" baseline="0" dirty="0" smtClean="0"/>
-              <a:t> </a:t>
-            </a:r>
-            <a:r>
-              <a:rPr lang="en-US" dirty="0" smtClean="0"/>
-              <a:t>hydrodynamic</a:t>
-            </a:r>
-            <a:r>
-              <a:rPr lang="en-US" baseline="0" dirty="0" smtClean="0"/>
-              <a:t> considerations. </a:t>
-            </a:r>
-          </a:p>
-          <a:p>
-            <a:endParaRPr lang="en-US" baseline="0" dirty="0" smtClean="0"/>
-          </a:p>
-          <a:p>
-            <a:r>
-              <a:rPr lang="en-US" baseline="0" dirty="0" smtClean="0"/>
-              <a:t>We are hesitant to draw any meaningful conclusions at this point in the testing/analysis</a:t>
-            </a:r>
-          </a:p>
-          <a:p>
-            <a:endParaRPr lang="en-US" baseline="0" dirty="0" smtClean="0"/>
-          </a:p>
-          <a:p>
-            <a:r>
-              <a:rPr lang="en-US" baseline="0" dirty="0" smtClean="0"/>
-              <a:t>This slide serves as an example us switching from the engineering side of things to the science side of things. </a:t>
-            </a:r>
-          </a:p>
-          <a:p>
-            <a:endParaRPr lang="en-US" baseline="0" dirty="0" smtClean="0"/>
-          </a:p>
-          <a:p>
-            <a:r>
-              <a:rPr lang="en-US" baseline="0" dirty="0" smtClean="0"/>
-              <a:t>Where we study the behavior of the system in a more general and exploratory way</a:t>
-            </a:r>
+              <a:t>That is, analyze the system to determine the pump head required as a function of flow rate through the pump … This will form the system line. </a:t>
+            </a:r>
+          </a:p>
+          <a:p>
+            <a:endParaRPr lang="en-US" sz="1200" b="0" i="0" kern="1200" dirty="0" smtClean="0">
+              <a:solidFill>
+                <a:schemeClr val="tx1"/>
+              </a:solidFill>
+              <a:effectLst/>
+              <a:latin typeface="+mn-lt"/>
+              <a:ea typeface="+mn-ea"/>
+              <a:cs typeface="+mn-cs"/>
+            </a:endParaRPr>
+          </a:p>
+          <a:p>
+            <a:r>
+              <a:rPr lang="en-US" sz="1200" b="0" i="0" kern="1200" dirty="0" smtClean="0">
+                <a:solidFill>
+                  <a:schemeClr val="tx1"/>
+                </a:solidFill>
+                <a:effectLst/>
+                <a:latin typeface="+mn-lt"/>
+                <a:ea typeface="+mn-ea"/>
+                <a:cs typeface="+mn-cs"/>
+              </a:rPr>
+              <a:t>Plotting the pump curve and system curve will result in an intersection point, which is called the </a:t>
+            </a:r>
+            <a:r>
+              <a:rPr lang="en-US" sz="1200" b="0" i="1" kern="1200" dirty="0" smtClean="0">
+                <a:solidFill>
+                  <a:schemeClr val="tx1"/>
+                </a:solidFill>
+                <a:effectLst/>
+                <a:latin typeface="+mn-lt"/>
+                <a:ea typeface="+mn-ea"/>
+                <a:cs typeface="+mn-cs"/>
+              </a:rPr>
+              <a:t>operating point</a:t>
+            </a:r>
+            <a:r>
+              <a:rPr lang="en-US" sz="1200" b="0" i="0" kern="1200" dirty="0" smtClean="0">
+                <a:solidFill>
+                  <a:schemeClr val="tx1"/>
+                </a:solidFill>
+                <a:effectLst/>
+                <a:latin typeface="+mn-lt"/>
+                <a:ea typeface="+mn-ea"/>
+                <a:cs typeface="+mn-cs"/>
+              </a:rPr>
+              <a:t>.</a:t>
+            </a:r>
+          </a:p>
+          <a:p>
+            <a:endParaRPr lang="en-US" sz="1200" b="0" i="0" kern="1200" dirty="0" smtClean="0">
+              <a:solidFill>
+                <a:schemeClr val="tx1"/>
+              </a:solidFill>
+              <a:effectLst/>
+              <a:latin typeface="+mn-lt"/>
+              <a:ea typeface="+mn-ea"/>
+              <a:cs typeface="+mn-cs"/>
+            </a:endParaRPr>
+          </a:p>
+          <a:p>
+            <a:r>
+              <a:rPr lang="en-US" b="1" dirty="0" smtClean="0"/>
+              <a:t>Friction head</a:t>
+            </a:r>
+          </a:p>
+          <a:p>
             <a:endParaRPr lang="en-US" dirty="0" smtClean="0"/>
           </a:p>
           <a:p>
+            <a:r>
+              <a:rPr lang="en-US" sz="1200" b="0" i="0" kern="1200" dirty="0" smtClean="0">
+                <a:solidFill>
+                  <a:schemeClr val="tx1"/>
+                </a:solidFill>
+                <a:effectLst/>
+                <a:latin typeface="+mn-lt"/>
+                <a:ea typeface="+mn-ea"/>
+                <a:cs typeface="+mn-cs"/>
+              </a:rPr>
+              <a:t>The friction head consists of the sum of the pipe friction head losses in the </a:t>
+            </a:r>
+          </a:p>
+          <a:p>
+            <a:endParaRPr lang="en-US" sz="1200" b="0" i="0" kern="1200" dirty="0" smtClean="0">
+              <a:solidFill>
+                <a:schemeClr val="tx1"/>
+              </a:solidFill>
+              <a:effectLst/>
+              <a:latin typeface="+mn-lt"/>
+              <a:ea typeface="+mn-ea"/>
+              <a:cs typeface="+mn-cs"/>
+            </a:endParaRPr>
+          </a:p>
+          <a:p>
+            <a:r>
+              <a:rPr lang="en-US" sz="1200" b="1" i="0" kern="1200" dirty="0" smtClean="0">
+                <a:solidFill>
+                  <a:schemeClr val="tx1"/>
+                </a:solidFill>
+                <a:effectLst/>
+                <a:latin typeface="+mn-lt"/>
+                <a:ea typeface="+mn-ea"/>
+                <a:cs typeface="+mn-cs"/>
+              </a:rPr>
+              <a:t>Velocity head</a:t>
+            </a:r>
+          </a:p>
+          <a:p>
+            <a:endParaRPr lang="en-US" sz="1200" b="0" i="0" kern="1200" dirty="0" smtClean="0">
+              <a:solidFill>
+                <a:schemeClr val="tx1"/>
+              </a:solidFill>
+              <a:effectLst/>
+              <a:latin typeface="+mn-lt"/>
+              <a:ea typeface="+mn-ea"/>
+              <a:cs typeface="+mn-cs"/>
+            </a:endParaRPr>
+          </a:p>
+          <a:p>
+            <a:r>
+              <a:rPr lang="en-US" sz="1200" b="0" i="0" kern="1200" dirty="0" smtClean="0">
+                <a:solidFill>
+                  <a:schemeClr val="tx1"/>
+                </a:solidFill>
+                <a:effectLst/>
+                <a:latin typeface="+mn-lt"/>
+                <a:ea typeface="+mn-ea"/>
+                <a:cs typeface="+mn-cs"/>
+              </a:rPr>
+              <a:t>Velocity head The velocity head is the kinetic energy contained in the water being pumped at any point in the system</a:t>
+            </a:r>
             <a:endParaRPr lang="en-US" dirty="0" smtClean="0"/>
           </a:p>
-          <a:p>
-            <a:r>
-              <a:rPr lang="en-US" dirty="0" smtClean="0"/>
-              <a:t>Possible </a:t>
-            </a:r>
-          </a:p>
-          <a:p>
-            <a:endParaRPr lang="en-US" dirty="0" smtClean="0"/>
-          </a:p>
-          <a:p>
-            <a:r>
-              <a:rPr lang="en-US" dirty="0" smtClean="0"/>
-              <a:t>Frictional loss effects</a:t>
-            </a:r>
-          </a:p>
-          <a:p>
-            <a:endParaRPr lang="en-US" dirty="0" smtClean="0"/>
-          </a:p>
-          <a:p>
-            <a:r>
-              <a:rPr lang="en-US" dirty="0" smtClean="0"/>
-              <a:t>An</a:t>
-            </a:r>
-            <a:r>
-              <a:rPr lang="en-US" baseline="0" dirty="0" smtClean="0"/>
-              <a:t> i</a:t>
-            </a:r>
-            <a:r>
-              <a:rPr lang="en-US" dirty="0" smtClean="0"/>
-              <a:t>ncreases of interface between fluid stream and blade can cause an increment of hydraulic loss</a:t>
-            </a:r>
-            <a:endParaRPr lang="en-US" dirty="0"/>
-          </a:p>
         </p:txBody>
       </p:sp>
       <p:sp>
@@ -3106,7 +3473,7 @@
           <a:p>
             <a:fld id="{41270EAE-2722-4055-9DC6-0148D79BD176}" type="slidenum">
               <a:rPr lang="en-US" smtClean="0"/>
-              <a:t>10</a:t>
+              <a:t>9</a:t>
             </a:fld>
             <a:endParaRPr lang="en-US"/>
           </a:p>
@@ -3115,7 +3482,7 @@
     </p:spTree>
     <p:extLst>
       <p:ext uri="{BB962C8B-B14F-4D97-AF65-F5344CB8AC3E}">
-        <p14:creationId xmlns:p14="http://schemas.microsoft.com/office/powerpoint/2010/main" val="1963185037"/>
+        <p14:creationId xmlns:p14="http://schemas.microsoft.com/office/powerpoint/2010/main" val="3901741345"/>
       </p:ext>
     </p:extLst>
   </p:cSld>
@@ -6122,22 +6489,31 @@
             <p:ph type="sldNum" sz="quarter" idx="12"/>
           </p:nvPr>
         </p:nvSpPr>
-        <p:spPr/>
+        <p:spPr>
+          <a:xfrm>
+            <a:off x="9306059" y="6438513"/>
+            <a:ext cx="2743200" cy="365125"/>
+          </a:xfrm>
+        </p:spPr>
         <p:txBody>
           <a:bodyPr/>
           <a:lstStyle/>
           <a:p>
             <a:fld id="{27225834-A5F4-4780-A9FC-586FB30F9BB0}" type="slidenum">
-              <a:rPr lang="en-US" smtClean="0"/>
+              <a:rPr lang="en-US" smtClean="0">
+                <a:latin typeface="Garamond" panose="02020404030301010803" pitchFamily="18" charset="0"/>
+              </a:rPr>
               <a:t>10</a:t>
             </a:fld>
-            <a:endParaRPr lang="en-US"/>
+            <a:endParaRPr lang="en-US" dirty="0">
+              <a:latin typeface="Garamond" panose="02020404030301010803" pitchFamily="18" charset="0"/>
+            </a:endParaRPr>
           </a:p>
         </p:txBody>
       </p:sp>
       <p:pic>
         <p:nvPicPr>
-          <p:cNvPr id="6" name="Picture 5"/>
+          <p:cNvPr id="7" name="Picture 6"/>
           <p:cNvPicPr>
             <a:picLocks noChangeAspect="1"/>
           </p:cNvPicPr>
@@ -6151,351 +6527,31 @@
         </p:blipFill>
         <p:spPr>
           <a:xfrm>
-            <a:off x="6084743" y="457865"/>
-            <a:ext cx="4995111" cy="2869323"/>
+            <a:off x="1479176" y="142073"/>
+            <a:ext cx="9654708" cy="6715927"/>
           </a:xfrm>
           <a:prstGeom prst="rect">
             <a:avLst/>
           </a:prstGeom>
         </p:spPr>
       </p:pic>
-      <p:pic>
-        <p:nvPicPr>
-          <p:cNvPr id="7" name="Picture 6"/>
-          <p:cNvPicPr>
-            <a:picLocks noChangeAspect="1"/>
-          </p:cNvPicPr>
-          <p:nvPr/>
-        </p:nvPicPr>
-        <p:blipFill>
-          <a:blip r:embed="rId4"/>
-          <a:stretch>
-            <a:fillRect/>
-          </a:stretch>
-        </p:blipFill>
-        <p:spPr>
-          <a:xfrm>
-            <a:off x="6084743" y="3434696"/>
-            <a:ext cx="5051713" cy="2874985"/>
-          </a:xfrm>
-          <a:prstGeom prst="rect">
-            <a:avLst/>
-          </a:prstGeom>
-        </p:spPr>
-      </p:pic>
-      <p:pic>
-        <p:nvPicPr>
-          <p:cNvPr id="8" name="Picture 7"/>
-          <p:cNvPicPr>
-            <a:picLocks noChangeAspect="1"/>
-          </p:cNvPicPr>
-          <p:nvPr/>
-        </p:nvPicPr>
-        <p:blipFill>
-          <a:blip r:embed="rId5"/>
-          <a:stretch>
-            <a:fillRect/>
-          </a:stretch>
-        </p:blipFill>
-        <p:spPr>
-          <a:xfrm>
-            <a:off x="726281" y="411388"/>
-            <a:ext cx="1419225" cy="1495425"/>
-          </a:xfrm>
-          <a:prstGeom prst="rect">
-            <a:avLst/>
-          </a:prstGeom>
-        </p:spPr>
-      </p:pic>
-      <p:pic>
-        <p:nvPicPr>
-          <p:cNvPr id="9" name="Picture 8"/>
-          <p:cNvPicPr>
-            <a:picLocks noChangeAspect="1"/>
-          </p:cNvPicPr>
-          <p:nvPr/>
-        </p:nvPicPr>
-        <p:blipFill>
-          <a:blip r:embed="rId6"/>
-          <a:stretch>
-            <a:fillRect/>
-          </a:stretch>
-        </p:blipFill>
-        <p:spPr>
-          <a:xfrm>
-            <a:off x="3426835" y="411387"/>
-            <a:ext cx="1514475" cy="1495425"/>
-          </a:xfrm>
-          <a:prstGeom prst="rect">
-            <a:avLst/>
-          </a:prstGeom>
-        </p:spPr>
-      </p:pic>
-      <p:sp>
-        <p:nvSpPr>
-          <p:cNvPr id="10" name="TextBox 9"/>
-          <p:cNvSpPr txBox="1"/>
-          <p:nvPr/>
-        </p:nvSpPr>
-        <p:spPr>
-          <a:xfrm>
-            <a:off x="2527691" y="959045"/>
-            <a:ext cx="589582" cy="400110"/>
-          </a:xfrm>
-          <a:prstGeom prst="rect">
-            <a:avLst/>
-          </a:prstGeom>
-          <a:noFill/>
-        </p:spPr>
-        <p:txBody>
-          <a:bodyPr wrap="square" rtlCol="0">
-            <a:spAutoFit/>
-          </a:bodyPr>
-          <a:lstStyle/>
-          <a:p>
-            <a:r>
-              <a:rPr lang="en-US" sz="2000" b="1" dirty="0" smtClean="0">
-                <a:latin typeface="Garamond" panose="02020404030301010803" pitchFamily="18" charset="0"/>
-              </a:rPr>
-              <a:t>Vs.</a:t>
-            </a:r>
-            <a:endParaRPr lang="en-US" sz="2000" b="1" dirty="0">
-              <a:latin typeface="Garamond" panose="02020404030301010803" pitchFamily="18" charset="0"/>
-            </a:endParaRPr>
-          </a:p>
-        </p:txBody>
-      </p:sp>
-      <p:sp>
-        <p:nvSpPr>
-          <p:cNvPr id="11" name="TextBox 10"/>
-          <p:cNvSpPr txBox="1"/>
-          <p:nvPr/>
-        </p:nvSpPr>
-        <p:spPr>
-          <a:xfrm>
-            <a:off x="1031621" y="1976398"/>
-            <a:ext cx="1037143" cy="400110"/>
-          </a:xfrm>
-          <a:prstGeom prst="rect">
-            <a:avLst/>
-          </a:prstGeom>
-          <a:noFill/>
-        </p:spPr>
-        <p:txBody>
-          <a:bodyPr wrap="square" rtlCol="0">
-            <a:spAutoFit/>
-          </a:bodyPr>
-          <a:lstStyle/>
-          <a:p>
-            <a:r>
-              <a:rPr lang="en-US" sz="2000" b="1" dirty="0" smtClean="0">
-                <a:latin typeface="Garamond" panose="02020404030301010803" pitchFamily="18" charset="0"/>
-              </a:rPr>
-              <a:t>Z = 10</a:t>
-            </a:r>
-            <a:endParaRPr lang="en-US" sz="2000" b="1" dirty="0">
-              <a:latin typeface="Garamond" panose="02020404030301010803" pitchFamily="18" charset="0"/>
-            </a:endParaRPr>
-          </a:p>
-        </p:txBody>
-      </p:sp>
-      <p:sp>
-        <p:nvSpPr>
-          <p:cNvPr id="12" name="TextBox 11"/>
-          <p:cNvSpPr txBox="1"/>
-          <p:nvPr/>
-        </p:nvSpPr>
-        <p:spPr>
-          <a:xfrm>
-            <a:off x="3755901" y="1976398"/>
-            <a:ext cx="856342" cy="400110"/>
-          </a:xfrm>
-          <a:prstGeom prst="rect">
-            <a:avLst/>
-          </a:prstGeom>
-          <a:noFill/>
-        </p:spPr>
-        <p:txBody>
-          <a:bodyPr wrap="square" rtlCol="0">
-            <a:spAutoFit/>
-          </a:bodyPr>
-          <a:lstStyle/>
-          <a:p>
-            <a:r>
-              <a:rPr lang="en-US" sz="2000" b="1" dirty="0" smtClean="0">
-                <a:latin typeface="Garamond" panose="02020404030301010803" pitchFamily="18" charset="0"/>
-              </a:rPr>
-              <a:t>Z = 6</a:t>
-            </a:r>
-            <a:endParaRPr lang="en-US" sz="2000" b="1" dirty="0">
-              <a:latin typeface="Garamond" panose="02020404030301010803" pitchFamily="18" charset="0"/>
-            </a:endParaRPr>
-          </a:p>
-        </p:txBody>
-      </p:sp>
-      <p:sp>
-        <p:nvSpPr>
-          <p:cNvPr id="13" name="TextBox 12"/>
-          <p:cNvSpPr txBox="1"/>
-          <p:nvPr/>
-        </p:nvSpPr>
-        <p:spPr>
-          <a:xfrm>
-            <a:off x="1062794" y="2731470"/>
-            <a:ext cx="3800152" cy="1031051"/>
-          </a:xfrm>
-          <a:prstGeom prst="rect">
-            <a:avLst/>
-          </a:prstGeom>
-          <a:noFill/>
-        </p:spPr>
-        <p:txBody>
-          <a:bodyPr wrap="square" rtlCol="0">
-            <a:spAutoFit/>
-          </a:bodyPr>
-          <a:lstStyle/>
-          <a:p>
-            <a:pPr>
-              <a:spcBef>
-                <a:spcPts val="600"/>
-              </a:spcBef>
-            </a:pPr>
-            <a:r>
-              <a:rPr lang="en-US" sz="2000" b="1" dirty="0" smtClean="0">
-                <a:solidFill>
-                  <a:srgbClr val="C00000"/>
-                </a:solidFill>
-                <a:latin typeface="Garamond" panose="02020404030301010803" pitchFamily="18" charset="0"/>
-              </a:rPr>
-              <a:t>10 Blades</a:t>
-            </a:r>
-            <a:endParaRPr lang="en-US" sz="2000" b="1" dirty="0" smtClean="0">
-              <a:latin typeface="Garamond" panose="02020404030301010803" pitchFamily="18" charset="0"/>
-            </a:endParaRPr>
-          </a:p>
-          <a:p>
-            <a:pPr indent="-342900">
-              <a:spcBef>
-                <a:spcPts val="600"/>
-              </a:spcBef>
-              <a:buFont typeface="Arial" panose="020B0604020202020204" pitchFamily="34" charset="0"/>
-              <a:buChar char="•"/>
-            </a:pPr>
-            <a:r>
-              <a:rPr lang="en-US" b="1" dirty="0" smtClean="0">
-                <a:latin typeface="Garamond" panose="02020404030301010803" pitchFamily="18" charset="0"/>
-              </a:rPr>
-              <a:t>Slightly higher </a:t>
-            </a:r>
-            <a:r>
-              <a:rPr lang="en-US" b="1" dirty="0">
-                <a:latin typeface="Garamond" panose="02020404030301010803" pitchFamily="18" charset="0"/>
-              </a:rPr>
-              <a:t>(~ 2 %)</a:t>
-            </a:r>
-            <a:r>
-              <a:rPr lang="en-US" b="1" dirty="0" smtClean="0">
-                <a:latin typeface="Garamond" panose="02020404030301010803" pitchFamily="18" charset="0"/>
-              </a:rPr>
-              <a:t> discharge pressures for a given flow rate. </a:t>
-            </a:r>
-          </a:p>
-        </p:txBody>
-      </p:sp>
-      <p:sp>
-        <p:nvSpPr>
-          <p:cNvPr id="14" name="TextBox 13"/>
-          <p:cNvSpPr txBox="1"/>
-          <p:nvPr/>
-        </p:nvSpPr>
-        <p:spPr>
-          <a:xfrm>
-            <a:off x="1062794" y="4256635"/>
-            <a:ext cx="5608170" cy="1308050"/>
-          </a:xfrm>
-          <a:prstGeom prst="rect">
-            <a:avLst/>
-          </a:prstGeom>
-          <a:noFill/>
-        </p:spPr>
-        <p:txBody>
-          <a:bodyPr wrap="square" rtlCol="0">
-            <a:spAutoFit/>
-          </a:bodyPr>
-          <a:lstStyle/>
-          <a:p>
-            <a:pPr>
-              <a:spcBef>
-                <a:spcPts val="600"/>
-              </a:spcBef>
-            </a:pPr>
-            <a:r>
-              <a:rPr lang="en-US" sz="2000" b="1" dirty="0">
-                <a:solidFill>
-                  <a:srgbClr val="C00000"/>
-                </a:solidFill>
-                <a:latin typeface="Garamond" panose="02020404030301010803" pitchFamily="18" charset="0"/>
-              </a:rPr>
-              <a:t>6</a:t>
-            </a:r>
-            <a:r>
-              <a:rPr lang="en-US" sz="2000" b="1" dirty="0" smtClean="0">
-                <a:solidFill>
-                  <a:srgbClr val="C00000"/>
-                </a:solidFill>
-                <a:latin typeface="Garamond" panose="02020404030301010803" pitchFamily="18" charset="0"/>
-              </a:rPr>
-              <a:t> Blades</a:t>
-            </a:r>
-            <a:endParaRPr lang="en-US" sz="2000" b="1" dirty="0" smtClean="0">
-              <a:latin typeface="Garamond" panose="02020404030301010803" pitchFamily="18" charset="0"/>
-            </a:endParaRPr>
-          </a:p>
-          <a:p>
-            <a:pPr marL="342900" indent="-342900">
-              <a:lnSpc>
-                <a:spcPct val="150000"/>
-              </a:lnSpc>
-              <a:spcBef>
-                <a:spcPts val="600"/>
-              </a:spcBef>
-              <a:buFont typeface="Arial" panose="020B0604020202020204" pitchFamily="34" charset="0"/>
-              <a:buChar char="•"/>
-            </a:pPr>
-            <a:r>
-              <a:rPr lang="en-US" b="1" dirty="0" smtClean="0">
-                <a:latin typeface="Garamond" panose="02020404030301010803" pitchFamily="18" charset="0"/>
-              </a:rPr>
-              <a:t>Lower chamber pressures (~ 8 %)</a:t>
-            </a:r>
-          </a:p>
-          <a:p>
-            <a:pPr marL="342900" indent="-342900">
-              <a:lnSpc>
-                <a:spcPct val="150000"/>
-              </a:lnSpc>
-              <a:buFont typeface="Arial" panose="020B0604020202020204" pitchFamily="34" charset="0"/>
-              <a:buChar char="•"/>
-            </a:pPr>
-            <a:r>
-              <a:rPr lang="en-US" b="1" dirty="0" smtClean="0">
-                <a:latin typeface="Garamond" panose="02020404030301010803" pitchFamily="18" charset="0"/>
-              </a:rPr>
-              <a:t>Earlier run-out (lower max. flow)</a:t>
-            </a:r>
-          </a:p>
-        </p:txBody>
-      </p:sp>
     </p:spTree>
     <p:extLst>
       <p:ext uri="{BB962C8B-B14F-4D97-AF65-F5344CB8AC3E}">
-        <p14:creationId xmlns:p14="http://schemas.microsoft.com/office/powerpoint/2010/main" val="2317098088"/>
+        <p14:creationId xmlns:p14="http://schemas.microsoft.com/office/powerpoint/2010/main" val="1843846498"/>
       </p:ext>
     </p:extLst>
   </p:cSld>
   <p:clrMapOvr>
     <a:masterClrMapping/>
   </p:clrMapOvr>
+  <p:timing>
+    <p:tnLst>
+      <p:par>
+        <p:cTn id="1" dur="indefinite" restart="never" nodeType="tmRoot"/>
+      </p:par>
+    </p:tnLst>
+  </p:timing>
 </p:sld>
 </file>
 
@@ -6518,44 +6574,6 @@
       </p:grpSpPr>
       <p:sp>
         <p:nvSpPr>
-          <p:cNvPr id="2" name="Title 1"/>
-          <p:cNvSpPr>
-            <a:spLocks noGrp="1"/>
-          </p:cNvSpPr>
-          <p:nvPr>
-            <p:ph type="title"/>
-          </p:nvPr>
-        </p:nvSpPr>
-        <p:spPr/>
-        <p:txBody>
-          <a:bodyPr/>
-          <a:lstStyle/>
-          <a:p>
-            <a:endParaRPr lang="en-US"/>
-          </a:p>
-        </p:txBody>
-      </p:sp>
-      <p:sp>
-        <p:nvSpPr>
-          <p:cNvPr id="3" name="Content Placeholder 2"/>
-          <p:cNvSpPr>
-            <a:spLocks noGrp="1"/>
-          </p:cNvSpPr>
-          <p:nvPr>
-            <p:ph idx="1"/>
-          </p:nvPr>
-        </p:nvSpPr>
-        <p:spPr/>
-        <p:txBody>
-          <a:bodyPr/>
-          <a:lstStyle/>
-          <a:p>
-            <a:endParaRPr lang="en-US"/>
-          </a:p>
-        </p:txBody>
-      </p:sp>
-      <p:sp>
-        <p:nvSpPr>
           <p:cNvPr id="4" name="Slide Number Placeholder 3"/>
           <p:cNvSpPr>
             <a:spLocks noGrp="1"/>
@@ -6577,16 +6595,150 @@
           </a:p>
         </p:txBody>
       </p:sp>
+      <p:pic>
+        <p:nvPicPr>
+          <p:cNvPr id="2" name="Picture 1"/>
+          <p:cNvPicPr>
+            <a:picLocks noChangeAspect="1"/>
+          </p:cNvPicPr>
+          <p:nvPr/>
+        </p:nvPicPr>
+        <p:blipFill rotWithShape="1">
+          <a:blip r:embed="rId3" cstate="print">
+            <a:extLst>
+              <a:ext uri="{28A0092B-C50C-407E-A947-70E740481C1C}">
+                <a14:useLocalDpi xmlns:a14="http://schemas.microsoft.com/office/drawing/2010/main" val="0"/>
+              </a:ext>
+            </a:extLst>
+          </a:blip>
+          <a:srcRect l="5494" r="13355"/>
+          <a:stretch/>
+        </p:blipFill>
+        <p:spPr>
+          <a:xfrm>
+            <a:off x="4457252" y="498239"/>
+            <a:ext cx="7734748" cy="5858111"/>
+          </a:xfrm>
+          <a:prstGeom prst="rect">
+            <a:avLst/>
+          </a:prstGeom>
+        </p:spPr>
+      </p:pic>
+      <p:sp>
+        <p:nvSpPr>
+          <p:cNvPr id="3" name="TextBox 2"/>
+          <p:cNvSpPr txBox="1"/>
+          <p:nvPr/>
+        </p:nvSpPr>
+        <p:spPr>
+          <a:xfrm>
+            <a:off x="5829299" y="6214770"/>
+            <a:ext cx="6847692" cy="261610"/>
+          </a:xfrm>
+          <a:prstGeom prst="rect">
+            <a:avLst/>
+          </a:prstGeom>
+          <a:noFill/>
+        </p:spPr>
+        <p:txBody>
+          <a:bodyPr wrap="square" rtlCol="0">
+            <a:spAutoFit/>
+          </a:bodyPr>
+          <a:lstStyle/>
+          <a:p>
+            <a:r>
+              <a:rPr lang="en-US" sz="1100" b="1" i="1" dirty="0" smtClean="0">
+                <a:latin typeface="Garamond" panose="02020404030301010803" pitchFamily="18" charset="0"/>
+              </a:rPr>
+              <a:t>Figure:</a:t>
+            </a:r>
+            <a:r>
+              <a:rPr lang="en-US" sz="1100" dirty="0" smtClean="0">
+                <a:latin typeface="Garamond" panose="02020404030301010803" pitchFamily="18" charset="0"/>
+              </a:rPr>
+              <a:t> EFS model PIGLET-1 2.1in Diam. Impeller experimental results at 16500 rpm.</a:t>
+            </a:r>
+            <a:endParaRPr lang="en-US" sz="1100" dirty="0">
+              <a:latin typeface="Garamond" panose="02020404030301010803" pitchFamily="18" charset="0"/>
+            </a:endParaRPr>
+          </a:p>
+        </p:txBody>
+      </p:sp>
+      <p:pic>
+        <p:nvPicPr>
+          <p:cNvPr id="8" name="Picture 7"/>
+          <p:cNvPicPr>
+            <a:picLocks noChangeAspect="1"/>
+          </p:cNvPicPr>
+          <p:nvPr/>
+        </p:nvPicPr>
+        <p:blipFill>
+          <a:blip r:embed="rId4"/>
+          <a:stretch>
+            <a:fillRect/>
+          </a:stretch>
+        </p:blipFill>
+        <p:spPr>
+          <a:xfrm>
+            <a:off x="448011" y="926983"/>
+            <a:ext cx="3524250" cy="5000625"/>
+          </a:xfrm>
+          <a:prstGeom prst="rect">
+            <a:avLst/>
+          </a:prstGeom>
+        </p:spPr>
+      </p:pic>
+      <p:sp>
+        <p:nvSpPr>
+          <p:cNvPr id="9" name="TextBox 8"/>
+          <p:cNvSpPr txBox="1"/>
+          <p:nvPr/>
+        </p:nvSpPr>
+        <p:spPr>
+          <a:xfrm>
+            <a:off x="387050" y="128907"/>
+            <a:ext cx="5594201" cy="400110"/>
+          </a:xfrm>
+          <a:prstGeom prst="rect">
+            <a:avLst/>
+          </a:prstGeom>
+          <a:noFill/>
+        </p:spPr>
+        <p:txBody>
+          <a:bodyPr wrap="square" rtlCol="0">
+            <a:spAutoFit/>
+          </a:bodyPr>
+          <a:lstStyle/>
+          <a:p>
+            <a:r>
+              <a:rPr lang="en-US" sz="2000" b="1" dirty="0" smtClean="0">
+                <a:latin typeface="Garamond" panose="02020404030301010803" pitchFamily="18" charset="0"/>
+              </a:rPr>
+              <a:t>Centrifugal Pump Performance @ 16,500 rpm</a:t>
+            </a:r>
+            <a:endParaRPr lang="en-US" sz="2000" b="1" dirty="0">
+              <a:latin typeface="Garamond" panose="02020404030301010803" pitchFamily="18" charset="0"/>
+            </a:endParaRPr>
+          </a:p>
+        </p:txBody>
+      </p:sp>
     </p:spTree>
     <p:extLst>
       <p:ext uri="{BB962C8B-B14F-4D97-AF65-F5344CB8AC3E}">
-        <p14:creationId xmlns:p14="http://schemas.microsoft.com/office/powerpoint/2010/main" val="2883855532"/>
+        <p14:creationId xmlns:p14="http://schemas.microsoft.com/office/powerpoint/2010/main" val="4267820247"/>
       </p:ext>
     </p:extLst>
   </p:cSld>
   <p:clrMapOvr>
     <a:masterClrMapping/>
   </p:clrMapOvr>
+  <p:timing>
+    <p:tnLst>
+      <p:par>
+        <p:cTn id="1" dur="indefinite" restart="never" nodeType="tmRoot"/>
+      </p:par>
+    </p:tnLst>
+  </p:timing>
 </p:sld>
 </file>
 
@@ -6625,6 +6777,463 @@
             <a:fld id="{27225834-A5F4-4780-A9FC-586FB30F9BB0}" type="slidenum">
               <a:rPr lang="en-US" smtClean="0"/>
               <a:t>12</a:t>
+            </a:fld>
+            <a:endParaRPr lang="en-US"/>
+          </a:p>
+        </p:txBody>
+      </p:sp>
+      <p:pic>
+        <p:nvPicPr>
+          <p:cNvPr id="6" name="Picture 5"/>
+          <p:cNvPicPr>
+            <a:picLocks noChangeAspect="1"/>
+          </p:cNvPicPr>
+          <p:nvPr/>
+        </p:nvPicPr>
+        <p:blipFill>
+          <a:blip r:embed="rId3"/>
+          <a:stretch>
+            <a:fillRect/>
+          </a:stretch>
+        </p:blipFill>
+        <p:spPr>
+          <a:xfrm>
+            <a:off x="6084743" y="457865"/>
+            <a:ext cx="4995111" cy="2869323"/>
+          </a:xfrm>
+          <a:prstGeom prst="rect">
+            <a:avLst/>
+          </a:prstGeom>
+        </p:spPr>
+      </p:pic>
+      <p:pic>
+        <p:nvPicPr>
+          <p:cNvPr id="7" name="Picture 6"/>
+          <p:cNvPicPr>
+            <a:picLocks noChangeAspect="1"/>
+          </p:cNvPicPr>
+          <p:nvPr/>
+        </p:nvPicPr>
+        <p:blipFill>
+          <a:blip r:embed="rId4"/>
+          <a:stretch>
+            <a:fillRect/>
+          </a:stretch>
+        </p:blipFill>
+        <p:spPr>
+          <a:xfrm>
+            <a:off x="6084743" y="3434696"/>
+            <a:ext cx="5051713" cy="2874985"/>
+          </a:xfrm>
+          <a:prstGeom prst="rect">
+            <a:avLst/>
+          </a:prstGeom>
+        </p:spPr>
+      </p:pic>
+      <p:pic>
+        <p:nvPicPr>
+          <p:cNvPr id="8" name="Picture 7"/>
+          <p:cNvPicPr>
+            <a:picLocks noChangeAspect="1"/>
+          </p:cNvPicPr>
+          <p:nvPr/>
+        </p:nvPicPr>
+        <p:blipFill>
+          <a:blip r:embed="rId5"/>
+          <a:stretch>
+            <a:fillRect/>
+          </a:stretch>
+        </p:blipFill>
+        <p:spPr>
+          <a:xfrm>
+            <a:off x="726281" y="411388"/>
+            <a:ext cx="1419225" cy="1495425"/>
+          </a:xfrm>
+          <a:prstGeom prst="rect">
+            <a:avLst/>
+          </a:prstGeom>
+        </p:spPr>
+      </p:pic>
+      <p:pic>
+        <p:nvPicPr>
+          <p:cNvPr id="9" name="Picture 8"/>
+          <p:cNvPicPr>
+            <a:picLocks noChangeAspect="1"/>
+          </p:cNvPicPr>
+          <p:nvPr/>
+        </p:nvPicPr>
+        <p:blipFill>
+          <a:blip r:embed="rId6"/>
+          <a:stretch>
+            <a:fillRect/>
+          </a:stretch>
+        </p:blipFill>
+        <p:spPr>
+          <a:xfrm>
+            <a:off x="3426835" y="411387"/>
+            <a:ext cx="1514475" cy="1495425"/>
+          </a:xfrm>
+          <a:prstGeom prst="rect">
+            <a:avLst/>
+          </a:prstGeom>
+        </p:spPr>
+      </p:pic>
+      <p:sp>
+        <p:nvSpPr>
+          <p:cNvPr id="10" name="TextBox 9"/>
+          <p:cNvSpPr txBox="1"/>
+          <p:nvPr/>
+        </p:nvSpPr>
+        <p:spPr>
+          <a:xfrm>
+            <a:off x="2527691" y="959045"/>
+            <a:ext cx="589582" cy="400110"/>
+          </a:xfrm>
+          <a:prstGeom prst="rect">
+            <a:avLst/>
+          </a:prstGeom>
+          <a:noFill/>
+        </p:spPr>
+        <p:txBody>
+          <a:bodyPr wrap="square" rtlCol="0">
+            <a:spAutoFit/>
+          </a:bodyPr>
+          <a:lstStyle/>
+          <a:p>
+            <a:r>
+              <a:rPr lang="en-US" sz="2000" b="1" dirty="0" smtClean="0">
+                <a:latin typeface="Garamond" panose="02020404030301010803" pitchFamily="18" charset="0"/>
+              </a:rPr>
+              <a:t>Vs.</a:t>
+            </a:r>
+            <a:endParaRPr lang="en-US" sz="2000" b="1" dirty="0">
+              <a:latin typeface="Garamond" panose="02020404030301010803" pitchFamily="18" charset="0"/>
+            </a:endParaRPr>
+          </a:p>
+        </p:txBody>
+      </p:sp>
+      <p:sp>
+        <p:nvSpPr>
+          <p:cNvPr id="11" name="TextBox 10"/>
+          <p:cNvSpPr txBox="1"/>
+          <p:nvPr/>
+        </p:nvSpPr>
+        <p:spPr>
+          <a:xfrm>
+            <a:off x="1031621" y="1976398"/>
+            <a:ext cx="1037143" cy="400110"/>
+          </a:xfrm>
+          <a:prstGeom prst="rect">
+            <a:avLst/>
+          </a:prstGeom>
+          <a:noFill/>
+        </p:spPr>
+        <p:txBody>
+          <a:bodyPr wrap="square" rtlCol="0">
+            <a:spAutoFit/>
+          </a:bodyPr>
+          <a:lstStyle/>
+          <a:p>
+            <a:r>
+              <a:rPr lang="en-US" sz="2000" b="1" dirty="0" smtClean="0">
+                <a:latin typeface="Garamond" panose="02020404030301010803" pitchFamily="18" charset="0"/>
+              </a:rPr>
+              <a:t>Z = 10</a:t>
+            </a:r>
+            <a:endParaRPr lang="en-US" sz="2000" b="1" dirty="0">
+              <a:latin typeface="Garamond" panose="02020404030301010803" pitchFamily="18" charset="0"/>
+            </a:endParaRPr>
+          </a:p>
+        </p:txBody>
+      </p:sp>
+      <p:sp>
+        <p:nvSpPr>
+          <p:cNvPr id="12" name="TextBox 11"/>
+          <p:cNvSpPr txBox="1"/>
+          <p:nvPr/>
+        </p:nvSpPr>
+        <p:spPr>
+          <a:xfrm>
+            <a:off x="3755901" y="1976398"/>
+            <a:ext cx="856342" cy="400110"/>
+          </a:xfrm>
+          <a:prstGeom prst="rect">
+            <a:avLst/>
+          </a:prstGeom>
+          <a:noFill/>
+        </p:spPr>
+        <p:txBody>
+          <a:bodyPr wrap="square" rtlCol="0">
+            <a:spAutoFit/>
+          </a:bodyPr>
+          <a:lstStyle/>
+          <a:p>
+            <a:r>
+              <a:rPr lang="en-US" sz="2000" b="1" dirty="0" smtClean="0">
+                <a:latin typeface="Garamond" panose="02020404030301010803" pitchFamily="18" charset="0"/>
+              </a:rPr>
+              <a:t>Z = 6</a:t>
+            </a:r>
+            <a:endParaRPr lang="en-US" sz="2000" b="1" dirty="0">
+              <a:latin typeface="Garamond" panose="02020404030301010803" pitchFamily="18" charset="0"/>
+            </a:endParaRPr>
+          </a:p>
+        </p:txBody>
+      </p:sp>
+      <p:sp>
+        <p:nvSpPr>
+          <p:cNvPr id="13" name="TextBox 12"/>
+          <p:cNvSpPr txBox="1"/>
+          <p:nvPr/>
+        </p:nvSpPr>
+        <p:spPr>
+          <a:xfrm>
+            <a:off x="1062794" y="2731470"/>
+            <a:ext cx="3800152" cy="1031051"/>
+          </a:xfrm>
+          <a:prstGeom prst="rect">
+            <a:avLst/>
+          </a:prstGeom>
+          <a:noFill/>
+        </p:spPr>
+        <p:txBody>
+          <a:bodyPr wrap="square" rtlCol="0">
+            <a:spAutoFit/>
+          </a:bodyPr>
+          <a:lstStyle/>
+          <a:p>
+            <a:pPr>
+              <a:spcBef>
+                <a:spcPts val="600"/>
+              </a:spcBef>
+            </a:pPr>
+            <a:r>
+              <a:rPr lang="en-US" sz="2000" b="1" dirty="0" smtClean="0">
+                <a:solidFill>
+                  <a:srgbClr val="C00000"/>
+                </a:solidFill>
+                <a:latin typeface="Garamond" panose="02020404030301010803" pitchFamily="18" charset="0"/>
+              </a:rPr>
+              <a:t>10 Blades</a:t>
+            </a:r>
+            <a:endParaRPr lang="en-US" sz="2000" b="1" dirty="0" smtClean="0">
+              <a:latin typeface="Garamond" panose="02020404030301010803" pitchFamily="18" charset="0"/>
+            </a:endParaRPr>
+          </a:p>
+          <a:p>
+            <a:pPr indent="-342900">
+              <a:spcBef>
+                <a:spcPts val="600"/>
+              </a:spcBef>
+              <a:buFont typeface="Arial" panose="020B0604020202020204" pitchFamily="34" charset="0"/>
+              <a:buChar char="•"/>
+            </a:pPr>
+            <a:r>
+              <a:rPr lang="en-US" b="1" dirty="0" smtClean="0">
+                <a:latin typeface="Garamond" panose="02020404030301010803" pitchFamily="18" charset="0"/>
+              </a:rPr>
+              <a:t>Slightly higher </a:t>
+            </a:r>
+            <a:r>
+              <a:rPr lang="en-US" b="1" dirty="0">
+                <a:latin typeface="Garamond" panose="02020404030301010803" pitchFamily="18" charset="0"/>
+              </a:rPr>
+              <a:t>(~ 2 %)</a:t>
+            </a:r>
+            <a:r>
+              <a:rPr lang="en-US" b="1" dirty="0" smtClean="0">
+                <a:latin typeface="Garamond" panose="02020404030301010803" pitchFamily="18" charset="0"/>
+              </a:rPr>
+              <a:t> discharge pressures for a given flow rate. </a:t>
+            </a:r>
+          </a:p>
+        </p:txBody>
+      </p:sp>
+      <p:sp>
+        <p:nvSpPr>
+          <p:cNvPr id="14" name="TextBox 13"/>
+          <p:cNvSpPr txBox="1"/>
+          <p:nvPr/>
+        </p:nvSpPr>
+        <p:spPr>
+          <a:xfrm>
+            <a:off x="1062794" y="4256635"/>
+            <a:ext cx="5608170" cy="1308050"/>
+          </a:xfrm>
+          <a:prstGeom prst="rect">
+            <a:avLst/>
+          </a:prstGeom>
+          <a:noFill/>
+        </p:spPr>
+        <p:txBody>
+          <a:bodyPr wrap="square" rtlCol="0">
+            <a:spAutoFit/>
+          </a:bodyPr>
+          <a:lstStyle/>
+          <a:p>
+            <a:pPr>
+              <a:spcBef>
+                <a:spcPts val="600"/>
+              </a:spcBef>
+            </a:pPr>
+            <a:r>
+              <a:rPr lang="en-US" sz="2000" b="1" dirty="0">
+                <a:solidFill>
+                  <a:srgbClr val="C00000"/>
+                </a:solidFill>
+                <a:latin typeface="Garamond" panose="02020404030301010803" pitchFamily="18" charset="0"/>
+              </a:rPr>
+              <a:t>6</a:t>
+            </a:r>
+            <a:r>
+              <a:rPr lang="en-US" sz="2000" b="1" dirty="0" smtClean="0">
+                <a:solidFill>
+                  <a:srgbClr val="C00000"/>
+                </a:solidFill>
+                <a:latin typeface="Garamond" panose="02020404030301010803" pitchFamily="18" charset="0"/>
+              </a:rPr>
+              <a:t> Blades</a:t>
+            </a:r>
+            <a:endParaRPr lang="en-US" sz="2000" b="1" dirty="0" smtClean="0">
+              <a:latin typeface="Garamond" panose="02020404030301010803" pitchFamily="18" charset="0"/>
+            </a:endParaRPr>
+          </a:p>
+          <a:p>
+            <a:pPr marL="342900" indent="-342900">
+              <a:lnSpc>
+                <a:spcPct val="150000"/>
+              </a:lnSpc>
+              <a:spcBef>
+                <a:spcPts val="600"/>
+              </a:spcBef>
+              <a:buFont typeface="Arial" panose="020B0604020202020204" pitchFamily="34" charset="0"/>
+              <a:buChar char="•"/>
+            </a:pPr>
+            <a:r>
+              <a:rPr lang="en-US" b="1" dirty="0" smtClean="0">
+                <a:latin typeface="Garamond" panose="02020404030301010803" pitchFamily="18" charset="0"/>
+              </a:rPr>
+              <a:t>Lower chamber pressures (~ 8 %)</a:t>
+            </a:r>
+          </a:p>
+          <a:p>
+            <a:pPr marL="342900" indent="-342900">
+              <a:lnSpc>
+                <a:spcPct val="150000"/>
+              </a:lnSpc>
+              <a:buFont typeface="Arial" panose="020B0604020202020204" pitchFamily="34" charset="0"/>
+              <a:buChar char="•"/>
+            </a:pPr>
+            <a:r>
+              <a:rPr lang="en-US" b="1" dirty="0" smtClean="0">
+                <a:latin typeface="Garamond" panose="02020404030301010803" pitchFamily="18" charset="0"/>
+              </a:rPr>
+              <a:t>Earlier run-out (lower max. flow)</a:t>
+            </a:r>
+          </a:p>
+        </p:txBody>
+      </p:sp>
+    </p:spTree>
+    <p:extLst>
+      <p:ext uri="{BB962C8B-B14F-4D97-AF65-F5344CB8AC3E}">
+        <p14:creationId xmlns:p14="http://schemas.microsoft.com/office/powerpoint/2010/main" val="2317098088"/>
+      </p:ext>
+    </p:extLst>
+  </p:cSld>
+  <p:clrMapOvr>
+    <a:masterClrMapping/>
+  </p:clrMapOvr>
+</p:sld>
+</file>
+
+<file path=ppt/slides/slide13.xml><?xml version="1.0" encoding="utf-8"?>
+<p:sld xmlns:a="http://schemas.openxmlformats.org/drawingml/2006/main" xmlns:r="http://schemas.openxmlformats.org/officeDocument/2006/relationships" xmlns:p="http://schemas.openxmlformats.org/presentationml/2006/main">
+  <p:cSld>
+    <p:spTree>
+      <p:nvGrpSpPr>
+        <p:cNvPr id="1" name=""/>
+        <p:cNvGrpSpPr/>
+        <p:nvPr/>
+      </p:nvGrpSpPr>
+      <p:grpSpPr>
+        <a:xfrm>
+          <a:off x="0" y="0"/>
+          <a:ext cx="0" cy="0"/>
+          <a:chOff x="0" y="0"/>
+          <a:chExt cx="0" cy="0"/>
+        </a:xfrm>
+      </p:grpSpPr>
+      <p:sp>
+        <p:nvSpPr>
+          <p:cNvPr id="4" name="Slide Number Placeholder 3"/>
+          <p:cNvSpPr>
+            <a:spLocks noGrp="1"/>
+          </p:cNvSpPr>
+          <p:nvPr>
+            <p:ph type="sldNum" sz="quarter" idx="12"/>
+          </p:nvPr>
+        </p:nvSpPr>
+        <p:spPr/>
+        <p:txBody>
+          <a:bodyPr/>
+          <a:lstStyle/>
+          <a:p>
+            <a:fld id="{27225834-A5F4-4780-A9FC-586FB30F9BB0}" type="slidenum">
+              <a:rPr lang="en-US" smtClean="0"/>
+              <a:t>13</a:t>
+            </a:fld>
+            <a:endParaRPr lang="en-US"/>
+          </a:p>
+        </p:txBody>
+      </p:sp>
+    </p:spTree>
+    <p:extLst>
+      <p:ext uri="{BB962C8B-B14F-4D97-AF65-F5344CB8AC3E}">
+        <p14:creationId xmlns:p14="http://schemas.microsoft.com/office/powerpoint/2010/main" val="2883855532"/>
+      </p:ext>
+    </p:extLst>
+  </p:cSld>
+  <p:clrMapOvr>
+    <a:masterClrMapping/>
+  </p:clrMapOvr>
+</p:sld>
+</file>
+
+<file path=ppt/slides/slide14.xml><?xml version="1.0" encoding="utf-8"?>
+<p:sld xmlns:a="http://schemas.openxmlformats.org/drawingml/2006/main" xmlns:r="http://schemas.openxmlformats.org/officeDocument/2006/relationships" xmlns:p="http://schemas.openxmlformats.org/presentationml/2006/main">
+  <p:cSld>
+    <p:spTree>
+      <p:nvGrpSpPr>
+        <p:cNvPr id="1" name=""/>
+        <p:cNvGrpSpPr/>
+        <p:nvPr/>
+      </p:nvGrpSpPr>
+      <p:grpSpPr>
+        <a:xfrm>
+          <a:off x="0" y="0"/>
+          <a:ext cx="0" cy="0"/>
+          <a:chOff x="0" y="0"/>
+          <a:chExt cx="0" cy="0"/>
+        </a:xfrm>
+      </p:grpSpPr>
+      <p:sp>
+        <p:nvSpPr>
+          <p:cNvPr id="4" name="Slide Number Placeholder 3"/>
+          <p:cNvSpPr>
+            <a:spLocks noGrp="1"/>
+          </p:cNvSpPr>
+          <p:nvPr>
+            <p:ph type="sldNum" sz="quarter" idx="12"/>
+          </p:nvPr>
+        </p:nvSpPr>
+        <p:spPr/>
+        <p:txBody>
+          <a:bodyPr/>
+          <a:lstStyle/>
+          <a:p>
+            <a:fld id="{27225834-A5F4-4780-A9FC-586FB30F9BB0}" type="slidenum">
+              <a:rPr lang="en-US" smtClean="0"/>
+              <a:t>14</a:t>
             </a:fld>
             <a:endParaRPr lang="en-US"/>
           </a:p>
@@ -6698,7 +7307,7 @@
 </p:sld>
 </file>
 
-<file path=ppt/slides/slide13.xml><?xml version="1.0" encoding="utf-8"?>
+<file path=ppt/slides/slide15.xml><?xml version="1.0" encoding="utf-8"?>
 <p:sld xmlns:a="http://schemas.openxmlformats.org/drawingml/2006/main" xmlns:r="http://schemas.openxmlformats.org/officeDocument/2006/relationships" xmlns:p="http://schemas.openxmlformats.org/presentationml/2006/main">
   <p:cSld>
     <p:spTree>
@@ -6732,7 +7341,7 @@
           <a:p>
             <a:fld id="{27225834-A5F4-4780-A9FC-586FB30F9BB0}" type="slidenum">
               <a:rPr lang="en-US" smtClean="0"/>
-              <a:t>13</a:t>
+              <a:t>15</a:t>
             </a:fld>
             <a:endParaRPr lang="en-US"/>
           </a:p>
@@ -8473,54 +9082,6 @@
       </p:grpSpPr>
       <p:sp>
         <p:nvSpPr>
-          <p:cNvPr id="3" name="Content Placeholder 2"/>
-          <p:cNvSpPr>
-            <a:spLocks noGrp="1"/>
-          </p:cNvSpPr>
-          <p:nvPr>
-            <p:ph idx="1"/>
-          </p:nvPr>
-        </p:nvSpPr>
-        <p:spPr/>
-        <p:txBody>
-          <a:bodyPr/>
-          <a:lstStyle/>
-          <a:p>
-            <a:pPr marL="0" indent="0">
-              <a:buNone/>
-            </a:pPr>
-            <a:r>
-              <a:rPr lang="en-US" dirty="0" err="1" smtClean="0"/>
-              <a:t>Taliks</a:t>
-            </a:r>
-            <a:r>
-              <a:rPr lang="en-US" dirty="0" smtClean="0"/>
-              <a:t> image</a:t>
-            </a:r>
-          </a:p>
-          <a:p>
-            <a:pPr marL="0" indent="0">
-              <a:buNone/>
-            </a:pPr>
-            <a:r>
-              <a:rPr lang="en-US" dirty="0" smtClean="0"/>
-              <a:t>This is where we landed/are unique</a:t>
-            </a:r>
-          </a:p>
-          <a:p>
-            <a:pPr marL="0" indent="0">
-              <a:buNone/>
-            </a:pPr>
-            <a:r>
-              <a:rPr lang="en-US" dirty="0" smtClean="0"/>
-              <a:t>unorthodox</a:t>
-            </a:r>
-            <a:endParaRPr lang="en-US" dirty="0"/>
-          </a:p>
-        </p:txBody>
-      </p:sp>
-      <p:sp>
-        <p:nvSpPr>
           <p:cNvPr id="4" name="Slide Number Placeholder 3"/>
           <p:cNvSpPr>
             <a:spLocks noGrp="1"/>
@@ -8542,41 +9103,373 @@
           </a:p>
         </p:txBody>
       </p:sp>
-      <p:sp>
-        <p:nvSpPr>
-          <p:cNvPr id="5" name="Title 4"/>
-          <p:cNvSpPr>
-            <a:spLocks noGrp="1"/>
-          </p:cNvSpPr>
-          <p:nvPr>
-            <p:ph type="title"/>
-          </p:nvPr>
-        </p:nvSpPr>
-        <p:spPr/>
-        <p:txBody>
-          <a:bodyPr/>
-          <a:lstStyle/>
-          <a:p>
-            <a:r>
-              <a:rPr lang="en-US" dirty="0" smtClean="0"/>
-              <a:t>The </a:t>
-            </a:r>
-            <a:r>
-              <a:rPr lang="en-US" dirty="0" err="1" smtClean="0"/>
-              <a:t>barske</a:t>
-            </a:r>
-            <a:r>
-              <a:rPr lang="en-US" dirty="0" smtClean="0"/>
-              <a:t> concentric design	</a:t>
-            </a:r>
-            <a:endParaRPr lang="en-US" dirty="0"/>
-          </a:p>
-        </p:txBody>
-      </p:sp>
+      <p:pic>
+        <p:nvPicPr>
+          <p:cNvPr id="5" name="Picture 4"/>
+          <p:cNvPicPr>
+            <a:picLocks noChangeAspect="1"/>
+          </p:cNvPicPr>
+          <p:nvPr/>
+        </p:nvPicPr>
+        <p:blipFill>
+          <a:blip r:embed="rId3"/>
+          <a:stretch>
+            <a:fillRect/>
+          </a:stretch>
+        </p:blipFill>
+        <p:spPr>
+          <a:xfrm>
+            <a:off x="2124045" y="2967037"/>
+            <a:ext cx="7400925" cy="3571875"/>
+          </a:xfrm>
+          <a:prstGeom prst="rect">
+            <a:avLst/>
+          </a:prstGeom>
+        </p:spPr>
+      </p:pic>
+      <p:sp>
+        <p:nvSpPr>
+          <p:cNvPr id="6" name="Rectangle 5"/>
+          <p:cNvSpPr/>
+          <p:nvPr/>
+        </p:nvSpPr>
+        <p:spPr>
+          <a:xfrm>
+            <a:off x="482600" y="244078"/>
+            <a:ext cx="12319000" cy="461665"/>
+          </a:xfrm>
+          <a:prstGeom prst="rect">
+            <a:avLst/>
+          </a:prstGeom>
+        </p:spPr>
+        <p:txBody>
+          <a:bodyPr wrap="square">
+            <a:spAutoFit/>
+          </a:bodyPr>
+          <a:lstStyle/>
+          <a:p>
+            <a:r>
+              <a:rPr lang="en-US" sz="2400" b="1" dirty="0">
+                <a:solidFill>
+                  <a:srgbClr val="C00000"/>
+                </a:solidFill>
+                <a:latin typeface="Garamond" panose="02020404030301010803" pitchFamily="18" charset="0"/>
+              </a:rPr>
+              <a:t>Specific speed</a:t>
+            </a:r>
+            <a:r>
+              <a:rPr lang="en-US" sz="2400" dirty="0">
+                <a:latin typeface="Garamond" panose="02020404030301010803" pitchFamily="18" charset="0"/>
+              </a:rPr>
+              <a:t> is a term used to describe the geometry (shape) of a pump impeller.</a:t>
+            </a:r>
+          </a:p>
+        </p:txBody>
+      </p:sp>
+      <mc:AlternateContent xmlns:mc="http://schemas.openxmlformats.org/markup-compatibility/2006">
+        <mc:Choice xmlns:a14="http://schemas.microsoft.com/office/drawing/2010/main" Requires="a14">
+          <p:sp>
+            <p:nvSpPr>
+              <p:cNvPr id="10" name="TextBox 9"/>
+              <p:cNvSpPr txBox="1"/>
+              <p:nvPr/>
+            </p:nvSpPr>
+            <p:spPr>
+              <a:xfrm>
+                <a:off x="5649206" y="1322469"/>
+                <a:ext cx="3633495" cy="721031"/>
+              </a:xfrm>
+              <a:prstGeom prst="rect">
+                <a:avLst/>
+              </a:prstGeom>
+              <a:noFill/>
+            </p:spPr>
+            <p:txBody>
+              <a:bodyPr wrap="none" lIns="0" tIns="0" rIns="0" bIns="0" rtlCol="0">
+                <a:spAutoFit/>
+              </a:bodyPr>
+              <a:lstStyle/>
+              <a:p>
+                <a14:m>
+                  <m:oMath xmlns:m="http://schemas.openxmlformats.org/officeDocument/2006/math">
+                    <m:sSub>
+                      <m:sSubPr>
+                        <m:ctrlPr>
+                          <a:rPr lang="en-US" sz="2800" i="1" smtClean="0">
+                            <a:latin typeface="Cambria Math" panose="02040503050406030204" pitchFamily="18" charset="0"/>
+                          </a:rPr>
+                        </m:ctrlPr>
+                      </m:sSubPr>
+                      <m:e>
+                        <m:d>
+                          <m:dPr>
+                            <m:ctrlPr>
+                              <a:rPr lang="en-US" sz="2800" i="1" smtClean="0">
+                                <a:latin typeface="Cambria Math" panose="02040503050406030204" pitchFamily="18" charset="0"/>
+                              </a:rPr>
+                            </m:ctrlPr>
+                          </m:dPr>
+                          <m:e>
+                            <m:r>
+                              <a:rPr lang="en-US" sz="2800" b="0" i="1" smtClean="0">
+                                <a:latin typeface="Cambria Math" panose="02040503050406030204" pitchFamily="18" charset="0"/>
+                              </a:rPr>
+                              <m:t>𝑛</m:t>
+                            </m:r>
+                            <m:r>
+                              <a:rPr lang="en-US" sz="2800" b="0" i="1" baseline="-25000" smtClean="0">
+                                <a:latin typeface="Cambria Math" panose="02040503050406030204" pitchFamily="18" charset="0"/>
+                              </a:rPr>
+                              <m:t>𝑠</m:t>
+                            </m:r>
+                          </m:e>
+                        </m:d>
+                      </m:e>
+                      <m:sub>
+                        <m:r>
+                          <a:rPr lang="en-US" sz="2800" b="0" i="1" smtClean="0">
+                            <a:latin typeface="Cambria Math" panose="02040503050406030204" pitchFamily="18" charset="0"/>
+                          </a:rPr>
+                          <m:t>𝐸𝐹𝑆</m:t>
+                        </m:r>
+                      </m:sub>
+                    </m:sSub>
+                    <m:r>
+                      <a:rPr lang="en-US" sz="2800" i="1" smtClean="0">
+                        <a:latin typeface="Cambria Math" panose="02040503050406030204" pitchFamily="18" charset="0"/>
+                      </a:rPr>
+                      <m:t>=</m:t>
+                    </m:r>
+                    <m:f>
+                      <m:fPr>
+                        <m:ctrlPr>
+                          <a:rPr lang="en-US" sz="2800" i="1" smtClean="0">
+                            <a:latin typeface="Cambria Math" panose="02040503050406030204" pitchFamily="18" charset="0"/>
+                          </a:rPr>
+                        </m:ctrlPr>
+                      </m:fPr>
+                      <m:num>
+                        <m:r>
+                          <a:rPr lang="en-US" sz="2800" b="0" i="1" smtClean="0">
+                            <a:latin typeface="Cambria Math" panose="02040503050406030204" pitchFamily="18" charset="0"/>
+                          </a:rPr>
+                          <m:t>𝑛</m:t>
+                        </m:r>
+                        <m:sSup>
+                          <m:sSupPr>
+                            <m:ctrlPr>
+                              <a:rPr lang="en-US" sz="2800" b="0" i="1" smtClean="0">
+                                <a:latin typeface="Cambria Math" panose="02040503050406030204" pitchFamily="18" charset="0"/>
+                              </a:rPr>
+                            </m:ctrlPr>
+                          </m:sSupPr>
+                          <m:e>
+                            <m:d>
+                              <m:dPr>
+                                <m:ctrlPr>
+                                  <a:rPr lang="en-US" sz="2800" b="0" i="1" smtClean="0">
+                                    <a:latin typeface="Cambria Math" panose="02040503050406030204" pitchFamily="18" charset="0"/>
+                                  </a:rPr>
+                                </m:ctrlPr>
+                              </m:dPr>
+                              <m:e>
+                                <m:r>
+                                  <a:rPr lang="en-US" sz="2800" b="0" i="1" smtClean="0">
+                                    <a:latin typeface="Cambria Math" panose="02040503050406030204" pitchFamily="18" charset="0"/>
+                                  </a:rPr>
+                                  <m:t>𝑄</m:t>
+                                </m:r>
+                              </m:e>
+                            </m:d>
+                          </m:e>
+                          <m:sup>
+                            <m:r>
+                              <a:rPr lang="en-US" sz="2800" b="0" i="1" smtClean="0">
+                                <a:latin typeface="Cambria Math" panose="02040503050406030204" pitchFamily="18" charset="0"/>
+                              </a:rPr>
+                              <m:t>0.5</m:t>
+                            </m:r>
+                          </m:sup>
+                        </m:sSup>
+                      </m:num>
+                      <m:den>
+                        <m:sSup>
+                          <m:sSupPr>
+                            <m:ctrlPr>
+                              <a:rPr lang="en-US" sz="2800" i="1" smtClean="0">
+                                <a:latin typeface="Cambria Math" panose="02040503050406030204" pitchFamily="18" charset="0"/>
+                              </a:rPr>
+                            </m:ctrlPr>
+                          </m:sSupPr>
+                          <m:e>
+                            <m:d>
+                              <m:dPr>
+                                <m:ctrlPr>
+                                  <a:rPr lang="en-US" sz="2800" i="1" smtClean="0">
+                                    <a:latin typeface="Cambria Math" panose="02040503050406030204" pitchFamily="18" charset="0"/>
+                                  </a:rPr>
+                                </m:ctrlPr>
+                              </m:dPr>
+                              <m:e>
+                                <m:r>
+                                  <a:rPr lang="en-US" sz="2800" b="0" i="1" smtClean="0">
+                                    <a:latin typeface="Cambria Math" panose="02040503050406030204" pitchFamily="18" charset="0"/>
+                                  </a:rPr>
+                                  <m:t>𝐻</m:t>
+                                </m:r>
+                              </m:e>
+                            </m:d>
+                          </m:e>
+                          <m:sup>
+                            <m:r>
+                              <a:rPr lang="en-US" sz="2800" b="0" i="1" smtClean="0">
+                                <a:latin typeface="Cambria Math" panose="02040503050406030204" pitchFamily="18" charset="0"/>
+                              </a:rPr>
+                              <m:t>0.75</m:t>
+                            </m:r>
+                          </m:sup>
+                        </m:sSup>
+                      </m:den>
+                    </m:f>
+                    <m:r>
+                      <a:rPr lang="en-US" sz="2800" b="0" i="1" smtClean="0">
+                        <a:latin typeface="Cambria Math" panose="02040503050406030204" pitchFamily="18" charset="0"/>
+                      </a:rPr>
+                      <m:t>=479</m:t>
+                    </m:r>
+                  </m:oMath>
+                </a14:m>
+                <a:r>
+                  <a:rPr lang="en-US" sz="2800" dirty="0" smtClean="0">
+                    <a:latin typeface="Garamond" panose="02020404030301010803" pitchFamily="18" charset="0"/>
+                  </a:rPr>
+                  <a:t> </a:t>
+                </a:r>
+                <a:endParaRPr lang="en-US" sz="2800" dirty="0">
+                  <a:latin typeface="Garamond" panose="02020404030301010803" pitchFamily="18" charset="0"/>
+                </a:endParaRPr>
+              </a:p>
+            </p:txBody>
+          </p:sp>
+        </mc:Choice>
+        <mc:Fallback>
+          <p:sp>
+            <p:nvSpPr>
+              <p:cNvPr id="10" name="TextBox 9"/>
+              <p:cNvSpPr txBox="1">
+                <a:spLocks noRot="1" noChangeAspect="1" noMove="1" noResize="1" noEditPoints="1" noAdjustHandles="1" noChangeArrowheads="1" noChangeShapeType="1" noTextEdit="1"/>
+              </p:cNvSpPr>
+              <p:nvPr/>
+            </p:nvSpPr>
+            <p:spPr>
+              <a:xfrm>
+                <a:off x="5649206" y="1322469"/>
+                <a:ext cx="3633495" cy="721031"/>
+              </a:xfrm>
+              <a:prstGeom prst="rect">
+                <a:avLst/>
+              </a:prstGeom>
+              <a:blipFill>
+                <a:blip r:embed="rId4"/>
+                <a:stretch>
+                  <a:fillRect/>
+                </a:stretch>
+              </a:blipFill>
+            </p:spPr>
+            <p:txBody>
+              <a:bodyPr/>
+              <a:lstStyle/>
+              <a:p>
+                <a:r>
+                  <a:rPr lang="en-US">
+                    <a:noFill/>
+                  </a:rPr>
+                  <a:t> </a:t>
+                </a:r>
+              </a:p>
+            </p:txBody>
+          </p:sp>
+        </mc:Fallback>
+      </mc:AlternateContent>
+      <p:sp>
+        <p:nvSpPr>
+          <p:cNvPr id="11" name="Rectangle 10"/>
+          <p:cNvSpPr/>
+          <p:nvPr/>
+        </p:nvSpPr>
+        <p:spPr>
+          <a:xfrm>
+            <a:off x="2124045" y="1452151"/>
+            <a:ext cx="3378200" cy="461665"/>
+          </a:xfrm>
+          <a:prstGeom prst="rect">
+            <a:avLst/>
+          </a:prstGeom>
+        </p:spPr>
+        <p:txBody>
+          <a:bodyPr wrap="square">
+            <a:spAutoFit/>
+          </a:bodyPr>
+          <a:lstStyle/>
+          <a:p>
+            <a:r>
+              <a:rPr lang="en-US" sz="2400" b="1" dirty="0" smtClean="0">
+                <a:solidFill>
+                  <a:srgbClr val="C00000"/>
+                </a:solidFill>
+                <a:latin typeface="Garamond" panose="02020404030301010803" pitchFamily="18" charset="0"/>
+              </a:rPr>
+              <a:t>Our specific speed </a:t>
+            </a:r>
+            <a:endParaRPr lang="en-US" sz="2400" b="1" dirty="0">
+              <a:solidFill>
+                <a:srgbClr val="C00000"/>
+              </a:solidFill>
+              <a:latin typeface="Garamond" panose="02020404030301010803" pitchFamily="18" charset="0"/>
+            </a:endParaRPr>
+          </a:p>
+        </p:txBody>
+      </p:sp>
+      <p:cxnSp>
+        <p:nvCxnSpPr>
+          <p:cNvPr id="13" name="Straight Arrow Connector 12"/>
+          <p:cNvCxnSpPr/>
+          <p:nvPr/>
+        </p:nvCxnSpPr>
+        <p:spPr>
+          <a:xfrm>
+            <a:off x="4765645" y="1695684"/>
+            <a:ext cx="647700" cy="0"/>
+          </a:xfrm>
+          <a:prstGeom prst="straightConnector1">
+            <a:avLst/>
+          </a:prstGeom>
+          <a:ln w="57150">
+            <a:solidFill>
+              <a:srgbClr val="C00000"/>
+            </a:solidFill>
+            <a:tailEnd type="triangle"/>
+          </a:ln>
+        </p:spPr>
+        <p:style>
+          <a:lnRef idx="1">
+            <a:schemeClr val="accent1"/>
+          </a:lnRef>
+          <a:fillRef idx="0">
+            <a:schemeClr val="accent1"/>
+          </a:fillRef>
+          <a:effectRef idx="0">
+            <a:schemeClr val="accent1"/>
+          </a:effectRef>
+          <a:fontRef idx="minor">
+            <a:schemeClr val="tx1"/>
+          </a:fontRef>
+        </p:style>
+      </p:cxnSp>
     </p:spTree>
     <p:extLst>
       <p:ext uri="{BB962C8B-B14F-4D97-AF65-F5344CB8AC3E}">
-        <p14:creationId xmlns:p14="http://schemas.microsoft.com/office/powerpoint/2010/main" val="803651275"/>
+        <p14:creationId xmlns:p14="http://schemas.microsoft.com/office/powerpoint/2010/main" val="2824579537"/>
       </p:ext>
     </p:extLst>
   </p:cSld>
@@ -8626,36 +9519,82 @@
           </a:p>
         </p:txBody>
       </p:sp>
-      <p:sp>
-        <p:nvSpPr>
-          <p:cNvPr id="5" name="Title 1"/>
-          <p:cNvSpPr>
-            <a:spLocks noGrp="1"/>
-          </p:cNvSpPr>
-          <p:nvPr>
-            <p:ph type="title"/>
-          </p:nvPr>
-        </p:nvSpPr>
-        <p:spPr>
-          <a:xfrm>
-            <a:off x="838200" y="2806700"/>
-            <a:ext cx="10515600" cy="654783"/>
-          </a:xfrm>
-        </p:spPr>
-        <p:txBody>
-          <a:bodyPr>
-            <a:noAutofit/>
+      <p:pic>
+        <p:nvPicPr>
+          <p:cNvPr id="7" name="Picture 6"/>
+          <p:cNvPicPr>
+            <a:picLocks noChangeAspect="1"/>
+          </p:cNvPicPr>
+          <p:nvPr/>
+        </p:nvPicPr>
+        <p:blipFill>
+          <a:blip r:embed="rId3"/>
+          <a:stretch>
+            <a:fillRect/>
+          </a:stretch>
+        </p:blipFill>
+        <p:spPr>
+          <a:xfrm>
+            <a:off x="3403294" y="3362807"/>
+            <a:ext cx="8212138" cy="2993543"/>
+          </a:xfrm>
+          <a:prstGeom prst="rect">
+            <a:avLst/>
+          </a:prstGeom>
+        </p:spPr>
+      </p:pic>
+      <p:pic>
+        <p:nvPicPr>
+          <p:cNvPr id="10" name="Picture 9"/>
+          <p:cNvPicPr>
+            <a:picLocks noChangeAspect="1"/>
+          </p:cNvPicPr>
+          <p:nvPr/>
+        </p:nvPicPr>
+        <p:blipFill>
+          <a:blip r:embed="rId4"/>
+          <a:stretch>
+            <a:fillRect/>
+          </a:stretch>
+        </p:blipFill>
+        <p:spPr>
+          <a:xfrm>
+            <a:off x="277813" y="822735"/>
+            <a:ext cx="6529388" cy="2540072"/>
+          </a:xfrm>
+          <a:prstGeom prst="rect">
+            <a:avLst/>
+          </a:prstGeom>
+        </p:spPr>
+      </p:pic>
+      <p:sp>
+        <p:nvSpPr>
+          <p:cNvPr id="11" name="Rectangle 10"/>
+          <p:cNvSpPr/>
+          <p:nvPr/>
+        </p:nvSpPr>
+        <p:spPr>
+          <a:xfrm>
+            <a:off x="4533900" y="196000"/>
+            <a:ext cx="12319000" cy="523220"/>
+          </a:xfrm>
+          <a:prstGeom prst="rect">
+            <a:avLst/>
+          </a:prstGeom>
+        </p:spPr>
+        <p:txBody>
+          <a:bodyPr wrap="square">
+            <a:spAutoFit/>
           </a:bodyPr>
           <a:lstStyle/>
           <a:p>
-            <a:pPr algn="ctr"/>
-            <a:r>
-              <a:rPr lang="en-US" sz="8800" dirty="0" smtClean="0">
+            <a:r>
+              <a:rPr lang="en-US" sz="2800" b="1" dirty="0" smtClean="0">
                 <a:latin typeface="Garamond" panose="02020404030301010803" pitchFamily="18" charset="0"/>
               </a:rPr>
-              <a:t>Performance Testing</a:t>
-            </a:r>
-            <a:endParaRPr lang="en-US" sz="8800" dirty="0">
+              <a:t>Searching for clues</a:t>
+            </a:r>
+            <a:endParaRPr lang="en-US" sz="2800" b="1" dirty="0">
               <a:latin typeface="Garamond" panose="02020404030301010803" pitchFamily="18" charset="0"/>
             </a:endParaRPr>
           </a:p>
@@ -8664,20 +9603,13 @@
     </p:spTree>
     <p:extLst>
       <p:ext uri="{BB962C8B-B14F-4D97-AF65-F5344CB8AC3E}">
-        <p14:creationId xmlns:p14="http://schemas.microsoft.com/office/powerpoint/2010/main" val="4151829928"/>
+        <p14:creationId xmlns:p14="http://schemas.microsoft.com/office/powerpoint/2010/main" val="803651275"/>
       </p:ext>
     </p:extLst>
   </p:cSld>
   <p:clrMapOvr>
     <a:masterClrMapping/>
   </p:clrMapOvr>
-  <p:timing>
-    <p:tnLst>
-      <p:par>
-        <p:cTn id="1" dur="indefinite" restart="never" nodeType="tmRoot"/>
-      </p:par>
-    </p:tnLst>
-  </p:timing>
 </p:sld>
 </file>
 
@@ -8708,63 +9640,31 @@
             <p:ph type="sldNum" sz="quarter" idx="12"/>
           </p:nvPr>
         </p:nvSpPr>
-        <p:spPr/>
+        <p:spPr>
+          <a:xfrm>
+            <a:off x="9306059" y="6438513"/>
+            <a:ext cx="2743200" cy="365125"/>
+          </a:xfrm>
+        </p:spPr>
         <p:txBody>
           <a:bodyPr/>
           <a:lstStyle/>
           <a:p>
             <a:fld id="{27225834-A5F4-4780-A9FC-586FB30F9BB0}" type="slidenum">
-              <a:rPr lang="en-US" smtClean="0"/>
+              <a:rPr lang="en-US" smtClean="0">
+                <a:latin typeface="Garamond" panose="02020404030301010803" pitchFamily="18" charset="0"/>
+              </a:rPr>
               <a:t>6</a:t>
             </a:fld>
-            <a:endParaRPr lang="en-US"/>
-          </a:p>
-        </p:txBody>
-      </p:sp>
-      <p:sp>
-        <p:nvSpPr>
-          <p:cNvPr id="3" name="TextBox 2"/>
-          <p:cNvSpPr txBox="1"/>
-          <p:nvPr/>
-        </p:nvSpPr>
-        <p:spPr>
-          <a:xfrm>
-            <a:off x="5462089" y="6179914"/>
-            <a:ext cx="11394831" cy="246221"/>
-          </a:xfrm>
-          <a:prstGeom prst="rect">
-            <a:avLst/>
-          </a:prstGeom>
-          <a:noFill/>
-        </p:spPr>
-        <p:txBody>
-          <a:bodyPr wrap="square" rtlCol="0">
-            <a:spAutoFit/>
-          </a:bodyPr>
-          <a:lstStyle/>
-          <a:p>
-            <a:r>
-              <a:rPr lang="en-US" sz="1000" b="1" dirty="0"/>
-              <a:t>Hydraulic Institute Test Standard (ANSI/HI 14.6 "</a:t>
-            </a:r>
-            <a:r>
-              <a:rPr lang="en-US" sz="1000" b="1" dirty="0" err="1"/>
-              <a:t>Rotodynamic</a:t>
-            </a:r>
-            <a:r>
-              <a:rPr lang="en-US" sz="1000" b="1" dirty="0"/>
-              <a:t> Pumps for Performance Acceptance Tests," </a:t>
-            </a:r>
-            <a:r>
-              <a:rPr lang="en-US" sz="1000" b="1" dirty="0" smtClean="0"/>
-              <a:t>2011)</a:t>
-            </a:r>
+            <a:endParaRPr lang="en-US" dirty="0">
+              <a:latin typeface="Garamond" panose="02020404030301010803" pitchFamily="18" charset="0"/>
+            </a:endParaRPr>
           </a:p>
         </p:txBody>
       </p:sp>
       <p:pic>
         <p:nvPicPr>
-          <p:cNvPr id="7" name="Picture 6"/>
+          <p:cNvPr id="11" name="Picture 10"/>
           <p:cNvPicPr>
             <a:picLocks noChangeAspect="1"/>
           </p:cNvPicPr>
@@ -8778,174 +9678,253 @@
         </p:blipFill>
         <p:spPr>
           <a:xfrm>
-            <a:off x="5516684" y="1854920"/>
-            <a:ext cx="5837116" cy="4324994"/>
+            <a:off x="5948902" y="2717800"/>
+            <a:ext cx="5011199" cy="3720987"/>
           </a:xfrm>
           <a:prstGeom prst="rect">
             <a:avLst/>
           </a:prstGeom>
         </p:spPr>
       </p:pic>
-      <p:sp>
-        <p:nvSpPr>
-          <p:cNvPr id="8" name="TextBox 7"/>
-          <p:cNvSpPr txBox="1"/>
+      <p:pic>
+        <p:nvPicPr>
+          <p:cNvPr id="2" name="Picture 1"/>
+          <p:cNvPicPr>
+            <a:picLocks noChangeAspect="1"/>
+          </p:cNvPicPr>
           <p:nvPr/>
-        </p:nvSpPr>
-        <p:spPr>
-          <a:xfrm>
-            <a:off x="154236" y="1854920"/>
-            <a:ext cx="5362448" cy="4034438"/>
+        </p:nvPicPr>
+        <p:blipFill>
+          <a:blip r:embed="rId4"/>
+          <a:stretch>
+            <a:fillRect/>
+          </a:stretch>
+        </p:blipFill>
+        <p:spPr>
+          <a:xfrm>
+            <a:off x="645115" y="3178544"/>
+            <a:ext cx="4476028" cy="3011907"/>
           </a:xfrm>
           <a:prstGeom prst="rect">
             <a:avLst/>
           </a:prstGeom>
-          <a:noFill/>
-        </p:spPr>
-        <p:txBody>
-          <a:bodyPr wrap="square" rtlCol="0">
-            <a:spAutoFit/>
-          </a:bodyPr>
-          <a:lstStyle/>
-          <a:p>
-            <a:r>
-              <a:rPr lang="en-US" sz="2000" b="1" dirty="0" smtClean="0">
-                <a:latin typeface="Garamond" panose="02020404030301010803" pitchFamily="18" charset="0"/>
-              </a:rPr>
-              <a:t>Using Hydraulic Test Standard (ANSI/HI 14.6)</a:t>
-            </a:r>
-          </a:p>
-          <a:p>
-            <a:endParaRPr lang="en-US" sz="2000" b="1" dirty="0" smtClean="0">
-              <a:latin typeface="Garamond" panose="02020404030301010803" pitchFamily="18" charset="0"/>
-            </a:endParaRPr>
-          </a:p>
-          <a:p>
-            <a:r>
-              <a:rPr lang="en-US" sz="2400" dirty="0" smtClean="0">
-                <a:latin typeface="Garamond" panose="02020404030301010803" pitchFamily="18" charset="0"/>
-              </a:rPr>
-              <a:t>Typically </a:t>
-            </a:r>
-            <a:r>
-              <a:rPr lang="en-US" sz="2400" dirty="0">
-                <a:latin typeface="Garamond" panose="02020404030301010803" pitchFamily="18" charset="0"/>
-              </a:rPr>
-              <a:t>performance is given by curves of: </a:t>
-            </a:r>
-            <a:endParaRPr lang="en-US" sz="2400" dirty="0" smtClean="0">
-              <a:latin typeface="Garamond" panose="02020404030301010803" pitchFamily="18" charset="0"/>
-            </a:endParaRPr>
-          </a:p>
-          <a:p>
-            <a:endParaRPr lang="en-US" sz="2400" dirty="0">
-              <a:latin typeface="Garamond" panose="02020404030301010803" pitchFamily="18" charset="0"/>
-            </a:endParaRPr>
-          </a:p>
-          <a:p>
-            <a:pPr>
-              <a:spcBef>
-                <a:spcPts val="115"/>
-              </a:spcBef>
-            </a:pPr>
-            <a:r>
-              <a:rPr lang="en-US" sz="2400" dirty="0" smtClean="0">
-                <a:latin typeface="Garamond" panose="02020404030301010803" pitchFamily="18" charset="0"/>
-              </a:rPr>
-              <a:t>• Head versus capacity </a:t>
-            </a:r>
-          </a:p>
-          <a:p>
-            <a:pPr>
-              <a:spcBef>
-                <a:spcPts val="115"/>
-              </a:spcBef>
-            </a:pPr>
-            <a:endParaRPr lang="en-US" sz="2400" dirty="0" smtClean="0">
-              <a:latin typeface="Garamond" panose="02020404030301010803" pitchFamily="18" charset="0"/>
-            </a:endParaRPr>
-          </a:p>
-          <a:p>
-            <a:pPr>
-              <a:spcBef>
-                <a:spcPts val="115"/>
-              </a:spcBef>
-            </a:pPr>
-            <a:r>
-              <a:rPr lang="en-US" sz="2400" dirty="0" smtClean="0">
-                <a:latin typeface="Garamond" panose="02020404030301010803" pitchFamily="18" charset="0"/>
-              </a:rPr>
-              <a:t>• </a:t>
-            </a:r>
-            <a:r>
-              <a:rPr lang="en-US" sz="2400" dirty="0">
-                <a:latin typeface="Garamond" panose="02020404030301010803" pitchFamily="18" charset="0"/>
-              </a:rPr>
-              <a:t>Power versus capacity </a:t>
-            </a:r>
-            <a:endParaRPr lang="en-US" sz="2400" dirty="0" smtClean="0">
-              <a:latin typeface="Garamond" panose="02020404030301010803" pitchFamily="18" charset="0"/>
-            </a:endParaRPr>
-          </a:p>
-          <a:p>
-            <a:pPr>
-              <a:spcBef>
-                <a:spcPts val="115"/>
-              </a:spcBef>
-            </a:pPr>
-            <a:endParaRPr lang="en-US" sz="2400" dirty="0">
-              <a:latin typeface="Garamond" panose="02020404030301010803" pitchFamily="18" charset="0"/>
-            </a:endParaRPr>
-          </a:p>
-          <a:p>
-            <a:pPr>
-              <a:spcBef>
-                <a:spcPts val="115"/>
-              </a:spcBef>
-            </a:pPr>
-            <a:r>
-              <a:rPr lang="en-US" sz="2400" dirty="0">
-                <a:latin typeface="Garamond" panose="02020404030301010803" pitchFamily="18" charset="0"/>
-              </a:rPr>
-              <a:t>• NPSH versus capacity </a:t>
-            </a:r>
-          </a:p>
-          <a:p>
-            <a:endParaRPr lang="en-US" sz="2000" dirty="0" smtClean="0">
-              <a:latin typeface="Garamond" panose="02020404030301010803" pitchFamily="18" charset="0"/>
-            </a:endParaRPr>
-          </a:p>
-        </p:txBody>
-      </p:sp>
-      <p:sp>
-        <p:nvSpPr>
-          <p:cNvPr id="11" name="TextBox 10"/>
-          <p:cNvSpPr txBox="1"/>
+        </p:spPr>
+      </p:pic>
+      <p:pic>
+        <p:nvPicPr>
+          <p:cNvPr id="3" name="Picture 2"/>
+          <p:cNvPicPr>
+            <a:picLocks noChangeAspect="1"/>
+          </p:cNvPicPr>
           <p:nvPr/>
-        </p:nvSpPr>
-        <p:spPr>
-          <a:xfrm>
-            <a:off x="1478084" y="254303"/>
-            <a:ext cx="9875716" cy="707886"/>
+        </p:nvPicPr>
+        <p:blipFill>
+          <a:blip r:embed="rId5"/>
+          <a:stretch>
+            <a:fillRect/>
+          </a:stretch>
+        </p:blipFill>
+        <p:spPr>
+          <a:xfrm>
+            <a:off x="645115" y="1043922"/>
+            <a:ext cx="4476028" cy="1673878"/>
           </a:xfrm>
           <a:prstGeom prst="rect">
             <a:avLst/>
           </a:prstGeom>
-          <a:noFill/>
-        </p:spPr>
-        <p:txBody>
-          <a:bodyPr wrap="square" rtlCol="0">
+        </p:spPr>
+      </p:pic>
+      <p:sp>
+        <p:nvSpPr>
+          <p:cNvPr id="14" name="Rectangle 13"/>
+          <p:cNvSpPr/>
+          <p:nvPr/>
+        </p:nvSpPr>
+        <p:spPr>
+          <a:xfrm>
+            <a:off x="5729797" y="260568"/>
+            <a:ext cx="6792403" cy="2267287"/>
+          </a:xfrm>
+          <a:prstGeom prst="rect">
+            <a:avLst/>
+          </a:prstGeom>
+        </p:spPr>
+        <p:txBody>
+          <a:bodyPr wrap="square">
             <a:spAutoFit/>
           </a:bodyPr>
           <a:lstStyle/>
           <a:p>
-            <a:r>
-              <a:rPr lang="en-US" sz="4000" b="1" dirty="0" smtClean="0">
+            <a:pPr>
+              <a:spcBef>
+                <a:spcPts val="600"/>
+              </a:spcBef>
+            </a:pPr>
+            <a:r>
+              <a:rPr lang="en-US" sz="2000" b="1" dirty="0" smtClean="0">
+                <a:solidFill>
+                  <a:srgbClr val="C00000"/>
+                </a:solidFill>
                 <a:latin typeface="Garamond" panose="02020404030301010803" pitchFamily="18" charset="0"/>
               </a:rPr>
-              <a:t>Characterizing the performance of Piglet</a:t>
-            </a:r>
-            <a:endParaRPr lang="en-US" sz="4000" b="1" dirty="0">
+              <a:t>Salient Features:</a:t>
+            </a:r>
+            <a:endParaRPr lang="en-US" b="1" dirty="0" smtClean="0">
+              <a:latin typeface="Garamond" panose="02020404030301010803" pitchFamily="18" charset="0"/>
+            </a:endParaRPr>
+          </a:p>
+          <a:p>
+            <a:pPr marL="285750" indent="-285750">
+              <a:spcBef>
+                <a:spcPts val="600"/>
+              </a:spcBef>
+              <a:spcAft>
+                <a:spcPts val="120"/>
+              </a:spcAft>
+              <a:buFont typeface="Arial" panose="020B0604020202020204" pitchFamily="34" charset="0"/>
+              <a:buChar char="•"/>
+            </a:pPr>
+            <a:r>
+              <a:rPr lang="en-US" b="1" dirty="0" smtClean="0">
+                <a:latin typeface="Garamond" panose="02020404030301010803" pitchFamily="18" charset="0"/>
+              </a:rPr>
+              <a:t>Semi-open impeller</a:t>
+            </a:r>
+          </a:p>
+          <a:p>
+            <a:pPr marL="285750" indent="-285750">
+              <a:spcBef>
+                <a:spcPts val="120"/>
+              </a:spcBef>
+              <a:spcAft>
+                <a:spcPts val="120"/>
+              </a:spcAft>
+              <a:buFont typeface="Arial" panose="020B0604020202020204" pitchFamily="34" charset="0"/>
+              <a:buChar char="•"/>
+            </a:pPr>
+            <a:r>
+              <a:rPr lang="en-US" b="1" dirty="0" smtClean="0">
+                <a:latin typeface="Garamond" panose="02020404030301010803" pitchFamily="18" charset="0"/>
+              </a:rPr>
+              <a:t>Flow enters axially and exits radially </a:t>
+            </a:r>
+          </a:p>
+          <a:p>
+            <a:pPr marL="285750" indent="-285750">
+              <a:spcBef>
+                <a:spcPts val="120"/>
+              </a:spcBef>
+              <a:spcAft>
+                <a:spcPts val="120"/>
+              </a:spcAft>
+              <a:buFont typeface="Arial" panose="020B0604020202020204" pitchFamily="34" charset="0"/>
+              <a:buChar char="•"/>
+            </a:pPr>
+            <a:r>
+              <a:rPr lang="en-US" b="1" dirty="0" smtClean="0">
+                <a:latin typeface="Garamond" panose="02020404030301010803" pitchFamily="18" charset="0"/>
+              </a:rPr>
+              <a:t>Casing is bored concentrically with impeller centerline</a:t>
+            </a:r>
+          </a:p>
+          <a:p>
+            <a:pPr marL="285750" indent="-285750">
+              <a:spcBef>
+                <a:spcPts val="120"/>
+              </a:spcBef>
+              <a:spcAft>
+                <a:spcPts val="120"/>
+              </a:spcAft>
+              <a:buFont typeface="Arial" panose="020B0604020202020204" pitchFamily="34" charset="0"/>
+              <a:buChar char="•"/>
+            </a:pPr>
+            <a:r>
+              <a:rPr lang="en-US" b="1" dirty="0" smtClean="0">
+                <a:latin typeface="Garamond" panose="02020404030301010803" pitchFamily="18" charset="0"/>
+              </a:rPr>
+              <a:t>Fluid allowed to recirculate within the casing </a:t>
+            </a:r>
+          </a:p>
+          <a:p>
+            <a:pPr marL="285750" indent="-285750">
+              <a:spcBef>
+                <a:spcPts val="120"/>
+              </a:spcBef>
+              <a:spcAft>
+                <a:spcPts val="120"/>
+              </a:spcAft>
+              <a:buFont typeface="Arial" panose="020B0604020202020204" pitchFamily="34" charset="0"/>
+              <a:buChar char="•"/>
+            </a:pPr>
+            <a:r>
+              <a:rPr lang="en-US" b="1" dirty="0" smtClean="0">
+                <a:latin typeface="Garamond" panose="02020404030301010803" pitchFamily="18" charset="0"/>
+              </a:rPr>
+              <a:t>Single emission throat</a:t>
+            </a:r>
+          </a:p>
+          <a:p>
+            <a:pPr marL="285750" indent="-285750">
+              <a:spcBef>
+                <a:spcPts val="120"/>
+              </a:spcBef>
+              <a:spcAft>
+                <a:spcPts val="120"/>
+              </a:spcAft>
+              <a:buFont typeface="Arial" panose="020B0604020202020204" pitchFamily="34" charset="0"/>
+              <a:buChar char="•"/>
+            </a:pPr>
+            <a:r>
+              <a:rPr lang="en-US" b="1" dirty="0" smtClean="0">
+                <a:latin typeface="Garamond" panose="02020404030301010803" pitchFamily="18" charset="0"/>
+              </a:rPr>
+              <a:t>Conical diffuser oriented tangentially to the case bore</a:t>
+            </a:r>
+            <a:endParaRPr lang="en-US" b="1" dirty="0">
+              <a:latin typeface="Garamond" panose="02020404030301010803" pitchFamily="18" charset="0"/>
+            </a:endParaRPr>
+          </a:p>
+        </p:txBody>
+      </p:sp>
+      <p:sp>
+        <p:nvSpPr>
+          <p:cNvPr id="17" name="Rectangle 16"/>
+          <p:cNvSpPr/>
+          <p:nvPr/>
+        </p:nvSpPr>
+        <p:spPr>
+          <a:xfrm>
+            <a:off x="645115" y="263634"/>
+            <a:ext cx="4568235" cy="400110"/>
+          </a:xfrm>
+          <a:prstGeom prst="rect">
+            <a:avLst/>
+          </a:prstGeom>
+        </p:spPr>
+        <p:txBody>
+          <a:bodyPr wrap="square">
+            <a:spAutoFit/>
+          </a:bodyPr>
+          <a:lstStyle/>
+          <a:p>
+            <a:pPr>
+              <a:spcBef>
+                <a:spcPts val="200"/>
+              </a:spcBef>
+            </a:pPr>
+            <a:r>
+              <a:rPr lang="en-US" sz="2000" b="1" dirty="0" smtClean="0">
+                <a:solidFill>
+                  <a:srgbClr val="C00000"/>
+                </a:solidFill>
+                <a:latin typeface="Garamond" panose="02020404030301010803" pitchFamily="18" charset="0"/>
+              </a:rPr>
+              <a:t>Final parameters of hydraulic structure</a:t>
+            </a:r>
+            <a:endParaRPr lang="en-US" sz="2000" b="1" dirty="0">
+              <a:solidFill>
+                <a:srgbClr val="C00000"/>
+              </a:solidFill>
               <a:latin typeface="Garamond" panose="02020404030301010803" pitchFamily="18" charset="0"/>
             </a:endParaRPr>
           </a:p>
@@ -8954,7 +9933,7 @@
     </p:spTree>
     <p:extLst>
       <p:ext uri="{BB962C8B-B14F-4D97-AF65-F5344CB8AC3E}">
-        <p14:creationId xmlns:p14="http://schemas.microsoft.com/office/powerpoint/2010/main" val="798034103"/>
+        <p14:creationId xmlns:p14="http://schemas.microsoft.com/office/powerpoint/2010/main" val="3379470074"/>
       </p:ext>
     </p:extLst>
   </p:cSld>
@@ -9011,292 +9990,36 @@
           </a:p>
         </p:txBody>
       </p:sp>
-      <p:pic>
-        <p:nvPicPr>
-          <p:cNvPr id="3" name="Picture 2"/>
-          <p:cNvPicPr>
-            <a:picLocks noChangeAspect="1"/>
-          </p:cNvPicPr>
-          <p:nvPr/>
-        </p:nvPicPr>
-        <p:blipFill>
-          <a:blip r:embed="rId3"/>
-          <a:stretch>
-            <a:fillRect/>
-          </a:stretch>
-        </p:blipFill>
-        <p:spPr>
-          <a:xfrm>
-            <a:off x="970938" y="1482387"/>
-            <a:ext cx="4581525" cy="933450"/>
-          </a:xfrm>
-          <a:prstGeom prst="rect">
-            <a:avLst/>
-          </a:prstGeom>
-        </p:spPr>
-      </p:pic>
-      <p:pic>
-        <p:nvPicPr>
-          <p:cNvPr id="5" name="Picture 4"/>
-          <p:cNvPicPr>
-            <a:picLocks noChangeAspect="1"/>
-          </p:cNvPicPr>
-          <p:nvPr/>
-        </p:nvPicPr>
-        <p:blipFill>
-          <a:blip r:embed="rId4" cstate="print">
-            <a:extLst>
-              <a:ext uri="{28A0092B-C50C-407E-A947-70E740481C1C}">
-                <a14:useLocalDpi xmlns:a14="http://schemas.microsoft.com/office/drawing/2010/main" val="0"/>
-              </a:ext>
-            </a:extLst>
-          </a:blip>
-          <a:stretch>
-            <a:fillRect/>
-          </a:stretch>
-        </p:blipFill>
-        <p:spPr>
-          <a:xfrm>
-            <a:off x="318407" y="4112542"/>
-            <a:ext cx="6128211" cy="2484409"/>
-          </a:xfrm>
-          <a:prstGeom prst="rect">
-            <a:avLst/>
-          </a:prstGeom>
-        </p:spPr>
-      </p:pic>
-      <p:pic>
-        <p:nvPicPr>
-          <p:cNvPr id="7" name="Picture 6"/>
-          <p:cNvPicPr>
-            <a:picLocks noChangeAspect="1"/>
-          </p:cNvPicPr>
-          <p:nvPr/>
-        </p:nvPicPr>
-        <p:blipFill rotWithShape="1">
-          <a:blip r:embed="rId5">
-            <a:extLst>
-              <a:ext uri="{28A0092B-C50C-407E-A947-70E740481C1C}">
-                <a14:useLocalDpi xmlns:a14="http://schemas.microsoft.com/office/drawing/2010/main" val="0"/>
-              </a:ext>
-            </a:extLst>
-          </a:blip>
-          <a:srcRect l="7118" r="6273"/>
-          <a:stretch/>
-        </p:blipFill>
-        <p:spPr>
-          <a:xfrm>
-            <a:off x="6446619" y="833213"/>
-            <a:ext cx="5486400" cy="5131113"/>
-          </a:xfrm>
-          <a:prstGeom prst="rect">
-            <a:avLst/>
-          </a:prstGeom>
-        </p:spPr>
-      </p:pic>
-      <p:sp>
-        <p:nvSpPr>
-          <p:cNvPr id="8" name="Rectangle 7"/>
-          <p:cNvSpPr/>
-          <p:nvPr/>
-        </p:nvSpPr>
-        <p:spPr>
-          <a:xfrm>
-            <a:off x="323386" y="125327"/>
-            <a:ext cx="6123233" cy="707886"/>
-          </a:xfrm>
-          <a:prstGeom prst="rect">
-            <a:avLst/>
-          </a:prstGeom>
-        </p:spPr>
-        <p:txBody>
-          <a:bodyPr wrap="square">
-            <a:spAutoFit/>
+      <p:sp>
+        <p:nvSpPr>
+          <p:cNvPr id="5" name="Title 1"/>
+          <p:cNvSpPr>
+            <a:spLocks noGrp="1"/>
+          </p:cNvSpPr>
+          <p:nvPr>
+            <p:ph type="title"/>
+          </p:nvPr>
+        </p:nvSpPr>
+        <p:spPr>
+          <a:xfrm>
+            <a:off x="838200" y="2806700"/>
+            <a:ext cx="10515600" cy="654783"/>
+          </a:xfrm>
+        </p:spPr>
+        <p:txBody>
+          <a:bodyPr>
+            <a:noAutofit/>
           </a:bodyPr>
           <a:lstStyle/>
           <a:p>
-            <a:r>
-              <a:rPr lang="en-US" sz="4000" b="1" dirty="0" smtClean="0">
+            <a:pPr algn="ctr"/>
+            <a:r>
+              <a:rPr lang="en-US" sz="8800" dirty="0" smtClean="0">
                 <a:latin typeface="Garamond" panose="02020404030301010803" pitchFamily="18" charset="0"/>
               </a:rPr>
-              <a:t>System Characteristics</a:t>
-            </a:r>
-            <a:endParaRPr lang="en-US" sz="4000" b="1" dirty="0">
-              <a:latin typeface="Garamond" panose="02020404030301010803" pitchFamily="18" charset="0"/>
-            </a:endParaRPr>
-          </a:p>
-        </p:txBody>
-      </p:sp>
-      <p:pic>
-        <p:nvPicPr>
-          <p:cNvPr id="10" name="Picture 9"/>
-          <p:cNvPicPr>
-            <a:picLocks noChangeAspect="1"/>
-          </p:cNvPicPr>
-          <p:nvPr/>
-        </p:nvPicPr>
-        <p:blipFill>
-          <a:blip r:embed="rId6"/>
-          <a:stretch>
-            <a:fillRect/>
-          </a:stretch>
-        </p:blipFill>
-        <p:spPr>
-          <a:xfrm>
-            <a:off x="1888960" y="2710463"/>
-            <a:ext cx="2992085" cy="929514"/>
-          </a:xfrm>
-          <a:prstGeom prst="rect">
-            <a:avLst/>
-          </a:prstGeom>
-        </p:spPr>
-      </p:pic>
-      <p:sp>
-        <p:nvSpPr>
-          <p:cNvPr id="11" name="TextBox 10"/>
-          <p:cNvSpPr txBox="1"/>
-          <p:nvPr/>
-        </p:nvSpPr>
-        <p:spPr>
-          <a:xfrm>
-            <a:off x="318408" y="2288877"/>
-            <a:ext cx="3385632" cy="369332"/>
-          </a:xfrm>
-          <a:prstGeom prst="rect">
-            <a:avLst/>
-          </a:prstGeom>
-          <a:noFill/>
-        </p:spPr>
-        <p:txBody>
-          <a:bodyPr wrap="square" rtlCol="0">
-            <a:spAutoFit/>
-          </a:bodyPr>
-          <a:lstStyle/>
-          <a:p>
-            <a:pPr marL="285750" indent="-285750">
-              <a:buFont typeface="Arial" panose="020B0604020202020204" pitchFamily="34" charset="0"/>
-              <a:buChar char="•"/>
-            </a:pPr>
-            <a:r>
-              <a:rPr lang="en-US" b="1" dirty="0" smtClean="0">
-                <a:latin typeface="Garamond" panose="02020404030301010803" pitchFamily="18" charset="0"/>
-              </a:rPr>
-              <a:t>Swamee-Jain Equation (1976)</a:t>
-            </a:r>
-            <a:endParaRPr lang="en-US" b="1" dirty="0">
-              <a:latin typeface="Garamond" panose="02020404030301010803" pitchFamily="18" charset="0"/>
-            </a:endParaRPr>
-          </a:p>
-        </p:txBody>
-      </p:sp>
-      <p:sp>
-        <p:nvSpPr>
-          <p:cNvPr id="12" name="Rectangle 11"/>
-          <p:cNvSpPr/>
-          <p:nvPr/>
-        </p:nvSpPr>
-        <p:spPr>
-          <a:xfrm>
-            <a:off x="318408" y="973134"/>
-            <a:ext cx="2170466" cy="369332"/>
-          </a:xfrm>
-          <a:prstGeom prst="rect">
-            <a:avLst/>
-          </a:prstGeom>
-        </p:spPr>
-        <p:txBody>
-          <a:bodyPr wrap="none">
-            <a:spAutoFit/>
-          </a:bodyPr>
-          <a:lstStyle/>
-          <a:p>
-            <a:pPr marL="285750" indent="-285750">
-              <a:buFont typeface="Arial" panose="020B0604020202020204" pitchFamily="34" charset="0"/>
-              <a:buChar char="•"/>
-            </a:pPr>
-            <a:r>
-              <a:rPr lang="en-US" b="1" dirty="0" smtClean="0">
-                <a:latin typeface="Garamond" panose="02020404030301010803" pitchFamily="18" charset="0"/>
-              </a:rPr>
-              <a:t>Energy Equation</a:t>
-            </a:r>
-            <a:endParaRPr lang="en-US" b="1" dirty="0">
-              <a:latin typeface="Garamond" panose="02020404030301010803" pitchFamily="18" charset="0"/>
-            </a:endParaRPr>
-          </a:p>
-        </p:txBody>
-      </p:sp>
-      <p:sp>
-        <p:nvSpPr>
-          <p:cNvPr id="15" name="TextBox 14"/>
-          <p:cNvSpPr txBox="1"/>
-          <p:nvPr/>
-        </p:nvSpPr>
-        <p:spPr>
-          <a:xfrm>
-            <a:off x="970938" y="3692231"/>
-            <a:ext cx="5489726" cy="338554"/>
-          </a:xfrm>
-          <a:prstGeom prst="rect">
-            <a:avLst/>
-          </a:prstGeom>
-          <a:noFill/>
-        </p:spPr>
-        <p:txBody>
-          <a:bodyPr wrap="square" rtlCol="0">
-            <a:spAutoFit/>
-          </a:bodyPr>
-          <a:lstStyle/>
-          <a:p>
-            <a:r>
-              <a:rPr lang="en-US" sz="1600" b="1" dirty="0" smtClean="0">
-                <a:latin typeface="Garamond" panose="02020404030301010803" pitchFamily="18" charset="0"/>
-              </a:rPr>
-              <a:t>Explicit expression 10</a:t>
-            </a:r>
-            <a:r>
-              <a:rPr lang="en-US" sz="1600" b="1" baseline="30000" dirty="0" smtClean="0">
-                <a:latin typeface="Garamond" panose="02020404030301010803" pitchFamily="18" charset="0"/>
-              </a:rPr>
-              <a:t>-6</a:t>
-            </a:r>
-            <a:r>
-              <a:rPr lang="en-US" sz="1600" b="1" dirty="0" smtClean="0">
-                <a:latin typeface="Garamond" panose="02020404030301010803" pitchFamily="18" charset="0"/>
-              </a:rPr>
-              <a:t> &lt; e/D, 10</a:t>
-            </a:r>
-            <a:r>
-              <a:rPr lang="en-US" sz="1600" b="1" baseline="30000" dirty="0" smtClean="0">
-                <a:latin typeface="Garamond" panose="02020404030301010803" pitchFamily="18" charset="0"/>
-              </a:rPr>
-              <a:t>-2</a:t>
-            </a:r>
-            <a:r>
-              <a:rPr lang="en-US" sz="1600" b="1" dirty="0" smtClean="0">
-                <a:latin typeface="Garamond" panose="02020404030301010803" pitchFamily="18" charset="0"/>
-              </a:rPr>
-              <a:t>; 5000 &lt; N</a:t>
-            </a:r>
-            <a:r>
-              <a:rPr lang="en-US" sz="1600" b="1" baseline="30000" dirty="0" smtClean="0">
-                <a:latin typeface="Garamond" panose="02020404030301010803" pitchFamily="18" charset="0"/>
-              </a:rPr>
-              <a:t>R</a:t>
-            </a:r>
-            <a:r>
-              <a:rPr lang="en-US" sz="1600" b="1" dirty="0" smtClean="0">
-                <a:latin typeface="Garamond" panose="02020404030301010803" pitchFamily="18" charset="0"/>
-              </a:rPr>
-              <a:t> &lt; 10</a:t>
-            </a:r>
-            <a:r>
-              <a:rPr lang="en-US" sz="1600" b="1" baseline="30000" dirty="0" smtClean="0">
-                <a:latin typeface="Garamond" panose="02020404030301010803" pitchFamily="18" charset="0"/>
-              </a:rPr>
-              <a:t>8</a:t>
-            </a:r>
-            <a:endParaRPr lang="en-US" sz="1600" b="1" baseline="30000" dirty="0">
+              <a:t>Performance Testing</a:t>
+            </a:r>
+            <a:endParaRPr lang="en-US" sz="8800" dirty="0">
               <a:latin typeface="Garamond" panose="02020404030301010803" pitchFamily="18" charset="0"/>
             </a:endParaRPr>
           </a:p>
@@ -9305,7 +10028,7 @@
     </p:spTree>
     <p:extLst>
       <p:ext uri="{BB962C8B-B14F-4D97-AF65-F5344CB8AC3E}">
-        <p14:creationId xmlns:p14="http://schemas.microsoft.com/office/powerpoint/2010/main" val="1415982198"/>
+        <p14:creationId xmlns:p14="http://schemas.microsoft.com/office/powerpoint/2010/main" val="4151829928"/>
       </p:ext>
     </p:extLst>
   </p:cSld>
@@ -9349,25 +10072,57 @@
             <p:ph type="sldNum" sz="quarter" idx="12"/>
           </p:nvPr>
         </p:nvSpPr>
-        <p:spPr>
-          <a:xfrm>
-            <a:off x="9306059" y="6438513"/>
-            <a:ext cx="2743200" cy="365125"/>
-          </a:xfrm>
-        </p:spPr>
+        <p:spPr/>
         <p:txBody>
           <a:bodyPr/>
           <a:lstStyle/>
           <a:p>
             <a:fld id="{27225834-A5F4-4780-A9FC-586FB30F9BB0}" type="slidenum">
-              <a:rPr lang="en-US" smtClean="0">
-                <a:latin typeface="Garamond" panose="02020404030301010803" pitchFamily="18" charset="0"/>
-              </a:rPr>
+              <a:rPr lang="en-US" smtClean="0"/>
               <a:t>8</a:t>
             </a:fld>
-            <a:endParaRPr lang="en-US" dirty="0">
-              <a:latin typeface="Garamond" panose="02020404030301010803" pitchFamily="18" charset="0"/>
-            </a:endParaRPr>
+            <a:endParaRPr lang="en-US"/>
+          </a:p>
+        </p:txBody>
+      </p:sp>
+      <p:sp>
+        <p:nvSpPr>
+          <p:cNvPr id="3" name="TextBox 2"/>
+          <p:cNvSpPr txBox="1"/>
+          <p:nvPr/>
+        </p:nvSpPr>
+        <p:spPr>
+          <a:xfrm>
+            <a:off x="5462089" y="6179914"/>
+            <a:ext cx="11394831" cy="246221"/>
+          </a:xfrm>
+          <a:prstGeom prst="rect">
+            <a:avLst/>
+          </a:prstGeom>
+          <a:noFill/>
+        </p:spPr>
+        <p:txBody>
+          <a:bodyPr wrap="square" rtlCol="0">
+            <a:spAutoFit/>
+          </a:bodyPr>
+          <a:lstStyle/>
+          <a:p>
+            <a:r>
+              <a:rPr lang="en-US" sz="1000" b="1" dirty="0"/>
+              <a:t>Hydraulic Institute Test Standard (ANSI/HI 14.6 "</a:t>
+            </a:r>
+            <a:r>
+              <a:rPr lang="en-US" sz="1000" b="1" dirty="0" err="1"/>
+              <a:t>Rotodynamic</a:t>
+            </a:r>
+            <a:r>
+              <a:rPr lang="en-US" sz="1000" b="1" dirty="0"/>
+              <a:t> Pumps for Performance Acceptance Tests," </a:t>
+            </a:r>
+            <a:r>
+              <a:rPr lang="en-US" sz="1000" b="1" dirty="0" smtClean="0"/>
+              <a:t>2011)</a:t>
+            </a:r>
           </a:p>
         </p:txBody>
       </p:sp>
@@ -9387,18 +10142,183 @@
         </p:blipFill>
         <p:spPr>
           <a:xfrm>
-            <a:off x="1479176" y="142073"/>
-            <a:ext cx="9654708" cy="6715927"/>
+            <a:off x="5516684" y="1854920"/>
+            <a:ext cx="5837116" cy="4324994"/>
           </a:xfrm>
           <a:prstGeom prst="rect">
             <a:avLst/>
           </a:prstGeom>
         </p:spPr>
       </p:pic>
+      <p:sp>
+        <p:nvSpPr>
+          <p:cNvPr id="8" name="TextBox 7"/>
+          <p:cNvSpPr txBox="1"/>
+          <p:nvPr/>
+        </p:nvSpPr>
+        <p:spPr>
+          <a:xfrm>
+            <a:off x="154236" y="1854920"/>
+            <a:ext cx="5362448" cy="4034438"/>
+          </a:xfrm>
+          <a:prstGeom prst="rect">
+            <a:avLst/>
+          </a:prstGeom>
+          <a:noFill/>
+        </p:spPr>
+        <p:txBody>
+          <a:bodyPr wrap="square" rtlCol="0">
+            <a:spAutoFit/>
+          </a:bodyPr>
+          <a:lstStyle/>
+          <a:p>
+            <a:r>
+              <a:rPr lang="en-US" sz="2000" b="1" dirty="0" smtClean="0">
+                <a:latin typeface="Garamond" panose="02020404030301010803" pitchFamily="18" charset="0"/>
+              </a:rPr>
+              <a:t>Using Hydraulic Test Standard (ANSI/HI 14.6)</a:t>
+            </a:r>
+          </a:p>
+          <a:p>
+            <a:endParaRPr lang="en-US" sz="2000" b="1" dirty="0" smtClean="0">
+              <a:latin typeface="Garamond" panose="02020404030301010803" pitchFamily="18" charset="0"/>
+            </a:endParaRPr>
+          </a:p>
+          <a:p>
+            <a:r>
+              <a:rPr lang="en-US" sz="2400" dirty="0" smtClean="0">
+                <a:latin typeface="Garamond" panose="02020404030301010803" pitchFamily="18" charset="0"/>
+              </a:rPr>
+              <a:t>Typically </a:t>
+            </a:r>
+            <a:r>
+              <a:rPr lang="en-US" sz="2400" dirty="0">
+                <a:latin typeface="Garamond" panose="02020404030301010803" pitchFamily="18" charset="0"/>
+              </a:rPr>
+              <a:t>performance is given by curves of: </a:t>
+            </a:r>
+            <a:endParaRPr lang="en-US" sz="2400" dirty="0" smtClean="0">
+              <a:latin typeface="Garamond" panose="02020404030301010803" pitchFamily="18" charset="0"/>
+            </a:endParaRPr>
+          </a:p>
+          <a:p>
+            <a:endParaRPr lang="en-US" sz="2400" dirty="0">
+              <a:latin typeface="Garamond" panose="02020404030301010803" pitchFamily="18" charset="0"/>
+            </a:endParaRPr>
+          </a:p>
+          <a:p>
+            <a:pPr>
+              <a:spcBef>
+                <a:spcPts val="115"/>
+              </a:spcBef>
+            </a:pPr>
+            <a:r>
+              <a:rPr lang="en-US" sz="2400" dirty="0" smtClean="0">
+                <a:latin typeface="Garamond" panose="02020404030301010803" pitchFamily="18" charset="0"/>
+              </a:rPr>
+              <a:t>• Head versus capacity </a:t>
+            </a:r>
+          </a:p>
+          <a:p>
+            <a:pPr>
+              <a:spcBef>
+                <a:spcPts val="115"/>
+              </a:spcBef>
+            </a:pPr>
+            <a:endParaRPr lang="en-US" sz="2400" dirty="0" smtClean="0">
+              <a:latin typeface="Garamond" panose="02020404030301010803" pitchFamily="18" charset="0"/>
+            </a:endParaRPr>
+          </a:p>
+          <a:p>
+            <a:pPr>
+              <a:spcBef>
+                <a:spcPts val="115"/>
+              </a:spcBef>
+            </a:pPr>
+            <a:r>
+              <a:rPr lang="en-US" sz="2400" dirty="0" smtClean="0">
+                <a:latin typeface="Garamond" panose="02020404030301010803" pitchFamily="18" charset="0"/>
+              </a:rPr>
+              <a:t>• </a:t>
+            </a:r>
+            <a:r>
+              <a:rPr lang="en-US" sz="2400" dirty="0">
+                <a:latin typeface="Garamond" panose="02020404030301010803" pitchFamily="18" charset="0"/>
+              </a:rPr>
+              <a:t>Power versus capacity </a:t>
+            </a:r>
+            <a:endParaRPr lang="en-US" sz="2400" dirty="0" smtClean="0">
+              <a:latin typeface="Garamond" panose="02020404030301010803" pitchFamily="18" charset="0"/>
+            </a:endParaRPr>
+          </a:p>
+          <a:p>
+            <a:pPr>
+              <a:spcBef>
+                <a:spcPts val="115"/>
+              </a:spcBef>
+            </a:pPr>
+            <a:endParaRPr lang="en-US" sz="2400" dirty="0">
+              <a:latin typeface="Garamond" panose="02020404030301010803" pitchFamily="18" charset="0"/>
+            </a:endParaRPr>
+          </a:p>
+          <a:p>
+            <a:pPr>
+              <a:spcBef>
+                <a:spcPts val="115"/>
+              </a:spcBef>
+            </a:pPr>
+            <a:r>
+              <a:rPr lang="en-US" sz="2400" dirty="0">
+                <a:latin typeface="Garamond" panose="02020404030301010803" pitchFamily="18" charset="0"/>
+              </a:rPr>
+              <a:t>• NPSH versus capacity </a:t>
+            </a:r>
+          </a:p>
+          <a:p>
+            <a:endParaRPr lang="en-US" sz="2000" dirty="0" smtClean="0">
+              <a:latin typeface="Garamond" panose="02020404030301010803" pitchFamily="18" charset="0"/>
+            </a:endParaRPr>
+          </a:p>
+        </p:txBody>
+      </p:sp>
+      <p:sp>
+        <p:nvSpPr>
+          <p:cNvPr id="11" name="TextBox 10"/>
+          <p:cNvSpPr txBox="1"/>
+          <p:nvPr/>
+        </p:nvSpPr>
+        <p:spPr>
+          <a:xfrm>
+            <a:off x="1478084" y="254303"/>
+            <a:ext cx="9875716" cy="707886"/>
+          </a:xfrm>
+          <a:prstGeom prst="rect">
+            <a:avLst/>
+          </a:prstGeom>
+          <a:noFill/>
+        </p:spPr>
+        <p:txBody>
+          <a:bodyPr wrap="square" rtlCol="0">
+            <a:spAutoFit/>
+          </a:bodyPr>
+          <a:lstStyle/>
+          <a:p>
+            <a:r>
+              <a:rPr lang="en-US" sz="4000" b="1" dirty="0" smtClean="0">
+                <a:latin typeface="Garamond" panose="02020404030301010803" pitchFamily="18" charset="0"/>
+              </a:rPr>
+              <a:t>Characterizing the performance of Piglet</a:t>
+            </a:r>
+            <a:endParaRPr lang="en-US" sz="4000" b="1" dirty="0">
+              <a:latin typeface="Garamond" panose="02020404030301010803" pitchFamily="18" charset="0"/>
+            </a:endParaRPr>
+          </a:p>
+        </p:txBody>
+      </p:sp>
     </p:spTree>
     <p:extLst>
       <p:ext uri="{BB962C8B-B14F-4D97-AF65-F5344CB8AC3E}">
-        <p14:creationId xmlns:p14="http://schemas.microsoft.com/office/powerpoint/2010/main" val="1843846498"/>
+        <p14:creationId xmlns:p14="http://schemas.microsoft.com/office/powerpoint/2010/main" val="798034103"/>
       </p:ext>
     </p:extLst>
   </p:cSld>
@@ -9457,27 +10377,81 @@
       </p:sp>
       <p:pic>
         <p:nvPicPr>
-          <p:cNvPr id="2" name="Picture 1"/>
+          <p:cNvPr id="3" name="Picture 2"/>
+          <p:cNvPicPr>
+            <a:picLocks noChangeAspect="1"/>
+          </p:cNvPicPr>
+          <p:nvPr/>
+        </p:nvPicPr>
+        <p:blipFill>
+          <a:blip r:embed="rId3"/>
+          <a:stretch>
+            <a:fillRect/>
+          </a:stretch>
+        </p:blipFill>
+        <p:spPr>
+          <a:xfrm>
+            <a:off x="970938" y="1482387"/>
+            <a:ext cx="4581525" cy="933450"/>
+          </a:xfrm>
+          <a:prstGeom prst="rect">
+            <a:avLst/>
+          </a:prstGeom>
+        </p:spPr>
+      </p:pic>
+      <p:pic>
+        <p:nvPicPr>
+          <p:cNvPr id="5" name="Picture 4"/>
+          <p:cNvPicPr>
+            <a:picLocks noChangeAspect="1"/>
+          </p:cNvPicPr>
+          <p:nvPr/>
+        </p:nvPicPr>
+        <p:blipFill>
+          <a:blip r:embed="rId4" cstate="print">
+            <a:extLst>
+              <a:ext uri="{28A0092B-C50C-407E-A947-70E740481C1C}">
+                <a14:useLocalDpi xmlns:a14="http://schemas.microsoft.com/office/drawing/2010/main" val="0"/>
+              </a:ext>
+            </a:extLst>
+          </a:blip>
+          <a:stretch>
+            <a:fillRect/>
+          </a:stretch>
+        </p:blipFill>
+        <p:spPr>
+          <a:xfrm>
+            <a:off x="318407" y="4112542"/>
+            <a:ext cx="6128211" cy="2484409"/>
+          </a:xfrm>
+          <a:prstGeom prst="rect">
+            <a:avLst/>
+          </a:prstGeom>
+        </p:spPr>
+      </p:pic>
+      <p:pic>
+        <p:nvPicPr>
+          <p:cNvPr id="7" name="Picture 6"/>
           <p:cNvPicPr>
             <a:picLocks noChangeAspect="1"/>
           </p:cNvPicPr>
           <p:nvPr/>
         </p:nvPicPr>
         <p:blipFill rotWithShape="1">
-          <a:blip r:embed="rId3" cstate="print">
+          <a:blip r:embed="rId5">
             <a:extLst>
               <a:ext uri="{28A0092B-C50C-407E-A947-70E740481C1C}">
                 <a14:useLocalDpi xmlns:a14="http://schemas.microsoft.com/office/drawing/2010/main" val="0"/>
               </a:ext>
             </a:extLst>
           </a:blip>
-          <a:srcRect l="5494" r="13355"/>
+          <a:srcRect l="7118" r="6273"/>
           <a:stretch/>
         </p:blipFill>
         <p:spPr>
           <a:xfrm>
-            <a:off x="4457252" y="498239"/>
-            <a:ext cx="7734748" cy="5858111"/>
+            <a:off x="6446619" y="833213"/>
+            <a:ext cx="5486400" cy="5131113"/>
           </a:xfrm>
           <a:prstGeom prst="rect">
             <a:avLst/>
@@ -9486,39 +10460,32 @@
       </p:pic>
       <p:sp>
         <p:nvSpPr>
-          <p:cNvPr id="3" name="TextBox 2"/>
-          <p:cNvSpPr txBox="1"/>
+          <p:cNvPr id="8" name="Rectangle 7"/>
+          <p:cNvSpPr/>
           <p:nvPr/>
         </p:nvSpPr>
         <p:spPr>
           <a:xfrm>
-            <a:off x="5829299" y="6214770"/>
-            <a:ext cx="6847692" cy="261610"/>
+            <a:off x="323386" y="125327"/>
+            <a:ext cx="6123233" cy="707886"/>
           </a:xfrm>
           <a:prstGeom prst="rect">
             <a:avLst/>
           </a:prstGeom>
-          <a:noFill/>
-        </p:spPr>
-        <p:txBody>
-          <a:bodyPr wrap="square" rtlCol="0">
+        </p:spPr>
+        <p:txBody>
+          <a:bodyPr wrap="square">
             <a:spAutoFit/>
           </a:bodyPr>
           <a:lstStyle/>
           <a:p>
             <a:r>
-              <a:rPr lang="en-US" sz="1100" b="1" i="1" dirty="0" smtClean="0">
+              <a:rPr lang="en-US" sz="4000" b="1" dirty="0" smtClean="0">
                 <a:latin typeface="Garamond" panose="02020404030301010803" pitchFamily="18" charset="0"/>
               </a:rPr>
-              <a:t>Figure:</a:t>
-            </a:r>
-            <a:r>
-              <a:rPr lang="en-US" sz="1100" dirty="0" smtClean="0">
-                <a:latin typeface="Garamond" panose="02020404030301010803" pitchFamily="18" charset="0"/>
-              </a:rPr>
-              <a:t> EFS model PIGLET-1 2.1in Diam. Impeller experimental results at 16500 rpm.</a:t>
-            </a:r>
-            <a:endParaRPr lang="en-US" sz="1100" dirty="0">
+              <a:t>System Characteristics</a:t>
+            </a:r>
+            <a:endParaRPr lang="en-US" sz="4000" b="1" dirty="0">
               <a:latin typeface="Garamond" panose="02020404030301010803" pitchFamily="18" charset="0"/>
             </a:endParaRPr>
           </a:p>
@@ -9526,22 +10493,22 @@
       </p:sp>
       <p:pic>
         <p:nvPicPr>
-          <p:cNvPr id="8" name="Picture 7"/>
+          <p:cNvPr id="10" name="Picture 9"/>
           <p:cNvPicPr>
             <a:picLocks noChangeAspect="1"/>
           </p:cNvPicPr>
           <p:nvPr/>
         </p:nvPicPr>
         <p:blipFill>
-          <a:blip r:embed="rId4"/>
+          <a:blip r:embed="rId6"/>
           <a:stretch>
             <a:fillRect/>
           </a:stretch>
         </p:blipFill>
         <p:spPr>
           <a:xfrm>
-            <a:off x="448011" y="926983"/>
-            <a:ext cx="3524250" cy="5000625"/>
+            <a:off x="1888960" y="2710463"/>
+            <a:ext cx="2992085" cy="929514"/>
           </a:xfrm>
           <a:prstGeom prst="rect">
             <a:avLst/>
@@ -9550,14 +10517,14 @@
       </p:pic>
       <p:sp>
         <p:nvSpPr>
-          <p:cNvPr id="9" name="TextBox 8"/>
+          <p:cNvPr id="11" name="TextBox 10"/>
           <p:cNvSpPr txBox="1"/>
           <p:nvPr/>
         </p:nvSpPr>
         <p:spPr>
           <a:xfrm>
-            <a:off x="387050" y="128907"/>
-            <a:ext cx="5594201" cy="400110"/>
+            <a:off x="318408" y="2288877"/>
+            <a:ext cx="3385632" cy="369332"/>
           </a:xfrm>
           <a:prstGeom prst="rect">
             <a:avLst/>
@@ -9570,13 +10537,130 @@
           </a:bodyPr>
           <a:lstStyle/>
           <a:p>
-            <a:r>
-              <a:rPr lang="en-US" sz="2000" b="1" dirty="0" smtClean="0">
+            <a:pPr marL="285750" indent="-285750">
+              <a:buFont typeface="Arial" panose="020B0604020202020204" pitchFamily="34" charset="0"/>
+              <a:buChar char="•"/>
+            </a:pPr>
+            <a:r>
+              <a:rPr lang="en-US" b="1" dirty="0" smtClean="0">
                 <a:latin typeface="Garamond" panose="02020404030301010803" pitchFamily="18" charset="0"/>
               </a:rPr>
-              <a:t>Centrifugal Pump Performance @ 16,500 rpm</a:t>
-            </a:r>
-            <a:endParaRPr lang="en-US" sz="2000" b="1" dirty="0">
+              <a:t>Swamee-Jain Equation (1976)</a:t>
+            </a:r>
+            <a:endParaRPr lang="en-US" b="1" dirty="0">
+              <a:latin typeface="Garamond" panose="02020404030301010803" pitchFamily="18" charset="0"/>
+            </a:endParaRPr>
+          </a:p>
+        </p:txBody>
+      </p:sp>
+      <p:sp>
+        <p:nvSpPr>
+          <p:cNvPr id="12" name="Rectangle 11"/>
+          <p:cNvSpPr/>
+          <p:nvPr/>
+        </p:nvSpPr>
+        <p:spPr>
+          <a:xfrm>
+            <a:off x="318408" y="973134"/>
+            <a:ext cx="2170466" cy="369332"/>
+          </a:xfrm>
+          <a:prstGeom prst="rect">
+            <a:avLst/>
+          </a:prstGeom>
+        </p:spPr>
+        <p:txBody>
+          <a:bodyPr wrap="none">
+            <a:spAutoFit/>
+          </a:bodyPr>
+          <a:lstStyle/>
+          <a:p>
+            <a:pPr marL="285750" indent="-285750">
+              <a:buFont typeface="Arial" panose="020B0604020202020204" pitchFamily="34" charset="0"/>
+              <a:buChar char="•"/>
+            </a:pPr>
+            <a:r>
+              <a:rPr lang="en-US" b="1" dirty="0" smtClean="0">
+                <a:latin typeface="Garamond" panose="02020404030301010803" pitchFamily="18" charset="0"/>
+              </a:rPr>
+              <a:t>Energy Equation</a:t>
+            </a:r>
+            <a:endParaRPr lang="en-US" b="1" dirty="0">
+              <a:latin typeface="Garamond" panose="02020404030301010803" pitchFamily="18" charset="0"/>
+            </a:endParaRPr>
+          </a:p>
+        </p:txBody>
+      </p:sp>
+      <p:sp>
+        <p:nvSpPr>
+          <p:cNvPr id="15" name="TextBox 14"/>
+          <p:cNvSpPr txBox="1"/>
+          <p:nvPr/>
+        </p:nvSpPr>
+        <p:spPr>
+          <a:xfrm>
+            <a:off x="970938" y="3692231"/>
+            <a:ext cx="5489726" cy="338554"/>
+          </a:xfrm>
+          <a:prstGeom prst="rect">
+            <a:avLst/>
+          </a:prstGeom>
+          <a:noFill/>
+        </p:spPr>
+        <p:txBody>
+          <a:bodyPr wrap="square" rtlCol="0">
+            <a:spAutoFit/>
+          </a:bodyPr>
+          <a:lstStyle/>
+          <a:p>
+            <a:r>
+              <a:rPr lang="en-US" sz="1600" b="1" dirty="0" smtClean="0">
+                <a:latin typeface="Garamond" panose="02020404030301010803" pitchFamily="18" charset="0"/>
+              </a:rPr>
+              <a:t>Explicit expression 10</a:t>
+            </a:r>
+            <a:r>
+              <a:rPr lang="en-US" sz="1600" b="1" baseline="30000" dirty="0" smtClean="0">
+                <a:latin typeface="Garamond" panose="02020404030301010803" pitchFamily="18" charset="0"/>
+              </a:rPr>
+              <a:t>-6</a:t>
+            </a:r>
+            <a:r>
+              <a:rPr lang="en-US" sz="1600" b="1" dirty="0" smtClean="0">
+                <a:latin typeface="Garamond" panose="02020404030301010803" pitchFamily="18" charset="0"/>
+              </a:rPr>
+              <a:t> &lt; e/D, 10</a:t>
+            </a:r>
+            <a:r>
+              <a:rPr lang="en-US" sz="1600" b="1" baseline="30000" dirty="0" smtClean="0">
+                <a:latin typeface="Garamond" panose="02020404030301010803" pitchFamily="18" charset="0"/>
+              </a:rPr>
+              <a:t>-2</a:t>
+            </a:r>
+            <a:r>
+              <a:rPr lang="en-US" sz="1600" b="1" dirty="0" smtClean="0">
+                <a:latin typeface="Garamond" panose="02020404030301010803" pitchFamily="18" charset="0"/>
+              </a:rPr>
+              <a:t>; 5000 &lt; N</a:t>
+            </a:r>
+            <a:r>
+              <a:rPr lang="en-US" sz="1600" b="1" baseline="30000" dirty="0" smtClean="0">
+                <a:latin typeface="Garamond" panose="02020404030301010803" pitchFamily="18" charset="0"/>
+              </a:rPr>
+              <a:t>R</a:t>
+            </a:r>
+            <a:r>
+              <a:rPr lang="en-US" sz="1600" b="1" dirty="0" smtClean="0">
+                <a:latin typeface="Garamond" panose="02020404030301010803" pitchFamily="18" charset="0"/>
+              </a:rPr>
+              <a:t> &lt; 10</a:t>
+            </a:r>
+            <a:r>
+              <a:rPr lang="en-US" sz="1600" b="1" baseline="30000" dirty="0" smtClean="0">
+                <a:latin typeface="Garamond" panose="02020404030301010803" pitchFamily="18" charset="0"/>
+              </a:rPr>
+              <a:t>8</a:t>
+            </a:r>
+            <a:endParaRPr lang="en-US" sz="1600" b="1" baseline="30000" dirty="0">
               <a:latin typeface="Garamond" panose="02020404030301010803" pitchFamily="18" charset="0"/>
             </a:endParaRPr>
           </a:p>
@@ -9585,7 +10669,7 @@
     </p:spTree>
     <p:extLst>
       <p:ext uri="{BB962C8B-B14F-4D97-AF65-F5344CB8AC3E}">
-        <p14:creationId xmlns:p14="http://schemas.microsoft.com/office/powerpoint/2010/main" val="4267820247"/>
+        <p14:creationId xmlns:p14="http://schemas.microsoft.com/office/powerpoint/2010/main" val="1415982198"/>
       </p:ext>
     </p:extLst>
   </p:cSld>
